--- a/Slide_XLAS.pptx
+++ b/Slide_XLAS.pptx
@@ -22,9 +22,15 @@
     <p:sldId id="288" r:id="rId19"/>
     <p:sldId id="274" r:id="rId20"/>
     <p:sldId id="289" r:id="rId21"/>
-    <p:sldId id="262" r:id="rId22"/>
-    <p:sldId id="263" r:id="rId23"/>
-    <p:sldId id="265" r:id="rId24"/>
+    <p:sldId id="290" r:id="rId22"/>
+    <p:sldId id="291" r:id="rId23"/>
+    <p:sldId id="292" r:id="rId24"/>
+    <p:sldId id="293" r:id="rId25"/>
+    <p:sldId id="294" r:id="rId26"/>
+    <p:sldId id="295" r:id="rId27"/>
+    <p:sldId id="262" r:id="rId28"/>
+    <p:sldId id="263" r:id="rId29"/>
+    <p:sldId id="265" r:id="rId30"/>
   </p:sldIdLst>
   <p:sldSz cx="12192000" cy="6858000"/>
   <p:notesSz cx="6858000" cy="9144000"/>
@@ -2684,6 +2690,41 @@
         <a:bodyPr/>
         <a:lstStyle/>
         <a:p>
+          <a:r>
+            <a:rPr lang="en-US" dirty="0" smtClean="0">
+              <a:latin typeface="Times New Roman" panose="02020603050405020304" pitchFamily="18" charset="0"/>
+              <a:cs typeface="Times New Roman" panose="02020603050405020304" pitchFamily="18" charset="0"/>
+            </a:rPr>
+            <a:t>8. </a:t>
+          </a:r>
+          <a:r>
+            <a:rPr lang="en-US" dirty="0" err="1" smtClean="0">
+              <a:latin typeface="Times New Roman" panose="02020603050405020304" pitchFamily="18" charset="0"/>
+              <a:cs typeface="Times New Roman" panose="02020603050405020304" pitchFamily="18" charset="0"/>
+            </a:rPr>
+            <a:t>Bộ</a:t>
+          </a:r>
+          <a:r>
+            <a:rPr lang="en-US" dirty="0" smtClean="0">
+              <a:latin typeface="Times New Roman" panose="02020603050405020304" pitchFamily="18" charset="0"/>
+              <a:cs typeface="Times New Roman" panose="02020603050405020304" pitchFamily="18" charset="0"/>
+            </a:rPr>
+            <a:t> </a:t>
+          </a:r>
+          <a:r>
+            <a:rPr lang="en-US" dirty="0" err="1" smtClean="0">
+              <a:latin typeface="Times New Roman" panose="02020603050405020304" pitchFamily="18" charset="0"/>
+              <a:cs typeface="Times New Roman" panose="02020603050405020304" pitchFamily="18" charset="0"/>
+            </a:rPr>
+            <a:t>lọc</a:t>
+          </a:r>
+          <a:r>
+            <a:rPr lang="en-US" dirty="0" smtClean="0">
+              <a:latin typeface="Times New Roman" panose="02020603050405020304" pitchFamily="18" charset="0"/>
+              <a:cs typeface="Times New Roman" panose="02020603050405020304" pitchFamily="18" charset="0"/>
+            </a:rPr>
+            <a:t> Weiner</a:t>
+          </a:r>
           <a:endParaRPr lang="en-US" dirty="0">
             <a:latin typeface="Times New Roman" panose="02020603050405020304" pitchFamily="18" charset="0"/>
             <a:cs typeface="Times New Roman" panose="02020603050405020304" pitchFamily="18" charset="0"/>
@@ -3059,6 +3100,381 @@
         </a:p>
       </dgm:t>
     </dgm:pt>
+    <dgm:pt modelId="{537A9540-250D-4283-AAB6-7B718A9156B2}">
+      <dgm:prSet/>
+      <dgm:spPr/>
+      <dgm:t>
+        <a:bodyPr/>
+        <a:lstStyle/>
+        <a:p>
+          <a:r>
+            <a:rPr lang="en-US" dirty="0" smtClean="0">
+              <a:latin typeface="Times New Roman" panose="02020603050405020304" pitchFamily="18" charset="0"/>
+              <a:cs typeface="Times New Roman" panose="02020603050405020304" pitchFamily="18" charset="0"/>
+            </a:rPr>
+            <a:t>9. </a:t>
+          </a:r>
+          <a:r>
+            <a:rPr lang="en-US" dirty="0" err="1" smtClean="0">
+              <a:latin typeface="Times New Roman" panose="02020603050405020304" pitchFamily="18" charset="0"/>
+              <a:cs typeface="Times New Roman" panose="02020603050405020304" pitchFamily="18" charset="0"/>
+            </a:rPr>
+            <a:t>Bộ</a:t>
+          </a:r>
+          <a:r>
+            <a:rPr lang="en-US" dirty="0" smtClean="0">
+              <a:latin typeface="Times New Roman" panose="02020603050405020304" pitchFamily="18" charset="0"/>
+              <a:cs typeface="Times New Roman" panose="02020603050405020304" pitchFamily="18" charset="0"/>
+            </a:rPr>
+            <a:t> </a:t>
+          </a:r>
+          <a:r>
+            <a:rPr lang="en-US" dirty="0" err="1" smtClean="0">
+              <a:latin typeface="Times New Roman" panose="02020603050405020304" pitchFamily="18" charset="0"/>
+              <a:cs typeface="Times New Roman" panose="02020603050405020304" pitchFamily="18" charset="0"/>
+            </a:rPr>
+            <a:t>lọc</a:t>
+          </a:r>
+          <a:r>
+            <a:rPr lang="en-US" dirty="0" smtClean="0">
+              <a:latin typeface="Times New Roman" panose="02020603050405020304" pitchFamily="18" charset="0"/>
+              <a:cs typeface="Times New Roman" panose="02020603050405020304" pitchFamily="18" charset="0"/>
+            </a:rPr>
+            <a:t> </a:t>
+          </a:r>
+          <a:r>
+            <a:rPr lang="en-US" dirty="0" err="1" smtClean="0">
+              <a:latin typeface="Times New Roman" panose="02020603050405020304" pitchFamily="18" charset="0"/>
+              <a:cs typeface="Times New Roman" panose="02020603050405020304" pitchFamily="18" charset="0"/>
+            </a:rPr>
+            <a:t>hiệu</a:t>
+          </a:r>
+          <a:r>
+            <a:rPr lang="en-US" dirty="0" smtClean="0">
+              <a:latin typeface="Times New Roman" panose="02020603050405020304" pitchFamily="18" charset="0"/>
+              <a:cs typeface="Times New Roman" panose="02020603050405020304" pitchFamily="18" charset="0"/>
+            </a:rPr>
+            <a:t> </a:t>
+          </a:r>
+          <a:r>
+            <a:rPr lang="en-US" dirty="0" err="1" smtClean="0">
+              <a:latin typeface="Times New Roman" panose="02020603050405020304" pitchFamily="18" charset="0"/>
+              <a:cs typeface="Times New Roman" panose="02020603050405020304" pitchFamily="18" charset="0"/>
+            </a:rPr>
+            <a:t>ứng</a:t>
+          </a:r>
+          <a:r>
+            <a:rPr lang="en-US" dirty="0" smtClean="0">
+              <a:latin typeface="Times New Roman" panose="02020603050405020304" pitchFamily="18" charset="0"/>
+              <a:cs typeface="Times New Roman" panose="02020603050405020304" pitchFamily="18" charset="0"/>
+            </a:rPr>
+            <a:t> </a:t>
+          </a:r>
+          <a:r>
+            <a:rPr lang="en-US" dirty="0" err="1" smtClean="0">
+              <a:latin typeface="Times New Roman" panose="02020603050405020304" pitchFamily="18" charset="0"/>
+              <a:cs typeface="Times New Roman" panose="02020603050405020304" pitchFamily="18" charset="0"/>
+            </a:rPr>
+            <a:t>mùa</a:t>
+          </a:r>
+          <a:r>
+            <a:rPr lang="en-US" dirty="0" smtClean="0">
+              <a:latin typeface="Times New Roman" panose="02020603050405020304" pitchFamily="18" charset="0"/>
+              <a:cs typeface="Times New Roman" panose="02020603050405020304" pitchFamily="18" charset="0"/>
+            </a:rPr>
+            <a:t> </a:t>
+          </a:r>
+          <a:r>
+            <a:rPr lang="en-US" dirty="0" err="1" smtClean="0">
+              <a:latin typeface="Times New Roman" panose="02020603050405020304" pitchFamily="18" charset="0"/>
+              <a:cs typeface="Times New Roman" panose="02020603050405020304" pitchFamily="18" charset="0"/>
+            </a:rPr>
+            <a:t>đông</a:t>
+          </a:r>
+          <a:endParaRPr lang="en-US" dirty="0">
+            <a:latin typeface="Times New Roman" panose="02020603050405020304" pitchFamily="18" charset="0"/>
+            <a:cs typeface="Times New Roman" panose="02020603050405020304" pitchFamily="18" charset="0"/>
+          </a:endParaRPr>
+        </a:p>
+      </dgm:t>
+    </dgm:pt>
+    <dgm:pt modelId="{21BA53DF-CB71-4A73-B093-F95F4EBAC48E}" type="parTrans" cxnId="{8F3444C8-6ABA-40B2-A7D8-92485255E08A}">
+      <dgm:prSet/>
+      <dgm:spPr/>
+      <dgm:t>
+        <a:bodyPr/>
+        <a:lstStyle/>
+        <a:p>
+          <a:endParaRPr lang="en-US"/>
+        </a:p>
+      </dgm:t>
+    </dgm:pt>
+    <dgm:pt modelId="{460AE0CD-6A0C-4503-99A5-53B43EA346BB}" type="sibTrans" cxnId="{8F3444C8-6ABA-40B2-A7D8-92485255E08A}">
+      <dgm:prSet/>
+      <dgm:spPr/>
+      <dgm:t>
+        <a:bodyPr/>
+        <a:lstStyle/>
+        <a:p>
+          <a:endParaRPr lang="en-US"/>
+        </a:p>
+      </dgm:t>
+    </dgm:pt>
+    <dgm:pt modelId="{B2D79C50-875D-4538-984D-0111D40CFC47}">
+      <dgm:prSet/>
+      <dgm:spPr/>
+      <dgm:t>
+        <a:bodyPr/>
+        <a:lstStyle/>
+        <a:p>
+          <a:r>
+            <a:rPr lang="en-US" dirty="0" smtClean="0">
+              <a:latin typeface="Times New Roman" panose="02020603050405020304" pitchFamily="18" charset="0"/>
+              <a:cs typeface="Times New Roman" panose="02020603050405020304" pitchFamily="18" charset="0"/>
+            </a:rPr>
+            <a:t>10. </a:t>
+          </a:r>
+          <a:r>
+            <a:rPr lang="en-US" dirty="0" err="1" smtClean="0">
+              <a:latin typeface="Times New Roman" panose="02020603050405020304" pitchFamily="18" charset="0"/>
+              <a:cs typeface="Times New Roman" panose="02020603050405020304" pitchFamily="18" charset="0"/>
+            </a:rPr>
+            <a:t>Bộ</a:t>
+          </a:r>
+          <a:r>
+            <a:rPr lang="en-US" dirty="0" smtClean="0">
+              <a:latin typeface="Times New Roman" panose="02020603050405020304" pitchFamily="18" charset="0"/>
+              <a:cs typeface="Times New Roman" panose="02020603050405020304" pitchFamily="18" charset="0"/>
+            </a:rPr>
+            <a:t> </a:t>
+          </a:r>
+          <a:r>
+            <a:rPr lang="en-US" dirty="0" err="1" smtClean="0">
+              <a:latin typeface="Times New Roman" panose="02020603050405020304" pitchFamily="18" charset="0"/>
+              <a:cs typeface="Times New Roman" panose="02020603050405020304" pitchFamily="18" charset="0"/>
+            </a:rPr>
+            <a:t>lọc</a:t>
+          </a:r>
+          <a:r>
+            <a:rPr lang="en-US" dirty="0" smtClean="0">
+              <a:latin typeface="Times New Roman" panose="02020603050405020304" pitchFamily="18" charset="0"/>
+              <a:cs typeface="Times New Roman" panose="02020603050405020304" pitchFamily="18" charset="0"/>
+            </a:rPr>
+            <a:t> DFT</a:t>
+          </a:r>
+          <a:endParaRPr lang="en-US" dirty="0">
+            <a:latin typeface="Times New Roman" panose="02020603050405020304" pitchFamily="18" charset="0"/>
+            <a:cs typeface="Times New Roman" panose="02020603050405020304" pitchFamily="18" charset="0"/>
+          </a:endParaRPr>
+        </a:p>
+      </dgm:t>
+    </dgm:pt>
+    <dgm:pt modelId="{A2AA8513-5639-45FC-910B-7F08BEE4750A}" type="parTrans" cxnId="{1374ADED-15ED-437D-B912-09CB26DDDB89}">
+      <dgm:prSet/>
+      <dgm:spPr/>
+      <dgm:t>
+        <a:bodyPr/>
+        <a:lstStyle/>
+        <a:p>
+          <a:endParaRPr lang="en-US"/>
+        </a:p>
+      </dgm:t>
+    </dgm:pt>
+    <dgm:pt modelId="{F2556589-1E03-45F5-9758-908EA79534DE}" type="sibTrans" cxnId="{1374ADED-15ED-437D-B912-09CB26DDDB89}">
+      <dgm:prSet/>
+      <dgm:spPr/>
+      <dgm:t>
+        <a:bodyPr/>
+        <a:lstStyle/>
+        <a:p>
+          <a:endParaRPr lang="en-US"/>
+        </a:p>
+      </dgm:t>
+    </dgm:pt>
+    <dgm:pt modelId="{435C1ECD-96A0-4374-BA7D-B40C65AAD76E}">
+      <dgm:prSet/>
+      <dgm:spPr/>
+      <dgm:t>
+        <a:bodyPr/>
+        <a:lstStyle/>
+        <a:p>
+          <a:r>
+            <a:rPr lang="en-US" dirty="0" smtClean="0">
+              <a:latin typeface="Times New Roman" panose="02020603050405020304" pitchFamily="18" charset="0"/>
+              <a:cs typeface="Times New Roman" panose="02020603050405020304" pitchFamily="18" charset="0"/>
+            </a:rPr>
+            <a:t>11. </a:t>
+          </a:r>
+          <a:r>
+            <a:rPr lang="en-US" dirty="0" err="1" smtClean="0">
+              <a:latin typeface="Times New Roman" panose="02020603050405020304" pitchFamily="18" charset="0"/>
+              <a:cs typeface="Times New Roman" panose="02020603050405020304" pitchFamily="18" charset="0"/>
+            </a:rPr>
+            <a:t>Xây</a:t>
+          </a:r>
+          <a:r>
+            <a:rPr lang="en-US" dirty="0" smtClean="0">
+              <a:latin typeface="Times New Roman" panose="02020603050405020304" pitchFamily="18" charset="0"/>
+              <a:cs typeface="Times New Roman" panose="02020603050405020304" pitchFamily="18" charset="0"/>
+            </a:rPr>
+            <a:t> </a:t>
+          </a:r>
+          <a:r>
+            <a:rPr lang="en-US" dirty="0" err="1" smtClean="0">
+              <a:latin typeface="Times New Roman" panose="02020603050405020304" pitchFamily="18" charset="0"/>
+              <a:cs typeface="Times New Roman" panose="02020603050405020304" pitchFamily="18" charset="0"/>
+            </a:rPr>
+            <a:t>dựng</a:t>
+          </a:r>
+          <a:r>
+            <a:rPr lang="en-US" dirty="0" smtClean="0">
+              <a:latin typeface="Times New Roman" panose="02020603050405020304" pitchFamily="18" charset="0"/>
+              <a:cs typeface="Times New Roman" panose="02020603050405020304" pitchFamily="18" charset="0"/>
+            </a:rPr>
+            <a:t> </a:t>
+          </a:r>
+          <a:r>
+            <a:rPr lang="en-US" dirty="0" err="1" smtClean="0">
+              <a:latin typeface="Times New Roman" panose="02020603050405020304" pitchFamily="18" charset="0"/>
+              <a:cs typeface="Times New Roman" panose="02020603050405020304" pitchFamily="18" charset="0"/>
+            </a:rPr>
+            <a:t>hệ</a:t>
+          </a:r>
+          <a:r>
+            <a:rPr lang="en-US" dirty="0" smtClean="0">
+              <a:latin typeface="Times New Roman" panose="02020603050405020304" pitchFamily="18" charset="0"/>
+              <a:cs typeface="Times New Roman" panose="02020603050405020304" pitchFamily="18" charset="0"/>
+            </a:rPr>
+            <a:t> </a:t>
+          </a:r>
+          <a:r>
+            <a:rPr lang="en-US" dirty="0" err="1" smtClean="0">
+              <a:latin typeface="Times New Roman" panose="02020603050405020304" pitchFamily="18" charset="0"/>
+              <a:cs typeface="Times New Roman" panose="02020603050405020304" pitchFamily="18" charset="0"/>
+            </a:rPr>
+            <a:t>thống</a:t>
+          </a:r>
+          <a:r>
+            <a:rPr lang="en-US" dirty="0" smtClean="0">
+              <a:latin typeface="Times New Roman" panose="02020603050405020304" pitchFamily="18" charset="0"/>
+              <a:cs typeface="Times New Roman" panose="02020603050405020304" pitchFamily="18" charset="0"/>
+            </a:rPr>
+            <a:t> </a:t>
+          </a:r>
+          <a:r>
+            <a:rPr lang="en-US" dirty="0" err="1" smtClean="0">
+              <a:latin typeface="Times New Roman" panose="02020603050405020304" pitchFamily="18" charset="0"/>
+              <a:cs typeface="Times New Roman" panose="02020603050405020304" pitchFamily="18" charset="0"/>
+            </a:rPr>
+            <a:t>ứng</a:t>
+          </a:r>
+          <a:r>
+            <a:rPr lang="en-US" dirty="0" smtClean="0">
+              <a:latin typeface="Times New Roman" panose="02020603050405020304" pitchFamily="18" charset="0"/>
+              <a:cs typeface="Times New Roman" panose="02020603050405020304" pitchFamily="18" charset="0"/>
+            </a:rPr>
+            <a:t> </a:t>
+          </a:r>
+          <a:r>
+            <a:rPr lang="en-US" dirty="0" err="1" smtClean="0">
+              <a:latin typeface="Times New Roman" panose="02020603050405020304" pitchFamily="18" charset="0"/>
+              <a:cs typeface="Times New Roman" panose="02020603050405020304" pitchFamily="18" charset="0"/>
+            </a:rPr>
+            <a:t>dụng</a:t>
+          </a:r>
+          <a:endParaRPr lang="en-US" dirty="0">
+            <a:latin typeface="Times New Roman" panose="02020603050405020304" pitchFamily="18" charset="0"/>
+            <a:cs typeface="Times New Roman" panose="02020603050405020304" pitchFamily="18" charset="0"/>
+          </a:endParaRPr>
+        </a:p>
+      </dgm:t>
+    </dgm:pt>
+    <dgm:pt modelId="{6C47245D-3DA8-432D-86BA-089B89C4F63A}" type="parTrans" cxnId="{0B7B755C-8EE0-4D3E-989D-6A2C96C34362}">
+      <dgm:prSet/>
+      <dgm:spPr/>
+      <dgm:t>
+        <a:bodyPr/>
+        <a:lstStyle/>
+        <a:p>
+          <a:endParaRPr lang="en-US"/>
+        </a:p>
+      </dgm:t>
+    </dgm:pt>
+    <dgm:pt modelId="{C340ED75-914B-4C69-9824-789D452400BE}" type="sibTrans" cxnId="{0B7B755C-8EE0-4D3E-989D-6A2C96C34362}">
+      <dgm:prSet/>
+      <dgm:spPr/>
+      <dgm:t>
+        <a:bodyPr/>
+        <a:lstStyle/>
+        <a:p>
+          <a:endParaRPr lang="en-US"/>
+        </a:p>
+      </dgm:t>
+    </dgm:pt>
+    <dgm:pt modelId="{55F5F5AE-06BB-43E5-8114-250C77920B41}">
+      <dgm:prSet/>
+      <dgm:spPr/>
+      <dgm:t>
+        <a:bodyPr/>
+        <a:lstStyle/>
+        <a:p>
+          <a:r>
+            <a:rPr lang="en-US" dirty="0" smtClean="0">
+              <a:latin typeface="Times New Roman" panose="02020603050405020304" pitchFamily="18" charset="0"/>
+              <a:cs typeface="Times New Roman" panose="02020603050405020304" pitchFamily="18" charset="0"/>
+            </a:rPr>
+            <a:t>12. </a:t>
+          </a:r>
+          <a:r>
+            <a:rPr lang="en-US" dirty="0" err="1" smtClean="0">
+              <a:latin typeface="Times New Roman" panose="02020603050405020304" pitchFamily="18" charset="0"/>
+              <a:cs typeface="Times New Roman" panose="02020603050405020304" pitchFamily="18" charset="0"/>
+            </a:rPr>
+            <a:t>Tổng</a:t>
+          </a:r>
+          <a:r>
+            <a:rPr lang="en-US" dirty="0" smtClean="0">
+              <a:latin typeface="Times New Roman" panose="02020603050405020304" pitchFamily="18" charset="0"/>
+              <a:cs typeface="Times New Roman" panose="02020603050405020304" pitchFamily="18" charset="0"/>
+            </a:rPr>
+            <a:t> </a:t>
+          </a:r>
+          <a:r>
+            <a:rPr lang="en-US" dirty="0" err="1" smtClean="0">
+              <a:latin typeface="Times New Roman" panose="02020603050405020304" pitchFamily="18" charset="0"/>
+              <a:cs typeface="Times New Roman" panose="02020603050405020304" pitchFamily="18" charset="0"/>
+            </a:rPr>
+            <a:t>kết</a:t>
+          </a:r>
+          <a:endParaRPr lang="en-US" dirty="0">
+            <a:latin typeface="Times New Roman" panose="02020603050405020304" pitchFamily="18" charset="0"/>
+            <a:cs typeface="Times New Roman" panose="02020603050405020304" pitchFamily="18" charset="0"/>
+          </a:endParaRPr>
+        </a:p>
+      </dgm:t>
+    </dgm:pt>
+    <dgm:pt modelId="{EC50C22D-E6CD-4745-B354-0A77013C731B}" type="parTrans" cxnId="{955C635D-F1A1-49E7-A825-D0F1319C07A9}">
+      <dgm:prSet/>
+      <dgm:spPr/>
+      <dgm:t>
+        <a:bodyPr/>
+        <a:lstStyle/>
+        <a:p>
+          <a:endParaRPr lang="en-US"/>
+        </a:p>
+      </dgm:t>
+    </dgm:pt>
+    <dgm:pt modelId="{26571760-E0F4-4F2A-BCAF-317BDC29C51D}" type="sibTrans" cxnId="{955C635D-F1A1-49E7-A825-D0F1319C07A9}">
+      <dgm:prSet/>
+      <dgm:spPr/>
+      <dgm:t>
+        <a:bodyPr/>
+        <a:lstStyle/>
+        <a:p>
+          <a:endParaRPr lang="en-US"/>
+        </a:p>
+      </dgm:t>
+    </dgm:pt>
     <dgm:pt modelId="{61562156-29BA-40D7-AE34-69FCC52F05C4}" type="pres">
       <dgm:prSet presAssocID="{200F5E46-3E65-42E5-A217-0D75E9EA1876}" presName="vert0" presStyleCnt="0">
         <dgm:presLayoutVars>
@@ -3077,7 +3493,7 @@
       </dgm:t>
     </dgm:pt>
     <dgm:pt modelId="{D8BB02E0-BB33-4278-9908-05C3273323EC}" type="pres">
-      <dgm:prSet presAssocID="{714E248B-9C54-462B-ABC7-7BC92B91C301}" presName="thickLine" presStyleLbl="alignNode1" presStyleIdx="0" presStyleCnt="8"/>
+      <dgm:prSet presAssocID="{714E248B-9C54-462B-ABC7-7BC92B91C301}" presName="thickLine" presStyleLbl="alignNode1" presStyleIdx="0" presStyleCnt="12"/>
       <dgm:spPr/>
     </dgm:pt>
     <dgm:pt modelId="{31E94AD9-38BA-4A83-9201-835A486E89CA}" type="pres">
@@ -3085,7 +3501,7 @@
       <dgm:spPr/>
     </dgm:pt>
     <dgm:pt modelId="{F1885596-8E55-43C9-888F-3942134CE937}" type="pres">
-      <dgm:prSet presAssocID="{714E248B-9C54-462B-ABC7-7BC92B91C301}" presName="tx1" presStyleLbl="revTx" presStyleIdx="0" presStyleCnt="8"/>
+      <dgm:prSet presAssocID="{714E248B-9C54-462B-ABC7-7BC92B91C301}" presName="tx1" presStyleLbl="revTx" presStyleIdx="0" presStyleCnt="12"/>
       <dgm:spPr/>
       <dgm:t>
         <a:bodyPr/>
@@ -3100,7 +3516,7 @@
       <dgm:spPr/>
     </dgm:pt>
     <dgm:pt modelId="{E43F1C64-E449-4EA1-B446-52E116D0BE9F}" type="pres">
-      <dgm:prSet presAssocID="{2B72F04B-1BC4-4A96-904A-FB46EC0123DC}" presName="thickLine" presStyleLbl="alignNode1" presStyleIdx="1" presStyleCnt="8"/>
+      <dgm:prSet presAssocID="{2B72F04B-1BC4-4A96-904A-FB46EC0123DC}" presName="thickLine" presStyleLbl="alignNode1" presStyleIdx="1" presStyleCnt="12"/>
       <dgm:spPr/>
     </dgm:pt>
     <dgm:pt modelId="{6C6B4547-4C76-4F50-AF6C-DC25E56E05CD}" type="pres">
@@ -3108,7 +3524,7 @@
       <dgm:spPr/>
     </dgm:pt>
     <dgm:pt modelId="{44E26DBE-CC24-4914-9721-4BF5E7435119}" type="pres">
-      <dgm:prSet presAssocID="{2B72F04B-1BC4-4A96-904A-FB46EC0123DC}" presName="tx1" presStyleLbl="revTx" presStyleIdx="1" presStyleCnt="8"/>
+      <dgm:prSet presAssocID="{2B72F04B-1BC4-4A96-904A-FB46EC0123DC}" presName="tx1" presStyleLbl="revTx" presStyleIdx="1" presStyleCnt="12"/>
       <dgm:spPr/>
       <dgm:t>
         <a:bodyPr/>
@@ -3123,7 +3539,7 @@
       <dgm:spPr/>
     </dgm:pt>
     <dgm:pt modelId="{5786DF28-100C-4865-AFF8-5ADE12DF6FB5}" type="pres">
-      <dgm:prSet presAssocID="{0ACA3E18-085F-4DE0-A4E9-4A1D6C746636}" presName="thickLine" presStyleLbl="alignNode1" presStyleIdx="2" presStyleCnt="8"/>
+      <dgm:prSet presAssocID="{0ACA3E18-085F-4DE0-A4E9-4A1D6C746636}" presName="thickLine" presStyleLbl="alignNode1" presStyleIdx="2" presStyleCnt="12"/>
       <dgm:spPr/>
     </dgm:pt>
     <dgm:pt modelId="{AC342782-2929-47AF-901D-994BF39F5287}" type="pres">
@@ -3131,7 +3547,7 @@
       <dgm:spPr/>
     </dgm:pt>
     <dgm:pt modelId="{64950E9D-D8C8-4DEB-A958-BA244B2FE798}" type="pres">
-      <dgm:prSet presAssocID="{0ACA3E18-085F-4DE0-A4E9-4A1D6C746636}" presName="tx1" presStyleLbl="revTx" presStyleIdx="2" presStyleCnt="8"/>
+      <dgm:prSet presAssocID="{0ACA3E18-085F-4DE0-A4E9-4A1D6C746636}" presName="tx1" presStyleLbl="revTx" presStyleIdx="2" presStyleCnt="12"/>
       <dgm:spPr/>
       <dgm:t>
         <a:bodyPr/>
@@ -3146,7 +3562,7 @@
       <dgm:spPr/>
     </dgm:pt>
     <dgm:pt modelId="{DAD8C701-EFEE-459A-AC16-9A7C0958A989}" type="pres">
-      <dgm:prSet presAssocID="{83C2C66C-B9E9-4A70-A7F5-D543A25CE26B}" presName="thickLine" presStyleLbl="alignNode1" presStyleIdx="3" presStyleCnt="8"/>
+      <dgm:prSet presAssocID="{83C2C66C-B9E9-4A70-A7F5-D543A25CE26B}" presName="thickLine" presStyleLbl="alignNode1" presStyleIdx="3" presStyleCnt="12"/>
       <dgm:spPr/>
     </dgm:pt>
     <dgm:pt modelId="{78AC8562-EA83-4C28-B2D7-DB4E9A9A8CAE}" type="pres">
@@ -3154,7 +3570,7 @@
       <dgm:spPr/>
     </dgm:pt>
     <dgm:pt modelId="{D3A68172-3E2A-4868-B51D-C738A8BCEF40}" type="pres">
-      <dgm:prSet presAssocID="{83C2C66C-B9E9-4A70-A7F5-D543A25CE26B}" presName="tx1" presStyleLbl="revTx" presStyleIdx="3" presStyleCnt="8"/>
+      <dgm:prSet presAssocID="{83C2C66C-B9E9-4A70-A7F5-D543A25CE26B}" presName="tx1" presStyleLbl="revTx" presStyleIdx="3" presStyleCnt="12"/>
       <dgm:spPr/>
       <dgm:t>
         <a:bodyPr/>
@@ -3169,7 +3585,7 @@
       <dgm:spPr/>
     </dgm:pt>
     <dgm:pt modelId="{2854A0CC-A8CC-407A-AD5E-19641C4ECF9E}" type="pres">
-      <dgm:prSet presAssocID="{CF4723D4-B0E1-4BE5-9C92-A145A6829F54}" presName="thickLine" presStyleLbl="alignNode1" presStyleIdx="4" presStyleCnt="8"/>
+      <dgm:prSet presAssocID="{CF4723D4-B0E1-4BE5-9C92-A145A6829F54}" presName="thickLine" presStyleLbl="alignNode1" presStyleIdx="4" presStyleCnt="12"/>
       <dgm:spPr/>
     </dgm:pt>
     <dgm:pt modelId="{7F6A281D-9558-439E-BAFA-CCB93BAF774F}" type="pres">
@@ -3177,7 +3593,7 @@
       <dgm:spPr/>
     </dgm:pt>
     <dgm:pt modelId="{BC1B0E12-4E93-4D42-B1B3-FD25E3878B6E}" type="pres">
-      <dgm:prSet presAssocID="{CF4723D4-B0E1-4BE5-9C92-A145A6829F54}" presName="tx1" presStyleLbl="revTx" presStyleIdx="4" presStyleCnt="8"/>
+      <dgm:prSet presAssocID="{CF4723D4-B0E1-4BE5-9C92-A145A6829F54}" presName="tx1" presStyleLbl="revTx" presStyleIdx="4" presStyleCnt="12"/>
       <dgm:spPr/>
       <dgm:t>
         <a:bodyPr/>
@@ -3192,7 +3608,7 @@
       <dgm:spPr/>
     </dgm:pt>
     <dgm:pt modelId="{76977A9F-4202-4B8F-A20E-01818ED9056E}" type="pres">
-      <dgm:prSet presAssocID="{489E6CA8-96F1-4439-A25A-652D7530DF07}" presName="thickLine" presStyleLbl="alignNode1" presStyleIdx="5" presStyleCnt="8"/>
+      <dgm:prSet presAssocID="{489E6CA8-96F1-4439-A25A-652D7530DF07}" presName="thickLine" presStyleLbl="alignNode1" presStyleIdx="5" presStyleCnt="12"/>
       <dgm:spPr/>
     </dgm:pt>
     <dgm:pt modelId="{5CEE583C-3A52-4BCC-816A-155E73447522}" type="pres">
@@ -3200,7 +3616,7 @@
       <dgm:spPr/>
     </dgm:pt>
     <dgm:pt modelId="{CE8ED2E9-7AAC-463E-97DE-D3A6C0A6F8A3}" type="pres">
-      <dgm:prSet presAssocID="{489E6CA8-96F1-4439-A25A-652D7530DF07}" presName="tx1" presStyleLbl="revTx" presStyleIdx="5" presStyleCnt="8"/>
+      <dgm:prSet presAssocID="{489E6CA8-96F1-4439-A25A-652D7530DF07}" presName="tx1" presStyleLbl="revTx" presStyleIdx="5" presStyleCnt="12"/>
       <dgm:spPr/>
       <dgm:t>
         <a:bodyPr/>
@@ -3215,7 +3631,7 @@
       <dgm:spPr/>
     </dgm:pt>
     <dgm:pt modelId="{2565DE1A-7D99-4E7B-925E-E92B84AF84BA}" type="pres">
-      <dgm:prSet presAssocID="{ACB405AF-FE6E-4BB6-880B-B6E2AADA973E}" presName="thickLine" presStyleLbl="alignNode1" presStyleIdx="6" presStyleCnt="8"/>
+      <dgm:prSet presAssocID="{ACB405AF-FE6E-4BB6-880B-B6E2AADA973E}" presName="thickLine" presStyleLbl="alignNode1" presStyleIdx="6" presStyleCnt="12"/>
       <dgm:spPr/>
     </dgm:pt>
     <dgm:pt modelId="{CF620088-F466-433E-81CC-5264F827B5E4}" type="pres">
@@ -3223,7 +3639,7 @@
       <dgm:spPr/>
     </dgm:pt>
     <dgm:pt modelId="{1E55C01B-630C-429F-B119-003FA743F9F2}" type="pres">
-      <dgm:prSet presAssocID="{ACB405AF-FE6E-4BB6-880B-B6E2AADA973E}" presName="tx1" presStyleLbl="revTx" presStyleIdx="6" presStyleCnt="8"/>
+      <dgm:prSet presAssocID="{ACB405AF-FE6E-4BB6-880B-B6E2AADA973E}" presName="tx1" presStyleLbl="revTx" presStyleIdx="6" presStyleCnt="12"/>
       <dgm:spPr/>
       <dgm:t>
         <a:bodyPr/>
@@ -3238,7 +3654,7 @@
       <dgm:spPr/>
     </dgm:pt>
     <dgm:pt modelId="{06D6B532-EDF7-463C-A014-9B5C2DD182C4}" type="pres">
-      <dgm:prSet presAssocID="{E92E9E40-BD5F-4C62-A727-0C871DBDBEDD}" presName="thickLine" presStyleLbl="alignNode1" presStyleIdx="7" presStyleCnt="8"/>
+      <dgm:prSet presAssocID="{E92E9E40-BD5F-4C62-A727-0C871DBDBEDD}" presName="thickLine" presStyleLbl="alignNode1" presStyleIdx="7" presStyleCnt="12"/>
       <dgm:spPr/>
     </dgm:pt>
     <dgm:pt modelId="{0E1D91F4-D774-485A-99A4-93310206349B}" type="pres">
@@ -3246,7 +3662,7 @@
       <dgm:spPr/>
     </dgm:pt>
     <dgm:pt modelId="{CD38C186-86FF-4107-A0EB-4DDE13B186E0}" type="pres">
-      <dgm:prSet presAssocID="{E92E9E40-BD5F-4C62-A727-0C871DBDBEDD}" presName="tx1" presStyleLbl="revTx" presStyleIdx="7" presStyleCnt="8"/>
+      <dgm:prSet presAssocID="{E92E9E40-BD5F-4C62-A727-0C871DBDBEDD}" presName="tx1" presStyleLbl="revTx" presStyleIdx="7" presStyleCnt="12"/>
       <dgm:spPr/>
       <dgm:t>
         <a:bodyPr/>
@@ -3260,25 +3676,125 @@
       <dgm:prSet presAssocID="{E92E9E40-BD5F-4C62-A727-0C871DBDBEDD}" presName="vert1" presStyleCnt="0"/>
       <dgm:spPr/>
     </dgm:pt>
+    <dgm:pt modelId="{27A8C552-8199-4D26-AE43-499BB05CBC61}" type="pres">
+      <dgm:prSet presAssocID="{537A9540-250D-4283-AAB6-7B718A9156B2}" presName="thickLine" presStyleLbl="alignNode1" presStyleIdx="8" presStyleCnt="12"/>
+      <dgm:spPr/>
+    </dgm:pt>
+    <dgm:pt modelId="{A6554788-5775-4FF3-BF20-A587F4F06384}" type="pres">
+      <dgm:prSet presAssocID="{537A9540-250D-4283-AAB6-7B718A9156B2}" presName="horz1" presStyleCnt="0"/>
+      <dgm:spPr/>
+    </dgm:pt>
+    <dgm:pt modelId="{B5EA07CC-EA40-4CD1-9F7C-86204265B84D}" type="pres">
+      <dgm:prSet presAssocID="{537A9540-250D-4283-AAB6-7B718A9156B2}" presName="tx1" presStyleLbl="revTx" presStyleIdx="8" presStyleCnt="12"/>
+      <dgm:spPr/>
+      <dgm:t>
+        <a:bodyPr/>
+        <a:lstStyle/>
+        <a:p>
+          <a:endParaRPr lang="en-US"/>
+        </a:p>
+      </dgm:t>
+    </dgm:pt>
+    <dgm:pt modelId="{727B0699-8B55-4EC9-9E10-5EEFB72D556B}" type="pres">
+      <dgm:prSet presAssocID="{537A9540-250D-4283-AAB6-7B718A9156B2}" presName="vert1" presStyleCnt="0"/>
+      <dgm:spPr/>
+    </dgm:pt>
+    <dgm:pt modelId="{B5BAA194-EDED-4F8A-92E5-CFE8DCA5416B}" type="pres">
+      <dgm:prSet presAssocID="{B2D79C50-875D-4538-984D-0111D40CFC47}" presName="thickLine" presStyleLbl="alignNode1" presStyleIdx="9" presStyleCnt="12"/>
+      <dgm:spPr/>
+    </dgm:pt>
+    <dgm:pt modelId="{0AD825DF-AC39-4099-8331-07FB54EC64CB}" type="pres">
+      <dgm:prSet presAssocID="{B2D79C50-875D-4538-984D-0111D40CFC47}" presName="horz1" presStyleCnt="0"/>
+      <dgm:spPr/>
+    </dgm:pt>
+    <dgm:pt modelId="{747657EB-FD64-43E9-8467-D39CD6930F1D}" type="pres">
+      <dgm:prSet presAssocID="{B2D79C50-875D-4538-984D-0111D40CFC47}" presName="tx1" presStyleLbl="revTx" presStyleIdx="9" presStyleCnt="12"/>
+      <dgm:spPr/>
+      <dgm:t>
+        <a:bodyPr/>
+        <a:lstStyle/>
+        <a:p>
+          <a:endParaRPr lang="en-US"/>
+        </a:p>
+      </dgm:t>
+    </dgm:pt>
+    <dgm:pt modelId="{DFD85159-3AD2-4A05-AD01-5EE2C1DBAC60}" type="pres">
+      <dgm:prSet presAssocID="{B2D79C50-875D-4538-984D-0111D40CFC47}" presName="vert1" presStyleCnt="0"/>
+      <dgm:spPr/>
+    </dgm:pt>
+    <dgm:pt modelId="{F1B5198A-54C3-4B76-B61B-E2991BBEFD5F}" type="pres">
+      <dgm:prSet presAssocID="{435C1ECD-96A0-4374-BA7D-B40C65AAD76E}" presName="thickLine" presStyleLbl="alignNode1" presStyleIdx="10" presStyleCnt="12"/>
+      <dgm:spPr/>
+    </dgm:pt>
+    <dgm:pt modelId="{FBABFF77-ED4F-4592-BCEC-58DCA9E4B401}" type="pres">
+      <dgm:prSet presAssocID="{435C1ECD-96A0-4374-BA7D-B40C65AAD76E}" presName="horz1" presStyleCnt="0"/>
+      <dgm:spPr/>
+    </dgm:pt>
+    <dgm:pt modelId="{3D60CA4E-8624-4877-92B3-977491F59467}" type="pres">
+      <dgm:prSet presAssocID="{435C1ECD-96A0-4374-BA7D-B40C65AAD76E}" presName="tx1" presStyleLbl="revTx" presStyleIdx="10" presStyleCnt="12"/>
+      <dgm:spPr/>
+      <dgm:t>
+        <a:bodyPr/>
+        <a:lstStyle/>
+        <a:p>
+          <a:endParaRPr lang="en-US"/>
+        </a:p>
+      </dgm:t>
+    </dgm:pt>
+    <dgm:pt modelId="{87B5C819-CAF8-42D6-A498-6C7735AAD9F7}" type="pres">
+      <dgm:prSet presAssocID="{435C1ECD-96A0-4374-BA7D-B40C65AAD76E}" presName="vert1" presStyleCnt="0"/>
+      <dgm:spPr/>
+    </dgm:pt>
+    <dgm:pt modelId="{8AA137DD-C38F-436A-BFD1-167686460853}" type="pres">
+      <dgm:prSet presAssocID="{55F5F5AE-06BB-43E5-8114-250C77920B41}" presName="thickLine" presStyleLbl="alignNode1" presStyleIdx="11" presStyleCnt="12"/>
+      <dgm:spPr/>
+    </dgm:pt>
+    <dgm:pt modelId="{D8FB234D-9880-4264-B3BB-A8AB2F65DF01}" type="pres">
+      <dgm:prSet presAssocID="{55F5F5AE-06BB-43E5-8114-250C77920B41}" presName="horz1" presStyleCnt="0"/>
+      <dgm:spPr/>
+    </dgm:pt>
+    <dgm:pt modelId="{A2AB0410-1774-4680-98B8-8DE756222F20}" type="pres">
+      <dgm:prSet presAssocID="{55F5F5AE-06BB-43E5-8114-250C77920B41}" presName="tx1" presStyleLbl="revTx" presStyleIdx="11" presStyleCnt="12"/>
+      <dgm:spPr/>
+      <dgm:t>
+        <a:bodyPr/>
+        <a:lstStyle/>
+        <a:p>
+          <a:endParaRPr lang="en-US"/>
+        </a:p>
+      </dgm:t>
+    </dgm:pt>
+    <dgm:pt modelId="{5A407206-BAE8-487F-98F4-742476C71B6B}" type="pres">
+      <dgm:prSet presAssocID="{55F5F5AE-06BB-43E5-8114-250C77920B41}" presName="vert1" presStyleCnt="0"/>
+      <dgm:spPr/>
+    </dgm:pt>
   </dgm:ptLst>
   <dgm:cxnLst>
+    <dgm:cxn modelId="{5F1AB51C-BAF9-4CFF-B5E3-EF4DD4983F76}" type="presOf" srcId="{0ACA3E18-085F-4DE0-A4E9-4A1D6C746636}" destId="{64950E9D-D8C8-4DEB-A958-BA244B2FE798}" srcOrd="0" destOrd="0" presId="urn:microsoft.com/office/officeart/2008/layout/LinedList"/>
     <dgm:cxn modelId="{6A2507BB-620C-40C8-A262-906352E06661}" srcId="{200F5E46-3E65-42E5-A217-0D75E9EA1876}" destId="{489E6CA8-96F1-4439-A25A-652D7530DF07}" srcOrd="5" destOrd="0" parTransId="{3E164354-8CD0-4EAE-B7E8-1D1F7D9D2A58}" sibTransId="{66A682F6-3526-49BF-92B7-F93D0C9B75A8}"/>
-    <dgm:cxn modelId="{BB72F4C1-05CB-4F8D-AC22-DE110E5E7815}" type="presOf" srcId="{714E248B-9C54-462B-ABC7-7BC92B91C301}" destId="{F1885596-8E55-43C9-888F-3942134CE937}" srcOrd="0" destOrd="0" presId="urn:microsoft.com/office/officeart/2008/layout/LinedList"/>
-    <dgm:cxn modelId="{1C0C7F8A-094E-4EB4-9C0D-0BAEA15873C6}" srcId="{200F5E46-3E65-42E5-A217-0D75E9EA1876}" destId="{CF4723D4-B0E1-4BE5-9C92-A145A6829F54}" srcOrd="4" destOrd="0" parTransId="{7577CE40-E8C3-4652-AF89-3F844E720771}" sibTransId="{1A806F0B-2439-4F73-A3EB-01BAC051F649}"/>
+    <dgm:cxn modelId="{16F21EB0-4D20-4BF1-93B1-961C493CF69F}" srcId="{200F5E46-3E65-42E5-A217-0D75E9EA1876}" destId="{0ACA3E18-085F-4DE0-A4E9-4A1D6C746636}" srcOrd="2" destOrd="0" parTransId="{F1C1801C-6580-461E-B73F-5A1B6B330390}" sibTransId="{514FFDC0-7FE9-4B77-94AA-F9A88E864727}"/>
+    <dgm:cxn modelId="{0B7B755C-8EE0-4D3E-989D-6A2C96C34362}" srcId="{200F5E46-3E65-42E5-A217-0D75E9EA1876}" destId="{435C1ECD-96A0-4374-BA7D-B40C65AAD76E}" srcOrd="10" destOrd="0" parTransId="{6C47245D-3DA8-432D-86BA-089B89C4F63A}" sibTransId="{C340ED75-914B-4C69-9824-789D452400BE}"/>
+    <dgm:cxn modelId="{DEA505B5-79D7-4CAE-A7F6-9E1705446607}" type="presOf" srcId="{200F5E46-3E65-42E5-A217-0D75E9EA1876}" destId="{61562156-29BA-40D7-AE34-69FCC52F05C4}" srcOrd="0" destOrd="0" presId="urn:microsoft.com/office/officeart/2008/layout/LinedList"/>
+    <dgm:cxn modelId="{D996F420-0009-41AA-84DD-FCFFED39792B}" type="presOf" srcId="{435C1ECD-96A0-4374-BA7D-B40C65AAD76E}" destId="{3D60CA4E-8624-4877-92B3-977491F59467}" srcOrd="0" destOrd="0" presId="urn:microsoft.com/office/officeart/2008/layout/LinedList"/>
+    <dgm:cxn modelId="{D438A789-8D58-42DD-810B-122D2B61F622}" type="presOf" srcId="{E92E9E40-BD5F-4C62-A727-0C871DBDBEDD}" destId="{CD38C186-86FF-4107-A0EB-4DDE13B186E0}" srcOrd="0" destOrd="0" presId="urn:microsoft.com/office/officeart/2008/layout/LinedList"/>
+    <dgm:cxn modelId="{3E738C66-B7A9-4EC2-BBA9-CC3D88BEF6EA}" type="presOf" srcId="{55F5F5AE-06BB-43E5-8114-250C77920B41}" destId="{A2AB0410-1774-4680-98B8-8DE756222F20}" srcOrd="0" destOrd="0" presId="urn:microsoft.com/office/officeart/2008/layout/LinedList"/>
+    <dgm:cxn modelId="{1374ADED-15ED-437D-B912-09CB26DDDB89}" srcId="{200F5E46-3E65-42E5-A217-0D75E9EA1876}" destId="{B2D79C50-875D-4538-984D-0111D40CFC47}" srcOrd="9" destOrd="0" parTransId="{A2AA8513-5639-45FC-910B-7F08BEE4750A}" sibTransId="{F2556589-1E03-45F5-9758-908EA79534DE}"/>
     <dgm:cxn modelId="{AA02C00C-EFA8-4B98-830E-604325476012}" type="presOf" srcId="{ACB405AF-FE6E-4BB6-880B-B6E2AADA973E}" destId="{1E55C01B-630C-429F-B119-003FA743F9F2}" srcOrd="0" destOrd="0" presId="urn:microsoft.com/office/officeart/2008/layout/LinedList"/>
     <dgm:cxn modelId="{3C32B7B2-F22F-40DD-A70B-E1B1FA96BD36}" type="presOf" srcId="{83C2C66C-B9E9-4A70-A7F5-D543A25CE26B}" destId="{D3A68172-3E2A-4868-B51D-C738A8BCEF40}" srcOrd="0" destOrd="0" presId="urn:microsoft.com/office/officeart/2008/layout/LinedList"/>
+    <dgm:cxn modelId="{1C0C7F8A-094E-4EB4-9C0D-0BAEA15873C6}" srcId="{200F5E46-3E65-42E5-A217-0D75E9EA1876}" destId="{CF4723D4-B0E1-4BE5-9C92-A145A6829F54}" srcOrd="4" destOrd="0" parTransId="{7577CE40-E8C3-4652-AF89-3F844E720771}" sibTransId="{1A806F0B-2439-4F73-A3EB-01BAC051F649}"/>
+    <dgm:cxn modelId="{99A44343-4D9A-4B98-933E-3A4F580A9257}" type="presOf" srcId="{537A9540-250D-4283-AAB6-7B718A9156B2}" destId="{B5EA07CC-EA40-4CD1-9F7C-86204265B84D}" srcOrd="0" destOrd="0" presId="urn:microsoft.com/office/officeart/2008/layout/LinedList"/>
     <dgm:cxn modelId="{7EBD0DC3-3C82-40C7-BC2D-7A0BEB3AA467}" type="presOf" srcId="{489E6CA8-96F1-4439-A25A-652D7530DF07}" destId="{CE8ED2E9-7AAC-463E-97DE-D3A6C0A6F8A3}" srcOrd="0" destOrd="0" presId="urn:microsoft.com/office/officeart/2008/layout/LinedList"/>
-    <dgm:cxn modelId="{D438A789-8D58-42DD-810B-122D2B61F622}" type="presOf" srcId="{E92E9E40-BD5F-4C62-A727-0C871DBDBEDD}" destId="{CD38C186-86FF-4107-A0EB-4DDE13B186E0}" srcOrd="0" destOrd="0" presId="urn:microsoft.com/office/officeart/2008/layout/LinedList"/>
+    <dgm:cxn modelId="{1414558A-84D8-40BD-94C6-A0AD3F8C34E3}" type="presOf" srcId="{B2D79C50-875D-4538-984D-0111D40CFC47}" destId="{747657EB-FD64-43E9-8467-D39CD6930F1D}" srcOrd="0" destOrd="0" presId="urn:microsoft.com/office/officeart/2008/layout/LinedList"/>
+    <dgm:cxn modelId="{FD017AEA-F5EC-406E-A735-1854472EF4E8}" srcId="{200F5E46-3E65-42E5-A217-0D75E9EA1876}" destId="{714E248B-9C54-462B-ABC7-7BC92B91C301}" srcOrd="0" destOrd="0" parTransId="{70498696-5E4C-4D84-8323-E4443B965DE6}" sibTransId="{9C101043-78FD-4540-98E6-26EF8278D334}"/>
+    <dgm:cxn modelId="{5129A96F-981E-41BB-A806-471568EE81E2}" type="presOf" srcId="{2B72F04B-1BC4-4A96-904A-FB46EC0123DC}" destId="{44E26DBE-CC24-4914-9721-4BF5E7435119}" srcOrd="0" destOrd="0" presId="urn:microsoft.com/office/officeart/2008/layout/LinedList"/>
+    <dgm:cxn modelId="{8F3444C8-6ABA-40B2-A7D8-92485255E08A}" srcId="{200F5E46-3E65-42E5-A217-0D75E9EA1876}" destId="{537A9540-250D-4283-AAB6-7B718A9156B2}" srcOrd="8" destOrd="0" parTransId="{21BA53DF-CB71-4A73-B093-F95F4EBAC48E}" sibTransId="{460AE0CD-6A0C-4503-99A5-53B43EA346BB}"/>
     <dgm:cxn modelId="{F207B39F-AAE2-46FE-9C34-CC1E7FBA23ED}" srcId="{200F5E46-3E65-42E5-A217-0D75E9EA1876}" destId="{E92E9E40-BD5F-4C62-A727-0C871DBDBEDD}" srcOrd="7" destOrd="0" parTransId="{AF6DE248-240B-428A-951B-881BD4AD8907}" sibTransId="{83633F19-403D-4C72-8543-47DACE004106}"/>
-    <dgm:cxn modelId="{5F1AB51C-BAF9-4CFF-B5E3-EF4DD4983F76}" type="presOf" srcId="{0ACA3E18-085F-4DE0-A4E9-4A1D6C746636}" destId="{64950E9D-D8C8-4DEB-A958-BA244B2FE798}" srcOrd="0" destOrd="0" presId="urn:microsoft.com/office/officeart/2008/layout/LinedList"/>
-    <dgm:cxn modelId="{5129A96F-981E-41BB-A806-471568EE81E2}" type="presOf" srcId="{2B72F04B-1BC4-4A96-904A-FB46EC0123DC}" destId="{44E26DBE-CC24-4914-9721-4BF5E7435119}" srcOrd="0" destOrd="0" presId="urn:microsoft.com/office/officeart/2008/layout/LinedList"/>
+    <dgm:cxn modelId="{955C635D-F1A1-49E7-A825-D0F1319C07A9}" srcId="{200F5E46-3E65-42E5-A217-0D75E9EA1876}" destId="{55F5F5AE-06BB-43E5-8114-250C77920B41}" srcOrd="11" destOrd="0" parTransId="{EC50C22D-E6CD-4745-B354-0A77013C731B}" sibTransId="{26571760-E0F4-4F2A-BCAF-317BDC29C51D}"/>
+    <dgm:cxn modelId="{0B133DE1-2C4E-4133-A1EF-01DD3F85B3F2}" type="presOf" srcId="{CF4723D4-B0E1-4BE5-9C92-A145A6829F54}" destId="{BC1B0E12-4E93-4D42-B1B3-FD25E3878B6E}" srcOrd="0" destOrd="0" presId="urn:microsoft.com/office/officeart/2008/layout/LinedList"/>
+    <dgm:cxn modelId="{BB72F4C1-05CB-4F8D-AC22-DE110E5E7815}" type="presOf" srcId="{714E248B-9C54-462B-ABC7-7BC92B91C301}" destId="{F1885596-8E55-43C9-888F-3942134CE937}" srcOrd="0" destOrd="0" presId="urn:microsoft.com/office/officeart/2008/layout/LinedList"/>
+    <dgm:cxn modelId="{7A39E6B9-77AE-4BB1-8B49-96DEC81A710D}" srcId="{200F5E46-3E65-42E5-A217-0D75E9EA1876}" destId="{83C2C66C-B9E9-4A70-A7F5-D543A25CE26B}" srcOrd="3" destOrd="0" parTransId="{A875E534-5D7E-4434-9E18-C1E9FBA6A9D2}" sibTransId="{A9AAA0C4-A612-407B-8A1D-A36EC246552A}"/>
+    <dgm:cxn modelId="{87A5A45B-9FDF-4610-BBB3-1BDAB8E0D054}" srcId="{200F5E46-3E65-42E5-A217-0D75E9EA1876}" destId="{ACB405AF-FE6E-4BB6-880B-B6E2AADA973E}" srcOrd="6" destOrd="0" parTransId="{37370E64-D1D7-4808-A17C-15CB8C904AF3}" sibTransId="{3A14D30B-F963-4038-914B-31390EB2064E}"/>
     <dgm:cxn modelId="{4FF832FB-9C9B-4903-97F2-1DE01EF8A96D}" srcId="{200F5E46-3E65-42E5-A217-0D75E9EA1876}" destId="{2B72F04B-1BC4-4A96-904A-FB46EC0123DC}" srcOrd="1" destOrd="0" parTransId="{DC897429-0837-4E3F-A6A9-D7CD3950BF05}" sibTransId="{D3DE8AFF-690E-4A1C-859D-EBE625F8D3E0}"/>
-    <dgm:cxn modelId="{16F21EB0-4D20-4BF1-93B1-961C493CF69F}" srcId="{200F5E46-3E65-42E5-A217-0D75E9EA1876}" destId="{0ACA3E18-085F-4DE0-A4E9-4A1D6C746636}" srcOrd="2" destOrd="0" parTransId="{F1C1801C-6580-461E-B73F-5A1B6B330390}" sibTransId="{514FFDC0-7FE9-4B77-94AA-F9A88E864727}"/>
-    <dgm:cxn modelId="{87A5A45B-9FDF-4610-BBB3-1BDAB8E0D054}" srcId="{200F5E46-3E65-42E5-A217-0D75E9EA1876}" destId="{ACB405AF-FE6E-4BB6-880B-B6E2AADA973E}" srcOrd="6" destOrd="0" parTransId="{37370E64-D1D7-4808-A17C-15CB8C904AF3}" sibTransId="{3A14D30B-F963-4038-914B-31390EB2064E}"/>
-    <dgm:cxn modelId="{DEA505B5-79D7-4CAE-A7F6-9E1705446607}" type="presOf" srcId="{200F5E46-3E65-42E5-A217-0D75E9EA1876}" destId="{61562156-29BA-40D7-AE34-69FCC52F05C4}" srcOrd="0" destOrd="0" presId="urn:microsoft.com/office/officeart/2008/layout/LinedList"/>
-    <dgm:cxn modelId="{FD017AEA-F5EC-406E-A735-1854472EF4E8}" srcId="{200F5E46-3E65-42E5-A217-0D75E9EA1876}" destId="{714E248B-9C54-462B-ABC7-7BC92B91C301}" srcOrd="0" destOrd="0" parTransId="{70498696-5E4C-4D84-8323-E4443B965DE6}" sibTransId="{9C101043-78FD-4540-98E6-26EF8278D334}"/>
-    <dgm:cxn modelId="{0B133DE1-2C4E-4133-A1EF-01DD3F85B3F2}" type="presOf" srcId="{CF4723D4-B0E1-4BE5-9C92-A145A6829F54}" destId="{BC1B0E12-4E93-4D42-B1B3-FD25E3878B6E}" srcOrd="0" destOrd="0" presId="urn:microsoft.com/office/officeart/2008/layout/LinedList"/>
-    <dgm:cxn modelId="{7A39E6B9-77AE-4BB1-8B49-96DEC81A710D}" srcId="{200F5E46-3E65-42E5-A217-0D75E9EA1876}" destId="{83C2C66C-B9E9-4A70-A7F5-D543A25CE26B}" srcOrd="3" destOrd="0" parTransId="{A875E534-5D7E-4434-9E18-C1E9FBA6A9D2}" sibTransId="{A9AAA0C4-A612-407B-8A1D-A36EC246552A}"/>
     <dgm:cxn modelId="{FA837AC3-7D66-49B9-8009-9D6A056E874C}" type="presParOf" srcId="{61562156-29BA-40D7-AE34-69FCC52F05C4}" destId="{D8BB02E0-BB33-4278-9908-05C3273323EC}" srcOrd="0" destOrd="0" presId="urn:microsoft.com/office/officeart/2008/layout/LinedList"/>
     <dgm:cxn modelId="{FD09F0C1-9233-4BC7-AA43-5152B09AE6DB}" type="presParOf" srcId="{61562156-29BA-40D7-AE34-69FCC52F05C4}" destId="{31E94AD9-38BA-4A83-9201-835A486E89CA}" srcOrd="1" destOrd="0" presId="urn:microsoft.com/office/officeart/2008/layout/LinedList"/>
     <dgm:cxn modelId="{40898A44-299B-4602-A1B8-F303C2D83E6A}" type="presParOf" srcId="{31E94AD9-38BA-4A83-9201-835A486E89CA}" destId="{F1885596-8E55-43C9-888F-3942134CE937}" srcOrd="0" destOrd="0" presId="urn:microsoft.com/office/officeart/2008/layout/LinedList"/>
@@ -3311,6 +3827,22 @@
     <dgm:cxn modelId="{AE32C463-05E1-45F4-9BF5-5AF4EA3A683A}" type="presParOf" srcId="{61562156-29BA-40D7-AE34-69FCC52F05C4}" destId="{0E1D91F4-D774-485A-99A4-93310206349B}" srcOrd="15" destOrd="0" presId="urn:microsoft.com/office/officeart/2008/layout/LinedList"/>
     <dgm:cxn modelId="{9986A271-3987-4DC4-A08E-EF7C93C52CB6}" type="presParOf" srcId="{0E1D91F4-D774-485A-99A4-93310206349B}" destId="{CD38C186-86FF-4107-A0EB-4DDE13B186E0}" srcOrd="0" destOrd="0" presId="urn:microsoft.com/office/officeart/2008/layout/LinedList"/>
     <dgm:cxn modelId="{5798AB61-BE11-41C4-90B9-6A2F4F3181B6}" type="presParOf" srcId="{0E1D91F4-D774-485A-99A4-93310206349B}" destId="{27CBDC71-989A-4233-842C-067DAE209D64}" srcOrd="1" destOrd="0" presId="urn:microsoft.com/office/officeart/2008/layout/LinedList"/>
+    <dgm:cxn modelId="{5DFC7295-BD95-48BF-9F26-7AEFB7B9F15D}" type="presParOf" srcId="{61562156-29BA-40D7-AE34-69FCC52F05C4}" destId="{27A8C552-8199-4D26-AE43-499BB05CBC61}" srcOrd="16" destOrd="0" presId="urn:microsoft.com/office/officeart/2008/layout/LinedList"/>
+    <dgm:cxn modelId="{3A4CC1D5-4F32-4777-8A84-CEEFE7827DE6}" type="presParOf" srcId="{61562156-29BA-40D7-AE34-69FCC52F05C4}" destId="{A6554788-5775-4FF3-BF20-A587F4F06384}" srcOrd="17" destOrd="0" presId="urn:microsoft.com/office/officeart/2008/layout/LinedList"/>
+    <dgm:cxn modelId="{DCEEC74E-B505-42BC-860D-CF2E96205AF1}" type="presParOf" srcId="{A6554788-5775-4FF3-BF20-A587F4F06384}" destId="{B5EA07CC-EA40-4CD1-9F7C-86204265B84D}" srcOrd="0" destOrd="0" presId="urn:microsoft.com/office/officeart/2008/layout/LinedList"/>
+    <dgm:cxn modelId="{9769D37A-E971-4031-A5FF-DC243F6511E6}" type="presParOf" srcId="{A6554788-5775-4FF3-BF20-A587F4F06384}" destId="{727B0699-8B55-4EC9-9E10-5EEFB72D556B}" srcOrd="1" destOrd="0" presId="urn:microsoft.com/office/officeart/2008/layout/LinedList"/>
+    <dgm:cxn modelId="{6BD965F2-4974-436A-914C-AE9A77A273CB}" type="presParOf" srcId="{61562156-29BA-40D7-AE34-69FCC52F05C4}" destId="{B5BAA194-EDED-4F8A-92E5-CFE8DCA5416B}" srcOrd="18" destOrd="0" presId="urn:microsoft.com/office/officeart/2008/layout/LinedList"/>
+    <dgm:cxn modelId="{78AD3707-6112-45CB-B033-E50B9883F2C7}" type="presParOf" srcId="{61562156-29BA-40D7-AE34-69FCC52F05C4}" destId="{0AD825DF-AC39-4099-8331-07FB54EC64CB}" srcOrd="19" destOrd="0" presId="urn:microsoft.com/office/officeart/2008/layout/LinedList"/>
+    <dgm:cxn modelId="{A2406A93-1E55-4D62-BE2A-B10DC07FF9ED}" type="presParOf" srcId="{0AD825DF-AC39-4099-8331-07FB54EC64CB}" destId="{747657EB-FD64-43E9-8467-D39CD6930F1D}" srcOrd="0" destOrd="0" presId="urn:microsoft.com/office/officeart/2008/layout/LinedList"/>
+    <dgm:cxn modelId="{566C2D51-CF14-487A-B132-B292DBA2A6AD}" type="presParOf" srcId="{0AD825DF-AC39-4099-8331-07FB54EC64CB}" destId="{DFD85159-3AD2-4A05-AD01-5EE2C1DBAC60}" srcOrd="1" destOrd="0" presId="urn:microsoft.com/office/officeart/2008/layout/LinedList"/>
+    <dgm:cxn modelId="{8DDA797F-95A8-42E0-B136-50F550E7B8F0}" type="presParOf" srcId="{61562156-29BA-40D7-AE34-69FCC52F05C4}" destId="{F1B5198A-54C3-4B76-B61B-E2991BBEFD5F}" srcOrd="20" destOrd="0" presId="urn:microsoft.com/office/officeart/2008/layout/LinedList"/>
+    <dgm:cxn modelId="{0C95C2DE-58DC-4757-B85E-E15649F5C322}" type="presParOf" srcId="{61562156-29BA-40D7-AE34-69FCC52F05C4}" destId="{FBABFF77-ED4F-4592-BCEC-58DCA9E4B401}" srcOrd="21" destOrd="0" presId="urn:microsoft.com/office/officeart/2008/layout/LinedList"/>
+    <dgm:cxn modelId="{795F6ACF-2158-40C1-A759-89EC55428543}" type="presParOf" srcId="{FBABFF77-ED4F-4592-BCEC-58DCA9E4B401}" destId="{3D60CA4E-8624-4877-92B3-977491F59467}" srcOrd="0" destOrd="0" presId="urn:microsoft.com/office/officeart/2008/layout/LinedList"/>
+    <dgm:cxn modelId="{85201629-AA61-46BC-96D7-D7BB383C63D4}" type="presParOf" srcId="{FBABFF77-ED4F-4592-BCEC-58DCA9E4B401}" destId="{87B5C819-CAF8-42D6-A498-6C7735AAD9F7}" srcOrd="1" destOrd="0" presId="urn:microsoft.com/office/officeart/2008/layout/LinedList"/>
+    <dgm:cxn modelId="{595077B3-F15E-4C45-8FE0-D5F82F7F38C3}" type="presParOf" srcId="{61562156-29BA-40D7-AE34-69FCC52F05C4}" destId="{8AA137DD-C38F-436A-BFD1-167686460853}" srcOrd="22" destOrd="0" presId="urn:microsoft.com/office/officeart/2008/layout/LinedList"/>
+    <dgm:cxn modelId="{829B90AB-E742-4D0A-BB69-2BA76E947E8F}" type="presParOf" srcId="{61562156-29BA-40D7-AE34-69FCC52F05C4}" destId="{D8FB234D-9880-4264-B3BB-A8AB2F65DF01}" srcOrd="23" destOrd="0" presId="urn:microsoft.com/office/officeart/2008/layout/LinedList"/>
+    <dgm:cxn modelId="{C2F95C4D-513A-4101-AAA8-A4CE7A6F488C}" type="presParOf" srcId="{D8FB234D-9880-4264-B3BB-A8AB2F65DF01}" destId="{A2AB0410-1774-4680-98B8-8DE756222F20}" srcOrd="0" destOrd="0" presId="urn:microsoft.com/office/officeart/2008/layout/LinedList"/>
+    <dgm:cxn modelId="{7AEF22ED-897B-462A-8DFA-8F66DB50C2EE}" type="presParOf" srcId="{D8FB234D-9880-4264-B3BB-A8AB2F65DF01}" destId="{5A407206-BAE8-487F-98F4-742476C71B6B}" srcOrd="1" destOrd="0" presId="urn:microsoft.com/office/officeart/2008/layout/LinedList"/>
   </dgm:cxnLst>
   <dgm:bg/>
   <dgm:whole/>
@@ -3337,7 +3869,7 @@
       </dsp:nvSpPr>
       <dsp:spPr>
         <a:xfrm>
-          <a:off x="0" y="0"/>
+          <a:off x="0" y="2492"/>
           <a:ext cx="6492875" cy="0"/>
         </a:xfrm>
         <a:prstGeom prst="line">
@@ -3387,8 +3919,8 @@
       </dsp:nvSpPr>
       <dsp:spPr>
         <a:xfrm>
-          <a:off x="0" y="0"/>
-          <a:ext cx="6492875" cy="638175"/>
+          <a:off x="0" y="2492"/>
+          <a:ext cx="6492875" cy="425034"/>
         </a:xfrm>
         <a:prstGeom prst="rect">
           <a:avLst/>
@@ -3412,12 +3944,12 @@
         <a:fontRef idx="minor"/>
       </dsp:style>
       <dsp:txBody>
-        <a:bodyPr spcFirstLastPara="0" vert="horz" wrap="square" lIns="114300" tIns="114300" rIns="114300" bIns="114300" numCol="1" spcCol="1270" anchor="t" anchorCtr="0">
+        <a:bodyPr spcFirstLastPara="0" vert="horz" wrap="square" lIns="76200" tIns="76200" rIns="76200" bIns="76200" numCol="1" spcCol="1270" anchor="t" anchorCtr="0">
           <a:noAutofit/>
         </a:bodyPr>
         <a:lstStyle/>
         <a:p>
-          <a:pPr lvl="0" algn="l" defTabSz="1333500">
+          <a:pPr lvl="0" algn="l" defTabSz="889000">
             <a:lnSpc>
               <a:spcPct val="90000"/>
             </a:lnSpc>
@@ -3429,98 +3961,98 @@
             </a:spcAft>
           </a:pPr>
           <a:r>
-            <a:rPr lang="en-US" sz="3000" kern="1200">
+            <a:rPr lang="en-US" sz="2000" kern="1200">
               <a:latin typeface="Times New Roman" panose="02020603050405020304" pitchFamily="18" charset="0"/>
               <a:cs typeface="Times New Roman" panose="02020603050405020304" pitchFamily="18" charset="0"/>
             </a:rPr>
             <a:t>1. </a:t>
           </a:r>
           <a:r>
-            <a:rPr lang="en-US" sz="3000" kern="1200" err="1">
+            <a:rPr lang="en-US" sz="2000" kern="1200" err="1">
               <a:latin typeface="Times New Roman" panose="02020603050405020304" pitchFamily="18" charset="0"/>
               <a:cs typeface="Times New Roman" panose="02020603050405020304" pitchFamily="18" charset="0"/>
             </a:rPr>
             <a:t>Các</a:t>
           </a:r>
           <a:r>
-            <a:rPr lang="en-US" sz="3000" kern="1200">
+            <a:rPr lang="en-US" sz="2000" kern="1200">
               <a:latin typeface="Times New Roman" panose="02020603050405020304" pitchFamily="18" charset="0"/>
               <a:cs typeface="Times New Roman" panose="02020603050405020304" pitchFamily="18" charset="0"/>
             </a:rPr>
             <a:t> </a:t>
           </a:r>
           <a:r>
-            <a:rPr lang="en-US" sz="3000" kern="1200" err="1">
+            <a:rPr lang="en-US" sz="2000" kern="1200" err="1">
               <a:latin typeface="Times New Roman" panose="02020603050405020304" pitchFamily="18" charset="0"/>
               <a:cs typeface="Times New Roman" panose="02020603050405020304" pitchFamily="18" charset="0"/>
             </a:rPr>
             <a:t>phép</a:t>
           </a:r>
           <a:r>
-            <a:rPr lang="en-US" sz="3000" kern="1200">
+            <a:rPr lang="en-US" sz="2000" kern="1200">
               <a:latin typeface="Times New Roman" panose="02020603050405020304" pitchFamily="18" charset="0"/>
               <a:cs typeface="Times New Roman" panose="02020603050405020304" pitchFamily="18" charset="0"/>
             </a:rPr>
             <a:t> </a:t>
           </a:r>
           <a:r>
-            <a:rPr lang="en-US" sz="3000" kern="1200" err="1">
+            <a:rPr lang="en-US" sz="2000" kern="1200" err="1">
               <a:latin typeface="Times New Roman" panose="02020603050405020304" pitchFamily="18" charset="0"/>
               <a:cs typeface="Times New Roman" panose="02020603050405020304" pitchFamily="18" charset="0"/>
             </a:rPr>
             <a:t>toán</a:t>
           </a:r>
           <a:r>
-            <a:rPr lang="en-US" sz="3000" kern="1200">
+            <a:rPr lang="en-US" sz="2000" kern="1200">
               <a:latin typeface="Times New Roman" panose="02020603050405020304" pitchFamily="18" charset="0"/>
               <a:cs typeface="Times New Roman" panose="02020603050405020304" pitchFamily="18" charset="0"/>
             </a:rPr>
             <a:t> </a:t>
           </a:r>
           <a:r>
-            <a:rPr lang="en-US" sz="3000" kern="1200" err="1">
+            <a:rPr lang="en-US" sz="2000" kern="1200" err="1">
               <a:latin typeface="Times New Roman" panose="02020603050405020304" pitchFamily="18" charset="0"/>
               <a:cs typeface="Times New Roman" panose="02020603050405020304" pitchFamily="18" charset="0"/>
             </a:rPr>
             <a:t>của</a:t>
           </a:r>
           <a:r>
-            <a:rPr lang="en-US" sz="3000" kern="1200">
+            <a:rPr lang="en-US" sz="2000" kern="1200">
               <a:latin typeface="Times New Roman" panose="02020603050405020304" pitchFamily="18" charset="0"/>
               <a:cs typeface="Times New Roman" panose="02020603050405020304" pitchFamily="18" charset="0"/>
             </a:rPr>
             <a:t> </a:t>
           </a:r>
           <a:r>
-            <a:rPr lang="en-US" sz="3000" kern="1200" err="1">
+            <a:rPr lang="en-US" sz="2000" kern="1200" err="1">
               <a:latin typeface="Times New Roman" panose="02020603050405020304" pitchFamily="18" charset="0"/>
               <a:cs typeface="Times New Roman" panose="02020603050405020304" pitchFamily="18" charset="0"/>
             </a:rPr>
             <a:t>bộ</a:t>
           </a:r>
           <a:r>
-            <a:rPr lang="en-US" sz="3000" kern="1200">
+            <a:rPr lang="en-US" sz="2000" kern="1200">
               <a:latin typeface="Times New Roman" panose="02020603050405020304" pitchFamily="18" charset="0"/>
               <a:cs typeface="Times New Roman" panose="02020603050405020304" pitchFamily="18" charset="0"/>
             </a:rPr>
             <a:t> </a:t>
           </a:r>
           <a:r>
-            <a:rPr lang="en-US" sz="3000" kern="1200" err="1">
+            <a:rPr lang="en-US" sz="2000" kern="1200" err="1">
               <a:latin typeface="Times New Roman" panose="02020603050405020304" pitchFamily="18" charset="0"/>
               <a:cs typeface="Times New Roman" panose="02020603050405020304" pitchFamily="18" charset="0"/>
             </a:rPr>
             <a:t>lọc</a:t>
           </a:r>
-          <a:endParaRPr lang="en-US" sz="3000" kern="1200">
+          <a:endParaRPr lang="en-US" sz="2000" kern="1200">
             <a:latin typeface="Times New Roman" panose="02020603050405020304" pitchFamily="18" charset="0"/>
             <a:cs typeface="Times New Roman" panose="02020603050405020304" pitchFamily="18" charset="0"/>
           </a:endParaRPr>
         </a:p>
       </dsp:txBody>
       <dsp:txXfrm>
-        <a:off x="0" y="0"/>
-        <a:ext cx="6492875" cy="638175"/>
+        <a:off x="0" y="2492"/>
+        <a:ext cx="6492875" cy="425034"/>
       </dsp:txXfrm>
     </dsp:sp>
     <dsp:sp modelId="{E43F1C64-E449-4EA1-B446-52E116D0BE9F}">
@@ -3530,7 +4062,7 @@
       </dsp:nvSpPr>
       <dsp:spPr>
         <a:xfrm>
-          <a:off x="0" y="638175"/>
+          <a:off x="0" y="427527"/>
           <a:ext cx="6492875" cy="0"/>
         </a:xfrm>
         <a:prstGeom prst="line">
@@ -3538,18 +4070,18 @@
         </a:prstGeom>
         <a:solidFill>
           <a:schemeClr val="accent2">
-            <a:hueOff val="-207909"/>
-            <a:satOff val="-11990"/>
-            <a:lumOff val="1233"/>
+            <a:hueOff val="-132306"/>
+            <a:satOff val="-7630"/>
+            <a:lumOff val="784"/>
             <a:alphaOff val="0"/>
           </a:schemeClr>
         </a:solidFill>
         <a:ln w="12700" cap="flat" cmpd="sng" algn="ctr">
           <a:solidFill>
             <a:schemeClr val="accent2">
-              <a:hueOff val="-207909"/>
-              <a:satOff val="-11990"/>
-              <a:lumOff val="1233"/>
+              <a:hueOff val="-132306"/>
+              <a:satOff val="-7630"/>
+              <a:lumOff val="784"/>
               <a:alphaOff val="0"/>
             </a:schemeClr>
           </a:solidFill>
@@ -3580,8 +4112,8 @@
       </dsp:nvSpPr>
       <dsp:spPr>
         <a:xfrm>
-          <a:off x="0" y="638175"/>
-          <a:ext cx="6492875" cy="638175"/>
+          <a:off x="0" y="427527"/>
+          <a:ext cx="6492875" cy="425034"/>
         </a:xfrm>
         <a:prstGeom prst="rect">
           <a:avLst/>
@@ -3605,12 +4137,12 @@
         <a:fontRef idx="minor"/>
       </dsp:style>
       <dsp:txBody>
-        <a:bodyPr spcFirstLastPara="0" vert="horz" wrap="square" lIns="114300" tIns="114300" rIns="114300" bIns="114300" numCol="1" spcCol="1270" anchor="t" anchorCtr="0">
+        <a:bodyPr spcFirstLastPara="0" vert="horz" wrap="square" lIns="76200" tIns="76200" rIns="76200" bIns="76200" numCol="1" spcCol="1270" anchor="t" anchorCtr="0">
           <a:noAutofit/>
         </a:bodyPr>
         <a:lstStyle/>
         <a:p>
-          <a:pPr lvl="0" algn="l" defTabSz="1333500">
+          <a:pPr lvl="0" algn="l" defTabSz="889000">
             <a:lnSpc>
               <a:spcPct val="90000"/>
             </a:lnSpc>
@@ -3622,70 +4154,70 @@
             </a:spcAft>
           </a:pPr>
           <a:r>
-            <a:rPr lang="en-US" sz="3000" kern="1200">
+            <a:rPr lang="en-US" sz="2000" kern="1200">
               <a:latin typeface="Times New Roman" panose="02020603050405020304" pitchFamily="18" charset="0"/>
               <a:cs typeface="Times New Roman" panose="02020603050405020304" pitchFamily="18" charset="0"/>
             </a:rPr>
             <a:t>2. </a:t>
           </a:r>
           <a:r>
-            <a:rPr lang="en-US" sz="3000" kern="1200" err="1">
+            <a:rPr lang="en-US" sz="2000" kern="1200" err="1">
               <a:latin typeface="Times New Roman" panose="02020603050405020304" pitchFamily="18" charset="0"/>
               <a:cs typeface="Times New Roman" panose="02020603050405020304" pitchFamily="18" charset="0"/>
             </a:rPr>
             <a:t>Bộ</a:t>
           </a:r>
           <a:r>
-            <a:rPr lang="en-US" sz="3000" kern="1200">
+            <a:rPr lang="en-US" sz="2000" kern="1200">
               <a:latin typeface="Times New Roman" panose="02020603050405020304" pitchFamily="18" charset="0"/>
               <a:cs typeface="Times New Roman" panose="02020603050405020304" pitchFamily="18" charset="0"/>
             </a:rPr>
             <a:t> </a:t>
           </a:r>
           <a:r>
-            <a:rPr lang="en-US" sz="3000" kern="1200" err="1">
+            <a:rPr lang="en-US" sz="2000" kern="1200" err="1">
               <a:latin typeface="Times New Roman" panose="02020603050405020304" pitchFamily="18" charset="0"/>
               <a:cs typeface="Times New Roman" panose="02020603050405020304" pitchFamily="18" charset="0"/>
             </a:rPr>
             <a:t>lọc</a:t>
           </a:r>
           <a:r>
-            <a:rPr lang="en-US" sz="3000" kern="1200">
+            <a:rPr lang="en-US" sz="2000" kern="1200">
               <a:latin typeface="Times New Roman" panose="02020603050405020304" pitchFamily="18" charset="0"/>
               <a:cs typeface="Times New Roman" panose="02020603050405020304" pitchFamily="18" charset="0"/>
             </a:rPr>
             <a:t> </a:t>
           </a:r>
           <a:r>
-            <a:rPr lang="en-US" sz="3000" kern="1200" err="1">
+            <a:rPr lang="en-US" sz="2000" kern="1200" err="1">
               <a:latin typeface="Times New Roman" panose="02020603050405020304" pitchFamily="18" charset="0"/>
               <a:cs typeface="Times New Roman" panose="02020603050405020304" pitchFamily="18" charset="0"/>
             </a:rPr>
             <a:t>trung</a:t>
           </a:r>
           <a:r>
-            <a:rPr lang="en-US" sz="3000" kern="1200">
+            <a:rPr lang="en-US" sz="2000" kern="1200">
               <a:latin typeface="Times New Roman" panose="02020603050405020304" pitchFamily="18" charset="0"/>
               <a:cs typeface="Times New Roman" panose="02020603050405020304" pitchFamily="18" charset="0"/>
             </a:rPr>
             <a:t> </a:t>
           </a:r>
           <a:r>
-            <a:rPr lang="en-US" sz="3000" kern="1200" err="1">
+            <a:rPr lang="en-US" sz="2000" kern="1200" err="1">
               <a:latin typeface="Times New Roman" panose="02020603050405020304" pitchFamily="18" charset="0"/>
               <a:cs typeface="Times New Roman" panose="02020603050405020304" pitchFamily="18" charset="0"/>
             </a:rPr>
             <a:t>bình</a:t>
           </a:r>
-          <a:endParaRPr lang="en-US" sz="3000" kern="1200">
+          <a:endParaRPr lang="en-US" sz="2000" kern="1200">
             <a:latin typeface="Times New Roman" panose="02020603050405020304" pitchFamily="18" charset="0"/>
             <a:cs typeface="Times New Roman" panose="02020603050405020304" pitchFamily="18" charset="0"/>
           </a:endParaRPr>
         </a:p>
       </dsp:txBody>
       <dsp:txXfrm>
-        <a:off x="0" y="638175"/>
-        <a:ext cx="6492875" cy="638175"/>
+        <a:off x="0" y="427527"/>
+        <a:ext cx="6492875" cy="425034"/>
       </dsp:txXfrm>
     </dsp:sp>
     <dsp:sp modelId="{5786DF28-100C-4865-AFF8-5ADE12DF6FB5}">
@@ -3695,7 +4227,7 @@
       </dsp:nvSpPr>
       <dsp:spPr>
         <a:xfrm>
-          <a:off x="0" y="1276350"/>
+          <a:off x="0" y="852561"/>
           <a:ext cx="6492875" cy="0"/>
         </a:xfrm>
         <a:prstGeom prst="line">
@@ -3703,18 +4235,18 @@
         </a:prstGeom>
         <a:solidFill>
           <a:schemeClr val="accent2">
-            <a:hueOff val="-415818"/>
-            <a:satOff val="-23979"/>
-            <a:lumOff val="2465"/>
+            <a:hueOff val="-264611"/>
+            <a:satOff val="-15260"/>
+            <a:lumOff val="1569"/>
             <a:alphaOff val="0"/>
           </a:schemeClr>
         </a:solidFill>
         <a:ln w="12700" cap="flat" cmpd="sng" algn="ctr">
           <a:solidFill>
             <a:schemeClr val="accent2">
-              <a:hueOff val="-415818"/>
-              <a:satOff val="-23979"/>
-              <a:lumOff val="2465"/>
+              <a:hueOff val="-264611"/>
+              <a:satOff val="-15260"/>
+              <a:lumOff val="1569"/>
               <a:alphaOff val="0"/>
             </a:schemeClr>
           </a:solidFill>
@@ -3745,8 +4277,8 @@
       </dsp:nvSpPr>
       <dsp:spPr>
         <a:xfrm>
-          <a:off x="0" y="1276350"/>
-          <a:ext cx="6492875" cy="638175"/>
+          <a:off x="0" y="852561"/>
+          <a:ext cx="6492875" cy="425034"/>
         </a:xfrm>
         <a:prstGeom prst="rect">
           <a:avLst/>
@@ -3770,12 +4302,12 @@
         <a:fontRef idx="minor"/>
       </dsp:style>
       <dsp:txBody>
-        <a:bodyPr spcFirstLastPara="0" vert="horz" wrap="square" lIns="114300" tIns="114300" rIns="114300" bIns="114300" numCol="1" spcCol="1270" anchor="t" anchorCtr="0">
+        <a:bodyPr spcFirstLastPara="0" vert="horz" wrap="square" lIns="76200" tIns="76200" rIns="76200" bIns="76200" numCol="1" spcCol="1270" anchor="t" anchorCtr="0">
           <a:noAutofit/>
         </a:bodyPr>
         <a:lstStyle/>
         <a:p>
-          <a:pPr lvl="0" algn="l" defTabSz="1333500">
+          <a:pPr lvl="0" algn="l" defTabSz="889000">
             <a:lnSpc>
               <a:spcPct val="90000"/>
             </a:lnSpc>
@@ -3787,35 +4319,35 @@
             </a:spcAft>
           </a:pPr>
           <a:r>
-            <a:rPr lang="en-US" sz="3000" kern="1200">
+            <a:rPr lang="en-US" sz="2000" kern="1200">
               <a:latin typeface="Times New Roman" panose="02020603050405020304" pitchFamily="18" charset="0"/>
               <a:cs typeface="Times New Roman" panose="02020603050405020304" pitchFamily="18" charset="0"/>
             </a:rPr>
             <a:t>3. </a:t>
           </a:r>
           <a:r>
-            <a:rPr lang="en-US" sz="3000" kern="1200" err="1">
+            <a:rPr lang="en-US" sz="2000" kern="1200" err="1">
               <a:latin typeface="Times New Roman" panose="02020603050405020304" pitchFamily="18" charset="0"/>
               <a:cs typeface="Times New Roman" panose="02020603050405020304" pitchFamily="18" charset="0"/>
             </a:rPr>
             <a:t>Bộ</a:t>
           </a:r>
           <a:r>
-            <a:rPr lang="en-US" sz="3000" kern="1200">
+            <a:rPr lang="en-US" sz="2000" kern="1200">
               <a:latin typeface="Times New Roman" panose="02020603050405020304" pitchFamily="18" charset="0"/>
               <a:cs typeface="Times New Roman" panose="02020603050405020304" pitchFamily="18" charset="0"/>
             </a:rPr>
             <a:t> </a:t>
           </a:r>
           <a:r>
-            <a:rPr lang="en-US" sz="3000" kern="1200" err="1">
+            <a:rPr lang="en-US" sz="2000" kern="1200" err="1">
               <a:latin typeface="Times New Roman" panose="02020603050405020304" pitchFamily="18" charset="0"/>
               <a:cs typeface="Times New Roman" panose="02020603050405020304" pitchFamily="18" charset="0"/>
             </a:rPr>
             <a:t>lọc</a:t>
           </a:r>
           <a:r>
-            <a:rPr lang="en-US" sz="3000" kern="1200">
+            <a:rPr lang="en-US" sz="2000" kern="1200">
               <a:latin typeface="Times New Roman" panose="02020603050405020304" pitchFamily="18" charset="0"/>
               <a:cs typeface="Times New Roman" panose="02020603050405020304" pitchFamily="18" charset="0"/>
             </a:rPr>
@@ -3824,8 +4356,8 @@
         </a:p>
       </dsp:txBody>
       <dsp:txXfrm>
-        <a:off x="0" y="1276350"/>
-        <a:ext cx="6492875" cy="638175"/>
+        <a:off x="0" y="852561"/>
+        <a:ext cx="6492875" cy="425034"/>
       </dsp:txXfrm>
     </dsp:sp>
     <dsp:sp modelId="{DAD8C701-EFEE-459A-AC16-9A7C0958A989}">
@@ -3835,7 +4367,7 @@
       </dsp:nvSpPr>
       <dsp:spPr>
         <a:xfrm>
-          <a:off x="0" y="1914524"/>
+          <a:off x="0" y="1277596"/>
           <a:ext cx="6492875" cy="0"/>
         </a:xfrm>
         <a:prstGeom prst="line">
@@ -3843,18 +4375,18 @@
         </a:prstGeom>
         <a:solidFill>
           <a:schemeClr val="accent2">
-            <a:hueOff val="-623727"/>
-            <a:satOff val="-35969"/>
-            <a:lumOff val="3698"/>
+            <a:hueOff val="-396917"/>
+            <a:satOff val="-22889"/>
+            <a:lumOff val="2353"/>
             <a:alphaOff val="0"/>
           </a:schemeClr>
         </a:solidFill>
         <a:ln w="12700" cap="flat" cmpd="sng" algn="ctr">
           <a:solidFill>
             <a:schemeClr val="accent2">
-              <a:hueOff val="-623727"/>
-              <a:satOff val="-35969"/>
-              <a:lumOff val="3698"/>
+              <a:hueOff val="-396917"/>
+              <a:satOff val="-22889"/>
+              <a:lumOff val="2353"/>
               <a:alphaOff val="0"/>
             </a:schemeClr>
           </a:solidFill>
@@ -3885,8 +4417,8 @@
       </dsp:nvSpPr>
       <dsp:spPr>
         <a:xfrm>
-          <a:off x="0" y="1914525"/>
-          <a:ext cx="6492875" cy="638175"/>
+          <a:off x="0" y="1277596"/>
+          <a:ext cx="6492875" cy="425034"/>
         </a:xfrm>
         <a:prstGeom prst="rect">
           <a:avLst/>
@@ -3910,12 +4442,12 @@
         <a:fontRef idx="minor"/>
       </dsp:style>
       <dsp:txBody>
-        <a:bodyPr spcFirstLastPara="0" vert="horz" wrap="square" lIns="114300" tIns="114300" rIns="114300" bIns="114300" numCol="1" spcCol="1270" anchor="t" anchorCtr="0">
+        <a:bodyPr spcFirstLastPara="0" vert="horz" wrap="square" lIns="76200" tIns="76200" rIns="76200" bIns="76200" numCol="1" spcCol="1270" anchor="t" anchorCtr="0">
           <a:noAutofit/>
         </a:bodyPr>
         <a:lstStyle/>
         <a:p>
-          <a:pPr lvl="0" algn="l" defTabSz="1333500">
+          <a:pPr lvl="0" algn="l" defTabSz="889000">
             <a:lnSpc>
               <a:spcPct val="90000"/>
             </a:lnSpc>
@@ -3927,70 +4459,70 @@
             </a:spcAft>
           </a:pPr>
           <a:r>
-            <a:rPr lang="en-US" sz="3000" kern="1200" dirty="0">
+            <a:rPr lang="en-US" sz="2000" kern="1200" dirty="0">
               <a:latin typeface="Times New Roman" panose="02020603050405020304" pitchFamily="18" charset="0"/>
               <a:cs typeface="Times New Roman" panose="02020603050405020304" pitchFamily="18" charset="0"/>
             </a:rPr>
             <a:t>4. </a:t>
           </a:r>
           <a:r>
-            <a:rPr lang="en-US" sz="3000" kern="1200" dirty="0" err="1">
+            <a:rPr lang="en-US" sz="2000" kern="1200" dirty="0" err="1">
               <a:latin typeface="Times New Roman" panose="02020603050405020304" pitchFamily="18" charset="0"/>
               <a:cs typeface="Times New Roman" panose="02020603050405020304" pitchFamily="18" charset="0"/>
             </a:rPr>
             <a:t>Bộ</a:t>
           </a:r>
           <a:r>
-            <a:rPr lang="en-US" sz="3000" kern="1200" dirty="0">
+            <a:rPr lang="en-US" sz="2000" kern="1200" dirty="0">
               <a:latin typeface="Times New Roman" panose="02020603050405020304" pitchFamily="18" charset="0"/>
               <a:cs typeface="Times New Roman" panose="02020603050405020304" pitchFamily="18" charset="0"/>
             </a:rPr>
             <a:t> </a:t>
           </a:r>
           <a:r>
-            <a:rPr lang="en-US" sz="3000" kern="1200" dirty="0" err="1">
+            <a:rPr lang="en-US" sz="2000" kern="1200" dirty="0" err="1">
               <a:latin typeface="Times New Roman" panose="02020603050405020304" pitchFamily="18" charset="0"/>
               <a:cs typeface="Times New Roman" panose="02020603050405020304" pitchFamily="18" charset="0"/>
             </a:rPr>
             <a:t>lọc</a:t>
           </a:r>
           <a:r>
-            <a:rPr lang="en-US" sz="3000" kern="1200" dirty="0">
+            <a:rPr lang="en-US" sz="2000" kern="1200" dirty="0">
               <a:latin typeface="Times New Roman" panose="02020603050405020304" pitchFamily="18" charset="0"/>
               <a:cs typeface="Times New Roman" panose="02020603050405020304" pitchFamily="18" charset="0"/>
             </a:rPr>
             <a:t> </a:t>
           </a:r>
           <a:r>
-            <a:rPr lang="en-US" sz="3000" kern="1200" dirty="0" err="1">
+            <a:rPr lang="en-US" sz="2000" kern="1200" dirty="0" err="1">
               <a:latin typeface="Times New Roman" panose="02020603050405020304" pitchFamily="18" charset="0"/>
               <a:cs typeface="Times New Roman" panose="02020603050405020304" pitchFamily="18" charset="0"/>
             </a:rPr>
             <a:t>trung</a:t>
           </a:r>
           <a:r>
-            <a:rPr lang="en-US" sz="3000" kern="1200" dirty="0">
+            <a:rPr lang="en-US" sz="2000" kern="1200" dirty="0">
               <a:latin typeface="Times New Roman" panose="02020603050405020304" pitchFamily="18" charset="0"/>
               <a:cs typeface="Times New Roman" panose="02020603050405020304" pitchFamily="18" charset="0"/>
             </a:rPr>
             <a:t> </a:t>
           </a:r>
           <a:r>
-            <a:rPr lang="en-US" sz="3000" kern="1200" dirty="0" err="1">
+            <a:rPr lang="en-US" sz="2000" kern="1200" dirty="0" err="1">
               <a:latin typeface="Times New Roman" panose="02020603050405020304" pitchFamily="18" charset="0"/>
               <a:cs typeface="Times New Roman" panose="02020603050405020304" pitchFamily="18" charset="0"/>
             </a:rPr>
             <a:t>vị</a:t>
           </a:r>
-          <a:endParaRPr lang="en-US" sz="3000" kern="1200" dirty="0">
+          <a:endParaRPr lang="en-US" sz="2000" kern="1200" dirty="0">
             <a:latin typeface="Times New Roman" panose="02020603050405020304" pitchFamily="18" charset="0"/>
             <a:cs typeface="Times New Roman" panose="02020603050405020304" pitchFamily="18" charset="0"/>
           </a:endParaRPr>
         </a:p>
       </dsp:txBody>
       <dsp:txXfrm>
-        <a:off x="0" y="1914525"/>
-        <a:ext cx="6492875" cy="638175"/>
+        <a:off x="0" y="1277596"/>
+        <a:ext cx="6492875" cy="425034"/>
       </dsp:txXfrm>
     </dsp:sp>
     <dsp:sp modelId="{2854A0CC-A8CC-407A-AD5E-19641C4ECF9E}">
@@ -4000,7 +4532,7 @@
       </dsp:nvSpPr>
       <dsp:spPr>
         <a:xfrm>
-          <a:off x="0" y="2552700"/>
+          <a:off x="0" y="1702630"/>
           <a:ext cx="6492875" cy="0"/>
         </a:xfrm>
         <a:prstGeom prst="line">
@@ -4008,18 +4540,18 @@
         </a:prstGeom>
         <a:solidFill>
           <a:schemeClr val="accent2">
-            <a:hueOff val="-831636"/>
-            <a:satOff val="-47959"/>
-            <a:lumOff val="4930"/>
+            <a:hueOff val="-529223"/>
+            <a:satOff val="-30519"/>
+            <a:lumOff val="3137"/>
             <a:alphaOff val="0"/>
           </a:schemeClr>
         </a:solidFill>
         <a:ln w="12700" cap="flat" cmpd="sng" algn="ctr">
           <a:solidFill>
             <a:schemeClr val="accent2">
-              <a:hueOff val="-831636"/>
-              <a:satOff val="-47959"/>
-              <a:lumOff val="4930"/>
+              <a:hueOff val="-529223"/>
+              <a:satOff val="-30519"/>
+              <a:lumOff val="3137"/>
               <a:alphaOff val="0"/>
             </a:schemeClr>
           </a:solidFill>
@@ -4050,8 +4582,8 @@
       </dsp:nvSpPr>
       <dsp:spPr>
         <a:xfrm>
-          <a:off x="0" y="2552700"/>
-          <a:ext cx="6492875" cy="638175"/>
+          <a:off x="0" y="1702630"/>
+          <a:ext cx="6492875" cy="425034"/>
         </a:xfrm>
         <a:prstGeom prst="rect">
           <a:avLst/>
@@ -4075,12 +4607,12 @@
         <a:fontRef idx="minor"/>
       </dsp:style>
       <dsp:txBody>
-        <a:bodyPr spcFirstLastPara="0" vert="horz" wrap="square" lIns="114300" tIns="114300" rIns="114300" bIns="114300" numCol="1" spcCol="1270" anchor="t" anchorCtr="0">
+        <a:bodyPr spcFirstLastPara="0" vert="horz" wrap="square" lIns="76200" tIns="76200" rIns="76200" bIns="76200" numCol="1" spcCol="1270" anchor="t" anchorCtr="0">
           <a:noAutofit/>
         </a:bodyPr>
         <a:lstStyle/>
         <a:p>
-          <a:pPr lvl="0" algn="l" defTabSz="1333500">
+          <a:pPr lvl="0" algn="l" defTabSz="889000">
             <a:lnSpc>
               <a:spcPct val="90000"/>
             </a:lnSpc>
@@ -4092,35 +4624,35 @@
             </a:spcAft>
           </a:pPr>
           <a:r>
-            <a:rPr lang="en-US" sz="3000" kern="1200" dirty="0">
+            <a:rPr lang="en-US" sz="2000" kern="1200" dirty="0">
               <a:latin typeface="Times New Roman" panose="02020603050405020304" pitchFamily="18" charset="0"/>
               <a:cs typeface="Times New Roman" panose="02020603050405020304" pitchFamily="18" charset="0"/>
             </a:rPr>
             <a:t>5. </a:t>
           </a:r>
           <a:r>
-            <a:rPr lang="en-US" sz="3000" kern="1200" dirty="0" err="1">
+            <a:rPr lang="en-US" sz="2000" kern="1200" dirty="0" err="1">
               <a:latin typeface="Times New Roman" panose="02020603050405020304" pitchFamily="18" charset="0"/>
               <a:cs typeface="Times New Roman" panose="02020603050405020304" pitchFamily="18" charset="0"/>
             </a:rPr>
             <a:t>Bộ</a:t>
           </a:r>
           <a:r>
-            <a:rPr lang="en-US" sz="3000" kern="1200" dirty="0">
+            <a:rPr lang="en-US" sz="2000" kern="1200" dirty="0">
               <a:latin typeface="Times New Roman" panose="02020603050405020304" pitchFamily="18" charset="0"/>
               <a:cs typeface="Times New Roman" panose="02020603050405020304" pitchFamily="18" charset="0"/>
             </a:rPr>
             <a:t> </a:t>
           </a:r>
           <a:r>
-            <a:rPr lang="en-US" sz="3000" kern="1200" dirty="0" err="1">
+            <a:rPr lang="en-US" sz="2000" kern="1200" dirty="0" err="1">
               <a:latin typeface="Times New Roman" panose="02020603050405020304" pitchFamily="18" charset="0"/>
               <a:cs typeface="Times New Roman" panose="02020603050405020304" pitchFamily="18" charset="0"/>
             </a:rPr>
             <a:t>lọc</a:t>
           </a:r>
           <a:r>
-            <a:rPr lang="en-US" sz="3000" kern="1200" dirty="0">
+            <a:rPr lang="en-US" sz="2000" kern="1200" dirty="0">
               <a:latin typeface="Times New Roman" panose="02020603050405020304" pitchFamily="18" charset="0"/>
               <a:cs typeface="Times New Roman" panose="02020603050405020304" pitchFamily="18" charset="0"/>
             </a:rPr>
@@ -4129,8 +4661,8 @@
         </a:p>
       </dsp:txBody>
       <dsp:txXfrm>
-        <a:off x="0" y="2552700"/>
-        <a:ext cx="6492875" cy="638175"/>
+        <a:off x="0" y="1702630"/>
+        <a:ext cx="6492875" cy="425034"/>
       </dsp:txXfrm>
     </dsp:sp>
     <dsp:sp modelId="{76977A9F-4202-4B8F-A20E-01818ED9056E}">
@@ -4140,7 +4672,7 @@
       </dsp:nvSpPr>
       <dsp:spPr>
         <a:xfrm>
-          <a:off x="0" y="3190874"/>
+          <a:off x="0" y="2127665"/>
           <a:ext cx="6492875" cy="0"/>
         </a:xfrm>
         <a:prstGeom prst="line">
@@ -4148,18 +4680,18 @@
         </a:prstGeom>
         <a:solidFill>
           <a:schemeClr val="accent2">
-            <a:hueOff val="-1039545"/>
-            <a:satOff val="-59949"/>
-            <a:lumOff val="6163"/>
+            <a:hueOff val="-661529"/>
+            <a:satOff val="-38149"/>
+            <a:lumOff val="3922"/>
             <a:alphaOff val="0"/>
           </a:schemeClr>
         </a:solidFill>
         <a:ln w="12700" cap="flat" cmpd="sng" algn="ctr">
           <a:solidFill>
             <a:schemeClr val="accent2">
-              <a:hueOff val="-1039545"/>
-              <a:satOff val="-59949"/>
-              <a:lumOff val="6163"/>
+              <a:hueOff val="-661529"/>
+              <a:satOff val="-38149"/>
+              <a:lumOff val="3922"/>
               <a:alphaOff val="0"/>
             </a:schemeClr>
           </a:solidFill>
@@ -4190,8 +4722,8 @@
       </dsp:nvSpPr>
       <dsp:spPr>
         <a:xfrm>
-          <a:off x="0" y="3190875"/>
-          <a:ext cx="6492875" cy="638175"/>
+          <a:off x="0" y="2127665"/>
+          <a:ext cx="6492875" cy="425034"/>
         </a:xfrm>
         <a:prstGeom prst="rect">
           <a:avLst/>
@@ -4215,12 +4747,12 @@
         <a:fontRef idx="minor"/>
       </dsp:style>
       <dsp:txBody>
-        <a:bodyPr spcFirstLastPara="0" vert="horz" wrap="square" lIns="114300" tIns="114300" rIns="114300" bIns="114300" numCol="1" spcCol="1270" anchor="t" anchorCtr="0">
+        <a:bodyPr spcFirstLastPara="0" vert="horz" wrap="square" lIns="76200" tIns="76200" rIns="76200" bIns="76200" numCol="1" spcCol="1270" anchor="t" anchorCtr="0">
           <a:noAutofit/>
         </a:bodyPr>
         <a:lstStyle/>
         <a:p>
-          <a:pPr lvl="0" algn="l" defTabSz="1333500">
+          <a:pPr lvl="0" algn="l" defTabSz="889000">
             <a:lnSpc>
               <a:spcPct val="90000"/>
             </a:lnSpc>
@@ -4232,35 +4764,35 @@
             </a:spcAft>
           </a:pPr>
           <a:r>
-            <a:rPr lang="en-US" sz="3000" kern="1200" dirty="0">
+            <a:rPr lang="en-US" sz="2000" kern="1200" dirty="0">
               <a:latin typeface="Times New Roman" panose="02020603050405020304" pitchFamily="18" charset="0"/>
               <a:cs typeface="Times New Roman" panose="02020603050405020304" pitchFamily="18" charset="0"/>
             </a:rPr>
             <a:t>6. </a:t>
           </a:r>
           <a:r>
-            <a:rPr lang="en-US" sz="3000" kern="1200" dirty="0" err="1">
+            <a:rPr lang="en-US" sz="2000" kern="1200" dirty="0" err="1">
               <a:latin typeface="Times New Roman" panose="02020603050405020304" pitchFamily="18" charset="0"/>
               <a:cs typeface="Times New Roman" panose="02020603050405020304" pitchFamily="18" charset="0"/>
             </a:rPr>
             <a:t>Bộ</a:t>
           </a:r>
           <a:r>
-            <a:rPr lang="en-US" sz="3000" kern="1200" dirty="0">
+            <a:rPr lang="en-US" sz="2000" kern="1200" dirty="0">
               <a:latin typeface="Times New Roman" panose="02020603050405020304" pitchFamily="18" charset="0"/>
               <a:cs typeface="Times New Roman" panose="02020603050405020304" pitchFamily="18" charset="0"/>
             </a:rPr>
             <a:t> </a:t>
           </a:r>
           <a:r>
-            <a:rPr lang="en-US" sz="3000" kern="1200" dirty="0" err="1">
+            <a:rPr lang="en-US" sz="2000" kern="1200" dirty="0" err="1">
               <a:latin typeface="Times New Roman" panose="02020603050405020304" pitchFamily="18" charset="0"/>
               <a:cs typeface="Times New Roman" panose="02020603050405020304" pitchFamily="18" charset="0"/>
             </a:rPr>
             <a:t>lọc</a:t>
           </a:r>
           <a:r>
-            <a:rPr lang="en-US" sz="3000" kern="1200" dirty="0">
+            <a:rPr lang="en-US" sz="2000" kern="1200" dirty="0">
               <a:latin typeface="Times New Roman" panose="02020603050405020304" pitchFamily="18" charset="0"/>
               <a:cs typeface="Times New Roman" panose="02020603050405020304" pitchFamily="18" charset="0"/>
             </a:rPr>
@@ -4269,8 +4801,8 @@
         </a:p>
       </dsp:txBody>
       <dsp:txXfrm>
-        <a:off x="0" y="3190875"/>
-        <a:ext cx="6492875" cy="638175"/>
+        <a:off x="0" y="2127665"/>
+        <a:ext cx="6492875" cy="425034"/>
       </dsp:txXfrm>
     </dsp:sp>
     <dsp:sp modelId="{2565DE1A-7D99-4E7B-925E-E92B84AF84BA}">
@@ -4280,7 +4812,7 @@
       </dsp:nvSpPr>
       <dsp:spPr>
         <a:xfrm>
-          <a:off x="0" y="3829050"/>
+          <a:off x="0" y="2552699"/>
           <a:ext cx="6492875" cy="0"/>
         </a:xfrm>
         <a:prstGeom prst="line">
@@ -4288,18 +4820,18 @@
         </a:prstGeom>
         <a:solidFill>
           <a:schemeClr val="accent2">
-            <a:hueOff val="-1247454"/>
-            <a:satOff val="-71938"/>
-            <a:lumOff val="7395"/>
+            <a:hueOff val="-793834"/>
+            <a:satOff val="-45779"/>
+            <a:lumOff val="4706"/>
             <a:alphaOff val="0"/>
           </a:schemeClr>
         </a:solidFill>
         <a:ln w="12700" cap="flat" cmpd="sng" algn="ctr">
           <a:solidFill>
             <a:schemeClr val="accent2">
-              <a:hueOff val="-1247454"/>
-              <a:satOff val="-71938"/>
-              <a:lumOff val="7395"/>
+              <a:hueOff val="-793834"/>
+              <a:satOff val="-45779"/>
+              <a:lumOff val="4706"/>
               <a:alphaOff val="0"/>
             </a:schemeClr>
           </a:solidFill>
@@ -4330,8 +4862,8 @@
       </dsp:nvSpPr>
       <dsp:spPr>
         <a:xfrm>
-          <a:off x="0" y="3829050"/>
-          <a:ext cx="6492875" cy="638175"/>
+          <a:off x="0" y="2552700"/>
+          <a:ext cx="6492875" cy="425034"/>
         </a:xfrm>
         <a:prstGeom prst="rect">
           <a:avLst/>
@@ -4355,12 +4887,12 @@
         <a:fontRef idx="minor"/>
       </dsp:style>
       <dsp:txBody>
-        <a:bodyPr spcFirstLastPara="0" vert="horz" wrap="square" lIns="114300" tIns="114300" rIns="114300" bIns="114300" numCol="1" spcCol="1270" anchor="t" anchorCtr="0">
+        <a:bodyPr spcFirstLastPara="0" vert="horz" wrap="square" lIns="76200" tIns="76200" rIns="76200" bIns="76200" numCol="1" spcCol="1270" anchor="t" anchorCtr="0">
           <a:noAutofit/>
         </a:bodyPr>
         <a:lstStyle/>
         <a:p>
-          <a:pPr lvl="0" algn="l" defTabSz="1333500">
+          <a:pPr lvl="0" algn="l" defTabSz="889000">
             <a:lnSpc>
               <a:spcPct val="90000"/>
             </a:lnSpc>
@@ -4372,35 +4904,35 @@
             </a:spcAft>
           </a:pPr>
           <a:r>
-            <a:rPr lang="en-US" sz="3000" kern="1200" dirty="0">
+            <a:rPr lang="en-US" sz="2000" kern="1200" dirty="0">
               <a:latin typeface="Times New Roman" panose="02020603050405020304" pitchFamily="18" charset="0"/>
               <a:cs typeface="Times New Roman" panose="02020603050405020304" pitchFamily="18" charset="0"/>
             </a:rPr>
             <a:t>7. </a:t>
           </a:r>
           <a:r>
-            <a:rPr lang="en-US" sz="3000" kern="1200" dirty="0" err="1">
+            <a:rPr lang="en-US" sz="2000" kern="1200" dirty="0" err="1">
               <a:latin typeface="Times New Roman" panose="02020603050405020304" pitchFamily="18" charset="0"/>
               <a:cs typeface="Times New Roman" panose="02020603050405020304" pitchFamily="18" charset="0"/>
             </a:rPr>
             <a:t>Bộ</a:t>
           </a:r>
           <a:r>
-            <a:rPr lang="en-US" sz="3000" kern="1200" dirty="0">
+            <a:rPr lang="en-US" sz="2000" kern="1200" dirty="0">
               <a:latin typeface="Times New Roman" panose="02020603050405020304" pitchFamily="18" charset="0"/>
               <a:cs typeface="Times New Roman" panose="02020603050405020304" pitchFamily="18" charset="0"/>
             </a:rPr>
             <a:t> </a:t>
           </a:r>
           <a:r>
-            <a:rPr lang="en-US" sz="3000" kern="1200" dirty="0" err="1">
+            <a:rPr lang="en-US" sz="2000" kern="1200" dirty="0" err="1">
               <a:latin typeface="Times New Roman" panose="02020603050405020304" pitchFamily="18" charset="0"/>
               <a:cs typeface="Times New Roman" panose="02020603050405020304" pitchFamily="18" charset="0"/>
             </a:rPr>
             <a:t>lọc</a:t>
           </a:r>
           <a:r>
-            <a:rPr lang="en-US" sz="3000" kern="1200" dirty="0">
+            <a:rPr lang="en-US" sz="2000" kern="1200" dirty="0">
               <a:latin typeface="Times New Roman" panose="02020603050405020304" pitchFamily="18" charset="0"/>
               <a:cs typeface="Times New Roman" panose="02020603050405020304" pitchFamily="18" charset="0"/>
             </a:rPr>
@@ -4409,8 +4941,8 @@
         </a:p>
       </dsp:txBody>
       <dsp:txXfrm>
-        <a:off x="0" y="3829050"/>
-        <a:ext cx="6492875" cy="638175"/>
+        <a:off x="0" y="2552700"/>
+        <a:ext cx="6492875" cy="425034"/>
       </dsp:txXfrm>
     </dsp:sp>
     <dsp:sp modelId="{06D6B532-EDF7-463C-A014-9B5C2DD182C4}">
@@ -4420,7 +4952,681 @@
       </dsp:nvSpPr>
       <dsp:spPr>
         <a:xfrm>
-          <a:off x="0" y="4467225"/>
+          <a:off x="0" y="2977734"/>
+          <a:ext cx="6492875" cy="0"/>
+        </a:xfrm>
+        <a:prstGeom prst="line">
+          <a:avLst/>
+        </a:prstGeom>
+        <a:solidFill>
+          <a:schemeClr val="accent2">
+            <a:hueOff val="-926140"/>
+            <a:satOff val="-53409"/>
+            <a:lumOff val="5491"/>
+            <a:alphaOff val="0"/>
+          </a:schemeClr>
+        </a:solidFill>
+        <a:ln w="12700" cap="flat" cmpd="sng" algn="ctr">
+          <a:solidFill>
+            <a:schemeClr val="accent2">
+              <a:hueOff val="-926140"/>
+              <a:satOff val="-53409"/>
+              <a:lumOff val="5491"/>
+              <a:alphaOff val="0"/>
+            </a:schemeClr>
+          </a:solidFill>
+          <a:prstDash val="solid"/>
+          <a:miter lim="800000"/>
+        </a:ln>
+        <a:effectLst/>
+      </dsp:spPr>
+      <dsp:style>
+        <a:lnRef idx="2">
+          <a:scrgbClr r="0" g="0" b="0"/>
+        </a:lnRef>
+        <a:fillRef idx="1">
+          <a:scrgbClr r="0" g="0" b="0"/>
+        </a:fillRef>
+        <a:effectRef idx="0">
+          <a:scrgbClr r="0" g="0" b="0"/>
+        </a:effectRef>
+        <a:fontRef idx="minor">
+          <a:schemeClr val="lt1"/>
+        </a:fontRef>
+      </dsp:style>
+    </dsp:sp>
+    <dsp:sp modelId="{CD38C186-86FF-4107-A0EB-4DDE13B186E0}">
+      <dsp:nvSpPr>
+        <dsp:cNvPr id="0" name=""/>
+        <dsp:cNvSpPr/>
+      </dsp:nvSpPr>
+      <dsp:spPr>
+        <a:xfrm>
+          <a:off x="0" y="2977734"/>
+          <a:ext cx="6492875" cy="425034"/>
+        </a:xfrm>
+        <a:prstGeom prst="rect">
+          <a:avLst/>
+        </a:prstGeom>
+        <a:noFill/>
+        <a:ln>
+          <a:noFill/>
+        </a:ln>
+        <a:effectLst/>
+      </dsp:spPr>
+      <dsp:style>
+        <a:lnRef idx="0">
+          <a:scrgbClr r="0" g="0" b="0"/>
+        </a:lnRef>
+        <a:fillRef idx="0">
+          <a:scrgbClr r="0" g="0" b="0"/>
+        </a:fillRef>
+        <a:effectRef idx="0">
+          <a:scrgbClr r="0" g="0" b="0"/>
+        </a:effectRef>
+        <a:fontRef idx="minor"/>
+      </dsp:style>
+      <dsp:txBody>
+        <a:bodyPr spcFirstLastPara="0" vert="horz" wrap="square" lIns="76200" tIns="76200" rIns="76200" bIns="76200" numCol="1" spcCol="1270" anchor="t" anchorCtr="0">
+          <a:noAutofit/>
+        </a:bodyPr>
+        <a:lstStyle/>
+        <a:p>
+          <a:pPr lvl="0" algn="l" defTabSz="889000">
+            <a:lnSpc>
+              <a:spcPct val="90000"/>
+            </a:lnSpc>
+            <a:spcBef>
+              <a:spcPct val="0"/>
+            </a:spcBef>
+            <a:spcAft>
+              <a:spcPct val="35000"/>
+            </a:spcAft>
+          </a:pPr>
+          <a:r>
+            <a:rPr lang="en-US" sz="2000" kern="1200" dirty="0" smtClean="0">
+              <a:latin typeface="Times New Roman" panose="02020603050405020304" pitchFamily="18" charset="0"/>
+              <a:cs typeface="Times New Roman" panose="02020603050405020304" pitchFamily="18" charset="0"/>
+            </a:rPr>
+            <a:t>8. </a:t>
+          </a:r>
+          <a:r>
+            <a:rPr lang="en-US" sz="2000" kern="1200" dirty="0" err="1" smtClean="0">
+              <a:latin typeface="Times New Roman" panose="02020603050405020304" pitchFamily="18" charset="0"/>
+              <a:cs typeface="Times New Roman" panose="02020603050405020304" pitchFamily="18" charset="0"/>
+            </a:rPr>
+            <a:t>Bộ</a:t>
+          </a:r>
+          <a:r>
+            <a:rPr lang="en-US" sz="2000" kern="1200" dirty="0" smtClean="0">
+              <a:latin typeface="Times New Roman" panose="02020603050405020304" pitchFamily="18" charset="0"/>
+              <a:cs typeface="Times New Roman" panose="02020603050405020304" pitchFamily="18" charset="0"/>
+            </a:rPr>
+            <a:t> </a:t>
+          </a:r>
+          <a:r>
+            <a:rPr lang="en-US" sz="2000" kern="1200" dirty="0" err="1" smtClean="0">
+              <a:latin typeface="Times New Roman" panose="02020603050405020304" pitchFamily="18" charset="0"/>
+              <a:cs typeface="Times New Roman" panose="02020603050405020304" pitchFamily="18" charset="0"/>
+            </a:rPr>
+            <a:t>lọc</a:t>
+          </a:r>
+          <a:r>
+            <a:rPr lang="en-US" sz="2000" kern="1200" dirty="0" smtClean="0">
+              <a:latin typeface="Times New Roman" panose="02020603050405020304" pitchFamily="18" charset="0"/>
+              <a:cs typeface="Times New Roman" panose="02020603050405020304" pitchFamily="18" charset="0"/>
+            </a:rPr>
+            <a:t> Weiner</a:t>
+          </a:r>
+          <a:endParaRPr lang="en-US" sz="2000" kern="1200" dirty="0">
+            <a:latin typeface="Times New Roman" panose="02020603050405020304" pitchFamily="18" charset="0"/>
+            <a:cs typeface="Times New Roman" panose="02020603050405020304" pitchFamily="18" charset="0"/>
+          </a:endParaRPr>
+        </a:p>
+      </dsp:txBody>
+      <dsp:txXfrm>
+        <a:off x="0" y="2977734"/>
+        <a:ext cx="6492875" cy="425034"/>
+      </dsp:txXfrm>
+    </dsp:sp>
+    <dsp:sp modelId="{27A8C552-8199-4D26-AE43-499BB05CBC61}">
+      <dsp:nvSpPr>
+        <dsp:cNvPr id="0" name=""/>
+        <dsp:cNvSpPr/>
+      </dsp:nvSpPr>
+      <dsp:spPr>
+        <a:xfrm>
+          <a:off x="0" y="3402769"/>
+          <a:ext cx="6492875" cy="0"/>
+        </a:xfrm>
+        <a:prstGeom prst="line">
+          <a:avLst/>
+        </a:prstGeom>
+        <a:solidFill>
+          <a:schemeClr val="accent2">
+            <a:hueOff val="-1058446"/>
+            <a:satOff val="-61039"/>
+            <a:lumOff val="6275"/>
+            <a:alphaOff val="0"/>
+          </a:schemeClr>
+        </a:solidFill>
+        <a:ln w="12700" cap="flat" cmpd="sng" algn="ctr">
+          <a:solidFill>
+            <a:schemeClr val="accent2">
+              <a:hueOff val="-1058446"/>
+              <a:satOff val="-61039"/>
+              <a:lumOff val="6275"/>
+              <a:alphaOff val="0"/>
+            </a:schemeClr>
+          </a:solidFill>
+          <a:prstDash val="solid"/>
+          <a:miter lim="800000"/>
+        </a:ln>
+        <a:effectLst/>
+      </dsp:spPr>
+      <dsp:style>
+        <a:lnRef idx="2">
+          <a:scrgbClr r="0" g="0" b="0"/>
+        </a:lnRef>
+        <a:fillRef idx="1">
+          <a:scrgbClr r="0" g="0" b="0"/>
+        </a:fillRef>
+        <a:effectRef idx="0">
+          <a:scrgbClr r="0" g="0" b="0"/>
+        </a:effectRef>
+        <a:fontRef idx="minor">
+          <a:schemeClr val="lt1"/>
+        </a:fontRef>
+      </dsp:style>
+    </dsp:sp>
+    <dsp:sp modelId="{B5EA07CC-EA40-4CD1-9F7C-86204265B84D}">
+      <dsp:nvSpPr>
+        <dsp:cNvPr id="0" name=""/>
+        <dsp:cNvSpPr/>
+      </dsp:nvSpPr>
+      <dsp:spPr>
+        <a:xfrm>
+          <a:off x="0" y="3402769"/>
+          <a:ext cx="6492875" cy="425034"/>
+        </a:xfrm>
+        <a:prstGeom prst="rect">
+          <a:avLst/>
+        </a:prstGeom>
+        <a:noFill/>
+        <a:ln>
+          <a:noFill/>
+        </a:ln>
+        <a:effectLst/>
+      </dsp:spPr>
+      <dsp:style>
+        <a:lnRef idx="0">
+          <a:scrgbClr r="0" g="0" b="0"/>
+        </a:lnRef>
+        <a:fillRef idx="0">
+          <a:scrgbClr r="0" g="0" b="0"/>
+        </a:fillRef>
+        <a:effectRef idx="0">
+          <a:scrgbClr r="0" g="0" b="0"/>
+        </a:effectRef>
+        <a:fontRef idx="minor"/>
+      </dsp:style>
+      <dsp:txBody>
+        <a:bodyPr spcFirstLastPara="0" vert="horz" wrap="square" lIns="76200" tIns="76200" rIns="76200" bIns="76200" numCol="1" spcCol="1270" anchor="t" anchorCtr="0">
+          <a:noAutofit/>
+        </a:bodyPr>
+        <a:lstStyle/>
+        <a:p>
+          <a:pPr lvl="0" algn="l" defTabSz="889000">
+            <a:lnSpc>
+              <a:spcPct val="90000"/>
+            </a:lnSpc>
+            <a:spcBef>
+              <a:spcPct val="0"/>
+            </a:spcBef>
+            <a:spcAft>
+              <a:spcPct val="35000"/>
+            </a:spcAft>
+          </a:pPr>
+          <a:r>
+            <a:rPr lang="en-US" sz="2000" kern="1200" dirty="0" smtClean="0">
+              <a:latin typeface="Times New Roman" panose="02020603050405020304" pitchFamily="18" charset="0"/>
+              <a:cs typeface="Times New Roman" panose="02020603050405020304" pitchFamily="18" charset="0"/>
+            </a:rPr>
+            <a:t>9. </a:t>
+          </a:r>
+          <a:r>
+            <a:rPr lang="en-US" sz="2000" kern="1200" dirty="0" err="1" smtClean="0">
+              <a:latin typeface="Times New Roman" panose="02020603050405020304" pitchFamily="18" charset="0"/>
+              <a:cs typeface="Times New Roman" panose="02020603050405020304" pitchFamily="18" charset="0"/>
+            </a:rPr>
+            <a:t>Bộ</a:t>
+          </a:r>
+          <a:r>
+            <a:rPr lang="en-US" sz="2000" kern="1200" dirty="0" smtClean="0">
+              <a:latin typeface="Times New Roman" panose="02020603050405020304" pitchFamily="18" charset="0"/>
+              <a:cs typeface="Times New Roman" panose="02020603050405020304" pitchFamily="18" charset="0"/>
+            </a:rPr>
+            <a:t> </a:t>
+          </a:r>
+          <a:r>
+            <a:rPr lang="en-US" sz="2000" kern="1200" dirty="0" err="1" smtClean="0">
+              <a:latin typeface="Times New Roman" panose="02020603050405020304" pitchFamily="18" charset="0"/>
+              <a:cs typeface="Times New Roman" panose="02020603050405020304" pitchFamily="18" charset="0"/>
+            </a:rPr>
+            <a:t>lọc</a:t>
+          </a:r>
+          <a:r>
+            <a:rPr lang="en-US" sz="2000" kern="1200" dirty="0" smtClean="0">
+              <a:latin typeface="Times New Roman" panose="02020603050405020304" pitchFamily="18" charset="0"/>
+              <a:cs typeface="Times New Roman" panose="02020603050405020304" pitchFamily="18" charset="0"/>
+            </a:rPr>
+            <a:t> </a:t>
+          </a:r>
+          <a:r>
+            <a:rPr lang="en-US" sz="2000" kern="1200" dirty="0" err="1" smtClean="0">
+              <a:latin typeface="Times New Roman" panose="02020603050405020304" pitchFamily="18" charset="0"/>
+              <a:cs typeface="Times New Roman" panose="02020603050405020304" pitchFamily="18" charset="0"/>
+            </a:rPr>
+            <a:t>hiệu</a:t>
+          </a:r>
+          <a:r>
+            <a:rPr lang="en-US" sz="2000" kern="1200" dirty="0" smtClean="0">
+              <a:latin typeface="Times New Roman" panose="02020603050405020304" pitchFamily="18" charset="0"/>
+              <a:cs typeface="Times New Roman" panose="02020603050405020304" pitchFamily="18" charset="0"/>
+            </a:rPr>
+            <a:t> </a:t>
+          </a:r>
+          <a:r>
+            <a:rPr lang="en-US" sz="2000" kern="1200" dirty="0" err="1" smtClean="0">
+              <a:latin typeface="Times New Roman" panose="02020603050405020304" pitchFamily="18" charset="0"/>
+              <a:cs typeface="Times New Roman" panose="02020603050405020304" pitchFamily="18" charset="0"/>
+            </a:rPr>
+            <a:t>ứng</a:t>
+          </a:r>
+          <a:r>
+            <a:rPr lang="en-US" sz="2000" kern="1200" dirty="0" smtClean="0">
+              <a:latin typeface="Times New Roman" panose="02020603050405020304" pitchFamily="18" charset="0"/>
+              <a:cs typeface="Times New Roman" panose="02020603050405020304" pitchFamily="18" charset="0"/>
+            </a:rPr>
+            <a:t> </a:t>
+          </a:r>
+          <a:r>
+            <a:rPr lang="en-US" sz="2000" kern="1200" dirty="0" err="1" smtClean="0">
+              <a:latin typeface="Times New Roman" panose="02020603050405020304" pitchFamily="18" charset="0"/>
+              <a:cs typeface="Times New Roman" panose="02020603050405020304" pitchFamily="18" charset="0"/>
+            </a:rPr>
+            <a:t>mùa</a:t>
+          </a:r>
+          <a:r>
+            <a:rPr lang="en-US" sz="2000" kern="1200" dirty="0" smtClean="0">
+              <a:latin typeface="Times New Roman" panose="02020603050405020304" pitchFamily="18" charset="0"/>
+              <a:cs typeface="Times New Roman" panose="02020603050405020304" pitchFamily="18" charset="0"/>
+            </a:rPr>
+            <a:t> </a:t>
+          </a:r>
+          <a:r>
+            <a:rPr lang="en-US" sz="2000" kern="1200" dirty="0" err="1" smtClean="0">
+              <a:latin typeface="Times New Roman" panose="02020603050405020304" pitchFamily="18" charset="0"/>
+              <a:cs typeface="Times New Roman" panose="02020603050405020304" pitchFamily="18" charset="0"/>
+            </a:rPr>
+            <a:t>đông</a:t>
+          </a:r>
+          <a:endParaRPr lang="en-US" sz="2000" kern="1200" dirty="0">
+            <a:latin typeface="Times New Roman" panose="02020603050405020304" pitchFamily="18" charset="0"/>
+            <a:cs typeface="Times New Roman" panose="02020603050405020304" pitchFamily="18" charset="0"/>
+          </a:endParaRPr>
+        </a:p>
+      </dsp:txBody>
+      <dsp:txXfrm>
+        <a:off x="0" y="3402769"/>
+        <a:ext cx="6492875" cy="425034"/>
+      </dsp:txXfrm>
+    </dsp:sp>
+    <dsp:sp modelId="{B5BAA194-EDED-4F8A-92E5-CFE8DCA5416B}">
+      <dsp:nvSpPr>
+        <dsp:cNvPr id="0" name=""/>
+        <dsp:cNvSpPr/>
+      </dsp:nvSpPr>
+      <dsp:spPr>
+        <a:xfrm>
+          <a:off x="0" y="3827803"/>
+          <a:ext cx="6492875" cy="0"/>
+        </a:xfrm>
+        <a:prstGeom prst="line">
+          <a:avLst/>
+        </a:prstGeom>
+        <a:solidFill>
+          <a:schemeClr val="accent2">
+            <a:hueOff val="-1190752"/>
+            <a:satOff val="-68668"/>
+            <a:lumOff val="7059"/>
+            <a:alphaOff val="0"/>
+          </a:schemeClr>
+        </a:solidFill>
+        <a:ln w="12700" cap="flat" cmpd="sng" algn="ctr">
+          <a:solidFill>
+            <a:schemeClr val="accent2">
+              <a:hueOff val="-1190752"/>
+              <a:satOff val="-68668"/>
+              <a:lumOff val="7059"/>
+              <a:alphaOff val="0"/>
+            </a:schemeClr>
+          </a:solidFill>
+          <a:prstDash val="solid"/>
+          <a:miter lim="800000"/>
+        </a:ln>
+        <a:effectLst/>
+      </dsp:spPr>
+      <dsp:style>
+        <a:lnRef idx="2">
+          <a:scrgbClr r="0" g="0" b="0"/>
+        </a:lnRef>
+        <a:fillRef idx="1">
+          <a:scrgbClr r="0" g="0" b="0"/>
+        </a:fillRef>
+        <a:effectRef idx="0">
+          <a:scrgbClr r="0" g="0" b="0"/>
+        </a:effectRef>
+        <a:fontRef idx="minor">
+          <a:schemeClr val="lt1"/>
+        </a:fontRef>
+      </dsp:style>
+    </dsp:sp>
+    <dsp:sp modelId="{747657EB-FD64-43E9-8467-D39CD6930F1D}">
+      <dsp:nvSpPr>
+        <dsp:cNvPr id="0" name=""/>
+        <dsp:cNvSpPr/>
+      </dsp:nvSpPr>
+      <dsp:spPr>
+        <a:xfrm>
+          <a:off x="0" y="3827803"/>
+          <a:ext cx="6492875" cy="425034"/>
+        </a:xfrm>
+        <a:prstGeom prst="rect">
+          <a:avLst/>
+        </a:prstGeom>
+        <a:noFill/>
+        <a:ln>
+          <a:noFill/>
+        </a:ln>
+        <a:effectLst/>
+      </dsp:spPr>
+      <dsp:style>
+        <a:lnRef idx="0">
+          <a:scrgbClr r="0" g="0" b="0"/>
+        </a:lnRef>
+        <a:fillRef idx="0">
+          <a:scrgbClr r="0" g="0" b="0"/>
+        </a:fillRef>
+        <a:effectRef idx="0">
+          <a:scrgbClr r="0" g="0" b="0"/>
+        </a:effectRef>
+        <a:fontRef idx="minor"/>
+      </dsp:style>
+      <dsp:txBody>
+        <a:bodyPr spcFirstLastPara="0" vert="horz" wrap="square" lIns="76200" tIns="76200" rIns="76200" bIns="76200" numCol="1" spcCol="1270" anchor="t" anchorCtr="0">
+          <a:noAutofit/>
+        </a:bodyPr>
+        <a:lstStyle/>
+        <a:p>
+          <a:pPr lvl="0" algn="l" defTabSz="889000">
+            <a:lnSpc>
+              <a:spcPct val="90000"/>
+            </a:lnSpc>
+            <a:spcBef>
+              <a:spcPct val="0"/>
+            </a:spcBef>
+            <a:spcAft>
+              <a:spcPct val="35000"/>
+            </a:spcAft>
+          </a:pPr>
+          <a:r>
+            <a:rPr lang="en-US" sz="2000" kern="1200" dirty="0" smtClean="0">
+              <a:latin typeface="Times New Roman" panose="02020603050405020304" pitchFamily="18" charset="0"/>
+              <a:cs typeface="Times New Roman" panose="02020603050405020304" pitchFamily="18" charset="0"/>
+            </a:rPr>
+            <a:t>10. </a:t>
+          </a:r>
+          <a:r>
+            <a:rPr lang="en-US" sz="2000" kern="1200" dirty="0" err="1" smtClean="0">
+              <a:latin typeface="Times New Roman" panose="02020603050405020304" pitchFamily="18" charset="0"/>
+              <a:cs typeface="Times New Roman" panose="02020603050405020304" pitchFamily="18" charset="0"/>
+            </a:rPr>
+            <a:t>Bộ</a:t>
+          </a:r>
+          <a:r>
+            <a:rPr lang="en-US" sz="2000" kern="1200" dirty="0" smtClean="0">
+              <a:latin typeface="Times New Roman" panose="02020603050405020304" pitchFamily="18" charset="0"/>
+              <a:cs typeface="Times New Roman" panose="02020603050405020304" pitchFamily="18" charset="0"/>
+            </a:rPr>
+            <a:t> </a:t>
+          </a:r>
+          <a:r>
+            <a:rPr lang="en-US" sz="2000" kern="1200" dirty="0" err="1" smtClean="0">
+              <a:latin typeface="Times New Roman" panose="02020603050405020304" pitchFamily="18" charset="0"/>
+              <a:cs typeface="Times New Roman" panose="02020603050405020304" pitchFamily="18" charset="0"/>
+            </a:rPr>
+            <a:t>lọc</a:t>
+          </a:r>
+          <a:r>
+            <a:rPr lang="en-US" sz="2000" kern="1200" dirty="0" smtClean="0">
+              <a:latin typeface="Times New Roman" panose="02020603050405020304" pitchFamily="18" charset="0"/>
+              <a:cs typeface="Times New Roman" panose="02020603050405020304" pitchFamily="18" charset="0"/>
+            </a:rPr>
+            <a:t> DFT</a:t>
+          </a:r>
+          <a:endParaRPr lang="en-US" sz="2000" kern="1200" dirty="0">
+            <a:latin typeface="Times New Roman" panose="02020603050405020304" pitchFamily="18" charset="0"/>
+            <a:cs typeface="Times New Roman" panose="02020603050405020304" pitchFamily="18" charset="0"/>
+          </a:endParaRPr>
+        </a:p>
+      </dsp:txBody>
+      <dsp:txXfrm>
+        <a:off x="0" y="3827803"/>
+        <a:ext cx="6492875" cy="425034"/>
+      </dsp:txXfrm>
+    </dsp:sp>
+    <dsp:sp modelId="{F1B5198A-54C3-4B76-B61B-E2991BBEFD5F}">
+      <dsp:nvSpPr>
+        <dsp:cNvPr id="0" name=""/>
+        <dsp:cNvSpPr/>
+      </dsp:nvSpPr>
+      <dsp:spPr>
+        <a:xfrm>
+          <a:off x="0" y="4252838"/>
+          <a:ext cx="6492875" cy="0"/>
+        </a:xfrm>
+        <a:prstGeom prst="line">
+          <a:avLst/>
+        </a:prstGeom>
+        <a:solidFill>
+          <a:schemeClr val="accent2">
+            <a:hueOff val="-1323057"/>
+            <a:satOff val="-76298"/>
+            <a:lumOff val="7844"/>
+            <a:alphaOff val="0"/>
+          </a:schemeClr>
+        </a:solidFill>
+        <a:ln w="12700" cap="flat" cmpd="sng" algn="ctr">
+          <a:solidFill>
+            <a:schemeClr val="accent2">
+              <a:hueOff val="-1323057"/>
+              <a:satOff val="-76298"/>
+              <a:lumOff val="7844"/>
+              <a:alphaOff val="0"/>
+            </a:schemeClr>
+          </a:solidFill>
+          <a:prstDash val="solid"/>
+          <a:miter lim="800000"/>
+        </a:ln>
+        <a:effectLst/>
+      </dsp:spPr>
+      <dsp:style>
+        <a:lnRef idx="2">
+          <a:scrgbClr r="0" g="0" b="0"/>
+        </a:lnRef>
+        <a:fillRef idx="1">
+          <a:scrgbClr r="0" g="0" b="0"/>
+        </a:fillRef>
+        <a:effectRef idx="0">
+          <a:scrgbClr r="0" g="0" b="0"/>
+        </a:effectRef>
+        <a:fontRef idx="minor">
+          <a:schemeClr val="lt1"/>
+        </a:fontRef>
+      </dsp:style>
+    </dsp:sp>
+    <dsp:sp modelId="{3D60CA4E-8624-4877-92B3-977491F59467}">
+      <dsp:nvSpPr>
+        <dsp:cNvPr id="0" name=""/>
+        <dsp:cNvSpPr/>
+      </dsp:nvSpPr>
+      <dsp:spPr>
+        <a:xfrm>
+          <a:off x="0" y="4252838"/>
+          <a:ext cx="6492875" cy="425034"/>
+        </a:xfrm>
+        <a:prstGeom prst="rect">
+          <a:avLst/>
+        </a:prstGeom>
+        <a:noFill/>
+        <a:ln>
+          <a:noFill/>
+        </a:ln>
+        <a:effectLst/>
+      </dsp:spPr>
+      <dsp:style>
+        <a:lnRef idx="0">
+          <a:scrgbClr r="0" g="0" b="0"/>
+        </a:lnRef>
+        <a:fillRef idx="0">
+          <a:scrgbClr r="0" g="0" b="0"/>
+        </a:fillRef>
+        <a:effectRef idx="0">
+          <a:scrgbClr r="0" g="0" b="0"/>
+        </a:effectRef>
+        <a:fontRef idx="minor"/>
+      </dsp:style>
+      <dsp:txBody>
+        <a:bodyPr spcFirstLastPara="0" vert="horz" wrap="square" lIns="76200" tIns="76200" rIns="76200" bIns="76200" numCol="1" spcCol="1270" anchor="t" anchorCtr="0">
+          <a:noAutofit/>
+        </a:bodyPr>
+        <a:lstStyle/>
+        <a:p>
+          <a:pPr lvl="0" algn="l" defTabSz="889000">
+            <a:lnSpc>
+              <a:spcPct val="90000"/>
+            </a:lnSpc>
+            <a:spcBef>
+              <a:spcPct val="0"/>
+            </a:spcBef>
+            <a:spcAft>
+              <a:spcPct val="35000"/>
+            </a:spcAft>
+          </a:pPr>
+          <a:r>
+            <a:rPr lang="en-US" sz="2000" kern="1200" dirty="0" smtClean="0">
+              <a:latin typeface="Times New Roman" panose="02020603050405020304" pitchFamily="18" charset="0"/>
+              <a:cs typeface="Times New Roman" panose="02020603050405020304" pitchFamily="18" charset="0"/>
+            </a:rPr>
+            <a:t>11. </a:t>
+          </a:r>
+          <a:r>
+            <a:rPr lang="en-US" sz="2000" kern="1200" dirty="0" err="1" smtClean="0">
+              <a:latin typeface="Times New Roman" panose="02020603050405020304" pitchFamily="18" charset="0"/>
+              <a:cs typeface="Times New Roman" panose="02020603050405020304" pitchFamily="18" charset="0"/>
+            </a:rPr>
+            <a:t>Xây</a:t>
+          </a:r>
+          <a:r>
+            <a:rPr lang="en-US" sz="2000" kern="1200" dirty="0" smtClean="0">
+              <a:latin typeface="Times New Roman" panose="02020603050405020304" pitchFamily="18" charset="0"/>
+              <a:cs typeface="Times New Roman" panose="02020603050405020304" pitchFamily="18" charset="0"/>
+            </a:rPr>
+            <a:t> </a:t>
+          </a:r>
+          <a:r>
+            <a:rPr lang="en-US" sz="2000" kern="1200" dirty="0" err="1" smtClean="0">
+              <a:latin typeface="Times New Roman" panose="02020603050405020304" pitchFamily="18" charset="0"/>
+              <a:cs typeface="Times New Roman" panose="02020603050405020304" pitchFamily="18" charset="0"/>
+            </a:rPr>
+            <a:t>dựng</a:t>
+          </a:r>
+          <a:r>
+            <a:rPr lang="en-US" sz="2000" kern="1200" dirty="0" smtClean="0">
+              <a:latin typeface="Times New Roman" panose="02020603050405020304" pitchFamily="18" charset="0"/>
+              <a:cs typeface="Times New Roman" panose="02020603050405020304" pitchFamily="18" charset="0"/>
+            </a:rPr>
+            <a:t> </a:t>
+          </a:r>
+          <a:r>
+            <a:rPr lang="en-US" sz="2000" kern="1200" dirty="0" err="1" smtClean="0">
+              <a:latin typeface="Times New Roman" panose="02020603050405020304" pitchFamily="18" charset="0"/>
+              <a:cs typeface="Times New Roman" panose="02020603050405020304" pitchFamily="18" charset="0"/>
+            </a:rPr>
+            <a:t>hệ</a:t>
+          </a:r>
+          <a:r>
+            <a:rPr lang="en-US" sz="2000" kern="1200" dirty="0" smtClean="0">
+              <a:latin typeface="Times New Roman" panose="02020603050405020304" pitchFamily="18" charset="0"/>
+              <a:cs typeface="Times New Roman" panose="02020603050405020304" pitchFamily="18" charset="0"/>
+            </a:rPr>
+            <a:t> </a:t>
+          </a:r>
+          <a:r>
+            <a:rPr lang="en-US" sz="2000" kern="1200" dirty="0" err="1" smtClean="0">
+              <a:latin typeface="Times New Roman" panose="02020603050405020304" pitchFamily="18" charset="0"/>
+              <a:cs typeface="Times New Roman" panose="02020603050405020304" pitchFamily="18" charset="0"/>
+            </a:rPr>
+            <a:t>thống</a:t>
+          </a:r>
+          <a:r>
+            <a:rPr lang="en-US" sz="2000" kern="1200" dirty="0" smtClean="0">
+              <a:latin typeface="Times New Roman" panose="02020603050405020304" pitchFamily="18" charset="0"/>
+              <a:cs typeface="Times New Roman" panose="02020603050405020304" pitchFamily="18" charset="0"/>
+            </a:rPr>
+            <a:t> </a:t>
+          </a:r>
+          <a:r>
+            <a:rPr lang="en-US" sz="2000" kern="1200" dirty="0" err="1" smtClean="0">
+              <a:latin typeface="Times New Roman" panose="02020603050405020304" pitchFamily="18" charset="0"/>
+              <a:cs typeface="Times New Roman" panose="02020603050405020304" pitchFamily="18" charset="0"/>
+            </a:rPr>
+            <a:t>ứng</a:t>
+          </a:r>
+          <a:r>
+            <a:rPr lang="en-US" sz="2000" kern="1200" dirty="0" smtClean="0">
+              <a:latin typeface="Times New Roman" panose="02020603050405020304" pitchFamily="18" charset="0"/>
+              <a:cs typeface="Times New Roman" panose="02020603050405020304" pitchFamily="18" charset="0"/>
+            </a:rPr>
+            <a:t> </a:t>
+          </a:r>
+          <a:r>
+            <a:rPr lang="en-US" sz="2000" kern="1200" dirty="0" err="1" smtClean="0">
+              <a:latin typeface="Times New Roman" panose="02020603050405020304" pitchFamily="18" charset="0"/>
+              <a:cs typeface="Times New Roman" panose="02020603050405020304" pitchFamily="18" charset="0"/>
+            </a:rPr>
+            <a:t>dụng</a:t>
+          </a:r>
+          <a:endParaRPr lang="en-US" sz="2000" kern="1200" dirty="0">
+            <a:latin typeface="Times New Roman" panose="02020603050405020304" pitchFamily="18" charset="0"/>
+            <a:cs typeface="Times New Roman" panose="02020603050405020304" pitchFamily="18" charset="0"/>
+          </a:endParaRPr>
+        </a:p>
+      </dsp:txBody>
+      <dsp:txXfrm>
+        <a:off x="0" y="4252838"/>
+        <a:ext cx="6492875" cy="425034"/>
+      </dsp:txXfrm>
+    </dsp:sp>
+    <dsp:sp modelId="{8AA137DD-C38F-436A-BFD1-167686460853}">
+      <dsp:nvSpPr>
+        <dsp:cNvPr id="0" name=""/>
+        <dsp:cNvSpPr/>
+      </dsp:nvSpPr>
+      <dsp:spPr>
+        <a:xfrm>
+          <a:off x="0" y="4677872"/>
           <a:ext cx="6492875" cy="0"/>
         </a:xfrm>
         <a:prstGeom prst="line">
@@ -4463,15 +5669,15 @@
         </a:fontRef>
       </dsp:style>
     </dsp:sp>
-    <dsp:sp modelId="{CD38C186-86FF-4107-A0EB-4DDE13B186E0}">
+    <dsp:sp modelId="{A2AB0410-1774-4680-98B8-8DE756222F20}">
       <dsp:nvSpPr>
         <dsp:cNvPr id="0" name=""/>
         <dsp:cNvSpPr/>
       </dsp:nvSpPr>
       <dsp:spPr>
         <a:xfrm>
-          <a:off x="0" y="4467225"/>
-          <a:ext cx="6492875" cy="638175"/>
+          <a:off x="0" y="4677872"/>
+          <a:ext cx="6492875" cy="425034"/>
         </a:xfrm>
         <a:prstGeom prst="rect">
           <a:avLst/>
@@ -4495,12 +5701,12 @@
         <a:fontRef idx="minor"/>
       </dsp:style>
       <dsp:txBody>
-        <a:bodyPr spcFirstLastPara="0" vert="horz" wrap="square" lIns="114300" tIns="114300" rIns="114300" bIns="114300" numCol="1" spcCol="1270" anchor="t" anchorCtr="0">
+        <a:bodyPr spcFirstLastPara="0" vert="horz" wrap="square" lIns="76200" tIns="76200" rIns="76200" bIns="76200" numCol="1" spcCol="1270" anchor="t" anchorCtr="0">
           <a:noAutofit/>
         </a:bodyPr>
         <a:lstStyle/>
         <a:p>
-          <a:pPr lvl="0" algn="l" defTabSz="1333500">
+          <a:pPr lvl="0" algn="l" defTabSz="889000">
             <a:lnSpc>
               <a:spcPct val="90000"/>
             </a:lnSpc>
@@ -4511,15 +5717,43 @@
               <a:spcPct val="35000"/>
             </a:spcAft>
           </a:pPr>
-          <a:endParaRPr lang="en-US" sz="3000" kern="1200" dirty="0">
+          <a:r>
+            <a:rPr lang="en-US" sz="2000" kern="1200" dirty="0" smtClean="0">
+              <a:latin typeface="Times New Roman" panose="02020603050405020304" pitchFamily="18" charset="0"/>
+              <a:cs typeface="Times New Roman" panose="02020603050405020304" pitchFamily="18" charset="0"/>
+            </a:rPr>
+            <a:t>12. </a:t>
+          </a:r>
+          <a:r>
+            <a:rPr lang="en-US" sz="2000" kern="1200" dirty="0" err="1" smtClean="0">
+              <a:latin typeface="Times New Roman" panose="02020603050405020304" pitchFamily="18" charset="0"/>
+              <a:cs typeface="Times New Roman" panose="02020603050405020304" pitchFamily="18" charset="0"/>
+            </a:rPr>
+            <a:t>Tổng</a:t>
+          </a:r>
+          <a:r>
+            <a:rPr lang="en-US" sz="2000" kern="1200" dirty="0" smtClean="0">
+              <a:latin typeface="Times New Roman" panose="02020603050405020304" pitchFamily="18" charset="0"/>
+              <a:cs typeface="Times New Roman" panose="02020603050405020304" pitchFamily="18" charset="0"/>
+            </a:rPr>
+            <a:t> </a:t>
+          </a:r>
+          <a:r>
+            <a:rPr lang="en-US" sz="2000" kern="1200" dirty="0" err="1" smtClean="0">
+              <a:latin typeface="Times New Roman" panose="02020603050405020304" pitchFamily="18" charset="0"/>
+              <a:cs typeface="Times New Roman" panose="02020603050405020304" pitchFamily="18" charset="0"/>
+            </a:rPr>
+            <a:t>kết</a:t>
+          </a:r>
+          <a:endParaRPr lang="en-US" sz="2000" kern="1200" dirty="0">
             <a:latin typeface="Times New Roman" panose="02020603050405020304" pitchFamily="18" charset="0"/>
             <a:cs typeface="Times New Roman" panose="02020603050405020304" pitchFamily="18" charset="0"/>
           </a:endParaRPr>
         </a:p>
       </dsp:txBody>
       <dsp:txXfrm>
-        <a:off x="0" y="4467225"/>
-        <a:ext cx="6492875" cy="638175"/>
+        <a:off x="0" y="4677872"/>
+        <a:ext cx="6492875" cy="425034"/>
       </dsp:txXfrm>
     </dsp:sp>
   </dsp:spTree>
@@ -6173,7 +7407,7 @@
           <a:p>
             <a:fld id="{05E3720D-83C1-4130-A68B-F000299AE7E2}" type="datetimeFigureOut">
               <a:rPr lang="en-US" smtClean="0"/>
-              <a:t>7/22/2022</a:t>
+              <a:t>7/23/2022</a:t>
             </a:fld>
             <a:endParaRPr lang="en-US"/>
           </a:p>
@@ -6371,7 +7605,7 @@
           <a:p>
             <a:fld id="{05E3720D-83C1-4130-A68B-F000299AE7E2}" type="datetimeFigureOut">
               <a:rPr lang="en-US" smtClean="0"/>
-              <a:t>7/22/2022</a:t>
+              <a:t>7/23/2022</a:t>
             </a:fld>
             <a:endParaRPr lang="en-US"/>
           </a:p>
@@ -6579,7 +7813,7 @@
           <a:p>
             <a:fld id="{05E3720D-83C1-4130-A68B-F000299AE7E2}" type="datetimeFigureOut">
               <a:rPr lang="en-US" smtClean="0"/>
-              <a:t>7/22/2022</a:t>
+              <a:t>7/23/2022</a:t>
             </a:fld>
             <a:endParaRPr lang="en-US"/>
           </a:p>
@@ -6777,7 +8011,7 @@
           <a:p>
             <a:fld id="{05E3720D-83C1-4130-A68B-F000299AE7E2}" type="datetimeFigureOut">
               <a:rPr lang="en-US" smtClean="0"/>
-              <a:t>7/22/2022</a:t>
+              <a:t>7/23/2022</a:t>
             </a:fld>
             <a:endParaRPr lang="en-US"/>
           </a:p>
@@ -7052,7 +8286,7 @@
           <a:p>
             <a:fld id="{05E3720D-83C1-4130-A68B-F000299AE7E2}" type="datetimeFigureOut">
               <a:rPr lang="en-US" smtClean="0"/>
-              <a:t>7/22/2022</a:t>
+              <a:t>7/23/2022</a:t>
             </a:fld>
             <a:endParaRPr lang="en-US"/>
           </a:p>
@@ -7317,7 +8551,7 @@
           <a:p>
             <a:fld id="{05E3720D-83C1-4130-A68B-F000299AE7E2}" type="datetimeFigureOut">
               <a:rPr lang="en-US" smtClean="0"/>
-              <a:t>7/22/2022</a:t>
+              <a:t>7/23/2022</a:t>
             </a:fld>
             <a:endParaRPr lang="en-US"/>
           </a:p>
@@ -7729,7 +8963,7 @@
           <a:p>
             <a:fld id="{05E3720D-83C1-4130-A68B-F000299AE7E2}" type="datetimeFigureOut">
               <a:rPr lang="en-US" smtClean="0"/>
-              <a:t>7/22/2022</a:t>
+              <a:t>7/23/2022</a:t>
             </a:fld>
             <a:endParaRPr lang="en-US"/>
           </a:p>
@@ -7870,7 +9104,7 @@
           <a:p>
             <a:fld id="{05E3720D-83C1-4130-A68B-F000299AE7E2}" type="datetimeFigureOut">
               <a:rPr lang="en-US" smtClean="0"/>
-              <a:t>7/22/2022</a:t>
+              <a:t>7/23/2022</a:t>
             </a:fld>
             <a:endParaRPr lang="en-US"/>
           </a:p>
@@ -7983,7 +9217,7 @@
           <a:p>
             <a:fld id="{05E3720D-83C1-4130-A68B-F000299AE7E2}" type="datetimeFigureOut">
               <a:rPr lang="en-US" smtClean="0"/>
-              <a:t>7/22/2022</a:t>
+              <a:t>7/23/2022</a:t>
             </a:fld>
             <a:endParaRPr lang="en-US"/>
           </a:p>
@@ -8294,7 +9528,7 @@
           <a:p>
             <a:fld id="{05E3720D-83C1-4130-A68B-F000299AE7E2}" type="datetimeFigureOut">
               <a:rPr lang="en-US" smtClean="0"/>
-              <a:t>7/22/2022</a:t>
+              <a:t>7/23/2022</a:t>
             </a:fld>
             <a:endParaRPr lang="en-US"/>
           </a:p>
@@ -8582,7 +9816,7 @@
           <a:p>
             <a:fld id="{05E3720D-83C1-4130-A68B-F000299AE7E2}" type="datetimeFigureOut">
               <a:rPr lang="en-US" smtClean="0"/>
-              <a:t>7/22/2022</a:t>
+              <a:t>7/23/2022</a:t>
             </a:fld>
             <a:endParaRPr lang="en-US"/>
           </a:p>
@@ -8846,7 +10080,7 @@
           <a:p>
             <a:fld id="{05E3720D-83C1-4130-A68B-F000299AE7E2}" type="datetimeFigureOut">
               <a:rPr lang="en-US" smtClean="0"/>
-              <a:t>7/22/2022</a:t>
+              <a:t>7/23/2022</a:t>
             </a:fld>
             <a:endParaRPr lang="en-US"/>
           </a:p>
@@ -12415,56 +13649,6 @@
           </a:p>
         </p:txBody>
       </p:sp>
-      <p:pic>
-        <p:nvPicPr>
-          <p:cNvPr id="4" name="Content Placeholder 3"/>
-          <p:cNvPicPr>
-            <a:picLocks noGrp="1" noChangeAspect="1"/>
-          </p:cNvPicPr>
-          <p:nvPr>
-            <p:ph idx="1"/>
-          </p:nvPr>
-        </p:nvPicPr>
-        <p:blipFill>
-          <a:blip r:embed="rId2"/>
-          <a:stretch>
-            <a:fillRect/>
-          </a:stretch>
-        </p:blipFill>
-        <p:spPr>
-          <a:xfrm>
-            <a:off x="1111439" y="1204985"/>
-            <a:ext cx="4086795" cy="4010585"/>
-          </a:xfrm>
-          <a:prstGeom prst="rect">
-            <a:avLst/>
-          </a:prstGeom>
-        </p:spPr>
-      </p:pic>
-      <p:pic>
-        <p:nvPicPr>
-          <p:cNvPr id="5" name="Picture 4"/>
-          <p:cNvPicPr>
-            <a:picLocks noChangeAspect="1"/>
-          </p:cNvPicPr>
-          <p:nvPr/>
-        </p:nvPicPr>
-        <p:blipFill>
-          <a:blip r:embed="rId3"/>
-          <a:stretch>
-            <a:fillRect/>
-          </a:stretch>
-        </p:blipFill>
-        <p:spPr>
-          <a:xfrm>
-            <a:off x="6096000" y="1204984"/>
-            <a:ext cx="4086795" cy="4010585"/>
-          </a:xfrm>
-          <a:prstGeom prst="rect">
-            <a:avLst/>
-          </a:prstGeom>
-        </p:spPr>
-      </p:pic>
       <p:sp>
         <p:nvSpPr>
           <p:cNvPr id="6" name="TextBox 5"/>
@@ -12649,6 +13833,54 @@
           </a:p>
         </p:txBody>
       </p:sp>
+      <p:pic>
+        <p:nvPicPr>
+          <p:cNvPr id="9" name="Picture 8"/>
+          <p:cNvPicPr>
+            <a:picLocks noChangeAspect="1"/>
+          </p:cNvPicPr>
+          <p:nvPr/>
+        </p:nvPicPr>
+        <p:blipFill>
+          <a:blip r:embed="rId2"/>
+          <a:stretch>
+            <a:fillRect/>
+          </a:stretch>
+        </p:blipFill>
+        <p:spPr>
+          <a:xfrm>
+            <a:off x="1155997" y="1204983"/>
+            <a:ext cx="4622206" cy="3854803"/>
+          </a:xfrm>
+          <a:prstGeom prst="rect">
+            <a:avLst/>
+          </a:prstGeom>
+        </p:spPr>
+      </p:pic>
+      <p:pic>
+        <p:nvPicPr>
+          <p:cNvPr id="11" name="Picture 10"/>
+          <p:cNvPicPr>
+            <a:picLocks noChangeAspect="1"/>
+          </p:cNvPicPr>
+          <p:nvPr/>
+        </p:nvPicPr>
+        <p:blipFill>
+          <a:blip r:embed="rId3"/>
+          <a:stretch>
+            <a:fillRect/>
+          </a:stretch>
+        </p:blipFill>
+        <p:spPr>
+          <a:xfrm>
+            <a:off x="6095999" y="1073425"/>
+            <a:ext cx="4839093" cy="3986361"/>
+          </a:xfrm>
+          <a:prstGeom prst="rect">
+            <a:avLst/>
+          </a:prstGeom>
+        </p:spPr>
+      </p:pic>
     </p:spTree>
     <p:extLst>
       <p:ext uri="{BB962C8B-B14F-4D97-AF65-F5344CB8AC3E}">
@@ -13879,10 +15111,6 @@
               </a:rPr>
               <a:t> k = 2</a:t>
             </a:r>
-            <a:endParaRPr lang="en-US" sz="2000" b="1" dirty="0">
-              <a:latin typeface="Times New Roman" panose="02020603050405020304" pitchFamily="18" charset="0"/>
-              <a:cs typeface="Times New Roman" panose="02020603050405020304" pitchFamily="18" charset="0"/>
-            </a:endParaRPr>
           </a:p>
         </p:txBody>
       </p:sp>
@@ -16189,10 +17417,6 @@
               </a:rPr>
               <a:t> x</a:t>
             </a:r>
-            <a:endParaRPr lang="en-US" sz="2000" b="1" dirty="0">
-              <a:latin typeface="Times New Roman" panose="02020603050405020304" pitchFamily="18" charset="0"/>
-              <a:cs typeface="Times New Roman" panose="02020603050405020304" pitchFamily="18" charset="0"/>
-            </a:endParaRPr>
           </a:p>
         </p:txBody>
       </p:sp>
@@ -17047,8 +18271,8 @@
           </a:p>
         </p:txBody>
       </p:sp>
-      <mc:AlternateContent xmlns:mc="http://schemas.openxmlformats.org/markup-compatibility/2006">
-        <mc:Choice xmlns:a14="http://schemas.microsoft.com/office/drawing/2010/main" Requires="a14">
+      <mc:AlternateContent xmlns:mc="http://schemas.openxmlformats.org/markup-compatibility/2006" xmlns:a14="http://schemas.microsoft.com/office/drawing/2010/main">
+        <mc:Choice Requires="a14">
           <p:sp>
             <p:nvSpPr>
               <p:cNvPr id="7" name="TextBox 6">
@@ -17219,7 +18443,7 @@
             </p:txBody>
           </p:sp>
         </mc:Choice>
-        <mc:Fallback>
+        <mc:Fallback xmlns="">
           <p:sp>
             <p:nvSpPr>
               <p:cNvPr id="7" name="TextBox 6">
@@ -17312,8 +18536,8 @@
           </a:prstGeom>
         </p:spPr>
       </p:pic>
-      <mc:AlternateContent xmlns:mc="http://schemas.openxmlformats.org/markup-compatibility/2006">
-        <mc:Choice xmlns:a14="http://schemas.microsoft.com/office/drawing/2010/main" Requires="a14">
+      <mc:AlternateContent xmlns:mc="http://schemas.openxmlformats.org/markup-compatibility/2006" xmlns:a14="http://schemas.microsoft.com/office/drawing/2010/main">
+        <mc:Choice Requires="a14">
           <p:sp>
             <p:nvSpPr>
               <p:cNvPr id="13" name="TextBox 12">
@@ -17402,7 +18626,7 @@
             </p:txBody>
           </p:sp>
         </mc:Choice>
-        <mc:Fallback>
+        <mc:Fallback xmlns="">
           <p:sp>
             <p:nvSpPr>
               <p:cNvPr id="13" name="TextBox 12">
@@ -17624,8 +18848,8 @@
           </a:prstGeom>
         </p:spPr>
       </p:pic>
-      <mc:AlternateContent xmlns:mc="http://schemas.openxmlformats.org/markup-compatibility/2006">
-        <mc:Choice xmlns:a14="http://schemas.microsoft.com/office/drawing/2010/main" Requires="a14">
+      <mc:AlternateContent xmlns:mc="http://schemas.openxmlformats.org/markup-compatibility/2006" xmlns:a14="http://schemas.microsoft.com/office/drawing/2010/main">
+        <mc:Choice Requires="a14">
           <p:sp>
             <p:nvSpPr>
               <p:cNvPr id="6" name="Rectangle 5"/>
@@ -17825,7 +19049,7 @@
             </p:txBody>
           </p:sp>
         </mc:Choice>
-        <mc:Fallback>
+        <mc:Fallback xmlns="">
           <p:sp>
             <p:nvSpPr>
               <p:cNvPr id="6" name="Rectangle 5"/>
@@ -17864,8 +19088,8 @@
           </p:sp>
         </mc:Fallback>
       </mc:AlternateContent>
-      <mc:AlternateContent xmlns:mc="http://schemas.openxmlformats.org/markup-compatibility/2006">
-        <mc:Choice xmlns:a14="http://schemas.microsoft.com/office/drawing/2010/main" Requires="a14">
+      <mc:AlternateContent xmlns:mc="http://schemas.openxmlformats.org/markup-compatibility/2006" xmlns:a14="http://schemas.microsoft.com/office/drawing/2010/main">
+        <mc:Choice Requires="a14">
           <p:sp>
             <p:nvSpPr>
               <p:cNvPr id="7" name="Rectangle 6"/>
@@ -18029,7 +19253,7 @@
             </p:txBody>
           </p:sp>
         </mc:Choice>
-        <mc:Fallback>
+        <mc:Fallback xmlns="">
           <p:sp>
             <p:nvSpPr>
               <p:cNvPr id="7" name="Rectangle 6"/>
@@ -18113,7 +19337,7 @@
           <p:cNvPr id="2" name="Title 1">
             <a:extLst>
               <a:ext uri="{FF2B5EF4-FFF2-40B4-BE49-F238E27FC236}">
-                <a16:creationId xmlns:a16="http://schemas.microsoft.com/office/drawing/2014/main" id="{30593384-7DD1-E63D-43F9-4BD8EE39ACBD}"/>
+                <a16:creationId xmlns:a16="http://schemas.microsoft.com/office/drawing/2014/main" id="{D28413EE-EE49-36D9-EFD1-58BACAC2618F}"/>
               </a:ext>
             </a:extLst>
           </p:cNvPr>
@@ -18126,8 +19350,8 @@
         </p:nvSpPr>
         <p:spPr>
           <a:xfrm>
-            <a:off x="997226" y="357809"/>
-            <a:ext cx="10515600" cy="806105"/>
+            <a:off x="838200" y="206100"/>
+            <a:ext cx="10515600" cy="728784"/>
           </a:xfrm>
         </p:spPr>
         <p:txBody>
@@ -18138,93 +19362,40 @@
           <a:p>
             <a:pPr algn="ctr"/>
             <a:r>
-              <a:rPr lang="en-US" sz="4000" b="1" dirty="0">
+              <a:rPr lang="en-US" sz="4000" b="1">
                 <a:latin typeface="Times New Roman" panose="02020603050405020304" pitchFamily="18" charset="0"/>
                 <a:cs typeface="Times New Roman" panose="02020603050405020304" pitchFamily="18" charset="0"/>
               </a:rPr>
               <a:t>8. </a:t>
             </a:r>
             <a:r>
-              <a:rPr lang="en-US" sz="4000" b="1" dirty="0" err="1">
-                <a:latin typeface="Times New Roman" panose="02020603050405020304" pitchFamily="18" charset="0"/>
-                <a:cs typeface="Times New Roman" panose="02020603050405020304" pitchFamily="18" charset="0"/>
-              </a:rPr>
-              <a:t>Xây</a:t>
-            </a:r>
-            <a:r>
-              <a:rPr lang="en-US" sz="4000" b="1" dirty="0">
-                <a:latin typeface="Times New Roman" panose="02020603050405020304" pitchFamily="18" charset="0"/>
-                <a:cs typeface="Times New Roman" panose="02020603050405020304" pitchFamily="18" charset="0"/>
-              </a:rPr>
-              <a:t> </a:t>
-            </a:r>
-            <a:r>
-              <a:rPr lang="en-US" sz="4000" b="1" dirty="0" err="1">
-                <a:latin typeface="Times New Roman" panose="02020603050405020304" pitchFamily="18" charset="0"/>
-                <a:cs typeface="Times New Roman" panose="02020603050405020304" pitchFamily="18" charset="0"/>
-              </a:rPr>
-              <a:t>dựng</a:t>
-            </a:r>
-            <a:r>
-              <a:rPr lang="en-US" sz="4000" b="1" dirty="0">
-                <a:latin typeface="Times New Roman" panose="02020603050405020304" pitchFamily="18" charset="0"/>
-                <a:cs typeface="Times New Roman" panose="02020603050405020304" pitchFamily="18" charset="0"/>
-              </a:rPr>
-              <a:t> </a:t>
-            </a:r>
-            <a:r>
-              <a:rPr lang="en-US" sz="4000" b="1" dirty="0" err="1">
-                <a:latin typeface="Times New Roman" panose="02020603050405020304" pitchFamily="18" charset="0"/>
-                <a:cs typeface="Times New Roman" panose="02020603050405020304" pitchFamily="18" charset="0"/>
-              </a:rPr>
-              <a:t>hệ</a:t>
-            </a:r>
-            <a:r>
-              <a:rPr lang="en-US" sz="4000" b="1" dirty="0">
-                <a:latin typeface="Times New Roman" panose="02020603050405020304" pitchFamily="18" charset="0"/>
-                <a:cs typeface="Times New Roman" panose="02020603050405020304" pitchFamily="18" charset="0"/>
-              </a:rPr>
-              <a:t> </a:t>
-            </a:r>
-            <a:r>
-              <a:rPr lang="en-US" sz="4000" b="1" dirty="0" err="1">
-                <a:latin typeface="Times New Roman" panose="02020603050405020304" pitchFamily="18" charset="0"/>
-                <a:cs typeface="Times New Roman" panose="02020603050405020304" pitchFamily="18" charset="0"/>
-              </a:rPr>
-              <a:t>thống</a:t>
-            </a:r>
-            <a:r>
-              <a:rPr lang="en-US" sz="4000" b="1" dirty="0">
-                <a:latin typeface="Times New Roman" panose="02020603050405020304" pitchFamily="18" charset="0"/>
-                <a:cs typeface="Times New Roman" panose="02020603050405020304" pitchFamily="18" charset="0"/>
-              </a:rPr>
-              <a:t> </a:t>
-            </a:r>
-            <a:r>
-              <a:rPr lang="en-US" sz="4000" b="1" dirty="0" err="1">
-                <a:latin typeface="Times New Roman" panose="02020603050405020304" pitchFamily="18" charset="0"/>
-                <a:cs typeface="Times New Roman" panose="02020603050405020304" pitchFamily="18" charset="0"/>
-              </a:rPr>
-              <a:t>ứng</a:t>
-            </a:r>
-            <a:r>
-              <a:rPr lang="en-US" sz="4000" b="1" dirty="0">
-                <a:latin typeface="Times New Roman" panose="02020603050405020304" pitchFamily="18" charset="0"/>
-                <a:cs typeface="Times New Roman" panose="02020603050405020304" pitchFamily="18" charset="0"/>
-              </a:rPr>
-              <a:t> </a:t>
-            </a:r>
-            <a:r>
-              <a:rPr lang="en-US" sz="4000" b="1" dirty="0" err="1">
-                <a:latin typeface="Times New Roman" panose="02020603050405020304" pitchFamily="18" charset="0"/>
-                <a:cs typeface="Times New Roman" panose="02020603050405020304" pitchFamily="18" charset="0"/>
-              </a:rPr>
-              <a:t>dụng</a:t>
-            </a:r>
-            <a:endParaRPr lang="en-US" sz="4000" b="1" dirty="0">
-              <a:latin typeface="Times New Roman" panose="02020603050405020304" pitchFamily="18" charset="0"/>
-              <a:cs typeface="Times New Roman" panose="02020603050405020304" pitchFamily="18" charset="0"/>
-            </a:endParaRPr>
+              <a:rPr lang="en-US" sz="4000" b="1" err="1">
+                <a:latin typeface="Times New Roman" panose="02020603050405020304" pitchFamily="18" charset="0"/>
+                <a:cs typeface="Times New Roman" panose="02020603050405020304" pitchFamily="18" charset="0"/>
+              </a:rPr>
+              <a:t>Bộ</a:t>
+            </a:r>
+            <a:r>
+              <a:rPr lang="en-US" sz="4000" b="1">
+                <a:latin typeface="Times New Roman" panose="02020603050405020304" pitchFamily="18" charset="0"/>
+                <a:cs typeface="Times New Roman" panose="02020603050405020304" pitchFamily="18" charset="0"/>
+              </a:rPr>
+              <a:t> </a:t>
+            </a:r>
+            <a:r>
+              <a:rPr lang="en-US" sz="4000" b="1" err="1">
+                <a:latin typeface="Times New Roman" panose="02020603050405020304" pitchFamily="18" charset="0"/>
+                <a:cs typeface="Times New Roman" panose="02020603050405020304" pitchFamily="18" charset="0"/>
+              </a:rPr>
+              <a:t>lọc</a:t>
+            </a:r>
+            <a:r>
+              <a:rPr lang="en-US" sz="4000" b="1">
+                <a:latin typeface="Times New Roman" panose="02020603050405020304" pitchFamily="18" charset="0"/>
+                <a:cs typeface="Times New Roman" panose="02020603050405020304" pitchFamily="18" charset="0"/>
+              </a:rPr>
+              <a:t> Weiner</a:t>
+            </a:r>
           </a:p>
         </p:txBody>
       </p:sp>
@@ -18233,7 +19404,7 @@
           <p:cNvPr id="3" name="Content Placeholder 2">
             <a:extLst>
               <a:ext uri="{FF2B5EF4-FFF2-40B4-BE49-F238E27FC236}">
-                <a16:creationId xmlns:a16="http://schemas.microsoft.com/office/drawing/2014/main" id="{2DA16B33-8598-160F-ADC2-F6E145E01E31}"/>
+                <a16:creationId xmlns:a16="http://schemas.microsoft.com/office/drawing/2014/main" id="{5D970409-0F81-94A2-892D-A89F24194B75}"/>
               </a:ext>
             </a:extLst>
           </p:cNvPr>
@@ -18246,422 +19417,174 @@
         </p:nvSpPr>
         <p:spPr>
           <a:xfrm>
-            <a:off x="838200" y="1163914"/>
-            <a:ext cx="10515600" cy="4845120"/>
+            <a:off x="973665" y="934884"/>
+            <a:ext cx="10515600" cy="4476766"/>
           </a:xfrm>
         </p:spPr>
         <p:txBody>
           <a:bodyPr/>
           <a:lstStyle/>
           <a:p>
-            <a:pPr>
-              <a:lnSpc>
-                <a:spcPct val="150000"/>
-              </a:lnSpc>
-            </a:pPr>
-            <a:r>
-              <a:rPr lang="en-US" sz="2800" kern="100" dirty="0" err="1">
-                <a:effectLst/>
-                <a:latin typeface="Times New Roman" panose="02020603050405020304" pitchFamily="18" charset="0"/>
-                <a:ea typeface="Arial" panose="020B0604020202020204" pitchFamily="34" charset="0"/>
-                <a:cs typeface="Angsana New" panose="02020603050405020304" pitchFamily="18" charset="-34"/>
-              </a:rPr>
-              <a:t>Chức</a:t>
-            </a:r>
-            <a:r>
-              <a:rPr lang="en-US" sz="2800" kern="100" dirty="0">
-                <a:effectLst/>
-                <a:latin typeface="Times New Roman" panose="02020603050405020304" pitchFamily="18" charset="0"/>
-                <a:ea typeface="Arial" panose="020B0604020202020204" pitchFamily="34" charset="0"/>
-                <a:cs typeface="Angsana New" panose="02020603050405020304" pitchFamily="18" charset="-34"/>
-              </a:rPr>
-              <a:t> </a:t>
-            </a:r>
-            <a:r>
-              <a:rPr lang="en-US" sz="2800" kern="100" dirty="0" err="1">
-                <a:effectLst/>
-                <a:latin typeface="Times New Roman" panose="02020603050405020304" pitchFamily="18" charset="0"/>
-                <a:ea typeface="Arial" panose="020B0604020202020204" pitchFamily="34" charset="0"/>
-                <a:cs typeface="Angsana New" panose="02020603050405020304" pitchFamily="18" charset="-34"/>
-              </a:rPr>
-              <a:t>năng</a:t>
-            </a:r>
-            <a:r>
-              <a:rPr lang="en-US" sz="2800" kern="100" dirty="0">
-                <a:effectLst/>
-                <a:latin typeface="Times New Roman" panose="02020603050405020304" pitchFamily="18" charset="0"/>
-                <a:ea typeface="Arial" panose="020B0604020202020204" pitchFamily="34" charset="0"/>
-                <a:cs typeface="Angsana New" panose="02020603050405020304" pitchFamily="18" charset="-34"/>
-              </a:rPr>
-              <a:t> </a:t>
-            </a:r>
-            <a:r>
-              <a:rPr lang="en-US" sz="2800" kern="100" dirty="0" err="1">
-                <a:effectLst/>
-                <a:latin typeface="Times New Roman" panose="02020603050405020304" pitchFamily="18" charset="0"/>
-                <a:ea typeface="Arial" panose="020B0604020202020204" pitchFamily="34" charset="0"/>
-                <a:cs typeface="Angsana New" panose="02020603050405020304" pitchFamily="18" charset="-34"/>
-              </a:rPr>
-              <a:t>chính</a:t>
-            </a:r>
-            <a:r>
-              <a:rPr lang="en-US" sz="2800" kern="100" dirty="0">
-                <a:effectLst/>
-                <a:latin typeface="Times New Roman" panose="02020603050405020304" pitchFamily="18" charset="0"/>
-                <a:ea typeface="Arial" panose="020B0604020202020204" pitchFamily="34" charset="0"/>
-                <a:cs typeface="Angsana New" panose="02020603050405020304" pitchFamily="18" charset="-34"/>
-              </a:rPr>
-              <a:t>: </a:t>
-            </a:r>
-            <a:r>
-              <a:rPr lang="en-US" sz="2800" kern="100" dirty="0" err="1">
-                <a:effectLst/>
-                <a:latin typeface="Times New Roman" panose="02020603050405020304" pitchFamily="18" charset="0"/>
-                <a:ea typeface="Arial" panose="020B0604020202020204" pitchFamily="34" charset="0"/>
-                <a:cs typeface="Angsana New" panose="02020603050405020304" pitchFamily="18" charset="-34"/>
-              </a:rPr>
-              <a:t>Lấy</a:t>
-            </a:r>
-            <a:r>
-              <a:rPr lang="en-US" sz="2800" kern="100" dirty="0">
-                <a:effectLst/>
-                <a:latin typeface="Times New Roman" panose="02020603050405020304" pitchFamily="18" charset="0"/>
-                <a:ea typeface="Arial" panose="020B0604020202020204" pitchFamily="34" charset="0"/>
-                <a:cs typeface="Angsana New" panose="02020603050405020304" pitchFamily="18" charset="-34"/>
-              </a:rPr>
-              <a:t> </a:t>
-            </a:r>
-            <a:r>
-              <a:rPr lang="en-US" sz="2800" kern="100" dirty="0" err="1">
-                <a:effectLst/>
-                <a:latin typeface="Times New Roman" panose="02020603050405020304" pitchFamily="18" charset="0"/>
-                <a:ea typeface="Arial" panose="020B0604020202020204" pitchFamily="34" charset="0"/>
-                <a:cs typeface="Angsana New" panose="02020603050405020304" pitchFamily="18" charset="-34"/>
-              </a:rPr>
-              <a:t>ảnh</a:t>
-            </a:r>
-            <a:r>
-              <a:rPr lang="en-US" sz="2800" kern="100" dirty="0">
-                <a:effectLst/>
-                <a:latin typeface="Times New Roman" panose="02020603050405020304" pitchFamily="18" charset="0"/>
-                <a:ea typeface="Arial" panose="020B0604020202020204" pitchFamily="34" charset="0"/>
-                <a:cs typeface="Angsana New" panose="02020603050405020304" pitchFamily="18" charset="-34"/>
-              </a:rPr>
-              <a:t> </a:t>
-            </a:r>
-            <a:r>
-              <a:rPr lang="en-US" sz="2800" kern="100" dirty="0" err="1">
-                <a:effectLst/>
-                <a:latin typeface="Times New Roman" panose="02020603050405020304" pitchFamily="18" charset="0"/>
-                <a:ea typeface="Arial" panose="020B0604020202020204" pitchFamily="34" charset="0"/>
-                <a:cs typeface="Angsana New" panose="02020603050405020304" pitchFamily="18" charset="-34"/>
-              </a:rPr>
-              <a:t>từ</a:t>
-            </a:r>
-            <a:r>
-              <a:rPr lang="en-US" sz="2800" kern="100" dirty="0">
-                <a:effectLst/>
-                <a:latin typeface="Times New Roman" panose="02020603050405020304" pitchFamily="18" charset="0"/>
-                <a:ea typeface="Arial" panose="020B0604020202020204" pitchFamily="34" charset="0"/>
-                <a:cs typeface="Angsana New" panose="02020603050405020304" pitchFamily="18" charset="-34"/>
-              </a:rPr>
-              <a:t> </a:t>
-            </a:r>
-            <a:r>
-              <a:rPr lang="en-US" sz="2800" kern="100" dirty="0" err="1">
-                <a:effectLst/>
-                <a:latin typeface="Times New Roman" panose="02020603050405020304" pitchFamily="18" charset="0"/>
-                <a:ea typeface="Arial" panose="020B0604020202020204" pitchFamily="34" charset="0"/>
-                <a:cs typeface="Angsana New" panose="02020603050405020304" pitchFamily="18" charset="-34"/>
-              </a:rPr>
-              <a:t>thiết</a:t>
-            </a:r>
-            <a:r>
-              <a:rPr lang="en-US" sz="2800" kern="100" dirty="0">
-                <a:effectLst/>
-                <a:latin typeface="Times New Roman" panose="02020603050405020304" pitchFamily="18" charset="0"/>
-                <a:ea typeface="Arial" panose="020B0604020202020204" pitchFamily="34" charset="0"/>
-                <a:cs typeface="Angsana New" panose="02020603050405020304" pitchFamily="18" charset="-34"/>
-              </a:rPr>
-              <a:t> </a:t>
-            </a:r>
-            <a:r>
-              <a:rPr lang="en-US" sz="2800" kern="100" dirty="0" err="1">
-                <a:effectLst/>
-                <a:latin typeface="Times New Roman" panose="02020603050405020304" pitchFamily="18" charset="0"/>
-                <a:ea typeface="Arial" panose="020B0604020202020204" pitchFamily="34" charset="0"/>
-                <a:cs typeface="Angsana New" panose="02020603050405020304" pitchFamily="18" charset="-34"/>
-              </a:rPr>
-              <a:t>bị</a:t>
-            </a:r>
-            <a:r>
-              <a:rPr lang="en-US" sz="2800" kern="100" dirty="0">
-                <a:effectLst/>
-                <a:latin typeface="Times New Roman" panose="02020603050405020304" pitchFamily="18" charset="0"/>
-                <a:ea typeface="Arial" panose="020B0604020202020204" pitchFamily="34" charset="0"/>
-                <a:cs typeface="Angsana New" panose="02020603050405020304" pitchFamily="18" charset="-34"/>
-              </a:rPr>
-              <a:t>, </a:t>
-            </a:r>
-            <a:r>
-              <a:rPr lang="en-US" sz="2800" kern="100" dirty="0" err="1">
-                <a:effectLst/>
-                <a:latin typeface="Times New Roman" panose="02020603050405020304" pitchFamily="18" charset="0"/>
-                <a:ea typeface="Arial" panose="020B0604020202020204" pitchFamily="34" charset="0"/>
-                <a:cs typeface="Angsana New" panose="02020603050405020304" pitchFamily="18" charset="-34"/>
-              </a:rPr>
-              <a:t>hiên</a:t>
-            </a:r>
-            <a:r>
-              <a:rPr lang="en-US" sz="2800" kern="100" dirty="0">
-                <a:effectLst/>
-                <a:latin typeface="Times New Roman" panose="02020603050405020304" pitchFamily="18" charset="0"/>
-                <a:ea typeface="Arial" panose="020B0604020202020204" pitchFamily="34" charset="0"/>
-                <a:cs typeface="Angsana New" panose="02020603050405020304" pitchFamily="18" charset="-34"/>
-              </a:rPr>
-              <a:t> </a:t>
-            </a:r>
-            <a:r>
-              <a:rPr lang="en-US" sz="2800" kern="100" dirty="0" err="1">
-                <a:effectLst/>
-                <a:latin typeface="Times New Roman" panose="02020603050405020304" pitchFamily="18" charset="0"/>
-                <a:ea typeface="Arial" panose="020B0604020202020204" pitchFamily="34" charset="0"/>
-                <a:cs typeface="Angsana New" panose="02020603050405020304" pitchFamily="18" charset="-34"/>
-              </a:rPr>
-              <a:t>thị</a:t>
-            </a:r>
-            <a:r>
-              <a:rPr lang="en-US" sz="2800" kern="100" dirty="0">
-                <a:effectLst/>
-                <a:latin typeface="Times New Roman" panose="02020603050405020304" pitchFamily="18" charset="0"/>
-                <a:ea typeface="Arial" panose="020B0604020202020204" pitchFamily="34" charset="0"/>
-                <a:cs typeface="Angsana New" panose="02020603050405020304" pitchFamily="18" charset="-34"/>
-              </a:rPr>
-              <a:t> </a:t>
-            </a:r>
-            <a:r>
-              <a:rPr lang="en-US" sz="2800" kern="100" dirty="0" err="1">
-                <a:effectLst/>
-                <a:latin typeface="Times New Roman" panose="02020603050405020304" pitchFamily="18" charset="0"/>
-                <a:ea typeface="Arial" panose="020B0604020202020204" pitchFamily="34" charset="0"/>
-                <a:cs typeface="Angsana New" panose="02020603050405020304" pitchFamily="18" charset="-34"/>
-              </a:rPr>
-              <a:t>hình</a:t>
-            </a:r>
-            <a:r>
-              <a:rPr lang="en-US" sz="2800" kern="100" dirty="0">
-                <a:effectLst/>
-                <a:latin typeface="Times New Roman" panose="02020603050405020304" pitchFamily="18" charset="0"/>
-                <a:ea typeface="Arial" panose="020B0604020202020204" pitchFamily="34" charset="0"/>
-                <a:cs typeface="Angsana New" panose="02020603050405020304" pitchFamily="18" charset="-34"/>
-              </a:rPr>
-              <a:t> </a:t>
-            </a:r>
-            <a:r>
-              <a:rPr lang="en-US" sz="2800" kern="100" dirty="0" err="1">
-                <a:effectLst/>
-                <a:latin typeface="Times New Roman" panose="02020603050405020304" pitchFamily="18" charset="0"/>
-                <a:ea typeface="Arial" panose="020B0604020202020204" pitchFamily="34" charset="0"/>
-                <a:cs typeface="Angsana New" panose="02020603050405020304" pitchFamily="18" charset="-34"/>
-              </a:rPr>
-              <a:t>ảnh</a:t>
-            </a:r>
-            <a:r>
-              <a:rPr lang="en-US" sz="2800" kern="100" dirty="0">
-                <a:effectLst/>
-                <a:latin typeface="Times New Roman" panose="02020603050405020304" pitchFamily="18" charset="0"/>
-                <a:ea typeface="Arial" panose="020B0604020202020204" pitchFamily="34" charset="0"/>
-                <a:cs typeface="Angsana New" panose="02020603050405020304" pitchFamily="18" charset="-34"/>
-              </a:rPr>
-              <a:t>, </a:t>
-            </a:r>
-            <a:r>
-              <a:rPr lang="en-US" sz="2800" kern="100" dirty="0" err="1">
-                <a:effectLst/>
-                <a:latin typeface="Times New Roman" panose="02020603050405020304" pitchFamily="18" charset="0"/>
-                <a:ea typeface="Arial" panose="020B0604020202020204" pitchFamily="34" charset="0"/>
-                <a:cs typeface="Angsana New" panose="02020603050405020304" pitchFamily="18" charset="-34"/>
-              </a:rPr>
-              <a:t>các</a:t>
-            </a:r>
-            <a:r>
-              <a:rPr lang="en-US" sz="2800" kern="100" dirty="0">
-                <a:effectLst/>
-                <a:latin typeface="Times New Roman" panose="02020603050405020304" pitchFamily="18" charset="0"/>
-                <a:ea typeface="Arial" panose="020B0604020202020204" pitchFamily="34" charset="0"/>
-                <a:cs typeface="Angsana New" panose="02020603050405020304" pitchFamily="18" charset="-34"/>
-              </a:rPr>
-              <a:t> button </a:t>
-            </a:r>
-            <a:r>
-              <a:rPr lang="en-US" sz="2800" kern="100" dirty="0" err="1">
-                <a:effectLst/>
-                <a:latin typeface="Times New Roman" panose="02020603050405020304" pitchFamily="18" charset="0"/>
-                <a:ea typeface="Arial" panose="020B0604020202020204" pitchFamily="34" charset="0"/>
-                <a:cs typeface="Angsana New" panose="02020603050405020304" pitchFamily="18" charset="-34"/>
-              </a:rPr>
-              <a:t>chuyển</a:t>
-            </a:r>
-            <a:r>
-              <a:rPr lang="en-US" sz="2800" kern="100" dirty="0">
-                <a:effectLst/>
-                <a:latin typeface="Times New Roman" panose="02020603050405020304" pitchFamily="18" charset="0"/>
-                <a:ea typeface="Arial" panose="020B0604020202020204" pitchFamily="34" charset="0"/>
-                <a:cs typeface="Angsana New" panose="02020603050405020304" pitchFamily="18" charset="-34"/>
-              </a:rPr>
-              <a:t> </a:t>
-            </a:r>
-            <a:r>
-              <a:rPr lang="en-US" sz="2800" kern="100" dirty="0" err="1">
-                <a:effectLst/>
-                <a:latin typeface="Times New Roman" panose="02020603050405020304" pitchFamily="18" charset="0"/>
-                <a:ea typeface="Arial" panose="020B0604020202020204" pitchFamily="34" charset="0"/>
-                <a:cs typeface="Angsana New" panose="02020603050405020304" pitchFamily="18" charset="-34"/>
-              </a:rPr>
-              <a:t>đổi</a:t>
-            </a:r>
-            <a:r>
-              <a:rPr lang="en-US" sz="2800" kern="100" dirty="0">
-                <a:effectLst/>
-                <a:latin typeface="Times New Roman" panose="02020603050405020304" pitchFamily="18" charset="0"/>
-                <a:ea typeface="Arial" panose="020B0604020202020204" pitchFamily="34" charset="0"/>
-                <a:cs typeface="Angsana New" panose="02020603050405020304" pitchFamily="18" charset="-34"/>
-              </a:rPr>
-              <a:t> </a:t>
-            </a:r>
-            <a:r>
-              <a:rPr lang="en-US" sz="2800" kern="100" dirty="0" err="1">
-                <a:effectLst/>
-                <a:latin typeface="Times New Roman" panose="02020603050405020304" pitchFamily="18" charset="0"/>
-                <a:ea typeface="Arial" panose="020B0604020202020204" pitchFamily="34" charset="0"/>
-                <a:cs typeface="Angsana New" panose="02020603050405020304" pitchFamily="18" charset="-34"/>
-              </a:rPr>
-              <a:t>các</a:t>
-            </a:r>
-            <a:r>
-              <a:rPr lang="en-US" sz="2800" kern="100" dirty="0">
-                <a:effectLst/>
-                <a:latin typeface="Times New Roman" panose="02020603050405020304" pitchFamily="18" charset="0"/>
-                <a:ea typeface="Arial" panose="020B0604020202020204" pitchFamily="34" charset="0"/>
-                <a:cs typeface="Angsana New" panose="02020603050405020304" pitchFamily="18" charset="-34"/>
-              </a:rPr>
-              <a:t> </a:t>
-            </a:r>
-            <a:r>
-              <a:rPr lang="en-US" sz="2800" kern="100" dirty="0" err="1">
-                <a:effectLst/>
-                <a:latin typeface="Times New Roman" panose="02020603050405020304" pitchFamily="18" charset="0"/>
-                <a:ea typeface="Arial" panose="020B0604020202020204" pitchFamily="34" charset="0"/>
-                <a:cs typeface="Angsana New" panose="02020603050405020304" pitchFamily="18" charset="-34"/>
-              </a:rPr>
-              <a:t>bộ</a:t>
-            </a:r>
-            <a:r>
-              <a:rPr lang="en-US" sz="2800" kern="100" dirty="0">
-                <a:effectLst/>
-                <a:latin typeface="Times New Roman" panose="02020603050405020304" pitchFamily="18" charset="0"/>
-                <a:ea typeface="Arial" panose="020B0604020202020204" pitchFamily="34" charset="0"/>
-                <a:cs typeface="Angsana New" panose="02020603050405020304" pitchFamily="18" charset="-34"/>
-              </a:rPr>
-              <a:t> </a:t>
-            </a:r>
-            <a:r>
-              <a:rPr lang="en-US" sz="2800" kern="100" dirty="0" err="1">
-                <a:effectLst/>
-                <a:latin typeface="Times New Roman" panose="02020603050405020304" pitchFamily="18" charset="0"/>
-                <a:ea typeface="Arial" panose="020B0604020202020204" pitchFamily="34" charset="0"/>
-                <a:cs typeface="Angsana New" panose="02020603050405020304" pitchFamily="18" charset="-34"/>
-              </a:rPr>
-              <a:t>lọc</a:t>
-            </a:r>
-            <a:r>
-              <a:rPr lang="en-US" sz="2800" kern="100" dirty="0">
-                <a:effectLst/>
-                <a:latin typeface="Times New Roman" panose="02020603050405020304" pitchFamily="18" charset="0"/>
-                <a:ea typeface="Arial" panose="020B0604020202020204" pitchFamily="34" charset="0"/>
-                <a:cs typeface="Angsana New" panose="02020603050405020304" pitchFamily="18" charset="-34"/>
-              </a:rPr>
-              <a:t>, reset </a:t>
-            </a:r>
-            <a:r>
-              <a:rPr lang="en-US" sz="2800" kern="100" dirty="0" err="1">
-                <a:effectLst/>
-                <a:latin typeface="Times New Roman" panose="02020603050405020304" pitchFamily="18" charset="0"/>
-                <a:ea typeface="Arial" panose="020B0604020202020204" pitchFamily="34" charset="0"/>
-                <a:cs typeface="Angsana New" panose="02020603050405020304" pitchFamily="18" charset="-34"/>
-              </a:rPr>
-              <a:t>bộ</a:t>
-            </a:r>
-            <a:r>
-              <a:rPr lang="en-US" sz="2800" kern="100" dirty="0">
-                <a:effectLst/>
-                <a:latin typeface="Times New Roman" panose="02020603050405020304" pitchFamily="18" charset="0"/>
-                <a:ea typeface="Arial" panose="020B0604020202020204" pitchFamily="34" charset="0"/>
-                <a:cs typeface="Angsana New" panose="02020603050405020304" pitchFamily="18" charset="-34"/>
-              </a:rPr>
-              <a:t> </a:t>
-            </a:r>
-            <a:r>
-              <a:rPr lang="en-US" sz="2800" kern="100" dirty="0" err="1">
-                <a:effectLst/>
-                <a:latin typeface="Times New Roman" panose="02020603050405020304" pitchFamily="18" charset="0"/>
-                <a:ea typeface="Arial" panose="020B0604020202020204" pitchFamily="34" charset="0"/>
-                <a:cs typeface="Angsana New" panose="02020603050405020304" pitchFamily="18" charset="-34"/>
-              </a:rPr>
-              <a:t>lọc</a:t>
-            </a:r>
-            <a:r>
-              <a:rPr lang="en-US" sz="2800" kern="100" dirty="0">
-                <a:effectLst/>
-                <a:latin typeface="Times New Roman" panose="02020603050405020304" pitchFamily="18" charset="0"/>
-                <a:ea typeface="Arial" panose="020B0604020202020204" pitchFamily="34" charset="0"/>
-                <a:cs typeface="Angsana New" panose="02020603050405020304" pitchFamily="18" charset="-34"/>
-              </a:rPr>
-              <a:t>, </a:t>
-            </a:r>
-            <a:r>
-              <a:rPr lang="en-US" sz="2800" kern="100" dirty="0" err="1">
-                <a:effectLst/>
-                <a:latin typeface="Times New Roman" panose="02020603050405020304" pitchFamily="18" charset="0"/>
-                <a:ea typeface="Arial" panose="020B0604020202020204" pitchFamily="34" charset="0"/>
-                <a:cs typeface="Angsana New" panose="02020603050405020304" pitchFamily="18" charset="-34"/>
-              </a:rPr>
-              <a:t>lưu</a:t>
-            </a:r>
-            <a:r>
-              <a:rPr lang="en-US" sz="2800" kern="100" dirty="0">
-                <a:effectLst/>
-                <a:latin typeface="Times New Roman" panose="02020603050405020304" pitchFamily="18" charset="0"/>
-                <a:ea typeface="Arial" panose="020B0604020202020204" pitchFamily="34" charset="0"/>
-                <a:cs typeface="Angsana New" panose="02020603050405020304" pitchFamily="18" charset="-34"/>
-              </a:rPr>
-              <a:t> </a:t>
-            </a:r>
-            <a:r>
-              <a:rPr lang="en-US" sz="2800" kern="100" dirty="0" err="1">
-                <a:effectLst/>
-                <a:latin typeface="Times New Roman" panose="02020603050405020304" pitchFamily="18" charset="0"/>
-                <a:ea typeface="Arial" panose="020B0604020202020204" pitchFamily="34" charset="0"/>
-                <a:cs typeface="Angsana New" panose="02020603050405020304" pitchFamily="18" charset="-34"/>
-              </a:rPr>
-              <a:t>ảnh</a:t>
-            </a:r>
-            <a:endParaRPr lang="en-US" dirty="0"/>
-          </a:p>
-          <a:p>
-            <a:pPr marL="0" indent="0">
-              <a:buNone/>
-            </a:pPr>
+            <a:r>
+              <a:rPr lang="vi-VN" dirty="0">
+                <a:latin typeface="Times New Roman" panose="02020603050405020304" pitchFamily="18" charset="0"/>
+                <a:cs typeface="Times New Roman" panose="02020603050405020304" pitchFamily="18" charset="0"/>
+              </a:rPr>
+              <a:t>Lọc Weiner tìm W(u,v) sao cho ảnh khôi phục có sai số trung bình bình phương nhỏ nhất so với ảnh đầu vào</a:t>
+            </a:r>
             <a:endParaRPr lang="en-US" dirty="0">
               <a:latin typeface="Times New Roman" panose="02020603050405020304" pitchFamily="18" charset="0"/>
               <a:cs typeface="Times New Roman" panose="02020603050405020304" pitchFamily="18" charset="0"/>
             </a:endParaRPr>
           </a:p>
+          <a:p>
+            <a:endParaRPr lang="en-US" dirty="0"/>
+          </a:p>
+          <a:p>
+            <a:endParaRPr lang="en-US" dirty="0"/>
+          </a:p>
+          <a:p>
+            <a:endParaRPr lang="en-US" dirty="0"/>
+          </a:p>
+          <a:p>
+            <a:r>
+              <a:rPr lang="en-US" dirty="0" err="1">
+                <a:latin typeface="Times New Roman" panose="02020603050405020304" pitchFamily="18" charset="0"/>
+                <a:cs typeface="Times New Roman" panose="02020603050405020304" pitchFamily="18" charset="0"/>
+              </a:rPr>
+              <a:t>Giả</a:t>
+            </a:r>
+            <a:r>
+              <a:rPr lang="en-US" dirty="0">
+                <a:latin typeface="Times New Roman" panose="02020603050405020304" pitchFamily="18" charset="0"/>
+                <a:cs typeface="Times New Roman" panose="02020603050405020304" pitchFamily="18" charset="0"/>
+              </a:rPr>
+              <a:t> </a:t>
+            </a:r>
+            <a:r>
+              <a:rPr lang="en-US" dirty="0" err="1">
+                <a:latin typeface="Times New Roman" panose="02020603050405020304" pitchFamily="18" charset="0"/>
+                <a:cs typeface="Times New Roman" panose="02020603050405020304" pitchFamily="18" charset="0"/>
+              </a:rPr>
+              <a:t>thiết</a:t>
+            </a:r>
+            <a:r>
+              <a:rPr lang="en-US" dirty="0">
+                <a:latin typeface="Times New Roman" panose="02020603050405020304" pitchFamily="18" charset="0"/>
+                <a:cs typeface="Times New Roman" panose="02020603050405020304" pitchFamily="18" charset="0"/>
+              </a:rPr>
+              <a:t> </a:t>
+            </a:r>
+            <a:r>
+              <a:rPr lang="en-US" dirty="0" err="1">
+                <a:latin typeface="Times New Roman" panose="02020603050405020304" pitchFamily="18" charset="0"/>
+                <a:cs typeface="Times New Roman" panose="02020603050405020304" pitchFamily="18" charset="0"/>
+              </a:rPr>
+              <a:t>nhiễu</a:t>
+            </a:r>
+            <a:r>
+              <a:rPr lang="en-US" dirty="0">
+                <a:latin typeface="Times New Roman" panose="02020603050405020304" pitchFamily="18" charset="0"/>
+                <a:cs typeface="Times New Roman" panose="02020603050405020304" pitchFamily="18" charset="0"/>
+              </a:rPr>
+              <a:t> </a:t>
+            </a:r>
+            <a:r>
+              <a:rPr lang="en-US" dirty="0" err="1">
+                <a:latin typeface="Times New Roman" panose="02020603050405020304" pitchFamily="18" charset="0"/>
+                <a:cs typeface="Times New Roman" panose="02020603050405020304" pitchFamily="18" charset="0"/>
+              </a:rPr>
+              <a:t>độc</a:t>
+            </a:r>
+            <a:r>
+              <a:rPr lang="en-US" dirty="0">
+                <a:latin typeface="Times New Roman" panose="02020603050405020304" pitchFamily="18" charset="0"/>
+                <a:cs typeface="Times New Roman" panose="02020603050405020304" pitchFamily="18" charset="0"/>
+              </a:rPr>
+              <a:t> </a:t>
+            </a:r>
+            <a:r>
+              <a:rPr lang="en-US" dirty="0" err="1">
+                <a:latin typeface="Times New Roman" panose="02020603050405020304" pitchFamily="18" charset="0"/>
+                <a:cs typeface="Times New Roman" panose="02020603050405020304" pitchFamily="18" charset="0"/>
+              </a:rPr>
+              <a:t>lập</a:t>
+            </a:r>
+            <a:r>
+              <a:rPr lang="en-US" dirty="0">
+                <a:latin typeface="Times New Roman" panose="02020603050405020304" pitchFamily="18" charset="0"/>
+                <a:cs typeface="Times New Roman" panose="02020603050405020304" pitchFamily="18" charset="0"/>
+              </a:rPr>
+              <a:t> </a:t>
+            </a:r>
+            <a:r>
+              <a:rPr lang="en-US" dirty="0" err="1">
+                <a:latin typeface="Times New Roman" panose="02020603050405020304" pitchFamily="18" charset="0"/>
+                <a:cs typeface="Times New Roman" panose="02020603050405020304" pitchFamily="18" charset="0"/>
+              </a:rPr>
+              <a:t>với</a:t>
+            </a:r>
+            <a:r>
+              <a:rPr lang="en-US" dirty="0">
+                <a:latin typeface="Times New Roman" panose="02020603050405020304" pitchFamily="18" charset="0"/>
+                <a:cs typeface="Times New Roman" panose="02020603050405020304" pitchFamily="18" charset="0"/>
+              </a:rPr>
+              <a:t> </a:t>
+            </a:r>
+            <a:r>
+              <a:rPr lang="en-US" dirty="0" err="1">
+                <a:latin typeface="Times New Roman" panose="02020603050405020304" pitchFamily="18" charset="0"/>
+                <a:cs typeface="Times New Roman" panose="02020603050405020304" pitchFamily="18" charset="0"/>
+              </a:rPr>
+              <a:t>tín</a:t>
+            </a:r>
+            <a:r>
+              <a:rPr lang="en-US" dirty="0">
+                <a:latin typeface="Times New Roman" panose="02020603050405020304" pitchFamily="18" charset="0"/>
+                <a:cs typeface="Times New Roman" panose="02020603050405020304" pitchFamily="18" charset="0"/>
+              </a:rPr>
+              <a:t> </a:t>
+            </a:r>
+            <a:r>
+              <a:rPr lang="en-US" dirty="0" err="1">
+                <a:latin typeface="Times New Roman" panose="02020603050405020304" pitchFamily="18" charset="0"/>
+                <a:cs typeface="Times New Roman" panose="02020603050405020304" pitchFamily="18" charset="0"/>
+              </a:rPr>
+              <a:t>hiệu</a:t>
+            </a:r>
+            <a:r>
+              <a:rPr lang="en-US" dirty="0">
+                <a:latin typeface="Times New Roman" panose="02020603050405020304" pitchFamily="18" charset="0"/>
+                <a:cs typeface="Times New Roman" panose="02020603050405020304" pitchFamily="18" charset="0"/>
+              </a:rPr>
+              <a:t>, ta </a:t>
+            </a:r>
+            <a:r>
+              <a:rPr lang="en-US" dirty="0" err="1">
+                <a:latin typeface="Times New Roman" panose="02020603050405020304" pitchFamily="18" charset="0"/>
+                <a:cs typeface="Times New Roman" panose="02020603050405020304" pitchFamily="18" charset="0"/>
+              </a:rPr>
+              <a:t>có</a:t>
+            </a:r>
+            <a:endParaRPr lang="en-US" dirty="0">
+              <a:latin typeface="Times New Roman" panose="02020603050405020304" pitchFamily="18" charset="0"/>
+              <a:cs typeface="Times New Roman" panose="02020603050405020304" pitchFamily="18" charset="0"/>
+            </a:endParaRPr>
+          </a:p>
+          <a:p>
+            <a:endParaRPr lang="en-US" dirty="0"/>
+          </a:p>
         </p:txBody>
       </p:sp>
       <p:pic>
         <p:nvPicPr>
-          <p:cNvPr id="4" name="Picture 3"/>
+          <p:cNvPr id="5" name="Picture 4">
+            <a:extLst>
+              <a:ext uri="{FF2B5EF4-FFF2-40B4-BE49-F238E27FC236}">
+                <a16:creationId xmlns:a16="http://schemas.microsoft.com/office/drawing/2014/main" id="{BFAC2F91-B952-B491-6401-719C2F4B0C48}"/>
+              </a:ext>
+            </a:extLst>
+          </p:cNvPr>
           <p:cNvPicPr>
             <a:picLocks noChangeAspect="1"/>
           </p:cNvPicPr>
@@ -18675,126 +19598,54 @@
         </p:blipFill>
         <p:spPr>
           <a:xfrm>
-            <a:off x="1743960" y="2572206"/>
-            <a:ext cx="5147060" cy="3772033"/>
+            <a:off x="2992003" y="1825625"/>
+            <a:ext cx="6599257" cy="1469177"/>
           </a:xfrm>
           <a:prstGeom prst="rect">
             <a:avLst/>
           </a:prstGeom>
         </p:spPr>
       </p:pic>
-      <p:sp>
-        <p:nvSpPr>
-          <p:cNvPr id="5" name="TextBox 4"/>
-          <p:cNvSpPr txBox="1"/>
+      <p:pic>
+        <p:nvPicPr>
+          <p:cNvPr id="7" name="Picture 6">
+            <a:extLst>
+              <a:ext uri="{FF2B5EF4-FFF2-40B4-BE49-F238E27FC236}">
+                <a16:creationId xmlns:a16="http://schemas.microsoft.com/office/drawing/2014/main" id="{96B4898B-B943-50E5-A3EA-0FA9D6ABE7C3}"/>
+              </a:ext>
+            </a:extLst>
+          </p:cNvPr>
+          <p:cNvPicPr>
+            <a:picLocks noChangeAspect="1"/>
+          </p:cNvPicPr>
           <p:nvPr/>
-        </p:nvSpPr>
+        </p:nvPicPr>
+        <p:blipFill>
+          <a:blip r:embed="rId3"/>
+          <a:stretch>
+            <a:fillRect/>
+          </a:stretch>
+        </p:blipFill>
         <p:spPr>
           <a:xfrm>
-            <a:off x="7079530" y="4258167"/>
-            <a:ext cx="3120272" cy="400110"/>
+            <a:off x="2007583" y="4060115"/>
+            <a:ext cx="8030940" cy="1446216"/>
           </a:xfrm>
           <a:prstGeom prst="rect">
             <a:avLst/>
           </a:prstGeom>
-          <a:noFill/>
         </p:spPr>
-        <p:txBody>
-          <a:bodyPr wrap="square" rtlCol="0">
-            <a:spAutoFit/>
-          </a:bodyPr>
-          <a:lstStyle/>
-          <a:p>
-            <a:r>
-              <a:rPr lang="en-US" sz="2000" b="1" dirty="0" smtClean="0">
-                <a:latin typeface="Times New Roman" panose="02020603050405020304" pitchFamily="18" charset="0"/>
-                <a:cs typeface="Times New Roman" panose="02020603050405020304" pitchFamily="18" charset="0"/>
-              </a:rPr>
-              <a:t>GUI </a:t>
-            </a:r>
-            <a:r>
-              <a:rPr lang="en-US" sz="2000" b="1" dirty="0" err="1" smtClean="0">
-                <a:latin typeface="Times New Roman" panose="02020603050405020304" pitchFamily="18" charset="0"/>
-                <a:cs typeface="Times New Roman" panose="02020603050405020304" pitchFamily="18" charset="0"/>
-              </a:rPr>
-              <a:t>ứng</a:t>
-            </a:r>
-            <a:r>
-              <a:rPr lang="en-US" sz="2000" b="1" dirty="0" smtClean="0">
-                <a:latin typeface="Times New Roman" panose="02020603050405020304" pitchFamily="18" charset="0"/>
-                <a:cs typeface="Times New Roman" panose="02020603050405020304" pitchFamily="18" charset="0"/>
-              </a:rPr>
-              <a:t> </a:t>
-            </a:r>
-            <a:r>
-              <a:rPr lang="en-US" sz="2000" b="1" dirty="0" err="1" smtClean="0">
-                <a:latin typeface="Times New Roman" panose="02020603050405020304" pitchFamily="18" charset="0"/>
-                <a:cs typeface="Times New Roman" panose="02020603050405020304" pitchFamily="18" charset="0"/>
-              </a:rPr>
-              <a:t>dụng</a:t>
-            </a:r>
-            <a:r>
-              <a:rPr lang="en-US" sz="2000" b="1" dirty="0" smtClean="0">
-                <a:latin typeface="Times New Roman" panose="02020603050405020304" pitchFamily="18" charset="0"/>
-                <a:cs typeface="Times New Roman" panose="02020603050405020304" pitchFamily="18" charset="0"/>
-              </a:rPr>
-              <a:t> </a:t>
-            </a:r>
-            <a:r>
-              <a:rPr lang="en-US" sz="2000" b="1" dirty="0" err="1" smtClean="0">
-                <a:latin typeface="Times New Roman" panose="02020603050405020304" pitchFamily="18" charset="0"/>
-                <a:cs typeface="Times New Roman" panose="02020603050405020304" pitchFamily="18" charset="0"/>
-              </a:rPr>
-              <a:t>bộ</a:t>
-            </a:r>
-            <a:r>
-              <a:rPr lang="en-US" sz="2000" b="1" dirty="0" smtClean="0">
-                <a:latin typeface="Times New Roman" panose="02020603050405020304" pitchFamily="18" charset="0"/>
-                <a:cs typeface="Times New Roman" panose="02020603050405020304" pitchFamily="18" charset="0"/>
-              </a:rPr>
-              <a:t> </a:t>
-            </a:r>
-            <a:r>
-              <a:rPr lang="en-US" sz="2000" b="1" dirty="0" err="1" smtClean="0">
-                <a:latin typeface="Times New Roman" panose="02020603050405020304" pitchFamily="18" charset="0"/>
-                <a:cs typeface="Times New Roman" panose="02020603050405020304" pitchFamily="18" charset="0"/>
-              </a:rPr>
-              <a:t>lọc</a:t>
-            </a:r>
-            <a:r>
-              <a:rPr lang="en-US" sz="2000" b="1" dirty="0" smtClean="0">
-                <a:latin typeface="Times New Roman" panose="02020603050405020304" pitchFamily="18" charset="0"/>
-                <a:cs typeface="Times New Roman" panose="02020603050405020304" pitchFamily="18" charset="0"/>
-              </a:rPr>
-              <a:t> </a:t>
-            </a:r>
-            <a:r>
-              <a:rPr lang="en-US" sz="2000" b="1" dirty="0" err="1" smtClean="0">
-                <a:latin typeface="Times New Roman" panose="02020603050405020304" pitchFamily="18" charset="0"/>
-                <a:cs typeface="Times New Roman" panose="02020603050405020304" pitchFamily="18" charset="0"/>
-              </a:rPr>
-              <a:t>ảnh</a:t>
-            </a:r>
-            <a:endParaRPr lang="en-US" sz="2000" b="1" dirty="0">
-              <a:latin typeface="Times New Roman" panose="02020603050405020304" pitchFamily="18" charset="0"/>
-              <a:cs typeface="Times New Roman" panose="02020603050405020304" pitchFamily="18" charset="0"/>
-            </a:endParaRPr>
-          </a:p>
-        </p:txBody>
-      </p:sp>
+      </p:pic>
     </p:spTree>
     <p:extLst>
       <p:ext uri="{BB962C8B-B14F-4D97-AF65-F5344CB8AC3E}">
-        <p14:creationId xmlns:p14="http://schemas.microsoft.com/office/powerpoint/2010/main" val="3969329454"/>
+        <p14:creationId xmlns:p14="http://schemas.microsoft.com/office/powerpoint/2010/main" val="3469273989"/>
       </p:ext>
     </p:extLst>
   </p:cSld>
   <p:clrMapOvr>
     <a:masterClrMapping/>
   </p:clrMapOvr>
-  <p:transition spd="slow">
-    <p:wipe/>
-  </p:transition>
   <p:timing>
     <p:tnLst>
       <p:par>
@@ -18827,7 +19678,7 @@
           <p:cNvPr id="2" name="Title 1">
             <a:extLst>
               <a:ext uri="{FF2B5EF4-FFF2-40B4-BE49-F238E27FC236}">
-                <a16:creationId xmlns:a16="http://schemas.microsoft.com/office/drawing/2014/main" id="{525282EB-D9B8-E7C0-3E43-C89010AC1170}"/>
+                <a16:creationId xmlns:a16="http://schemas.microsoft.com/office/drawing/2014/main" id="{AE87DD9A-B691-023A-A6A8-2EF8CFBEAA0D}"/>
               </a:ext>
             </a:extLst>
           </p:cNvPr>
@@ -18838,39 +19689,55 @@
             <p:ph type="title"/>
           </p:nvPr>
         </p:nvSpPr>
-        <p:spPr/>
+        <p:spPr>
+          <a:xfrm>
+            <a:off x="838200" y="365125"/>
+            <a:ext cx="9955696" cy="638727"/>
+          </a:xfrm>
+        </p:spPr>
         <p:txBody>
           <a:bodyPr>
-            <a:normAutofit/>
+            <a:normAutofit fontScale="90000"/>
           </a:bodyPr>
           <a:lstStyle/>
           <a:p>
             <a:pPr algn="ctr"/>
             <a:r>
-              <a:rPr lang="en-US" sz="4000" b="1" dirty="0" err="1">
-                <a:latin typeface="Times New Roman" panose="02020603050405020304" pitchFamily="18" charset="0"/>
-                <a:cs typeface="Times New Roman" panose="02020603050405020304" pitchFamily="18" charset="0"/>
-              </a:rPr>
-              <a:t>Tổng</a:t>
-            </a:r>
-            <a:r>
-              <a:rPr lang="en-US" sz="4000" b="1" dirty="0">
-                <a:latin typeface="Times New Roman" panose="02020603050405020304" pitchFamily="18" charset="0"/>
-                <a:cs typeface="Times New Roman" panose="02020603050405020304" pitchFamily="18" charset="0"/>
-              </a:rPr>
-              <a:t> </a:t>
-            </a:r>
-            <a:r>
-              <a:rPr lang="en-US" sz="4000" b="1" dirty="0" err="1">
-                <a:latin typeface="Times New Roman" panose="02020603050405020304" pitchFamily="18" charset="0"/>
-                <a:cs typeface="Times New Roman" panose="02020603050405020304" pitchFamily="18" charset="0"/>
-              </a:rPr>
-              <a:t>kết</a:t>
-            </a:r>
-            <a:endParaRPr lang="en-US" sz="4000" b="1" dirty="0">
-              <a:latin typeface="Times New Roman" panose="02020603050405020304" pitchFamily="18" charset="0"/>
-              <a:cs typeface="Times New Roman" panose="02020603050405020304" pitchFamily="18" charset="0"/>
-            </a:endParaRPr>
+              <a:rPr lang="en-US" sz="4400" b="1">
+                <a:latin typeface="Times New Roman" panose="02020603050405020304" pitchFamily="18" charset="0"/>
+                <a:cs typeface="Times New Roman" panose="02020603050405020304" pitchFamily="18" charset="0"/>
+              </a:rPr>
+              <a:t>8. </a:t>
+            </a:r>
+            <a:r>
+              <a:rPr lang="en-US" sz="4400" b="1" err="1">
+                <a:latin typeface="Times New Roman" panose="02020603050405020304" pitchFamily="18" charset="0"/>
+                <a:cs typeface="Times New Roman" panose="02020603050405020304" pitchFamily="18" charset="0"/>
+              </a:rPr>
+              <a:t>Bộ</a:t>
+            </a:r>
+            <a:r>
+              <a:rPr lang="en-US" sz="4400" b="1">
+                <a:latin typeface="Times New Roman" panose="02020603050405020304" pitchFamily="18" charset="0"/>
+                <a:cs typeface="Times New Roman" panose="02020603050405020304" pitchFamily="18" charset="0"/>
+              </a:rPr>
+              <a:t> </a:t>
+            </a:r>
+            <a:r>
+              <a:rPr lang="en-US" sz="4400" b="1" err="1">
+                <a:latin typeface="Times New Roman" panose="02020603050405020304" pitchFamily="18" charset="0"/>
+                <a:cs typeface="Times New Roman" panose="02020603050405020304" pitchFamily="18" charset="0"/>
+              </a:rPr>
+              <a:t>lọc</a:t>
+            </a:r>
+            <a:r>
+              <a:rPr lang="en-US" sz="4400" b="1">
+                <a:latin typeface="Times New Roman" panose="02020603050405020304" pitchFamily="18" charset="0"/>
+                <a:cs typeface="Times New Roman" panose="02020603050405020304" pitchFamily="18" charset="0"/>
+              </a:rPr>
+              <a:t> Weiner</a:t>
+            </a:r>
+            <a:endParaRPr lang="en-US"/>
           </a:p>
         </p:txBody>
       </p:sp>
@@ -18879,7 +19746,7 @@
           <p:cNvPr id="3" name="Content Placeholder 2">
             <a:extLst>
               <a:ext uri="{FF2B5EF4-FFF2-40B4-BE49-F238E27FC236}">
-                <a16:creationId xmlns:a16="http://schemas.microsoft.com/office/drawing/2014/main" id="{AF9CF125-110E-FCA0-0012-A38C29028901}"/>
+                <a16:creationId xmlns:a16="http://schemas.microsoft.com/office/drawing/2014/main" id="{0A814DEE-61B3-7B32-079B-45710F2FBE3D}"/>
               </a:ext>
             </a:extLst>
           </p:cNvPr>
@@ -18892,8 +19759,8 @@
         </p:nvSpPr>
         <p:spPr>
           <a:xfrm>
-            <a:off x="1066800" y="1550504"/>
-            <a:ext cx="10515600" cy="4676154"/>
+            <a:off x="838200" y="1162878"/>
+            <a:ext cx="10515600" cy="5014085"/>
           </a:xfrm>
         </p:spPr>
         <p:txBody>
@@ -18901,122 +19768,11 @@
           <a:lstStyle/>
           <a:p>
             <a:r>
-              <a:rPr lang="en-US" dirty="0" err="1" smtClean="0">
-                <a:latin typeface="Times New Roman" panose="02020603050405020304" pitchFamily="18" charset="0"/>
-                <a:cs typeface="Times New Roman" panose="02020603050405020304" pitchFamily="18" charset="0"/>
-              </a:rPr>
-              <a:t>Tìm</a:t>
-            </a:r>
-            <a:r>
-              <a:rPr lang="en-US" dirty="0" smtClean="0">
-                <a:latin typeface="Times New Roman" panose="02020603050405020304" pitchFamily="18" charset="0"/>
-                <a:cs typeface="Times New Roman" panose="02020603050405020304" pitchFamily="18" charset="0"/>
-              </a:rPr>
-              <a:t> </a:t>
-            </a:r>
-            <a:r>
-              <a:rPr lang="en-US" dirty="0" err="1" smtClean="0">
-                <a:latin typeface="Times New Roman" panose="02020603050405020304" pitchFamily="18" charset="0"/>
-                <a:cs typeface="Times New Roman" panose="02020603050405020304" pitchFamily="18" charset="0"/>
-              </a:rPr>
-              <a:t>hiểu</a:t>
-            </a:r>
-            <a:r>
-              <a:rPr lang="en-US" dirty="0" smtClean="0">
-                <a:latin typeface="Times New Roman" panose="02020603050405020304" pitchFamily="18" charset="0"/>
-                <a:cs typeface="Times New Roman" panose="02020603050405020304" pitchFamily="18" charset="0"/>
-              </a:rPr>
-              <a:t> </a:t>
-            </a:r>
-            <a:r>
-              <a:rPr lang="en-US" dirty="0" err="1" smtClean="0">
-                <a:latin typeface="Times New Roman" panose="02020603050405020304" pitchFamily="18" charset="0"/>
-                <a:cs typeface="Times New Roman" panose="02020603050405020304" pitchFamily="18" charset="0"/>
-              </a:rPr>
-              <a:t>cách</a:t>
-            </a:r>
-            <a:r>
-              <a:rPr lang="en-US" dirty="0" smtClean="0">
-                <a:latin typeface="Times New Roman" panose="02020603050405020304" pitchFamily="18" charset="0"/>
-                <a:cs typeface="Times New Roman" panose="02020603050405020304" pitchFamily="18" charset="0"/>
-              </a:rPr>
-              <a:t> </a:t>
-            </a:r>
-            <a:r>
-              <a:rPr lang="en-US" dirty="0" err="1" smtClean="0">
-                <a:latin typeface="Times New Roman" panose="02020603050405020304" pitchFamily="18" charset="0"/>
-                <a:cs typeface="Times New Roman" panose="02020603050405020304" pitchFamily="18" charset="0"/>
-              </a:rPr>
-              <a:t>tạo</a:t>
-            </a:r>
-            <a:r>
-              <a:rPr lang="en-US" dirty="0" smtClean="0">
-                <a:latin typeface="Times New Roman" panose="02020603050405020304" pitchFamily="18" charset="0"/>
-                <a:cs typeface="Times New Roman" panose="02020603050405020304" pitchFamily="18" charset="0"/>
-              </a:rPr>
-              <a:t> </a:t>
-            </a:r>
-            <a:r>
-              <a:rPr lang="en-US" dirty="0" err="1" smtClean="0">
-                <a:latin typeface="Times New Roman" panose="02020603050405020304" pitchFamily="18" charset="0"/>
-                <a:cs typeface="Times New Roman" panose="02020603050405020304" pitchFamily="18" charset="0"/>
-              </a:rPr>
-              <a:t>các</a:t>
-            </a:r>
-            <a:r>
-              <a:rPr lang="en-US" dirty="0" smtClean="0">
-                <a:latin typeface="Times New Roman" panose="02020603050405020304" pitchFamily="18" charset="0"/>
-                <a:cs typeface="Times New Roman" panose="02020603050405020304" pitchFamily="18" charset="0"/>
-              </a:rPr>
-              <a:t> </a:t>
-            </a:r>
-            <a:r>
-              <a:rPr lang="en-US" dirty="0" err="1" smtClean="0">
-                <a:latin typeface="Times New Roman" panose="02020603050405020304" pitchFamily="18" charset="0"/>
-                <a:cs typeface="Times New Roman" panose="02020603050405020304" pitchFamily="18" charset="0"/>
-              </a:rPr>
-              <a:t>bộ</a:t>
-            </a:r>
-            <a:r>
-              <a:rPr lang="en-US" dirty="0" smtClean="0">
-                <a:latin typeface="Times New Roman" panose="02020603050405020304" pitchFamily="18" charset="0"/>
-                <a:cs typeface="Times New Roman" panose="02020603050405020304" pitchFamily="18" charset="0"/>
-              </a:rPr>
-              <a:t> </a:t>
-            </a:r>
-            <a:r>
-              <a:rPr lang="en-US" dirty="0" err="1" smtClean="0">
-                <a:latin typeface="Times New Roman" panose="02020603050405020304" pitchFamily="18" charset="0"/>
-                <a:cs typeface="Times New Roman" panose="02020603050405020304" pitchFamily="18" charset="0"/>
-              </a:rPr>
-              <a:t>lọc</a:t>
-            </a:r>
-            <a:endParaRPr lang="en-US" dirty="0" smtClean="0">
-              <a:latin typeface="Times New Roman" panose="02020603050405020304" pitchFamily="18" charset="0"/>
-              <a:cs typeface="Times New Roman" panose="02020603050405020304" pitchFamily="18" charset="0"/>
-            </a:endParaRPr>
-          </a:p>
-          <a:p>
-            <a:r>
-              <a:rPr lang="en-US" dirty="0" err="1" smtClean="0">
-                <a:latin typeface="Times New Roman" panose="02020603050405020304" pitchFamily="18" charset="0"/>
-                <a:cs typeface="Times New Roman" panose="02020603050405020304" pitchFamily="18" charset="0"/>
-              </a:rPr>
-              <a:t>Xây</a:t>
-            </a:r>
-            <a:r>
-              <a:rPr lang="en-US" dirty="0" smtClean="0">
-                <a:latin typeface="Times New Roman" panose="02020603050405020304" pitchFamily="18" charset="0"/>
-                <a:cs typeface="Times New Roman" panose="02020603050405020304" pitchFamily="18" charset="0"/>
-              </a:rPr>
-              <a:t> </a:t>
-            </a:r>
-            <a:r>
               <a:rPr lang="en-US" dirty="0" err="1">
                 <a:latin typeface="Times New Roman" panose="02020603050405020304" pitchFamily="18" charset="0"/>
                 <a:cs typeface="Times New Roman" panose="02020603050405020304" pitchFamily="18" charset="0"/>
               </a:rPr>
-              <a:t>dựng</a:t>
+              <a:t>Thực</a:t>
             </a:r>
             <a:r>
               <a:rPr lang="en-US" dirty="0">
@@ -19030,7 +19786,7 @@
                 <a:latin typeface="Times New Roman" panose="02020603050405020304" pitchFamily="18" charset="0"/>
                 <a:cs typeface="Times New Roman" panose="02020603050405020304" pitchFamily="18" charset="0"/>
               </a:rPr>
-              <a:t>được</a:t>
+              <a:t>hiện</a:t>
             </a:r>
             <a:r>
               <a:rPr lang="en-US" dirty="0">
@@ -19044,7 +19800,7 @@
                 <a:latin typeface="Times New Roman" panose="02020603050405020304" pitchFamily="18" charset="0"/>
                 <a:cs typeface="Times New Roman" panose="02020603050405020304" pitchFamily="18" charset="0"/>
               </a:rPr>
-              <a:t>các</a:t>
+              <a:t>đạo</a:t>
             </a:r>
             <a:r>
               <a:rPr lang="en-US" dirty="0">
@@ -19058,7 +19814,7 @@
                 <a:latin typeface="Times New Roman" panose="02020603050405020304" pitchFamily="18" charset="0"/>
                 <a:cs typeface="Times New Roman" panose="02020603050405020304" pitchFamily="18" charset="0"/>
               </a:rPr>
-              <a:t>bộ</a:t>
+              <a:t>hàm</a:t>
             </a:r>
             <a:r>
               <a:rPr lang="en-US" dirty="0">
@@ -19072,7 +19828,7 @@
                 <a:latin typeface="Times New Roman" panose="02020603050405020304" pitchFamily="18" charset="0"/>
                 <a:cs typeface="Times New Roman" panose="02020603050405020304" pitchFamily="18" charset="0"/>
               </a:rPr>
-              <a:t>lọc</a:t>
+              <a:t>và</a:t>
             </a:r>
             <a:r>
               <a:rPr lang="en-US" dirty="0">
@@ -19086,7 +19842,7 @@
                 <a:latin typeface="Times New Roman" panose="02020603050405020304" pitchFamily="18" charset="0"/>
                 <a:cs typeface="Times New Roman" panose="02020603050405020304" pitchFamily="18" charset="0"/>
               </a:rPr>
-              <a:t>đúng</a:t>
+              <a:t>cho</a:t>
             </a:r>
             <a:r>
               <a:rPr lang="en-US" dirty="0">
@@ -19100,7 +19856,7 @@
                 <a:latin typeface="Times New Roman" panose="02020603050405020304" pitchFamily="18" charset="0"/>
                 <a:cs typeface="Times New Roman" panose="02020603050405020304" pitchFamily="18" charset="0"/>
               </a:rPr>
-              <a:t>với</a:t>
+              <a:t>giá</a:t>
             </a:r>
             <a:r>
               <a:rPr lang="en-US" dirty="0">
@@ -19114,7 +19870,7 @@
                 <a:latin typeface="Times New Roman" panose="02020603050405020304" pitchFamily="18" charset="0"/>
                 <a:cs typeface="Times New Roman" panose="02020603050405020304" pitchFamily="18" charset="0"/>
               </a:rPr>
-              <a:t>yêu</a:t>
+              <a:t>trị</a:t>
             </a:r>
             <a:r>
               <a:rPr lang="en-US" dirty="0">
@@ -19128,20 +19884,21 @@
                 <a:latin typeface="Times New Roman" panose="02020603050405020304" pitchFamily="18" charset="0"/>
                 <a:cs typeface="Times New Roman" panose="02020603050405020304" pitchFamily="18" charset="0"/>
               </a:rPr>
-              <a:t>cầu</a:t>
-            </a:r>
-            <a:endParaRPr lang="en-US" dirty="0">
-              <a:latin typeface="Times New Roman" panose="02020603050405020304" pitchFamily="18" charset="0"/>
-              <a:cs typeface="Times New Roman" panose="02020603050405020304" pitchFamily="18" charset="0"/>
-            </a:endParaRPr>
-          </a:p>
-          <a:p>
+              <a:t>đạo</a:t>
+            </a:r>
+            <a:r>
+              <a:rPr lang="en-US" dirty="0">
+                <a:latin typeface="Times New Roman" panose="02020603050405020304" pitchFamily="18" charset="0"/>
+                <a:cs typeface="Times New Roman" panose="02020603050405020304" pitchFamily="18" charset="0"/>
+              </a:rPr>
+              <a:t> </a:t>
+            </a:r>
             <a:r>
               <a:rPr lang="en-US" dirty="0" err="1">
                 <a:latin typeface="Times New Roman" panose="02020603050405020304" pitchFamily="18" charset="0"/>
                 <a:cs typeface="Times New Roman" panose="02020603050405020304" pitchFamily="18" charset="0"/>
               </a:rPr>
-              <a:t>Thiết</a:t>
+              <a:t>hàm</a:t>
             </a:r>
             <a:r>
               <a:rPr lang="en-US" dirty="0">
@@ -19155,131 +19912,22 @@
                 <a:latin typeface="Times New Roman" panose="02020603050405020304" pitchFamily="18" charset="0"/>
                 <a:cs typeface="Times New Roman" panose="02020603050405020304" pitchFamily="18" charset="0"/>
               </a:rPr>
-              <a:t>kế</a:t>
+              <a:t>bằng</a:t>
             </a:r>
             <a:r>
               <a:rPr lang="en-US" dirty="0">
                 <a:latin typeface="Times New Roman" panose="02020603050405020304" pitchFamily="18" charset="0"/>
                 <a:cs typeface="Times New Roman" panose="02020603050405020304" pitchFamily="18" charset="0"/>
               </a:rPr>
-              <a:t> </a:t>
+              <a:t> 0, ta </a:t>
             </a:r>
             <a:r>
               <a:rPr lang="en-US" dirty="0" err="1">
                 <a:latin typeface="Times New Roman" panose="02020603050405020304" pitchFamily="18" charset="0"/>
                 <a:cs typeface="Times New Roman" panose="02020603050405020304" pitchFamily="18" charset="0"/>
               </a:rPr>
-              <a:t>được</a:t>
-            </a:r>
-            <a:r>
-              <a:rPr lang="en-US" dirty="0">
-                <a:latin typeface="Times New Roman" panose="02020603050405020304" pitchFamily="18" charset="0"/>
-                <a:cs typeface="Times New Roman" panose="02020603050405020304" pitchFamily="18" charset="0"/>
-              </a:rPr>
-              <a:t> </a:t>
-            </a:r>
-            <a:r>
-              <a:rPr lang="en-US" dirty="0" err="1">
-                <a:latin typeface="Times New Roman" panose="02020603050405020304" pitchFamily="18" charset="0"/>
-                <a:cs typeface="Times New Roman" panose="02020603050405020304" pitchFamily="18" charset="0"/>
-              </a:rPr>
-              <a:t>hệ</a:t>
-            </a:r>
-            <a:r>
-              <a:rPr lang="en-US" dirty="0">
-                <a:latin typeface="Times New Roman" panose="02020603050405020304" pitchFamily="18" charset="0"/>
-                <a:cs typeface="Times New Roman" panose="02020603050405020304" pitchFamily="18" charset="0"/>
-              </a:rPr>
-              <a:t> </a:t>
-            </a:r>
-            <a:r>
-              <a:rPr lang="en-US" dirty="0" err="1">
-                <a:latin typeface="Times New Roman" panose="02020603050405020304" pitchFamily="18" charset="0"/>
-                <a:cs typeface="Times New Roman" panose="02020603050405020304" pitchFamily="18" charset="0"/>
-              </a:rPr>
-              <a:t>thống</a:t>
-            </a:r>
-            <a:r>
-              <a:rPr lang="en-US" dirty="0">
-                <a:latin typeface="Times New Roman" panose="02020603050405020304" pitchFamily="18" charset="0"/>
-                <a:cs typeface="Times New Roman" panose="02020603050405020304" pitchFamily="18" charset="0"/>
-              </a:rPr>
-              <a:t> </a:t>
-            </a:r>
-            <a:r>
-              <a:rPr lang="en-US" dirty="0" err="1">
-                <a:latin typeface="Times New Roman" panose="02020603050405020304" pitchFamily="18" charset="0"/>
-                <a:cs typeface="Times New Roman" panose="02020603050405020304" pitchFamily="18" charset="0"/>
-              </a:rPr>
-              <a:t>ứng</a:t>
-            </a:r>
-            <a:r>
-              <a:rPr lang="en-US" dirty="0">
-                <a:latin typeface="Times New Roman" panose="02020603050405020304" pitchFamily="18" charset="0"/>
-                <a:cs typeface="Times New Roman" panose="02020603050405020304" pitchFamily="18" charset="0"/>
-              </a:rPr>
-              <a:t> </a:t>
-            </a:r>
-            <a:r>
-              <a:rPr lang="en-US" dirty="0" err="1">
-                <a:latin typeface="Times New Roman" panose="02020603050405020304" pitchFamily="18" charset="0"/>
-                <a:cs typeface="Times New Roman" panose="02020603050405020304" pitchFamily="18" charset="0"/>
-              </a:rPr>
-              <a:t>dụng</a:t>
-            </a:r>
-            <a:r>
-              <a:rPr lang="en-US" dirty="0">
-                <a:latin typeface="Times New Roman" panose="02020603050405020304" pitchFamily="18" charset="0"/>
-                <a:cs typeface="Times New Roman" panose="02020603050405020304" pitchFamily="18" charset="0"/>
-              </a:rPr>
-              <a:t> </a:t>
-            </a:r>
-            <a:r>
-              <a:rPr lang="en-US" dirty="0" err="1" smtClean="0">
-                <a:latin typeface="Times New Roman" panose="02020603050405020304" pitchFamily="18" charset="0"/>
-                <a:cs typeface="Times New Roman" panose="02020603050405020304" pitchFamily="18" charset="0"/>
-              </a:rPr>
-              <a:t>với</a:t>
-            </a:r>
-            <a:r>
-              <a:rPr lang="en-US" dirty="0" smtClean="0">
-                <a:latin typeface="Times New Roman" panose="02020603050405020304" pitchFamily="18" charset="0"/>
-                <a:cs typeface="Times New Roman" panose="02020603050405020304" pitchFamily="18" charset="0"/>
-              </a:rPr>
-              <a:t> GUI </a:t>
-            </a:r>
-            <a:r>
-              <a:rPr lang="en-US" dirty="0" err="1" smtClean="0">
-                <a:latin typeface="Times New Roman" panose="02020603050405020304" pitchFamily="18" charset="0"/>
-                <a:cs typeface="Times New Roman" panose="02020603050405020304" pitchFamily="18" charset="0"/>
-              </a:rPr>
-              <a:t>trên</a:t>
-            </a:r>
-            <a:r>
-              <a:rPr lang="en-US" dirty="0" smtClean="0">
-                <a:latin typeface="Times New Roman" panose="02020603050405020304" pitchFamily="18" charset="0"/>
-                <a:cs typeface="Times New Roman" panose="02020603050405020304" pitchFamily="18" charset="0"/>
-              </a:rPr>
-              <a:t> desktop</a:t>
-            </a:r>
-            <a:endParaRPr lang="en-US" dirty="0">
-              <a:latin typeface="Times New Roman" panose="02020603050405020304" pitchFamily="18" charset="0"/>
-              <a:cs typeface="Times New Roman" panose="02020603050405020304" pitchFamily="18" charset="0"/>
-            </a:endParaRPr>
-          </a:p>
-          <a:p>
-            <a:pPr marL="0" indent="0">
-              <a:buNone/>
-            </a:pPr>
-            <a:endParaRPr lang="en-US" dirty="0">
-              <a:latin typeface="Times New Roman" panose="02020603050405020304" pitchFamily="18" charset="0"/>
-              <a:cs typeface="Times New Roman" panose="02020603050405020304" pitchFamily="18" charset="0"/>
-            </a:endParaRPr>
-          </a:p>
-          <a:p>
-            <a:pPr marL="0" indent="0">
-              <a:buNone/>
-            </a:pPr>
+              <a:t>có</a:t>
+            </a:r>
             <a:endParaRPr lang="en-US" dirty="0">
               <a:latin typeface="Times New Roman" panose="02020603050405020304" pitchFamily="18" charset="0"/>
               <a:cs typeface="Times New Roman" panose="02020603050405020304" pitchFamily="18" charset="0"/>
@@ -19288,21 +19936,142 @@
           <a:p>
             <a:endParaRPr lang="en-US" dirty="0"/>
           </a:p>
+          <a:p>
+            <a:endParaRPr lang="en-US" dirty="0"/>
+          </a:p>
+          <a:p>
+            <a:endParaRPr lang="en-US" dirty="0"/>
+          </a:p>
+          <a:p>
+            <a:endParaRPr lang="en-US" dirty="0"/>
+          </a:p>
+          <a:p>
+            <a:r>
+              <a:rPr lang="en-US" dirty="0" err="1">
+                <a:latin typeface="Times New Roman" panose="02020603050405020304" pitchFamily="18" charset="0"/>
+                <a:cs typeface="Times New Roman" panose="02020603050405020304" pitchFamily="18" charset="0"/>
+              </a:rPr>
+              <a:t>Khi</a:t>
+            </a:r>
+            <a:r>
+              <a:rPr lang="en-US" dirty="0">
+                <a:latin typeface="Times New Roman" panose="02020603050405020304" pitchFamily="18" charset="0"/>
+                <a:cs typeface="Times New Roman" panose="02020603050405020304" pitchFamily="18" charset="0"/>
+              </a:rPr>
+              <a:t> </a:t>
+            </a:r>
+            <a:r>
+              <a:rPr lang="en-US" dirty="0" err="1">
+                <a:latin typeface="Times New Roman" panose="02020603050405020304" pitchFamily="18" charset="0"/>
+                <a:cs typeface="Times New Roman" panose="02020603050405020304" pitchFamily="18" charset="0"/>
+              </a:rPr>
+              <a:t>không</a:t>
+            </a:r>
+            <a:r>
+              <a:rPr lang="en-US" dirty="0">
+                <a:latin typeface="Times New Roman" panose="02020603050405020304" pitchFamily="18" charset="0"/>
+                <a:cs typeface="Times New Roman" panose="02020603050405020304" pitchFamily="18" charset="0"/>
+              </a:rPr>
+              <a:t> </a:t>
+            </a:r>
+            <a:r>
+              <a:rPr lang="en-US" dirty="0" err="1">
+                <a:latin typeface="Times New Roman" panose="02020603050405020304" pitchFamily="18" charset="0"/>
+                <a:cs typeface="Times New Roman" panose="02020603050405020304" pitchFamily="18" charset="0"/>
+              </a:rPr>
+              <a:t>có</a:t>
+            </a:r>
+            <a:r>
+              <a:rPr lang="en-US" dirty="0">
+                <a:latin typeface="Times New Roman" panose="02020603050405020304" pitchFamily="18" charset="0"/>
+                <a:cs typeface="Times New Roman" panose="02020603050405020304" pitchFamily="18" charset="0"/>
+              </a:rPr>
+              <a:t> </a:t>
+            </a:r>
+            <a:r>
+              <a:rPr lang="en-US" dirty="0" err="1">
+                <a:latin typeface="Times New Roman" panose="02020603050405020304" pitchFamily="18" charset="0"/>
+                <a:cs typeface="Times New Roman" panose="02020603050405020304" pitchFamily="18" charset="0"/>
+              </a:rPr>
+              <a:t>nhiễu</a:t>
+            </a:r>
+            <a:endParaRPr lang="en-US" dirty="0">
+              <a:latin typeface="Times New Roman" panose="02020603050405020304" pitchFamily="18" charset="0"/>
+              <a:cs typeface="Times New Roman" panose="02020603050405020304" pitchFamily="18" charset="0"/>
+            </a:endParaRPr>
+          </a:p>
         </p:txBody>
       </p:sp>
+      <p:pic>
+        <p:nvPicPr>
+          <p:cNvPr id="5" name="Picture 4">
+            <a:extLst>
+              <a:ext uri="{FF2B5EF4-FFF2-40B4-BE49-F238E27FC236}">
+                <a16:creationId xmlns:a16="http://schemas.microsoft.com/office/drawing/2014/main" id="{AFC2E7AA-9CEE-34CA-17CE-DE3938D33716}"/>
+              </a:ext>
+            </a:extLst>
+          </p:cNvPr>
+          <p:cNvPicPr>
+            <a:picLocks noChangeAspect="1"/>
+          </p:cNvPicPr>
+          <p:nvPr/>
+        </p:nvPicPr>
+        <p:blipFill>
+          <a:blip r:embed="rId2"/>
+          <a:stretch>
+            <a:fillRect/>
+          </a:stretch>
+        </p:blipFill>
+        <p:spPr>
+          <a:xfrm>
+            <a:off x="2379188" y="1786261"/>
+            <a:ext cx="7734764" cy="1770793"/>
+          </a:xfrm>
+          <a:prstGeom prst="rect">
+            <a:avLst/>
+          </a:prstGeom>
+        </p:spPr>
+      </p:pic>
+      <p:pic>
+        <p:nvPicPr>
+          <p:cNvPr id="7" name="Picture 6">
+            <a:extLst>
+              <a:ext uri="{FF2B5EF4-FFF2-40B4-BE49-F238E27FC236}">
+                <a16:creationId xmlns:a16="http://schemas.microsoft.com/office/drawing/2014/main" id="{088AFDD4-FE50-7526-1875-EFA78961FB05}"/>
+              </a:ext>
+            </a:extLst>
+          </p:cNvPr>
+          <p:cNvPicPr>
+            <a:picLocks noChangeAspect="1"/>
+          </p:cNvPicPr>
+          <p:nvPr/>
+        </p:nvPicPr>
+        <p:blipFill>
+          <a:blip r:embed="rId3"/>
+          <a:stretch>
+            <a:fillRect/>
+          </a:stretch>
+        </p:blipFill>
+        <p:spPr>
+          <a:xfrm>
+            <a:off x="3350258" y="4180436"/>
+            <a:ext cx="6763694" cy="1514686"/>
+          </a:xfrm>
+          <a:prstGeom prst="rect">
+            <a:avLst/>
+          </a:prstGeom>
+        </p:spPr>
+      </p:pic>
     </p:spTree>
     <p:extLst>
       <p:ext uri="{BB962C8B-B14F-4D97-AF65-F5344CB8AC3E}">
-        <p14:creationId xmlns:p14="http://schemas.microsoft.com/office/powerpoint/2010/main" val="3007703067"/>
+        <p14:creationId xmlns:p14="http://schemas.microsoft.com/office/powerpoint/2010/main" val="1349458479"/>
       </p:ext>
     </p:extLst>
   </p:cSld>
   <p:clrMapOvr>
     <a:masterClrMapping/>
   </p:clrMapOvr>
-  <p:transition spd="slow">
-    <p:wipe/>
-  </p:transition>
   <p:timing>
     <p:tnLst>
       <p:par>
@@ -19338,7 +20107,7 @@
                 <a16:creationId xmlns:a16="http://schemas.microsoft.com/office/drawing/2014/main" id="{42285737-90EE-47DC-AC80-8AE156B11969}"/>
               </a:ext>
               <a:ext uri="{C183D7F6-B498-43B3-948B-1728B52AA6E4}">
-                <adec:decorative xmlns:adec="http://schemas.microsoft.com/office/drawing/2017/decorative" xmlns="" val="1"/>
+                <adec:decorative xmlns="" xmlns:adec="http://schemas.microsoft.com/office/drawing/2017/decorative" val="1"/>
               </a:ext>
             </a:extLst>
           </p:cNvPr>
@@ -19518,7 +20287,7 @@
                 <a16:creationId xmlns:a16="http://schemas.microsoft.com/office/drawing/2014/main" id="{B57BDC17-F1B3-455F-BBF1-680AA1F25C06}"/>
               </a:ext>
               <a:ext uri="{C183D7F6-B498-43B3-948B-1728B52AA6E4}">
-                <adec:decorative xmlns:adec="http://schemas.microsoft.com/office/drawing/2017/decorative" xmlns="" val="1"/>
+                <adec:decorative xmlns="" xmlns:adec="http://schemas.microsoft.com/office/drawing/2017/decorative" val="1"/>
               </a:ext>
             </a:extLst>
           </p:cNvPr>
@@ -19549,7 +20318,7 @@
                   <a16:creationId xmlns:a16="http://schemas.microsoft.com/office/drawing/2014/main" id="{64E2FA9A-FEF7-4501-B0EB-5E45EDD2177A}"/>
                 </a:ext>
                 <a:ext uri="{C183D7F6-B498-43B3-948B-1728B52AA6E4}">
-                  <adec:decorative xmlns:adec="http://schemas.microsoft.com/office/drawing/2017/decorative" xmlns="" val="1"/>
+                  <adec:decorative xmlns="" xmlns:adec="http://schemas.microsoft.com/office/drawing/2017/decorative" val="1"/>
                 </a:ext>
               </a:extLst>
             </p:cNvPr>
@@ -19610,7 +20379,7 @@
                   <a16:creationId xmlns:a16="http://schemas.microsoft.com/office/drawing/2014/main" id="{BC38192B-B4CB-47D4-A3B1-10010247F158}"/>
                 </a:ext>
                 <a:ext uri="{C183D7F6-B498-43B3-948B-1728B52AA6E4}">
-                  <adec:decorative xmlns:adec="http://schemas.microsoft.com/office/drawing/2017/decorative" xmlns="" val="1"/>
+                  <adec:decorative xmlns="" xmlns:adec="http://schemas.microsoft.com/office/drawing/2017/decorative" val="1"/>
                 </a:ext>
               </a:extLst>
             </p:cNvPr>
@@ -19671,7 +20440,7 @@
                   <a16:creationId xmlns:a16="http://schemas.microsoft.com/office/drawing/2014/main" id="{96330E33-E171-4B0F-82B5-AF7230399B5C}"/>
                 </a:ext>
                 <a:ext uri="{C183D7F6-B498-43B3-948B-1728B52AA6E4}">
-                  <adec:decorative xmlns:adec="http://schemas.microsoft.com/office/drawing/2017/decorative" xmlns="" val="1"/>
+                  <adec:decorative xmlns="" xmlns:adec="http://schemas.microsoft.com/office/drawing/2017/decorative" val="1"/>
                 </a:ext>
               </a:extLst>
             </p:cNvPr>
@@ -19729,7 +20498,7 @@
                   <a16:creationId xmlns:a16="http://schemas.microsoft.com/office/drawing/2014/main" id="{332B1723-69BF-42D7-B757-0FA059E15256}"/>
                 </a:ext>
                 <a:ext uri="{C183D7F6-B498-43B3-948B-1728B52AA6E4}">
-                  <adec:decorative xmlns:adec="http://schemas.microsoft.com/office/drawing/2017/decorative" xmlns="" val="1"/>
+                  <adec:decorative xmlns="" xmlns:adec="http://schemas.microsoft.com/office/drawing/2017/decorative" val="1"/>
                 </a:ext>
               </a:extLst>
             </p:cNvPr>
@@ -19789,7 +20558,7 @@
                   <a16:creationId xmlns:a16="http://schemas.microsoft.com/office/drawing/2014/main" id="{F115D62D-1E96-48D1-A78D-D370A0BFB9B5}"/>
                 </a:ext>
                 <a:ext uri="{C183D7F6-B498-43B3-948B-1728B52AA6E4}">
-                  <adec:decorative xmlns:adec="http://schemas.microsoft.com/office/drawing/2017/decorative" xmlns="" val="1"/>
+                  <adec:decorative xmlns="" xmlns:adec="http://schemas.microsoft.com/office/drawing/2017/decorative" val="1"/>
                 </a:ext>
               </a:extLst>
             </p:cNvPr>
@@ -19855,7 +20624,7 @@
                   <a16:creationId xmlns:a16="http://schemas.microsoft.com/office/drawing/2014/main" id="{91C2876A-169D-4822-A766-C00578C88B4B}"/>
                 </a:ext>
                 <a:ext uri="{C183D7F6-B498-43B3-948B-1728B52AA6E4}">
-                  <adec:decorative xmlns:adec="http://schemas.microsoft.com/office/drawing/2017/decorative" xmlns="" val="1"/>
+                  <adec:decorative xmlns="" xmlns:adec="http://schemas.microsoft.com/office/drawing/2017/decorative" val="1"/>
                 </a:ext>
               </a:extLst>
             </p:cNvPr>
@@ -19981,7 +20750,7 @@
             <p:ph idx="1"/>
             <p:extLst>
               <p:ext uri="{D42A27DB-BD31-4B8C-83A1-F6EECF244321}">
-                <p14:modId xmlns:p14="http://schemas.microsoft.com/office/powerpoint/2010/main" val="1698745572"/>
+                <p14:modId xmlns:p14="http://schemas.microsoft.com/office/powerpoint/2010/main" val="240554585"/>
               </p:ext>
             </p:extLst>
           </p:nvPr>
@@ -20022,6 +20791,4453 @@
 <file path=ppt/slides/slide20.xml><?xml version="1.0" encoding="utf-8"?>
 <p:sld xmlns:a="http://schemas.openxmlformats.org/drawingml/2006/main" xmlns:r="http://schemas.openxmlformats.org/officeDocument/2006/relationships" xmlns:p="http://schemas.openxmlformats.org/presentationml/2006/main">
   <p:cSld>
+    <p:spTree>
+      <p:nvGrpSpPr>
+        <p:cNvPr id="1" name=""/>
+        <p:cNvGrpSpPr/>
+        <p:nvPr/>
+      </p:nvGrpSpPr>
+      <p:grpSpPr>
+        <a:xfrm>
+          <a:off x="0" y="0"/>
+          <a:ext cx="0" cy="0"/>
+          <a:chOff x="0" y="0"/>
+          <a:chExt cx="0" cy="0"/>
+        </a:xfrm>
+      </p:grpSpPr>
+      <p:sp>
+        <p:nvSpPr>
+          <p:cNvPr id="2" name="Title 1">
+            <a:extLst>
+              <a:ext uri="{FF2B5EF4-FFF2-40B4-BE49-F238E27FC236}">
+                <a16:creationId xmlns:a16="http://schemas.microsoft.com/office/drawing/2014/main" id="{EF1425B6-798B-D3C6-4F3C-57B17BD7D11C}"/>
+              </a:ext>
+            </a:extLst>
+          </p:cNvPr>
+          <p:cNvSpPr>
+            <a:spLocks noGrp="1"/>
+          </p:cNvSpPr>
+          <p:nvPr>
+            <p:ph type="title"/>
+          </p:nvPr>
+        </p:nvSpPr>
+        <p:spPr>
+          <a:xfrm>
+            <a:off x="885237" y="233421"/>
+            <a:ext cx="10515600" cy="667045"/>
+          </a:xfrm>
+        </p:spPr>
+        <p:txBody>
+          <a:bodyPr/>
+          <a:lstStyle/>
+          <a:p>
+            <a:pPr algn="ctr"/>
+            <a:r>
+              <a:rPr lang="en-US" sz="4000" b="1" dirty="0">
+                <a:latin typeface="Times New Roman"/>
+                <a:cs typeface="Calibri Light"/>
+              </a:rPr>
+              <a:t>9. </a:t>
+            </a:r>
+            <a:r>
+              <a:rPr lang="en-US" sz="4000" b="1" dirty="0" err="1">
+                <a:latin typeface="Times New Roman"/>
+                <a:cs typeface="Calibri Light"/>
+              </a:rPr>
+              <a:t>Bộ</a:t>
+            </a:r>
+            <a:r>
+              <a:rPr lang="en-US" sz="4000" b="1" dirty="0">
+                <a:latin typeface="Times New Roman"/>
+                <a:cs typeface="Calibri Light"/>
+              </a:rPr>
+              <a:t> </a:t>
+            </a:r>
+            <a:r>
+              <a:rPr lang="en-US" sz="4000" b="1" dirty="0" err="1">
+                <a:latin typeface="Times New Roman"/>
+                <a:cs typeface="Calibri Light"/>
+              </a:rPr>
+              <a:t>lọc</a:t>
+            </a:r>
+            <a:r>
+              <a:rPr lang="en-US" sz="4000" b="1" dirty="0">
+                <a:latin typeface="Times New Roman"/>
+                <a:cs typeface="Calibri Light"/>
+              </a:rPr>
+              <a:t> </a:t>
+            </a:r>
+            <a:r>
+              <a:rPr lang="en-US" sz="4000" b="1" dirty="0" err="1">
+                <a:latin typeface="Times New Roman"/>
+                <a:cs typeface="Calibri Light"/>
+              </a:rPr>
+              <a:t>hiệu</a:t>
+            </a:r>
+            <a:r>
+              <a:rPr lang="en-US" sz="4000" b="1" dirty="0">
+                <a:latin typeface="Times New Roman"/>
+                <a:cs typeface="Calibri Light"/>
+              </a:rPr>
+              <a:t> </a:t>
+            </a:r>
+            <a:r>
+              <a:rPr lang="en-US" sz="4000" b="1" dirty="0" err="1">
+                <a:latin typeface="Times New Roman"/>
+                <a:cs typeface="Calibri Light"/>
+              </a:rPr>
+              <a:t>ứng</a:t>
+            </a:r>
+            <a:r>
+              <a:rPr lang="en-US" sz="4000" b="1" dirty="0">
+                <a:latin typeface="Times New Roman"/>
+                <a:cs typeface="Calibri Light"/>
+              </a:rPr>
+              <a:t> </a:t>
+            </a:r>
+            <a:r>
+              <a:rPr lang="en-US" sz="4000" b="1" dirty="0" err="1">
+                <a:latin typeface="Times New Roman"/>
+                <a:cs typeface="Calibri Light"/>
+              </a:rPr>
+              <a:t>mùa</a:t>
+            </a:r>
+            <a:r>
+              <a:rPr lang="en-US" sz="4000" b="1" dirty="0">
+                <a:latin typeface="Times New Roman"/>
+                <a:cs typeface="Calibri Light"/>
+              </a:rPr>
+              <a:t> </a:t>
+            </a:r>
+            <a:r>
+              <a:rPr lang="en-US" sz="4000" b="1" dirty="0" err="1">
+                <a:latin typeface="Times New Roman"/>
+                <a:cs typeface="Calibri Light"/>
+              </a:rPr>
+              <a:t>đông</a:t>
+            </a:r>
+            <a:endParaRPr lang="en-US" sz="4000" b="1" dirty="0" err="1">
+              <a:latin typeface="Times New Roman"/>
+              <a:cs typeface="Times New Roman"/>
+            </a:endParaRPr>
+          </a:p>
+        </p:txBody>
+      </p:sp>
+      <p:sp>
+        <p:nvSpPr>
+          <p:cNvPr id="3" name="Content Placeholder 2">
+            <a:extLst>
+              <a:ext uri="{FF2B5EF4-FFF2-40B4-BE49-F238E27FC236}">
+                <a16:creationId xmlns:a16="http://schemas.microsoft.com/office/drawing/2014/main" id="{2E7D002F-D4D7-5B46-3A09-BAA1BB327EE8}"/>
+              </a:ext>
+            </a:extLst>
+          </p:cNvPr>
+          <p:cNvSpPr>
+            <a:spLocks noGrp="1"/>
+          </p:cNvSpPr>
+          <p:nvPr>
+            <p:ph idx="1"/>
+          </p:nvPr>
+        </p:nvSpPr>
+        <p:spPr>
+          <a:xfrm>
+            <a:off x="838200" y="1016588"/>
+            <a:ext cx="10515600" cy="5160375"/>
+          </a:xfrm>
+        </p:spPr>
+        <p:txBody>
+          <a:bodyPr vert="horz" lIns="91440" tIns="45720" rIns="91440" bIns="45720" rtlCol="0" anchor="t">
+            <a:normAutofit/>
+          </a:bodyPr>
+          <a:lstStyle/>
+          <a:p>
+            <a:r>
+              <a:rPr lang="en-US" dirty="0">
+                <a:latin typeface="Times New Roman"/>
+                <a:ea typeface="+mn-lt"/>
+                <a:cs typeface="+mn-lt"/>
+              </a:rPr>
+              <a:t>Thường </a:t>
+            </a:r>
+            <a:r>
+              <a:rPr lang="en-US" dirty="0" err="1">
+                <a:latin typeface="Times New Roman"/>
+                <a:ea typeface="+mn-lt"/>
+                <a:cs typeface="+mn-lt"/>
+              </a:rPr>
+              <a:t>làm</a:t>
+            </a:r>
+            <a:r>
+              <a:rPr lang="en-US" dirty="0">
+                <a:latin typeface="Times New Roman"/>
+                <a:ea typeface="+mn-lt"/>
+                <a:cs typeface="+mn-lt"/>
+              </a:rPr>
+              <a:t> </a:t>
+            </a:r>
+            <a:r>
+              <a:rPr lang="en-US" dirty="0" err="1">
+                <a:latin typeface="Times New Roman"/>
+                <a:ea typeface="+mn-lt"/>
+                <a:cs typeface="+mn-lt"/>
+              </a:rPr>
+              <a:t>trắng</a:t>
+            </a:r>
+            <a:r>
+              <a:rPr lang="en-US" dirty="0">
+                <a:latin typeface="Times New Roman"/>
+                <a:ea typeface="+mn-lt"/>
+                <a:cs typeface="+mn-lt"/>
+              </a:rPr>
+              <a:t> </a:t>
+            </a:r>
+            <a:r>
+              <a:rPr lang="en-US" dirty="0" err="1">
+                <a:latin typeface="Times New Roman"/>
+                <a:ea typeface="+mn-lt"/>
+                <a:cs typeface="+mn-lt"/>
+              </a:rPr>
+              <a:t>các</a:t>
+            </a:r>
+            <a:r>
+              <a:rPr lang="en-US" dirty="0">
+                <a:latin typeface="Times New Roman"/>
+                <a:ea typeface="+mn-lt"/>
+                <a:cs typeface="+mn-lt"/>
+              </a:rPr>
+              <a:t> </a:t>
+            </a:r>
+            <a:r>
+              <a:rPr lang="en-US" dirty="0" err="1">
+                <a:latin typeface="Times New Roman"/>
+                <a:ea typeface="+mn-lt"/>
+                <a:cs typeface="+mn-lt"/>
+              </a:rPr>
+              <a:t>phần</a:t>
+            </a:r>
+            <a:r>
+              <a:rPr lang="en-US" dirty="0">
+                <a:latin typeface="Times New Roman"/>
+                <a:ea typeface="+mn-lt"/>
+                <a:cs typeface="+mn-lt"/>
+              </a:rPr>
+              <a:t> </a:t>
+            </a:r>
+            <a:r>
+              <a:rPr lang="en-US" dirty="0" err="1">
+                <a:latin typeface="Times New Roman"/>
+                <a:ea typeface="+mn-lt"/>
+                <a:cs typeface="+mn-lt"/>
+              </a:rPr>
+              <a:t>tối</a:t>
+            </a:r>
+            <a:r>
+              <a:rPr lang="en-US" dirty="0">
+                <a:latin typeface="Times New Roman"/>
+                <a:ea typeface="+mn-lt"/>
+                <a:cs typeface="+mn-lt"/>
+              </a:rPr>
+              <a:t> </a:t>
+            </a:r>
+            <a:r>
+              <a:rPr lang="en-US" dirty="0" err="1">
+                <a:latin typeface="Times New Roman"/>
+                <a:ea typeface="+mn-lt"/>
+                <a:cs typeface="+mn-lt"/>
+              </a:rPr>
+              <a:t>nhất</a:t>
+            </a:r>
+            <a:r>
+              <a:rPr lang="en-US" dirty="0">
+                <a:latin typeface="Times New Roman"/>
+                <a:ea typeface="+mn-lt"/>
+                <a:cs typeface="+mn-lt"/>
+              </a:rPr>
+              <a:t> </a:t>
+            </a:r>
+            <a:r>
+              <a:rPr lang="en-US" dirty="0" err="1">
+                <a:latin typeface="Times New Roman"/>
+                <a:ea typeface="+mn-lt"/>
+                <a:cs typeface="+mn-lt"/>
+              </a:rPr>
+              <a:t>của</a:t>
+            </a:r>
+            <a:r>
+              <a:rPr lang="en-US" dirty="0">
+                <a:latin typeface="Times New Roman"/>
+                <a:ea typeface="+mn-lt"/>
+                <a:cs typeface="+mn-lt"/>
+              </a:rPr>
+              <a:t> </a:t>
+            </a:r>
+            <a:r>
+              <a:rPr lang="en-US" dirty="0" err="1">
+                <a:latin typeface="Times New Roman"/>
+                <a:ea typeface="+mn-lt"/>
+                <a:cs typeface="+mn-lt"/>
+              </a:rPr>
+              <a:t>hình</a:t>
+            </a:r>
+            <a:r>
+              <a:rPr lang="en-US" dirty="0">
+                <a:latin typeface="Times New Roman"/>
+                <a:ea typeface="+mn-lt"/>
+                <a:cs typeface="+mn-lt"/>
+              </a:rPr>
+              <a:t> </a:t>
+            </a:r>
+            <a:r>
+              <a:rPr lang="en-US" dirty="0" err="1">
+                <a:latin typeface="Times New Roman"/>
+                <a:ea typeface="+mn-lt"/>
+                <a:cs typeface="+mn-lt"/>
+              </a:rPr>
+              <a:t>ảnh</a:t>
+            </a:r>
+            <a:r>
+              <a:rPr lang="en-US" dirty="0">
+                <a:latin typeface="Times New Roman"/>
+                <a:ea typeface="+mn-lt"/>
+                <a:cs typeface="+mn-lt"/>
+              </a:rPr>
+              <a:t>, </a:t>
+            </a:r>
+            <a:r>
+              <a:rPr lang="en-US" dirty="0" err="1">
+                <a:latin typeface="Times New Roman"/>
+                <a:ea typeface="+mn-lt"/>
+                <a:cs typeface="+mn-lt"/>
+              </a:rPr>
+              <a:t>chủ</a:t>
+            </a:r>
+            <a:r>
+              <a:rPr lang="en-US" dirty="0">
+                <a:latin typeface="Times New Roman"/>
+                <a:ea typeface="+mn-lt"/>
+                <a:cs typeface="+mn-lt"/>
+              </a:rPr>
+              <a:t> </a:t>
+            </a:r>
+            <a:r>
+              <a:rPr lang="en-US" dirty="0" err="1">
+                <a:latin typeface="Times New Roman"/>
+                <a:ea typeface="+mn-lt"/>
+                <a:cs typeface="+mn-lt"/>
+              </a:rPr>
+              <a:t>yếu</a:t>
+            </a:r>
+            <a:r>
+              <a:rPr lang="en-US" dirty="0">
+                <a:latin typeface="Times New Roman"/>
+                <a:ea typeface="+mn-lt"/>
+                <a:cs typeface="+mn-lt"/>
+              </a:rPr>
+              <a:t> </a:t>
+            </a:r>
+            <a:r>
+              <a:rPr lang="en-US" dirty="0" err="1">
+                <a:latin typeface="Times New Roman"/>
+                <a:ea typeface="+mn-lt"/>
+                <a:cs typeface="+mn-lt"/>
+              </a:rPr>
+              <a:t>là</a:t>
+            </a:r>
+            <a:r>
+              <a:rPr lang="en-US" dirty="0">
+                <a:latin typeface="Times New Roman"/>
+                <a:ea typeface="+mn-lt"/>
+                <a:cs typeface="+mn-lt"/>
+              </a:rPr>
+              <a:t> </a:t>
+            </a:r>
+            <a:r>
+              <a:rPr lang="en-US" dirty="0" err="1">
+                <a:latin typeface="Times New Roman"/>
+                <a:ea typeface="+mn-lt"/>
+                <a:cs typeface="+mn-lt"/>
+              </a:rPr>
+              <a:t>đường</a:t>
+            </a:r>
+            <a:r>
+              <a:rPr lang="en-US" dirty="0">
+                <a:latin typeface="Times New Roman"/>
+                <a:ea typeface="+mn-lt"/>
+                <a:cs typeface="+mn-lt"/>
+              </a:rPr>
+              <a:t>, </a:t>
+            </a:r>
+            <a:r>
+              <a:rPr lang="en-US" dirty="0" err="1">
+                <a:latin typeface="Times New Roman"/>
+                <a:ea typeface="+mn-lt"/>
+                <a:cs typeface="+mn-lt"/>
+              </a:rPr>
+              <a:t>cây</a:t>
+            </a:r>
+            <a:r>
+              <a:rPr lang="en-US" dirty="0">
+                <a:latin typeface="Times New Roman"/>
+                <a:ea typeface="+mn-lt"/>
+                <a:cs typeface="+mn-lt"/>
+              </a:rPr>
+              <a:t>, </a:t>
+            </a:r>
+            <a:r>
+              <a:rPr lang="en-US" dirty="0" err="1">
+                <a:latin typeface="Times New Roman"/>
+                <a:ea typeface="+mn-lt"/>
+                <a:cs typeface="+mn-lt"/>
+              </a:rPr>
+              <a:t>núi</a:t>
+            </a:r>
+            <a:r>
+              <a:rPr lang="en-US" dirty="0">
+                <a:latin typeface="Times New Roman"/>
+                <a:ea typeface="+mn-lt"/>
+                <a:cs typeface="+mn-lt"/>
+              </a:rPr>
+              <a:t> </a:t>
+            </a:r>
+            <a:r>
+              <a:rPr lang="en-US" dirty="0" err="1">
+                <a:latin typeface="Times New Roman"/>
+                <a:ea typeface="+mn-lt"/>
+                <a:cs typeface="+mn-lt"/>
+              </a:rPr>
+              <a:t>và</a:t>
+            </a:r>
+            <a:r>
+              <a:rPr lang="en-US" dirty="0">
+                <a:latin typeface="Times New Roman"/>
+                <a:ea typeface="+mn-lt"/>
+                <a:cs typeface="+mn-lt"/>
+              </a:rPr>
+              <a:t> </a:t>
+            </a:r>
+            <a:r>
+              <a:rPr lang="en-US" dirty="0" err="1">
+                <a:latin typeface="Times New Roman"/>
+                <a:ea typeface="+mn-lt"/>
+                <a:cs typeface="+mn-lt"/>
+              </a:rPr>
+              <a:t>các</a:t>
+            </a:r>
+            <a:r>
+              <a:rPr lang="en-US" dirty="0">
+                <a:latin typeface="Times New Roman"/>
+                <a:ea typeface="+mn-lt"/>
+                <a:cs typeface="+mn-lt"/>
+              </a:rPr>
+              <a:t> </a:t>
+            </a:r>
+            <a:r>
+              <a:rPr lang="en-US" dirty="0" err="1">
+                <a:latin typeface="Times New Roman"/>
+                <a:ea typeface="+mn-lt"/>
+                <a:cs typeface="+mn-lt"/>
+              </a:rPr>
+              <a:t>đối</a:t>
+            </a:r>
+            <a:r>
+              <a:rPr lang="en-US" dirty="0">
+                <a:latin typeface="Times New Roman"/>
+                <a:ea typeface="+mn-lt"/>
+                <a:cs typeface="+mn-lt"/>
+              </a:rPr>
+              <a:t> </a:t>
+            </a:r>
+            <a:r>
+              <a:rPr lang="en-US" dirty="0" err="1">
+                <a:latin typeface="Times New Roman"/>
+                <a:ea typeface="+mn-lt"/>
+                <a:cs typeface="+mn-lt"/>
+              </a:rPr>
+              <a:t>tượng</a:t>
+            </a:r>
+            <a:r>
+              <a:rPr lang="en-US" dirty="0">
+                <a:latin typeface="Times New Roman"/>
+                <a:ea typeface="+mn-lt"/>
+                <a:cs typeface="+mn-lt"/>
+              </a:rPr>
+              <a:t> </a:t>
+            </a:r>
+            <a:r>
+              <a:rPr lang="en-US" dirty="0" err="1">
+                <a:latin typeface="Times New Roman"/>
+                <a:ea typeface="+mn-lt"/>
+                <a:cs typeface="+mn-lt"/>
+              </a:rPr>
+              <a:t>địa</a:t>
+            </a:r>
+            <a:r>
+              <a:rPr lang="en-US" dirty="0">
+                <a:latin typeface="Times New Roman"/>
+                <a:ea typeface="+mn-lt"/>
+                <a:cs typeface="+mn-lt"/>
+              </a:rPr>
+              <a:t> </a:t>
+            </a:r>
+            <a:r>
+              <a:rPr lang="en-US" dirty="0" err="1">
+                <a:latin typeface="Times New Roman"/>
+                <a:ea typeface="+mn-lt"/>
+                <a:cs typeface="+mn-lt"/>
+              </a:rPr>
+              <a:t>lý</a:t>
+            </a:r>
+            <a:r>
+              <a:rPr lang="en-US" dirty="0">
+                <a:latin typeface="Times New Roman"/>
+                <a:ea typeface="+mn-lt"/>
+                <a:cs typeface="+mn-lt"/>
+              </a:rPr>
+              <a:t> </a:t>
+            </a:r>
+            <a:r>
+              <a:rPr lang="en-US" dirty="0" err="1">
+                <a:latin typeface="Times New Roman"/>
+                <a:ea typeface="+mn-lt"/>
+                <a:cs typeface="+mn-lt"/>
+              </a:rPr>
+              <a:t>phong</a:t>
+            </a:r>
+            <a:r>
+              <a:rPr lang="en-US" dirty="0">
+                <a:latin typeface="Times New Roman"/>
+                <a:ea typeface="+mn-lt"/>
+                <a:cs typeface="+mn-lt"/>
+              </a:rPr>
+              <a:t> </a:t>
+            </a:r>
+            <a:r>
+              <a:rPr lang="en-US" dirty="0" err="1">
+                <a:latin typeface="Times New Roman"/>
+                <a:ea typeface="+mn-lt"/>
+                <a:cs typeface="+mn-lt"/>
+              </a:rPr>
+              <a:t>cảnh</a:t>
+            </a:r>
+            <a:r>
+              <a:rPr lang="en-US" dirty="0">
+                <a:latin typeface="Times New Roman"/>
+                <a:ea typeface="+mn-lt"/>
+                <a:cs typeface="+mn-lt"/>
+              </a:rPr>
+              <a:t> </a:t>
+            </a:r>
+            <a:r>
+              <a:rPr lang="en-US" dirty="0" err="1">
+                <a:latin typeface="Times New Roman"/>
+                <a:ea typeface="+mn-lt"/>
+                <a:cs typeface="+mn-lt"/>
+              </a:rPr>
+              <a:t>khác</a:t>
+            </a:r>
+            <a:r>
+              <a:rPr lang="en-US" dirty="0" smtClean="0">
+                <a:latin typeface="Times New Roman"/>
+                <a:ea typeface="+mn-lt"/>
+                <a:cs typeface="+mn-lt"/>
+              </a:rPr>
+              <a:t>...</a:t>
+            </a:r>
+          </a:p>
+          <a:p>
+            <a:endParaRPr lang="en-US" dirty="0">
+              <a:latin typeface="Times New Roman"/>
+              <a:ea typeface="+mn-lt"/>
+              <a:cs typeface="+mn-lt"/>
+            </a:endParaRPr>
+          </a:p>
+          <a:p>
+            <a:r>
+              <a:rPr lang="en-US" dirty="0" err="1">
+                <a:latin typeface="Times New Roman"/>
+                <a:ea typeface="+mn-lt"/>
+                <a:cs typeface="+mn-lt"/>
+              </a:rPr>
+              <a:t>Sử</a:t>
+            </a:r>
+            <a:r>
+              <a:rPr lang="en-US" dirty="0">
+                <a:latin typeface="Times New Roman"/>
+                <a:ea typeface="+mn-lt"/>
+                <a:cs typeface="+mn-lt"/>
+              </a:rPr>
+              <a:t> </a:t>
+            </a:r>
+            <a:r>
+              <a:rPr lang="en-US" dirty="0" err="1">
+                <a:latin typeface="Times New Roman"/>
+                <a:ea typeface="+mn-lt"/>
+                <a:cs typeface="+mn-lt"/>
+              </a:rPr>
+              <a:t>dụng</a:t>
+            </a:r>
+            <a:r>
+              <a:rPr lang="en-US" dirty="0">
+                <a:latin typeface="Times New Roman"/>
+                <a:ea typeface="+mn-lt"/>
+                <a:cs typeface="+mn-lt"/>
+              </a:rPr>
+              <a:t> </a:t>
+            </a:r>
+            <a:r>
+              <a:rPr lang="en-US" dirty="0" err="1" smtClean="0">
+                <a:latin typeface="Times New Roman"/>
+                <a:ea typeface="+mn-lt"/>
+                <a:cs typeface="+mn-lt"/>
+              </a:rPr>
+              <a:t>phương</a:t>
+            </a:r>
+            <a:r>
+              <a:rPr lang="en-US" dirty="0" smtClean="0">
+                <a:latin typeface="Times New Roman"/>
+                <a:ea typeface="+mn-lt"/>
+                <a:cs typeface="+mn-lt"/>
+              </a:rPr>
+              <a:t> </a:t>
+            </a:r>
+            <a:r>
+              <a:rPr lang="en-US" dirty="0" err="1">
+                <a:latin typeface="Times New Roman"/>
+                <a:ea typeface="+mn-lt"/>
+                <a:cs typeface="+mn-lt"/>
+              </a:rPr>
+              <a:t>pháp</a:t>
+            </a:r>
+            <a:r>
+              <a:rPr lang="en-US" dirty="0">
+                <a:latin typeface="Times New Roman"/>
+                <a:ea typeface="+mn-lt"/>
+                <a:cs typeface="+mn-lt"/>
+              </a:rPr>
+              <a:t> </a:t>
+            </a:r>
+            <a:r>
+              <a:rPr lang="en-US" dirty="0" err="1">
+                <a:latin typeface="Times New Roman"/>
+                <a:ea typeface="+mn-lt"/>
+                <a:cs typeface="+mn-lt"/>
+              </a:rPr>
+              <a:t>tăng</a:t>
+            </a:r>
+            <a:r>
+              <a:rPr lang="en-US" dirty="0">
+                <a:latin typeface="Times New Roman"/>
+                <a:ea typeface="+mn-lt"/>
+                <a:cs typeface="+mn-lt"/>
+              </a:rPr>
+              <a:t> “</a:t>
+            </a:r>
+            <a:r>
+              <a:rPr lang="en-US" dirty="0" err="1">
+                <a:latin typeface="Times New Roman"/>
+                <a:ea typeface="+mn-lt"/>
+                <a:cs typeface="+mn-lt"/>
+              </a:rPr>
+              <a:t>Độ</a:t>
+            </a:r>
+            <a:r>
+              <a:rPr lang="en-US" dirty="0">
+                <a:latin typeface="Times New Roman"/>
+                <a:ea typeface="+mn-lt"/>
+                <a:cs typeface="+mn-lt"/>
+              </a:rPr>
+              <a:t> </a:t>
+            </a:r>
+            <a:r>
+              <a:rPr lang="en-US" dirty="0" err="1">
+                <a:latin typeface="Times New Roman"/>
+                <a:ea typeface="+mn-lt"/>
+                <a:cs typeface="+mn-lt"/>
+              </a:rPr>
+              <a:t>sáng</a:t>
+            </a:r>
+            <a:r>
+              <a:rPr lang="en-US" dirty="0">
+                <a:latin typeface="Times New Roman"/>
+                <a:ea typeface="+mn-lt"/>
+                <a:cs typeface="+mn-lt"/>
+              </a:rPr>
+              <a:t>” </a:t>
+            </a:r>
+            <a:r>
+              <a:rPr lang="en-US" dirty="0" err="1">
+                <a:latin typeface="Times New Roman"/>
+                <a:ea typeface="+mn-lt"/>
+                <a:cs typeface="+mn-lt"/>
+              </a:rPr>
+              <a:t>của</a:t>
+            </a:r>
+            <a:r>
+              <a:rPr lang="en-US" dirty="0">
+                <a:latin typeface="Times New Roman"/>
+                <a:ea typeface="+mn-lt"/>
+                <a:cs typeface="+mn-lt"/>
+              </a:rPr>
+              <a:t> </a:t>
+            </a:r>
+            <a:r>
+              <a:rPr lang="en-US" dirty="0" smtClean="0">
+                <a:latin typeface="Times New Roman"/>
+                <a:ea typeface="+mn-lt"/>
+                <a:cs typeface="+mn-lt"/>
+              </a:rPr>
+              <a:t>HLS</a:t>
+            </a:r>
+          </a:p>
+          <a:p>
+            <a:pPr marL="0" indent="0">
+              <a:buNone/>
+            </a:pPr>
+            <a:endParaRPr lang="en-US" dirty="0">
+              <a:latin typeface="Times New Roman"/>
+              <a:cs typeface="Calibri"/>
+            </a:endParaRPr>
+          </a:p>
+        </p:txBody>
+      </p:sp>
+    </p:spTree>
+    <p:extLst>
+      <p:ext uri="{BB962C8B-B14F-4D97-AF65-F5344CB8AC3E}">
+        <p14:creationId xmlns:p14="http://schemas.microsoft.com/office/powerpoint/2010/main" val="354028788"/>
+      </p:ext>
+    </p:extLst>
+  </p:cSld>
+  <p:clrMapOvr>
+    <a:masterClrMapping/>
+  </p:clrMapOvr>
+  <p:timing>
+    <p:tnLst>
+      <p:par>
+        <p:cTn id="1" dur="indefinite" restart="never" nodeType="tmRoot"/>
+      </p:par>
+    </p:tnLst>
+  </p:timing>
+</p:sld>
+</file>
+
+<file path=ppt/slides/slide21.xml><?xml version="1.0" encoding="utf-8"?>
+<p:sld xmlns:a="http://schemas.openxmlformats.org/drawingml/2006/main" xmlns:r="http://schemas.openxmlformats.org/officeDocument/2006/relationships" xmlns:p="http://schemas.openxmlformats.org/presentationml/2006/main">
+  <p:cSld>
+    <p:spTree>
+      <p:nvGrpSpPr>
+        <p:cNvPr id="1" name=""/>
+        <p:cNvGrpSpPr/>
+        <p:nvPr/>
+      </p:nvGrpSpPr>
+      <p:grpSpPr>
+        <a:xfrm>
+          <a:off x="0" y="0"/>
+          <a:ext cx="0" cy="0"/>
+          <a:chOff x="0" y="0"/>
+          <a:chExt cx="0" cy="0"/>
+        </a:xfrm>
+      </p:grpSpPr>
+      <p:sp>
+        <p:nvSpPr>
+          <p:cNvPr id="2" name="Title 1">
+            <a:extLst>
+              <a:ext uri="{FF2B5EF4-FFF2-40B4-BE49-F238E27FC236}">
+                <a16:creationId xmlns:a16="http://schemas.microsoft.com/office/drawing/2014/main" id="{57226A29-9D06-4A1F-DA52-4B39E4EA35DD}"/>
+              </a:ext>
+            </a:extLst>
+          </p:cNvPr>
+          <p:cNvSpPr>
+            <a:spLocks noGrp="1"/>
+          </p:cNvSpPr>
+          <p:nvPr>
+            <p:ph type="title"/>
+          </p:nvPr>
+        </p:nvSpPr>
+        <p:spPr/>
+        <p:txBody>
+          <a:bodyPr>
+            <a:normAutofit/>
+          </a:bodyPr>
+          <a:lstStyle/>
+          <a:p>
+            <a:r>
+              <a:rPr lang="en-US" sz="4000" b="1" dirty="0" err="1">
+                <a:latin typeface="Times New Roman"/>
+                <a:cs typeface="Times New Roman"/>
+              </a:rPr>
+              <a:t>Kết</a:t>
+            </a:r>
+            <a:r>
+              <a:rPr lang="en-US" sz="4000" b="1" dirty="0">
+                <a:latin typeface="Times New Roman"/>
+                <a:cs typeface="Times New Roman"/>
+              </a:rPr>
+              <a:t> </a:t>
+            </a:r>
+            <a:r>
+              <a:rPr lang="en-US" sz="4000" b="1" dirty="0" err="1">
+                <a:latin typeface="Times New Roman"/>
+                <a:cs typeface="Times New Roman"/>
+              </a:rPr>
+              <a:t>quả</a:t>
+            </a:r>
+            <a:r>
+              <a:rPr lang="en-US" sz="4000" b="1" dirty="0">
+                <a:latin typeface="Times New Roman"/>
+                <a:cs typeface="Times New Roman"/>
+              </a:rPr>
+              <a:t> </a:t>
+            </a:r>
+            <a:r>
+              <a:rPr lang="en-US" sz="4000" b="1" dirty="0" err="1">
+                <a:latin typeface="Times New Roman"/>
+                <a:cs typeface="Times New Roman"/>
+              </a:rPr>
+              <a:t>bộ</a:t>
+            </a:r>
+            <a:r>
+              <a:rPr lang="en-US" sz="4000" b="1" dirty="0">
+                <a:latin typeface="Times New Roman"/>
+                <a:cs typeface="Times New Roman"/>
+              </a:rPr>
+              <a:t> </a:t>
+            </a:r>
+            <a:r>
+              <a:rPr lang="en-US" sz="4000" b="1" dirty="0" err="1">
+                <a:latin typeface="Times New Roman"/>
+                <a:cs typeface="Times New Roman"/>
+              </a:rPr>
+              <a:t>lọc</a:t>
+            </a:r>
+            <a:r>
+              <a:rPr lang="en-US" sz="4000" b="1" dirty="0">
+                <a:latin typeface="Times New Roman"/>
+                <a:cs typeface="Times New Roman"/>
+              </a:rPr>
+              <a:t> </a:t>
+            </a:r>
+            <a:r>
+              <a:rPr lang="en-US" sz="4000" b="1" dirty="0" err="1">
+                <a:latin typeface="Times New Roman"/>
+                <a:cs typeface="Times New Roman"/>
+              </a:rPr>
+              <a:t>hiệu</a:t>
+            </a:r>
+            <a:r>
+              <a:rPr lang="en-US" sz="4000" b="1" dirty="0">
+                <a:latin typeface="Times New Roman"/>
+                <a:cs typeface="Times New Roman"/>
+              </a:rPr>
+              <a:t> </a:t>
+            </a:r>
+            <a:r>
+              <a:rPr lang="en-US" sz="4000" b="1" dirty="0" err="1">
+                <a:latin typeface="Times New Roman"/>
+                <a:cs typeface="Times New Roman"/>
+              </a:rPr>
+              <a:t>ứng</a:t>
+            </a:r>
+            <a:r>
+              <a:rPr lang="en-US" sz="4000" b="1" dirty="0">
+                <a:latin typeface="Times New Roman"/>
+                <a:cs typeface="Times New Roman"/>
+              </a:rPr>
+              <a:t> </a:t>
+            </a:r>
+            <a:r>
+              <a:rPr lang="en-US" sz="4000" b="1" dirty="0" err="1">
+                <a:latin typeface="Times New Roman"/>
+                <a:cs typeface="Times New Roman"/>
+              </a:rPr>
+              <a:t>mùa</a:t>
+            </a:r>
+            <a:r>
+              <a:rPr lang="en-US" sz="4000" b="1" dirty="0">
+                <a:latin typeface="Times New Roman"/>
+                <a:cs typeface="Times New Roman"/>
+              </a:rPr>
+              <a:t> </a:t>
+            </a:r>
+            <a:r>
+              <a:rPr lang="en-US" sz="4000" b="1" dirty="0" err="1">
+                <a:latin typeface="Times New Roman"/>
+                <a:cs typeface="Times New Roman"/>
+              </a:rPr>
+              <a:t>đông</a:t>
+            </a:r>
+            <a:endParaRPr lang="en-US" sz="4000" b="1" dirty="0" err="1">
+              <a:latin typeface="Times New Roman" panose="02020603050405020304" pitchFamily="18" charset="0"/>
+              <a:cs typeface="Times New Roman" panose="02020603050405020304" pitchFamily="18" charset="0"/>
+            </a:endParaRPr>
+          </a:p>
+        </p:txBody>
+      </p:sp>
+      <p:pic>
+        <p:nvPicPr>
+          <p:cNvPr id="4" name="Content Placeholder 3"/>
+          <p:cNvPicPr>
+            <a:picLocks noGrp="1" noChangeAspect="1"/>
+          </p:cNvPicPr>
+          <p:nvPr>
+            <p:ph idx="1"/>
+          </p:nvPr>
+        </p:nvPicPr>
+        <p:blipFill>
+          <a:blip r:embed="rId2"/>
+          <a:stretch>
+            <a:fillRect/>
+          </a:stretch>
+        </p:blipFill>
+        <p:spPr>
+          <a:xfrm>
+            <a:off x="1165064" y="1539859"/>
+            <a:ext cx="9861871" cy="3437493"/>
+          </a:xfrm>
+          <a:prstGeom prst="rect">
+            <a:avLst/>
+          </a:prstGeom>
+        </p:spPr>
+      </p:pic>
+      <p:sp>
+        <p:nvSpPr>
+          <p:cNvPr id="5" name="TextBox 4"/>
+          <p:cNvSpPr txBox="1"/>
+          <p:nvPr/>
+        </p:nvSpPr>
+        <p:spPr>
+          <a:xfrm>
+            <a:off x="3289955" y="5213023"/>
+            <a:ext cx="1131216" cy="400110"/>
+          </a:xfrm>
+          <a:prstGeom prst="rect">
+            <a:avLst/>
+          </a:prstGeom>
+          <a:noFill/>
+        </p:spPr>
+        <p:txBody>
+          <a:bodyPr wrap="square" rtlCol="0">
+            <a:spAutoFit/>
+          </a:bodyPr>
+          <a:lstStyle/>
+          <a:p>
+            <a:r>
+              <a:rPr lang="en-US" sz="2000" b="1" dirty="0" err="1" smtClean="0">
+                <a:latin typeface="Times New Roman" panose="02020603050405020304" pitchFamily="18" charset="0"/>
+                <a:cs typeface="Times New Roman" panose="02020603050405020304" pitchFamily="18" charset="0"/>
+              </a:rPr>
+              <a:t>Ảnh</a:t>
+            </a:r>
+            <a:r>
+              <a:rPr lang="en-US" sz="2000" b="1" dirty="0" smtClean="0">
+                <a:latin typeface="Times New Roman" panose="02020603050405020304" pitchFamily="18" charset="0"/>
+                <a:cs typeface="Times New Roman" panose="02020603050405020304" pitchFamily="18" charset="0"/>
+              </a:rPr>
+              <a:t> </a:t>
+            </a:r>
+            <a:r>
+              <a:rPr lang="en-US" sz="2000" b="1" dirty="0" err="1" smtClean="0">
+                <a:latin typeface="Times New Roman" panose="02020603050405020304" pitchFamily="18" charset="0"/>
+                <a:cs typeface="Times New Roman" panose="02020603050405020304" pitchFamily="18" charset="0"/>
+              </a:rPr>
+              <a:t>gốc</a:t>
+            </a:r>
+            <a:endParaRPr lang="en-US" sz="2000" b="1" dirty="0">
+              <a:latin typeface="Times New Roman" panose="02020603050405020304" pitchFamily="18" charset="0"/>
+              <a:cs typeface="Times New Roman" panose="02020603050405020304" pitchFamily="18" charset="0"/>
+            </a:endParaRPr>
+          </a:p>
+        </p:txBody>
+      </p:sp>
+      <p:sp>
+        <p:nvSpPr>
+          <p:cNvPr id="6" name="TextBox 5"/>
+          <p:cNvSpPr txBox="1"/>
+          <p:nvPr/>
+        </p:nvSpPr>
+        <p:spPr>
+          <a:xfrm>
+            <a:off x="6768446" y="5213023"/>
+            <a:ext cx="4355184" cy="400110"/>
+          </a:xfrm>
+          <a:prstGeom prst="rect">
+            <a:avLst/>
+          </a:prstGeom>
+          <a:noFill/>
+        </p:spPr>
+        <p:txBody>
+          <a:bodyPr wrap="square" rtlCol="0">
+            <a:spAutoFit/>
+          </a:bodyPr>
+          <a:lstStyle/>
+          <a:p>
+            <a:r>
+              <a:rPr lang="en-US" sz="2000" b="1" dirty="0" err="1" smtClean="0">
+                <a:latin typeface="Times New Roman" panose="02020603050405020304" pitchFamily="18" charset="0"/>
+                <a:cs typeface="Times New Roman" panose="02020603050405020304" pitchFamily="18" charset="0"/>
+              </a:rPr>
+              <a:t>Ảnh</a:t>
+            </a:r>
+            <a:r>
+              <a:rPr lang="en-US" sz="2000" b="1" dirty="0" smtClean="0">
+                <a:latin typeface="Times New Roman" panose="02020603050405020304" pitchFamily="18" charset="0"/>
+                <a:cs typeface="Times New Roman" panose="02020603050405020304" pitchFamily="18" charset="0"/>
+              </a:rPr>
+              <a:t> </a:t>
+            </a:r>
+            <a:r>
+              <a:rPr lang="en-US" sz="2000" b="1" dirty="0" err="1" smtClean="0">
+                <a:latin typeface="Times New Roman" panose="02020603050405020304" pitchFamily="18" charset="0"/>
+                <a:cs typeface="Times New Roman" panose="02020603050405020304" pitchFamily="18" charset="0"/>
+              </a:rPr>
+              <a:t>sau</a:t>
+            </a:r>
+            <a:r>
+              <a:rPr lang="en-US" sz="2000" b="1" dirty="0" smtClean="0">
+                <a:latin typeface="Times New Roman" panose="02020603050405020304" pitchFamily="18" charset="0"/>
+                <a:cs typeface="Times New Roman" panose="02020603050405020304" pitchFamily="18" charset="0"/>
+              </a:rPr>
+              <a:t> </a:t>
+            </a:r>
+            <a:r>
+              <a:rPr lang="en-US" sz="2000" b="1" dirty="0" err="1" smtClean="0">
+                <a:latin typeface="Times New Roman" panose="02020603050405020304" pitchFamily="18" charset="0"/>
+                <a:cs typeface="Times New Roman" panose="02020603050405020304" pitchFamily="18" charset="0"/>
+              </a:rPr>
+              <a:t>khi</a:t>
+            </a:r>
+            <a:r>
+              <a:rPr lang="en-US" sz="2000" b="1" dirty="0" smtClean="0">
+                <a:latin typeface="Times New Roman" panose="02020603050405020304" pitchFamily="18" charset="0"/>
+                <a:cs typeface="Times New Roman" panose="02020603050405020304" pitchFamily="18" charset="0"/>
+              </a:rPr>
+              <a:t> qua </a:t>
+            </a:r>
+            <a:r>
+              <a:rPr lang="en-US" sz="2000" b="1" dirty="0" err="1" smtClean="0">
+                <a:latin typeface="Times New Roman" panose="02020603050405020304" pitchFamily="18" charset="0"/>
+                <a:cs typeface="Times New Roman" panose="02020603050405020304" pitchFamily="18" charset="0"/>
+              </a:rPr>
+              <a:t>bộ</a:t>
+            </a:r>
+            <a:r>
+              <a:rPr lang="en-US" sz="2000" b="1" dirty="0" smtClean="0">
+                <a:latin typeface="Times New Roman" panose="02020603050405020304" pitchFamily="18" charset="0"/>
+                <a:cs typeface="Times New Roman" panose="02020603050405020304" pitchFamily="18" charset="0"/>
+              </a:rPr>
+              <a:t> </a:t>
+            </a:r>
+            <a:r>
+              <a:rPr lang="en-US" sz="2000" b="1" dirty="0" err="1" smtClean="0">
+                <a:latin typeface="Times New Roman" panose="02020603050405020304" pitchFamily="18" charset="0"/>
+                <a:cs typeface="Times New Roman" panose="02020603050405020304" pitchFamily="18" charset="0"/>
+              </a:rPr>
+              <a:t>lọc</a:t>
+            </a:r>
+            <a:r>
+              <a:rPr lang="en-US" sz="2000" b="1" dirty="0" smtClean="0">
+                <a:latin typeface="Times New Roman" panose="02020603050405020304" pitchFamily="18" charset="0"/>
+                <a:cs typeface="Times New Roman" panose="02020603050405020304" pitchFamily="18" charset="0"/>
+              </a:rPr>
+              <a:t> </a:t>
+            </a:r>
+            <a:r>
+              <a:rPr lang="en-US" sz="2000" b="1" dirty="0" err="1" smtClean="0">
+                <a:latin typeface="Times New Roman" panose="02020603050405020304" pitchFamily="18" charset="0"/>
+                <a:cs typeface="Times New Roman" panose="02020603050405020304" pitchFamily="18" charset="0"/>
+              </a:rPr>
+              <a:t>SnowFilter</a:t>
+            </a:r>
+            <a:endParaRPr lang="en-US" sz="2000" b="1" dirty="0">
+              <a:latin typeface="Times New Roman" panose="02020603050405020304" pitchFamily="18" charset="0"/>
+              <a:cs typeface="Times New Roman" panose="02020603050405020304" pitchFamily="18" charset="0"/>
+            </a:endParaRPr>
+          </a:p>
+        </p:txBody>
+      </p:sp>
+    </p:spTree>
+    <p:extLst>
+      <p:ext uri="{BB962C8B-B14F-4D97-AF65-F5344CB8AC3E}">
+        <p14:creationId xmlns:p14="http://schemas.microsoft.com/office/powerpoint/2010/main" val="21544828"/>
+      </p:ext>
+    </p:extLst>
+  </p:cSld>
+  <p:clrMapOvr>
+    <a:masterClrMapping/>
+  </p:clrMapOvr>
+  <p:timing>
+    <p:tnLst>
+      <p:par>
+        <p:cTn id="1" dur="indefinite" restart="never" nodeType="tmRoot"/>
+      </p:par>
+    </p:tnLst>
+  </p:timing>
+</p:sld>
+</file>
+
+<file path=ppt/slides/slide22.xml><?xml version="1.0" encoding="utf-8"?>
+<p:sld xmlns:a="http://schemas.openxmlformats.org/drawingml/2006/main" xmlns:r="http://schemas.openxmlformats.org/officeDocument/2006/relationships" xmlns:p="http://schemas.openxmlformats.org/presentationml/2006/main">
+  <p:cSld>
+    <p:spTree>
+      <p:nvGrpSpPr>
+        <p:cNvPr id="1" name=""/>
+        <p:cNvGrpSpPr/>
+        <p:nvPr/>
+      </p:nvGrpSpPr>
+      <p:grpSpPr>
+        <a:xfrm>
+          <a:off x="0" y="0"/>
+          <a:ext cx="0" cy="0"/>
+          <a:chOff x="0" y="0"/>
+          <a:chExt cx="0" cy="0"/>
+        </a:xfrm>
+      </p:grpSpPr>
+      <p:sp>
+        <p:nvSpPr>
+          <p:cNvPr id="2" name="Title 1">
+            <a:extLst>
+              <a:ext uri="{FF2B5EF4-FFF2-40B4-BE49-F238E27FC236}">
+                <a16:creationId xmlns:a16="http://schemas.microsoft.com/office/drawing/2014/main" id="{A0517EDD-51CE-B93E-5520-DF1EC65EDBC9}"/>
+              </a:ext>
+            </a:extLst>
+          </p:cNvPr>
+          <p:cNvSpPr>
+            <a:spLocks noGrp="1"/>
+          </p:cNvSpPr>
+          <p:nvPr>
+            <p:ph type="title"/>
+          </p:nvPr>
+        </p:nvSpPr>
+        <p:spPr>
+          <a:xfrm>
+            <a:off x="838200" y="365125"/>
+            <a:ext cx="10515600" cy="714082"/>
+          </a:xfrm>
+        </p:spPr>
+        <p:txBody>
+          <a:bodyPr/>
+          <a:lstStyle/>
+          <a:p>
+            <a:pPr algn="ctr"/>
+            <a:r>
+              <a:rPr lang="en-US" sz="4000" b="1" dirty="0">
+                <a:latin typeface="Times New Roman"/>
+                <a:cs typeface="Calibri Light"/>
+              </a:rPr>
+              <a:t>10. </a:t>
+            </a:r>
+            <a:r>
+              <a:rPr lang="en-US" sz="4000" b="1" dirty="0" err="1">
+                <a:latin typeface="Times New Roman"/>
+                <a:cs typeface="Calibri Light"/>
+              </a:rPr>
+              <a:t>Bộ</a:t>
+            </a:r>
+            <a:r>
+              <a:rPr lang="en-US" sz="4000" b="1" dirty="0">
+                <a:latin typeface="Times New Roman"/>
+                <a:cs typeface="Calibri Light"/>
+              </a:rPr>
+              <a:t> </a:t>
+            </a:r>
+            <a:r>
+              <a:rPr lang="en-US" sz="4000" b="1" dirty="0" err="1">
+                <a:latin typeface="Times New Roman"/>
+                <a:cs typeface="Calibri Light"/>
+              </a:rPr>
+              <a:t>lọc</a:t>
+            </a:r>
+            <a:r>
+              <a:rPr lang="en-US" sz="4000" b="1" dirty="0">
+                <a:latin typeface="Times New Roman"/>
+                <a:cs typeface="Calibri Light"/>
+              </a:rPr>
+              <a:t> DFT</a:t>
+            </a:r>
+            <a:endParaRPr lang="en-US" sz="4000" b="1" dirty="0">
+              <a:latin typeface="Times New Roman"/>
+              <a:cs typeface="Times New Roman"/>
+            </a:endParaRPr>
+          </a:p>
+        </p:txBody>
+      </p:sp>
+      <p:sp>
+        <p:nvSpPr>
+          <p:cNvPr id="3" name="Content Placeholder 2">
+            <a:extLst>
+              <a:ext uri="{FF2B5EF4-FFF2-40B4-BE49-F238E27FC236}">
+                <a16:creationId xmlns:a16="http://schemas.microsoft.com/office/drawing/2014/main" id="{9C79840E-205D-2757-8359-CE0E2EFD7F83}"/>
+              </a:ext>
+            </a:extLst>
+          </p:cNvPr>
+          <p:cNvSpPr>
+            <a:spLocks noGrp="1"/>
+          </p:cNvSpPr>
+          <p:nvPr>
+            <p:ph idx="1"/>
+          </p:nvPr>
+        </p:nvSpPr>
+        <p:spPr>
+          <a:xfrm>
+            <a:off x="838200" y="1204872"/>
+            <a:ext cx="11049000" cy="4972091"/>
+          </a:xfrm>
+        </p:spPr>
+        <p:txBody>
+          <a:bodyPr vert="horz" lIns="91440" tIns="45720" rIns="91440" bIns="45720" rtlCol="0" anchor="t">
+            <a:normAutofit fontScale="92500" lnSpcReduction="10000"/>
+          </a:bodyPr>
+          <a:lstStyle/>
+          <a:p>
+            <a:r>
+              <a:rPr lang="en-US" dirty="0">
+                <a:latin typeface="Times New Roman"/>
+                <a:ea typeface="+mn-lt"/>
+                <a:cs typeface="+mn-lt"/>
+              </a:rPr>
+              <a:t>  </a:t>
+            </a:r>
+            <a:r>
+              <a:rPr lang="en-US" dirty="0" err="1">
+                <a:latin typeface="Times New Roman"/>
+                <a:ea typeface="+mn-lt"/>
+                <a:cs typeface="+mn-lt"/>
+              </a:rPr>
+              <a:t>Sử</a:t>
+            </a:r>
+            <a:r>
+              <a:rPr lang="en-US" dirty="0">
+                <a:latin typeface="Times New Roman"/>
+                <a:ea typeface="+mn-lt"/>
+                <a:cs typeface="+mn-lt"/>
+              </a:rPr>
+              <a:t> </a:t>
+            </a:r>
+            <a:r>
+              <a:rPr lang="en-US" dirty="0" err="1">
+                <a:latin typeface="Times New Roman"/>
+                <a:ea typeface="+mn-lt"/>
+                <a:cs typeface="+mn-lt"/>
+              </a:rPr>
+              <a:t>dụng</a:t>
+            </a:r>
+            <a:r>
+              <a:rPr lang="en-US" dirty="0">
+                <a:latin typeface="Times New Roman"/>
+                <a:ea typeface="+mn-lt"/>
+                <a:cs typeface="+mn-lt"/>
+              </a:rPr>
+              <a:t> </a:t>
+            </a:r>
+            <a:r>
+              <a:rPr lang="en-US" dirty="0" err="1">
+                <a:latin typeface="Times New Roman"/>
+                <a:ea typeface="+mn-lt"/>
+                <a:cs typeface="+mn-lt"/>
+              </a:rPr>
+              <a:t>để</a:t>
+            </a:r>
+            <a:r>
+              <a:rPr lang="en-US" dirty="0">
+                <a:latin typeface="Times New Roman"/>
+                <a:ea typeface="+mn-lt"/>
+                <a:cs typeface="+mn-lt"/>
+              </a:rPr>
+              <a:t> </a:t>
+            </a:r>
+            <a:r>
+              <a:rPr lang="en-US" dirty="0" err="1">
+                <a:latin typeface="Times New Roman"/>
+                <a:ea typeface="+mn-lt"/>
+                <a:cs typeface="+mn-lt"/>
+              </a:rPr>
+              <a:t>phân</a:t>
+            </a:r>
+            <a:r>
+              <a:rPr lang="en-US" dirty="0">
+                <a:latin typeface="Times New Roman"/>
+                <a:ea typeface="+mn-lt"/>
+                <a:cs typeface="+mn-lt"/>
+              </a:rPr>
+              <a:t> </a:t>
+            </a:r>
+            <a:r>
+              <a:rPr lang="en-US" dirty="0" err="1">
+                <a:latin typeface="Times New Roman"/>
+                <a:ea typeface="+mn-lt"/>
+                <a:cs typeface="+mn-lt"/>
+              </a:rPr>
+              <a:t>rã</a:t>
+            </a:r>
+            <a:r>
+              <a:rPr lang="en-US" dirty="0">
+                <a:latin typeface="Times New Roman"/>
+                <a:ea typeface="+mn-lt"/>
+                <a:cs typeface="+mn-lt"/>
+              </a:rPr>
+              <a:t> </a:t>
+            </a:r>
+            <a:r>
+              <a:rPr lang="en-US" dirty="0" err="1">
+                <a:latin typeface="Times New Roman"/>
+                <a:ea typeface="+mn-lt"/>
+                <a:cs typeface="+mn-lt"/>
+              </a:rPr>
+              <a:t>hình</a:t>
+            </a:r>
+            <a:r>
+              <a:rPr lang="en-US" dirty="0">
+                <a:latin typeface="Times New Roman"/>
+                <a:ea typeface="+mn-lt"/>
+                <a:cs typeface="+mn-lt"/>
+              </a:rPr>
+              <a:t> </a:t>
+            </a:r>
+            <a:r>
+              <a:rPr lang="en-US" dirty="0" err="1">
+                <a:latin typeface="Times New Roman"/>
+                <a:ea typeface="+mn-lt"/>
+                <a:cs typeface="+mn-lt"/>
+              </a:rPr>
+              <a:t>ảnh</a:t>
+            </a:r>
+            <a:r>
+              <a:rPr lang="en-US" dirty="0">
+                <a:latin typeface="Times New Roman"/>
+                <a:ea typeface="+mn-lt"/>
+                <a:cs typeface="+mn-lt"/>
+              </a:rPr>
+              <a:t> </a:t>
+            </a:r>
+            <a:r>
+              <a:rPr lang="en-US" dirty="0" err="1">
+                <a:latin typeface="Times New Roman"/>
+                <a:ea typeface="+mn-lt"/>
+                <a:cs typeface="+mn-lt"/>
+              </a:rPr>
+              <a:t>thành</a:t>
+            </a:r>
+            <a:r>
+              <a:rPr lang="en-US" dirty="0">
+                <a:latin typeface="Times New Roman"/>
+                <a:ea typeface="+mn-lt"/>
+                <a:cs typeface="+mn-lt"/>
+              </a:rPr>
+              <a:t> </a:t>
+            </a:r>
+            <a:r>
+              <a:rPr lang="en-US" dirty="0" err="1">
+                <a:latin typeface="Times New Roman"/>
+                <a:ea typeface="+mn-lt"/>
+                <a:cs typeface="+mn-lt"/>
+              </a:rPr>
+              <a:t>các</a:t>
+            </a:r>
+            <a:r>
+              <a:rPr lang="en-US" dirty="0">
+                <a:latin typeface="Times New Roman"/>
+                <a:ea typeface="+mn-lt"/>
+                <a:cs typeface="+mn-lt"/>
+              </a:rPr>
+              <a:t> </a:t>
+            </a:r>
+            <a:r>
+              <a:rPr lang="en-US" dirty="0" err="1">
+                <a:latin typeface="Times New Roman"/>
+                <a:ea typeface="+mn-lt"/>
+                <a:cs typeface="+mn-lt"/>
+              </a:rPr>
+              <a:t>thành</a:t>
+            </a:r>
+            <a:r>
+              <a:rPr lang="en-US" dirty="0">
+                <a:latin typeface="Times New Roman"/>
+                <a:ea typeface="+mn-lt"/>
+                <a:cs typeface="+mn-lt"/>
+              </a:rPr>
+              <a:t> </a:t>
+            </a:r>
+            <a:r>
+              <a:rPr lang="en-US" dirty="0" err="1">
+                <a:latin typeface="Times New Roman"/>
+                <a:ea typeface="+mn-lt"/>
+                <a:cs typeface="+mn-lt"/>
+              </a:rPr>
+              <a:t>phần</a:t>
+            </a:r>
+            <a:r>
+              <a:rPr lang="en-US" dirty="0">
+                <a:latin typeface="Times New Roman"/>
+                <a:ea typeface="+mn-lt"/>
+                <a:cs typeface="+mn-lt"/>
+              </a:rPr>
+              <a:t> sin </a:t>
+            </a:r>
+            <a:r>
+              <a:rPr lang="en-US" dirty="0" err="1">
+                <a:latin typeface="Times New Roman"/>
+                <a:ea typeface="+mn-lt"/>
+                <a:cs typeface="+mn-lt"/>
+              </a:rPr>
+              <a:t>và</a:t>
+            </a:r>
+            <a:r>
+              <a:rPr lang="en-US" dirty="0">
+                <a:latin typeface="Times New Roman"/>
+                <a:ea typeface="+mn-lt"/>
+                <a:cs typeface="+mn-lt"/>
+              </a:rPr>
+              <a:t> cos </a:t>
+            </a:r>
+            <a:r>
+              <a:rPr lang="en-US" dirty="0" err="1">
+                <a:latin typeface="Times New Roman"/>
+                <a:ea typeface="+mn-lt"/>
+                <a:cs typeface="+mn-lt"/>
+              </a:rPr>
+              <a:t>của</a:t>
+            </a:r>
+            <a:endParaRPr lang="en-US" dirty="0">
+              <a:latin typeface="Times New Roman"/>
+              <a:cs typeface="Times New Roman"/>
+            </a:endParaRPr>
+          </a:p>
+          <a:p>
+            <a:pPr marL="0" indent="0">
+              <a:buNone/>
+            </a:pPr>
+            <a:r>
+              <a:rPr lang="en-US" dirty="0" err="1">
+                <a:latin typeface="Times New Roman"/>
+                <a:ea typeface="+mn-lt"/>
+                <a:cs typeface="+mn-lt"/>
+              </a:rPr>
+              <a:t>nó</a:t>
+            </a:r>
+            <a:r>
+              <a:rPr lang="en-US" dirty="0">
+                <a:latin typeface="Times New Roman"/>
+                <a:ea typeface="+mn-lt"/>
+                <a:cs typeface="+mn-lt"/>
+              </a:rPr>
+              <a:t>. </a:t>
+            </a:r>
+            <a:endParaRPr lang="en-US" dirty="0">
+              <a:latin typeface="Times New Roman"/>
+              <a:cs typeface="Calibri" panose="020F0502020204030204"/>
+            </a:endParaRPr>
+          </a:p>
+          <a:p>
+            <a:r>
+              <a:rPr lang="en-US" dirty="0">
+                <a:latin typeface="Times New Roman"/>
+                <a:ea typeface="+mn-lt"/>
+                <a:cs typeface="+mn-lt"/>
+              </a:rPr>
+              <a:t>  </a:t>
+            </a:r>
+            <a:r>
+              <a:rPr lang="en-US" dirty="0" err="1">
+                <a:latin typeface="Times New Roman"/>
+                <a:ea typeface="+mn-lt"/>
+                <a:cs typeface="+mn-lt"/>
+              </a:rPr>
+              <a:t>Đầu</a:t>
+            </a:r>
+            <a:r>
+              <a:rPr lang="en-US" dirty="0">
+                <a:latin typeface="Times New Roman"/>
+                <a:ea typeface="+mn-lt"/>
+                <a:cs typeface="+mn-lt"/>
+              </a:rPr>
+              <a:t> </a:t>
+            </a:r>
+            <a:r>
+              <a:rPr lang="en-US" dirty="0" err="1">
+                <a:latin typeface="Times New Roman"/>
+                <a:ea typeface="+mn-lt"/>
+                <a:cs typeface="+mn-lt"/>
+              </a:rPr>
+              <a:t>vào</a:t>
+            </a:r>
+            <a:r>
+              <a:rPr lang="en-US" dirty="0">
+                <a:latin typeface="Times New Roman"/>
+                <a:ea typeface="+mn-lt"/>
+                <a:cs typeface="+mn-lt"/>
+              </a:rPr>
+              <a:t> </a:t>
+            </a:r>
+            <a:r>
+              <a:rPr lang="en-US" dirty="0" err="1">
+                <a:latin typeface="Times New Roman"/>
+                <a:ea typeface="+mn-lt"/>
+                <a:cs typeface="+mn-lt"/>
+              </a:rPr>
+              <a:t>ảnh</a:t>
+            </a:r>
+            <a:r>
+              <a:rPr lang="en-US" dirty="0">
+                <a:latin typeface="Times New Roman"/>
+                <a:ea typeface="+mn-lt"/>
+                <a:cs typeface="+mn-lt"/>
+              </a:rPr>
+              <a:t> </a:t>
+            </a:r>
+            <a:r>
+              <a:rPr lang="en-US" dirty="0" err="1">
+                <a:latin typeface="Times New Roman"/>
+                <a:ea typeface="+mn-lt"/>
+                <a:cs typeface="+mn-lt"/>
+              </a:rPr>
+              <a:t>miền</a:t>
+            </a:r>
+            <a:r>
+              <a:rPr lang="en-US" dirty="0">
+                <a:latin typeface="Times New Roman"/>
+                <a:ea typeface="+mn-lt"/>
+                <a:cs typeface="+mn-lt"/>
+              </a:rPr>
+              <a:t> </a:t>
+            </a:r>
+            <a:r>
+              <a:rPr lang="en-US" dirty="0" err="1">
+                <a:latin typeface="Times New Roman"/>
+                <a:ea typeface="+mn-lt"/>
+                <a:cs typeface="+mn-lt"/>
+              </a:rPr>
+              <a:t>không</a:t>
+            </a:r>
+            <a:r>
+              <a:rPr lang="en-US" dirty="0">
+                <a:latin typeface="Times New Roman"/>
+                <a:ea typeface="+mn-lt"/>
+                <a:cs typeface="+mn-lt"/>
+              </a:rPr>
+              <a:t> </a:t>
+            </a:r>
+            <a:r>
+              <a:rPr lang="en-US" dirty="0" err="1">
+                <a:latin typeface="Times New Roman"/>
+                <a:ea typeface="+mn-lt"/>
+                <a:cs typeface="+mn-lt"/>
+              </a:rPr>
+              <a:t>gian</a:t>
+            </a:r>
+            <a:r>
+              <a:rPr lang="en-US" dirty="0">
+                <a:latin typeface="Times New Roman"/>
+                <a:ea typeface="+mn-lt"/>
+                <a:cs typeface="+mn-lt"/>
+              </a:rPr>
+              <a:t> .</a:t>
+            </a:r>
+          </a:p>
+          <a:p>
+            <a:pPr marL="0" indent="0">
+              <a:buNone/>
+            </a:pPr>
+            <a:r>
+              <a:rPr lang="en-US" dirty="0">
+                <a:latin typeface="Times New Roman"/>
+                <a:ea typeface="+mn-lt"/>
+                <a:cs typeface="+mn-lt"/>
+              </a:rPr>
+              <a:t>     </a:t>
+            </a:r>
+            <a:r>
+              <a:rPr lang="en-US" dirty="0" err="1">
+                <a:latin typeface="Times New Roman"/>
+                <a:ea typeface="+mn-lt"/>
+                <a:cs typeface="+mn-lt"/>
+              </a:rPr>
+              <a:t>Đầu</a:t>
+            </a:r>
+            <a:r>
+              <a:rPr lang="en-US" dirty="0">
+                <a:latin typeface="Times New Roman"/>
+                <a:ea typeface="+mn-lt"/>
+                <a:cs typeface="+mn-lt"/>
+              </a:rPr>
+              <a:t> </a:t>
+            </a:r>
+            <a:r>
+              <a:rPr lang="en-US" dirty="0" err="1">
+                <a:latin typeface="Times New Roman"/>
+                <a:ea typeface="+mn-lt"/>
+                <a:cs typeface="+mn-lt"/>
+              </a:rPr>
+              <a:t>ra</a:t>
+            </a:r>
+            <a:r>
+              <a:rPr lang="en-US" dirty="0">
+                <a:latin typeface="Times New Roman"/>
+                <a:ea typeface="+mn-lt"/>
+                <a:cs typeface="+mn-lt"/>
+              </a:rPr>
+              <a:t> </a:t>
+            </a:r>
+            <a:r>
+              <a:rPr lang="en-US" dirty="0" err="1">
+                <a:latin typeface="Times New Roman"/>
+                <a:ea typeface="+mn-lt"/>
+                <a:cs typeface="+mn-lt"/>
+              </a:rPr>
+              <a:t>ảnh</a:t>
+            </a:r>
+            <a:r>
+              <a:rPr lang="en-US" dirty="0">
+                <a:latin typeface="Times New Roman"/>
+                <a:ea typeface="+mn-lt"/>
+                <a:cs typeface="+mn-lt"/>
+              </a:rPr>
+              <a:t> </a:t>
+            </a:r>
+            <a:r>
+              <a:rPr lang="en-US" dirty="0" err="1">
+                <a:latin typeface="Times New Roman"/>
+                <a:ea typeface="+mn-lt"/>
+                <a:cs typeface="+mn-lt"/>
+              </a:rPr>
+              <a:t>miền</a:t>
+            </a:r>
+            <a:r>
+              <a:rPr lang="en-US" dirty="0">
+                <a:latin typeface="Times New Roman"/>
+                <a:ea typeface="+mn-lt"/>
+                <a:cs typeface="+mn-lt"/>
+              </a:rPr>
+              <a:t> Fourier </a:t>
+            </a:r>
+            <a:r>
+              <a:rPr lang="en-US" dirty="0" err="1">
+                <a:latin typeface="Times New Roman"/>
+                <a:ea typeface="+mn-lt"/>
+                <a:cs typeface="+mn-lt"/>
+              </a:rPr>
+              <a:t>hoặc</a:t>
+            </a:r>
+            <a:r>
+              <a:rPr lang="en-US" dirty="0">
+                <a:latin typeface="Times New Roman"/>
+                <a:ea typeface="+mn-lt"/>
+                <a:cs typeface="+mn-lt"/>
+              </a:rPr>
+              <a:t> </a:t>
+            </a:r>
+            <a:r>
+              <a:rPr lang="en-US" dirty="0" err="1">
+                <a:latin typeface="Times New Roman"/>
+                <a:ea typeface="+mn-lt"/>
+                <a:cs typeface="+mn-lt"/>
+              </a:rPr>
+              <a:t>miền</a:t>
+            </a:r>
+            <a:r>
+              <a:rPr lang="en-US" dirty="0">
+                <a:latin typeface="Times New Roman"/>
+                <a:ea typeface="+mn-lt"/>
+                <a:cs typeface="+mn-lt"/>
+              </a:rPr>
+              <a:t> </a:t>
+            </a:r>
+            <a:r>
+              <a:rPr lang="en-US" dirty="0" err="1">
+                <a:latin typeface="Times New Roman"/>
+                <a:ea typeface="+mn-lt"/>
+                <a:cs typeface="+mn-lt"/>
+              </a:rPr>
+              <a:t>tần</a:t>
+            </a:r>
+            <a:r>
+              <a:rPr lang="en-US" dirty="0">
+                <a:latin typeface="Times New Roman"/>
+                <a:ea typeface="+mn-lt"/>
+                <a:cs typeface="+mn-lt"/>
+              </a:rPr>
+              <a:t> </a:t>
+            </a:r>
+            <a:r>
+              <a:rPr lang="en-US" dirty="0" err="1">
+                <a:latin typeface="Times New Roman"/>
+                <a:ea typeface="+mn-lt"/>
+                <a:cs typeface="+mn-lt"/>
+              </a:rPr>
+              <a:t>số</a:t>
+            </a:r>
+            <a:r>
+              <a:rPr lang="en-US" dirty="0">
+                <a:latin typeface="Times New Roman"/>
+                <a:ea typeface="+mn-lt"/>
+                <a:cs typeface="+mn-lt"/>
+              </a:rPr>
+              <a:t>.</a:t>
+            </a:r>
+          </a:p>
+          <a:p>
+            <a:pPr marL="0" indent="0">
+              <a:buNone/>
+            </a:pPr>
+            <a:r>
+              <a:rPr lang="en-US" dirty="0">
+                <a:latin typeface="Times New Roman"/>
+                <a:ea typeface="+mn-lt"/>
+                <a:cs typeface="+mn-lt"/>
+              </a:rPr>
+              <a:t>     Công </a:t>
+            </a:r>
+            <a:r>
+              <a:rPr lang="en-US" dirty="0" err="1">
+                <a:latin typeface="Times New Roman"/>
+                <a:ea typeface="+mn-lt"/>
+                <a:cs typeface="+mn-lt"/>
+              </a:rPr>
+              <a:t>thức</a:t>
+            </a:r>
+            <a:r>
+              <a:rPr lang="en-US" dirty="0">
+                <a:latin typeface="Times New Roman"/>
+                <a:ea typeface="+mn-lt"/>
+                <a:cs typeface="+mn-lt"/>
+              </a:rPr>
+              <a:t> </a:t>
+            </a:r>
+            <a:r>
+              <a:rPr lang="en-US" dirty="0" err="1">
+                <a:latin typeface="Times New Roman"/>
+                <a:ea typeface="+mn-lt"/>
+                <a:cs typeface="+mn-lt"/>
+              </a:rPr>
+              <a:t>biến</a:t>
+            </a:r>
+            <a:r>
+              <a:rPr lang="en-US" dirty="0">
+                <a:latin typeface="Times New Roman"/>
+                <a:ea typeface="+mn-lt"/>
+                <a:cs typeface="+mn-lt"/>
+              </a:rPr>
+              <a:t> </a:t>
+            </a:r>
+            <a:r>
+              <a:rPr lang="en-US" dirty="0" err="1">
+                <a:latin typeface="Times New Roman"/>
+                <a:ea typeface="+mn-lt"/>
+                <a:cs typeface="+mn-lt"/>
+              </a:rPr>
+              <a:t>đổi</a:t>
+            </a:r>
+            <a:r>
+              <a:rPr lang="en-US" dirty="0">
+                <a:latin typeface="Times New Roman"/>
+                <a:ea typeface="+mn-lt"/>
+                <a:cs typeface="+mn-lt"/>
+              </a:rPr>
+              <a:t>:</a:t>
+            </a:r>
+          </a:p>
+          <a:p>
+            <a:pPr marL="0" indent="0">
+              <a:buNone/>
+            </a:pPr>
+            <a:endParaRPr lang="en-US" dirty="0">
+              <a:ea typeface="+mn-lt"/>
+              <a:cs typeface="+mn-lt"/>
+            </a:endParaRPr>
+          </a:p>
+          <a:p>
+            <a:pPr marL="0" indent="0">
+              <a:buNone/>
+            </a:pPr>
+            <a:endParaRPr lang="en-US" dirty="0">
+              <a:latin typeface="Times New Roman"/>
+              <a:ea typeface="+mn-lt"/>
+              <a:cs typeface="+mn-lt"/>
+            </a:endParaRPr>
+          </a:p>
+          <a:p>
+            <a:pPr marL="0" indent="0">
+              <a:buNone/>
+            </a:pPr>
+            <a:endParaRPr lang="en-US" dirty="0">
+              <a:latin typeface="Times New Roman"/>
+              <a:ea typeface="+mn-lt"/>
+              <a:cs typeface="+mn-lt"/>
+            </a:endParaRPr>
+          </a:p>
+          <a:p>
+            <a:pPr marL="0" indent="0">
+              <a:buNone/>
+            </a:pPr>
+            <a:endParaRPr lang="en-US" dirty="0">
+              <a:latin typeface="Times New Roman"/>
+              <a:ea typeface="+mn-lt"/>
+              <a:cs typeface="+mn-lt"/>
+            </a:endParaRPr>
+          </a:p>
+          <a:p>
+            <a:pPr marL="457200" indent="-457200"/>
+            <a:r>
+              <a:rPr lang="en-US" dirty="0" err="1">
+                <a:latin typeface="Times New Roman"/>
+                <a:ea typeface="+mn-lt"/>
+                <a:cs typeface="+mn-lt"/>
+              </a:rPr>
+              <a:t>Được</a:t>
+            </a:r>
+            <a:r>
+              <a:rPr lang="en-US" dirty="0">
+                <a:latin typeface="Times New Roman"/>
+                <a:ea typeface="+mn-lt"/>
+                <a:cs typeface="+mn-lt"/>
+              </a:rPr>
+              <a:t> </a:t>
+            </a:r>
+            <a:r>
+              <a:rPr lang="en-US" dirty="0" err="1">
+                <a:latin typeface="Times New Roman"/>
+                <a:ea typeface="+mn-lt"/>
+                <a:cs typeface="+mn-lt"/>
+              </a:rPr>
+              <a:t>dùng</a:t>
+            </a:r>
+            <a:r>
+              <a:rPr lang="en-US" dirty="0">
+                <a:latin typeface="Times New Roman"/>
+                <a:ea typeface="+mn-lt"/>
+                <a:cs typeface="+mn-lt"/>
+              </a:rPr>
+              <a:t> </a:t>
+            </a:r>
+            <a:r>
+              <a:rPr lang="en-US" dirty="0" err="1">
+                <a:latin typeface="Times New Roman"/>
+                <a:ea typeface="+mn-lt"/>
+                <a:cs typeface="+mn-lt"/>
+              </a:rPr>
+              <a:t>để</a:t>
+            </a:r>
+            <a:r>
+              <a:rPr lang="en-US" dirty="0">
+                <a:latin typeface="Times New Roman"/>
+                <a:ea typeface="+mn-lt"/>
+                <a:cs typeface="+mn-lt"/>
+              </a:rPr>
+              <a:t> </a:t>
+            </a:r>
+            <a:r>
+              <a:rPr lang="en-US" dirty="0" err="1">
+                <a:latin typeface="Times New Roman"/>
+                <a:ea typeface="+mn-lt"/>
+                <a:cs typeface="+mn-lt"/>
+              </a:rPr>
+              <a:t>phân</a:t>
+            </a:r>
+            <a:r>
+              <a:rPr lang="en-US" dirty="0">
+                <a:latin typeface="Times New Roman"/>
+                <a:ea typeface="+mn-lt"/>
+                <a:cs typeface="+mn-lt"/>
+              </a:rPr>
+              <a:t> </a:t>
+            </a:r>
+            <a:r>
+              <a:rPr lang="en-US" dirty="0" err="1">
+                <a:latin typeface="Times New Roman"/>
+                <a:ea typeface="+mn-lt"/>
+                <a:cs typeface="+mn-lt"/>
+              </a:rPr>
+              <a:t>tích</a:t>
+            </a:r>
+            <a:r>
+              <a:rPr lang="en-US" dirty="0">
+                <a:latin typeface="Times New Roman"/>
+                <a:ea typeface="+mn-lt"/>
+                <a:cs typeface="+mn-lt"/>
+              </a:rPr>
+              <a:t> </a:t>
+            </a:r>
+            <a:r>
+              <a:rPr lang="en-US" dirty="0" err="1">
+                <a:latin typeface="Times New Roman"/>
+                <a:ea typeface="+mn-lt"/>
+                <a:cs typeface="+mn-lt"/>
+              </a:rPr>
+              <a:t>hình</a:t>
+            </a:r>
+            <a:r>
+              <a:rPr lang="en-US" dirty="0">
+                <a:latin typeface="Times New Roman"/>
+                <a:ea typeface="+mn-lt"/>
+                <a:cs typeface="+mn-lt"/>
+              </a:rPr>
+              <a:t> </a:t>
+            </a:r>
+            <a:r>
+              <a:rPr lang="en-US" dirty="0" err="1">
+                <a:latin typeface="Times New Roman"/>
+                <a:ea typeface="+mn-lt"/>
+                <a:cs typeface="+mn-lt"/>
+              </a:rPr>
+              <a:t>ảnh</a:t>
+            </a:r>
+            <a:r>
+              <a:rPr lang="en-US" dirty="0">
+                <a:latin typeface="Times New Roman"/>
+                <a:ea typeface="+mn-lt"/>
+                <a:cs typeface="+mn-lt"/>
+              </a:rPr>
+              <a:t>, </a:t>
+            </a:r>
+            <a:r>
+              <a:rPr lang="en-US" dirty="0" err="1">
+                <a:latin typeface="Times New Roman"/>
+                <a:ea typeface="+mn-lt"/>
+                <a:cs typeface="+mn-lt"/>
+              </a:rPr>
+              <a:t>lọc</a:t>
+            </a:r>
+            <a:r>
+              <a:rPr lang="en-US" dirty="0">
+                <a:latin typeface="Times New Roman"/>
+                <a:ea typeface="+mn-lt"/>
+                <a:cs typeface="+mn-lt"/>
+              </a:rPr>
+              <a:t> </a:t>
+            </a:r>
+            <a:r>
+              <a:rPr lang="en-US" dirty="0" err="1">
+                <a:latin typeface="Times New Roman"/>
+                <a:ea typeface="+mn-lt"/>
+                <a:cs typeface="+mn-lt"/>
+              </a:rPr>
+              <a:t>hình</a:t>
+            </a:r>
+            <a:r>
+              <a:rPr lang="en-US" dirty="0">
+                <a:latin typeface="Times New Roman"/>
+                <a:ea typeface="+mn-lt"/>
+                <a:cs typeface="+mn-lt"/>
+              </a:rPr>
+              <a:t> </a:t>
+            </a:r>
+            <a:r>
+              <a:rPr lang="en-US" dirty="0" err="1">
+                <a:latin typeface="Times New Roman"/>
+                <a:ea typeface="+mn-lt"/>
+                <a:cs typeface="+mn-lt"/>
+              </a:rPr>
+              <a:t>ảnh</a:t>
+            </a:r>
+            <a:r>
+              <a:rPr lang="en-US" dirty="0">
+                <a:latin typeface="Times New Roman"/>
+                <a:ea typeface="+mn-lt"/>
+                <a:cs typeface="+mn-lt"/>
+              </a:rPr>
+              <a:t>, </a:t>
+            </a:r>
+            <a:r>
+              <a:rPr lang="en-US" dirty="0" err="1">
+                <a:latin typeface="Times New Roman"/>
+                <a:ea typeface="+mn-lt"/>
+                <a:cs typeface="+mn-lt"/>
+              </a:rPr>
+              <a:t>tái</a:t>
+            </a:r>
+            <a:r>
+              <a:rPr lang="en-US" dirty="0">
+                <a:latin typeface="Times New Roman"/>
+                <a:ea typeface="+mn-lt"/>
+                <a:cs typeface="+mn-lt"/>
+              </a:rPr>
+              <a:t> </a:t>
+            </a:r>
+            <a:r>
+              <a:rPr lang="en-US" dirty="0" err="1">
+                <a:latin typeface="Times New Roman"/>
+                <a:ea typeface="+mn-lt"/>
+                <a:cs typeface="+mn-lt"/>
+              </a:rPr>
+              <a:t>tạo</a:t>
+            </a:r>
+            <a:r>
+              <a:rPr lang="en-US" dirty="0">
+                <a:latin typeface="Times New Roman"/>
+                <a:ea typeface="+mn-lt"/>
+                <a:cs typeface="+mn-lt"/>
+              </a:rPr>
+              <a:t> </a:t>
+            </a:r>
+            <a:r>
+              <a:rPr lang="en-US" dirty="0" err="1">
+                <a:latin typeface="Times New Roman"/>
+                <a:ea typeface="+mn-lt"/>
+                <a:cs typeface="+mn-lt"/>
+              </a:rPr>
+              <a:t>hình</a:t>
+            </a:r>
+            <a:r>
+              <a:rPr lang="en-US" dirty="0">
+                <a:latin typeface="Times New Roman"/>
+                <a:ea typeface="+mn-lt"/>
+                <a:cs typeface="+mn-lt"/>
+              </a:rPr>
+              <a:t> </a:t>
+            </a:r>
+            <a:r>
+              <a:rPr lang="en-US" dirty="0" err="1">
+                <a:latin typeface="Times New Roman"/>
+                <a:ea typeface="+mn-lt"/>
+                <a:cs typeface="+mn-lt"/>
+              </a:rPr>
+              <a:t>ảnh</a:t>
+            </a:r>
+            <a:r>
+              <a:rPr lang="en-US" dirty="0">
+                <a:latin typeface="Times New Roman"/>
+                <a:ea typeface="+mn-lt"/>
+                <a:cs typeface="+mn-lt"/>
+              </a:rPr>
+              <a:t> </a:t>
+            </a:r>
+            <a:r>
+              <a:rPr lang="en-US" dirty="0" err="1">
+                <a:latin typeface="Times New Roman"/>
+                <a:ea typeface="+mn-lt"/>
+                <a:cs typeface="+mn-lt"/>
+              </a:rPr>
+              <a:t>và</a:t>
+            </a:r>
+            <a:endParaRPr lang="en-US" dirty="0">
+              <a:latin typeface="Times New Roman"/>
+              <a:ea typeface="+mn-lt"/>
+              <a:cs typeface="+mn-lt"/>
+            </a:endParaRPr>
+          </a:p>
+          <a:p>
+            <a:pPr marL="0" indent="0">
+              <a:buNone/>
+            </a:pPr>
+            <a:r>
+              <a:rPr lang="en-US" dirty="0" err="1">
+                <a:latin typeface="Times New Roman"/>
+                <a:ea typeface="+mn-lt"/>
+                <a:cs typeface="+mn-lt"/>
+              </a:rPr>
+              <a:t>nén</a:t>
+            </a:r>
+            <a:r>
+              <a:rPr lang="en-US" dirty="0">
+                <a:latin typeface="Times New Roman"/>
+                <a:ea typeface="+mn-lt"/>
+                <a:cs typeface="+mn-lt"/>
+              </a:rPr>
+              <a:t> </a:t>
+            </a:r>
+            <a:r>
+              <a:rPr lang="en-US" dirty="0" err="1">
+                <a:latin typeface="Times New Roman"/>
+                <a:ea typeface="+mn-lt"/>
+                <a:cs typeface="+mn-lt"/>
+              </a:rPr>
+              <a:t>hình</a:t>
+            </a:r>
+            <a:r>
+              <a:rPr lang="en-US" dirty="0">
+                <a:latin typeface="Times New Roman"/>
+                <a:ea typeface="+mn-lt"/>
+                <a:cs typeface="+mn-lt"/>
+              </a:rPr>
+              <a:t> </a:t>
+            </a:r>
+            <a:r>
+              <a:rPr lang="en-US" dirty="0" err="1">
+                <a:latin typeface="Times New Roman"/>
+                <a:ea typeface="+mn-lt"/>
+                <a:cs typeface="+mn-lt"/>
+              </a:rPr>
+              <a:t>ảnh</a:t>
+            </a:r>
+            <a:r>
+              <a:rPr lang="en-US" dirty="0">
+                <a:latin typeface="Times New Roman"/>
+                <a:ea typeface="+mn-lt"/>
+                <a:cs typeface="+mn-lt"/>
+              </a:rPr>
+              <a:t>.</a:t>
+            </a:r>
+            <a:endParaRPr lang="en-US" dirty="0">
+              <a:latin typeface="Times New Roman"/>
+              <a:cs typeface="Calibri"/>
+            </a:endParaRPr>
+          </a:p>
+          <a:p>
+            <a:endParaRPr lang="en-US" dirty="0">
+              <a:cs typeface="Calibri"/>
+            </a:endParaRPr>
+          </a:p>
+        </p:txBody>
+      </p:sp>
+      <p:pic>
+        <p:nvPicPr>
+          <p:cNvPr id="5" name="Picture 4">
+            <a:extLst>
+              <a:ext uri="{FF2B5EF4-FFF2-40B4-BE49-F238E27FC236}">
+                <a16:creationId xmlns:a16="http://schemas.microsoft.com/office/drawing/2014/main" id="{8A5225C7-8462-46F2-7CEA-6B98B2013BD2}"/>
+              </a:ext>
+            </a:extLst>
+          </p:cNvPr>
+          <p:cNvPicPr>
+            <a:picLocks noChangeAspect="1"/>
+          </p:cNvPicPr>
+          <p:nvPr/>
+        </p:nvPicPr>
+        <p:blipFill>
+          <a:blip r:embed="rId2"/>
+          <a:stretch>
+            <a:fillRect/>
+          </a:stretch>
+        </p:blipFill>
+        <p:spPr>
+          <a:xfrm>
+            <a:off x="4376053" y="3089737"/>
+            <a:ext cx="5725889" cy="1910198"/>
+          </a:xfrm>
+          <a:prstGeom prst="rect">
+            <a:avLst/>
+          </a:prstGeom>
+        </p:spPr>
+      </p:pic>
+    </p:spTree>
+    <p:extLst>
+      <p:ext uri="{BB962C8B-B14F-4D97-AF65-F5344CB8AC3E}">
+        <p14:creationId xmlns:p14="http://schemas.microsoft.com/office/powerpoint/2010/main" val="1300342830"/>
+      </p:ext>
+    </p:extLst>
+  </p:cSld>
+  <p:clrMapOvr>
+    <a:masterClrMapping/>
+  </p:clrMapOvr>
+  <p:timing>
+    <p:tnLst>
+      <p:par>
+        <p:cTn id="1" dur="indefinite" restart="never" nodeType="tmRoot"/>
+      </p:par>
+    </p:tnLst>
+  </p:timing>
+</p:sld>
+</file>
+
+<file path=ppt/slides/slide23.xml><?xml version="1.0" encoding="utf-8"?>
+<p:sld xmlns:a="http://schemas.openxmlformats.org/drawingml/2006/main" xmlns:r="http://schemas.openxmlformats.org/officeDocument/2006/relationships" xmlns:p="http://schemas.openxmlformats.org/presentationml/2006/main">
+  <p:cSld>
+    <p:spTree>
+      <p:nvGrpSpPr>
+        <p:cNvPr id="1" name=""/>
+        <p:cNvGrpSpPr/>
+        <p:nvPr/>
+      </p:nvGrpSpPr>
+      <p:grpSpPr>
+        <a:xfrm>
+          <a:off x="0" y="0"/>
+          <a:ext cx="0" cy="0"/>
+          <a:chOff x="0" y="0"/>
+          <a:chExt cx="0" cy="0"/>
+        </a:xfrm>
+      </p:grpSpPr>
+      <p:sp>
+        <p:nvSpPr>
+          <p:cNvPr id="2" name="Title 1">
+            <a:extLst>
+              <a:ext uri="{FF2B5EF4-FFF2-40B4-BE49-F238E27FC236}">
+                <a16:creationId xmlns:a16="http://schemas.microsoft.com/office/drawing/2014/main" id="{195275CC-D4F8-5CFA-0A59-43C18FF398BF}"/>
+              </a:ext>
+            </a:extLst>
+          </p:cNvPr>
+          <p:cNvSpPr>
+            <a:spLocks noGrp="1"/>
+          </p:cNvSpPr>
+          <p:nvPr>
+            <p:ph type="title"/>
+          </p:nvPr>
+        </p:nvSpPr>
+        <p:spPr>
+          <a:xfrm>
+            <a:off x="838200" y="365125"/>
+            <a:ext cx="10515600" cy="541792"/>
+          </a:xfrm>
+        </p:spPr>
+        <p:txBody>
+          <a:bodyPr/>
+          <a:lstStyle/>
+          <a:p>
+            <a:pPr algn="r"/>
+            <a:r>
+              <a:rPr lang="en-US" sz="2400" i="1" dirty="0">
+                <a:latin typeface="Times New Roman"/>
+                <a:cs typeface="Calibri Light"/>
+              </a:rPr>
+              <a:t>10. </a:t>
+            </a:r>
+            <a:r>
+              <a:rPr lang="en-US" sz="2400" i="1" dirty="0" err="1">
+                <a:latin typeface="Times New Roman"/>
+                <a:cs typeface="Calibri Light"/>
+              </a:rPr>
+              <a:t>Bộ</a:t>
+            </a:r>
+            <a:r>
+              <a:rPr lang="en-US" sz="2400" i="1" dirty="0">
+                <a:latin typeface="Times New Roman"/>
+                <a:cs typeface="Calibri Light"/>
+              </a:rPr>
+              <a:t> </a:t>
+            </a:r>
+            <a:r>
+              <a:rPr lang="en-US" sz="2400" i="1" dirty="0" err="1">
+                <a:latin typeface="Times New Roman"/>
+                <a:cs typeface="Calibri Light"/>
+              </a:rPr>
+              <a:t>lọc</a:t>
+            </a:r>
+            <a:r>
+              <a:rPr lang="en-US" sz="2400" i="1" dirty="0">
+                <a:latin typeface="Times New Roman"/>
+                <a:cs typeface="Calibri Light"/>
+              </a:rPr>
+              <a:t> DFT</a:t>
+            </a:r>
+          </a:p>
+        </p:txBody>
+      </p:sp>
+      <p:sp>
+        <p:nvSpPr>
+          <p:cNvPr id="3" name="Content Placeholder 2">
+            <a:extLst>
+              <a:ext uri="{FF2B5EF4-FFF2-40B4-BE49-F238E27FC236}">
+                <a16:creationId xmlns:a16="http://schemas.microsoft.com/office/drawing/2014/main" id="{1A5203E9-9638-0844-24DB-6BE2706B5F56}"/>
+              </a:ext>
+            </a:extLst>
+          </p:cNvPr>
+          <p:cNvSpPr>
+            <a:spLocks noGrp="1"/>
+          </p:cNvSpPr>
+          <p:nvPr>
+            <p:ph idx="1"/>
+          </p:nvPr>
+        </p:nvSpPr>
+        <p:spPr>
+          <a:xfrm>
+            <a:off x="1108211" y="900339"/>
+            <a:ext cx="4717779" cy="5113338"/>
+          </a:xfrm>
+        </p:spPr>
+        <p:txBody>
+          <a:bodyPr vert="horz" lIns="91440" tIns="45720" rIns="91440" bIns="45720" rtlCol="0" anchor="t">
+            <a:normAutofit/>
+          </a:bodyPr>
+          <a:lstStyle/>
+          <a:p>
+            <a:pPr marL="0" indent="0">
+              <a:buNone/>
+            </a:pPr>
+            <a:r>
+              <a:rPr lang="en-US" dirty="0" err="1">
+                <a:latin typeface="Times New Roman"/>
+                <a:ea typeface="+mn-lt"/>
+                <a:cs typeface="+mn-lt"/>
+              </a:rPr>
+              <a:t>Bộ</a:t>
+            </a:r>
+            <a:r>
+              <a:rPr lang="en-US" dirty="0">
+                <a:latin typeface="Times New Roman"/>
+                <a:ea typeface="+mn-lt"/>
+                <a:cs typeface="+mn-lt"/>
+              </a:rPr>
+              <a:t> </a:t>
+            </a:r>
+            <a:r>
+              <a:rPr lang="en-US" dirty="0" err="1">
+                <a:latin typeface="Times New Roman"/>
+                <a:ea typeface="+mn-lt"/>
+                <a:cs typeface="+mn-lt"/>
+              </a:rPr>
+              <a:t>lọc</a:t>
+            </a:r>
+            <a:r>
+              <a:rPr lang="en-US" dirty="0">
+                <a:latin typeface="Times New Roman"/>
+                <a:ea typeface="+mn-lt"/>
+                <a:cs typeface="+mn-lt"/>
+              </a:rPr>
+              <a:t> DFT: </a:t>
+            </a:r>
+            <a:r>
+              <a:rPr lang="en-US" dirty="0" err="1">
+                <a:latin typeface="Times New Roman"/>
+                <a:ea typeface="+mn-lt"/>
+                <a:cs typeface="+mn-lt"/>
+              </a:rPr>
+              <a:t>lọc</a:t>
+            </a:r>
+            <a:r>
+              <a:rPr lang="en-US" dirty="0">
+                <a:latin typeface="Times New Roman"/>
+                <a:ea typeface="+mn-lt"/>
+                <a:cs typeface="+mn-lt"/>
+              </a:rPr>
+              <a:t> </a:t>
+            </a:r>
+            <a:r>
+              <a:rPr lang="en-US" dirty="0" err="1">
+                <a:latin typeface="Times New Roman"/>
+                <a:ea typeface="+mn-lt"/>
+                <a:cs typeface="+mn-lt"/>
+              </a:rPr>
+              <a:t>thông</a:t>
+            </a:r>
+            <a:r>
+              <a:rPr lang="en-US" dirty="0">
+                <a:latin typeface="Times New Roman"/>
+                <a:ea typeface="+mn-lt"/>
+                <a:cs typeface="+mn-lt"/>
+              </a:rPr>
+              <a:t> </a:t>
+            </a:r>
+            <a:r>
+              <a:rPr lang="en-US" dirty="0" err="1">
+                <a:latin typeface="Times New Roman"/>
+                <a:ea typeface="+mn-lt"/>
+                <a:cs typeface="+mn-lt"/>
+              </a:rPr>
+              <a:t>cao</a:t>
+            </a:r>
+            <a:r>
+              <a:rPr lang="en-US" dirty="0">
+                <a:latin typeface="Times New Roman"/>
+                <a:ea typeface="+mn-lt"/>
+                <a:cs typeface="+mn-lt"/>
+              </a:rPr>
+              <a:t> </a:t>
+            </a:r>
+            <a:r>
+              <a:rPr lang="en-US" dirty="0" err="1">
+                <a:latin typeface="Times New Roman"/>
+                <a:ea typeface="+mn-lt"/>
+                <a:cs typeface="+mn-lt"/>
+              </a:rPr>
+              <a:t>lấy</a:t>
+            </a:r>
+            <a:r>
+              <a:rPr lang="en-US" dirty="0">
+                <a:latin typeface="Times New Roman"/>
+                <a:ea typeface="+mn-lt"/>
+                <a:cs typeface="+mn-lt"/>
+              </a:rPr>
+              <a:t> </a:t>
+            </a:r>
+            <a:r>
+              <a:rPr lang="en-US" dirty="0" err="1">
+                <a:latin typeface="Times New Roman"/>
+                <a:ea typeface="+mn-lt"/>
+                <a:cs typeface="+mn-lt"/>
+              </a:rPr>
+              <a:t>ra</a:t>
+            </a:r>
+            <a:r>
+              <a:rPr lang="en-US" dirty="0">
+                <a:latin typeface="Times New Roman"/>
+                <a:ea typeface="+mn-lt"/>
+                <a:cs typeface="+mn-lt"/>
+              </a:rPr>
+              <a:t> </a:t>
+            </a:r>
+            <a:r>
+              <a:rPr lang="en-US" dirty="0" err="1">
+                <a:latin typeface="Times New Roman"/>
+                <a:ea typeface="+mn-lt"/>
+                <a:cs typeface="+mn-lt"/>
+              </a:rPr>
+              <a:t>các</a:t>
+            </a:r>
+            <a:r>
+              <a:rPr lang="en-US" dirty="0">
+                <a:latin typeface="Times New Roman"/>
+                <a:ea typeface="+mn-lt"/>
+                <a:cs typeface="+mn-lt"/>
+              </a:rPr>
+              <a:t> </a:t>
+            </a:r>
+            <a:r>
+              <a:rPr lang="en-US" dirty="0" err="1">
+                <a:latin typeface="Times New Roman"/>
+                <a:ea typeface="+mn-lt"/>
+                <a:cs typeface="+mn-lt"/>
+              </a:rPr>
+              <a:t>viền</a:t>
+            </a:r>
+            <a:r>
+              <a:rPr lang="en-US" dirty="0">
+                <a:latin typeface="Times New Roman"/>
+                <a:ea typeface="+mn-lt"/>
+                <a:cs typeface="+mn-lt"/>
+              </a:rPr>
+              <a:t> </a:t>
+            </a:r>
+            <a:r>
+              <a:rPr lang="en-US" dirty="0" err="1">
+                <a:latin typeface="Times New Roman"/>
+                <a:ea typeface="+mn-lt"/>
+                <a:cs typeface="+mn-lt"/>
+              </a:rPr>
+              <a:t>lúc</a:t>
+            </a:r>
+            <a:r>
+              <a:rPr lang="en-US" dirty="0">
+                <a:latin typeface="Times New Roman"/>
+                <a:ea typeface="+mn-lt"/>
+                <a:cs typeface="+mn-lt"/>
+              </a:rPr>
+              <a:t> </a:t>
+            </a:r>
+            <a:r>
+              <a:rPr lang="en-US" dirty="0" err="1">
+                <a:latin typeface="Times New Roman"/>
+                <a:ea typeface="+mn-lt"/>
+                <a:cs typeface="+mn-lt"/>
+              </a:rPr>
+              <a:t>mà</a:t>
+            </a:r>
+            <a:r>
+              <a:rPr lang="en-US" dirty="0">
+                <a:latin typeface="Times New Roman"/>
+                <a:ea typeface="+mn-lt"/>
+                <a:cs typeface="+mn-lt"/>
+              </a:rPr>
+              <a:t> </a:t>
+            </a:r>
+            <a:r>
+              <a:rPr lang="en-US" dirty="0" err="1">
+                <a:latin typeface="Times New Roman"/>
+                <a:ea typeface="+mn-lt"/>
+                <a:cs typeface="+mn-lt"/>
+              </a:rPr>
+              <a:t>thay</a:t>
+            </a:r>
+            <a:r>
+              <a:rPr lang="en-US" dirty="0">
+                <a:latin typeface="Times New Roman"/>
+                <a:ea typeface="+mn-lt"/>
+                <a:cs typeface="+mn-lt"/>
+              </a:rPr>
+              <a:t> </a:t>
+            </a:r>
+            <a:r>
+              <a:rPr lang="en-US" dirty="0" err="1">
+                <a:latin typeface="Times New Roman"/>
+                <a:ea typeface="+mn-lt"/>
+                <a:cs typeface="+mn-lt"/>
+              </a:rPr>
+              <a:t>đổi</a:t>
+            </a:r>
+            <a:r>
+              <a:rPr lang="en-US" dirty="0">
+                <a:latin typeface="Times New Roman"/>
+                <a:ea typeface="+mn-lt"/>
+                <a:cs typeface="+mn-lt"/>
+              </a:rPr>
+              <a:t> </a:t>
+            </a:r>
+            <a:r>
+              <a:rPr lang="en-US" dirty="0" err="1">
+                <a:latin typeface="Times New Roman"/>
+                <a:ea typeface="+mn-lt"/>
+                <a:cs typeface="+mn-lt"/>
+              </a:rPr>
+              <a:t>cường</a:t>
+            </a:r>
+            <a:r>
+              <a:rPr lang="en-US" dirty="0">
+                <a:latin typeface="Times New Roman"/>
+                <a:ea typeface="+mn-lt"/>
+                <a:cs typeface="+mn-lt"/>
+              </a:rPr>
+              <a:t> </a:t>
+            </a:r>
+            <a:r>
+              <a:rPr lang="en-US" dirty="0" err="1">
+                <a:latin typeface="Times New Roman"/>
+                <a:ea typeface="+mn-lt"/>
+                <a:cs typeface="+mn-lt"/>
+              </a:rPr>
+              <a:t>độ</a:t>
+            </a:r>
+            <a:r>
+              <a:rPr lang="en-US" dirty="0">
+                <a:latin typeface="Times New Roman"/>
+                <a:ea typeface="+mn-lt"/>
+                <a:cs typeface="+mn-lt"/>
+              </a:rPr>
+              <a:t> </a:t>
+            </a:r>
+            <a:r>
+              <a:rPr lang="en-US" dirty="0" err="1">
+                <a:latin typeface="Times New Roman"/>
+                <a:ea typeface="+mn-lt"/>
+                <a:cs typeface="+mn-lt"/>
+              </a:rPr>
+              <a:t>mức</a:t>
+            </a:r>
+            <a:r>
+              <a:rPr lang="en-US" dirty="0">
+                <a:latin typeface="Times New Roman"/>
+                <a:ea typeface="+mn-lt"/>
+                <a:cs typeface="+mn-lt"/>
+              </a:rPr>
+              <a:t> </a:t>
+            </a:r>
+            <a:r>
+              <a:rPr lang="en-US" dirty="0" err="1">
+                <a:latin typeface="Times New Roman"/>
+                <a:ea typeface="+mn-lt"/>
+                <a:cs typeface="+mn-lt"/>
+              </a:rPr>
+              <a:t>sáng</a:t>
+            </a:r>
+            <a:r>
+              <a:rPr lang="en-US" dirty="0">
+                <a:latin typeface="Times New Roman"/>
+                <a:ea typeface="+mn-lt"/>
+                <a:cs typeface="+mn-lt"/>
+              </a:rPr>
+              <a:t> </a:t>
+            </a:r>
+            <a:r>
+              <a:rPr lang="en-US" dirty="0" err="1">
+                <a:latin typeface="Times New Roman"/>
+                <a:ea typeface="+mn-lt"/>
+                <a:cs typeface="+mn-lt"/>
+              </a:rPr>
+              <a:t>đột</a:t>
+            </a:r>
+            <a:r>
+              <a:rPr lang="en-US" dirty="0">
+                <a:latin typeface="Times New Roman"/>
+                <a:ea typeface="+mn-lt"/>
+                <a:cs typeface="+mn-lt"/>
+              </a:rPr>
+              <a:t> </a:t>
+            </a:r>
+            <a:r>
+              <a:rPr lang="en-US" dirty="0" err="1">
+                <a:latin typeface="Times New Roman"/>
+                <a:ea typeface="+mn-lt"/>
+                <a:cs typeface="+mn-lt"/>
+              </a:rPr>
+              <a:t>ngột</a:t>
+            </a:r>
+            <a:r>
+              <a:rPr lang="en-US" dirty="0">
+                <a:latin typeface="Times New Roman"/>
+                <a:ea typeface="+mn-lt"/>
+                <a:cs typeface="+mn-lt"/>
+              </a:rPr>
+              <a:t> (</a:t>
+            </a:r>
+            <a:r>
+              <a:rPr lang="en-US" dirty="0" err="1">
+                <a:latin typeface="Times New Roman"/>
+                <a:ea typeface="+mn-lt"/>
+                <a:cs typeface="+mn-lt"/>
+              </a:rPr>
+              <a:t>viền</a:t>
+            </a:r>
+            <a:r>
+              <a:rPr lang="en-US" dirty="0">
+                <a:latin typeface="Times New Roman"/>
+                <a:ea typeface="+mn-lt"/>
+                <a:cs typeface="+mn-lt"/>
+              </a:rPr>
+              <a:t>)</a:t>
+            </a:r>
+            <a:endParaRPr lang="en-US" dirty="0">
+              <a:latin typeface="Calibri" panose="020F0502020204030204"/>
+              <a:ea typeface="+mn-lt"/>
+              <a:cs typeface="+mn-lt"/>
+            </a:endParaRPr>
+          </a:p>
+          <a:p>
+            <a:pPr marL="0" indent="0">
+              <a:buNone/>
+            </a:pPr>
+            <a:r>
+              <a:rPr lang="en-US" dirty="0">
+                <a:latin typeface="Times New Roman"/>
+                <a:ea typeface="+mn-lt"/>
+                <a:cs typeface="+mn-lt"/>
+              </a:rPr>
+              <a:t>--&gt;  Các </a:t>
+            </a:r>
+            <a:r>
+              <a:rPr lang="en-US" dirty="0" err="1">
+                <a:latin typeface="Times New Roman"/>
+                <a:ea typeface="+mn-lt"/>
+                <a:cs typeface="+mn-lt"/>
+              </a:rPr>
+              <a:t>thành</a:t>
+            </a:r>
+            <a:r>
+              <a:rPr lang="en-US" dirty="0">
+                <a:latin typeface="Times New Roman"/>
+                <a:ea typeface="+mn-lt"/>
+                <a:cs typeface="+mn-lt"/>
+              </a:rPr>
+              <a:t> </a:t>
+            </a:r>
+            <a:r>
+              <a:rPr lang="en-US" dirty="0" err="1">
+                <a:latin typeface="Times New Roman"/>
+                <a:ea typeface="+mn-lt"/>
+                <a:cs typeface="+mn-lt"/>
+              </a:rPr>
+              <a:t>phần</a:t>
+            </a:r>
+            <a:r>
+              <a:rPr lang="en-US" dirty="0">
+                <a:latin typeface="Times New Roman"/>
+                <a:ea typeface="+mn-lt"/>
+                <a:cs typeface="+mn-lt"/>
+              </a:rPr>
+              <a:t> </a:t>
+            </a:r>
+            <a:r>
+              <a:rPr lang="en-US" dirty="0" err="1">
+                <a:latin typeface="Times New Roman"/>
+                <a:ea typeface="+mn-lt"/>
+                <a:cs typeface="+mn-lt"/>
+              </a:rPr>
+              <a:t>tần</a:t>
+            </a:r>
+            <a:r>
+              <a:rPr lang="en-US" dirty="0">
+                <a:latin typeface="Times New Roman"/>
+                <a:ea typeface="+mn-lt"/>
+                <a:cs typeface="+mn-lt"/>
+              </a:rPr>
+              <a:t> </a:t>
+            </a:r>
+            <a:r>
+              <a:rPr lang="en-US" dirty="0" err="1">
+                <a:latin typeface="Times New Roman"/>
+                <a:ea typeface="+mn-lt"/>
+                <a:cs typeface="+mn-lt"/>
+              </a:rPr>
+              <a:t>số</a:t>
+            </a:r>
+            <a:r>
+              <a:rPr lang="en-US" dirty="0">
+                <a:latin typeface="Times New Roman"/>
+                <a:ea typeface="+mn-lt"/>
+                <a:cs typeface="+mn-lt"/>
+              </a:rPr>
+              <a:t> </a:t>
+            </a:r>
+            <a:r>
+              <a:rPr lang="en-US" dirty="0" err="1">
+                <a:latin typeface="Times New Roman"/>
+                <a:ea typeface="+mn-lt"/>
+                <a:cs typeface="+mn-lt"/>
+              </a:rPr>
+              <a:t>thấp</a:t>
+            </a:r>
+            <a:r>
+              <a:rPr lang="en-US" dirty="0">
+                <a:latin typeface="Times New Roman"/>
+                <a:ea typeface="+mn-lt"/>
+                <a:cs typeface="+mn-lt"/>
+              </a:rPr>
+              <a:t> ở </a:t>
+            </a:r>
+            <a:r>
+              <a:rPr lang="en-US" dirty="0" err="1">
+                <a:latin typeface="Times New Roman"/>
+                <a:ea typeface="+mn-lt"/>
+                <a:cs typeface="+mn-lt"/>
+              </a:rPr>
+              <a:t>gần</a:t>
+            </a:r>
+            <a:r>
+              <a:rPr lang="en-US" dirty="0">
+                <a:latin typeface="Times New Roman"/>
+                <a:ea typeface="+mn-lt"/>
+                <a:cs typeface="+mn-lt"/>
+              </a:rPr>
+              <a:t> </a:t>
+            </a:r>
+            <a:r>
+              <a:rPr lang="en-US" dirty="0" err="1">
+                <a:latin typeface="Times New Roman"/>
+                <a:ea typeface="+mn-lt"/>
+                <a:cs typeface="+mn-lt"/>
+              </a:rPr>
+              <a:t>tâm</a:t>
+            </a:r>
+            <a:r>
+              <a:rPr lang="en-US" dirty="0">
+                <a:latin typeface="Times New Roman"/>
+                <a:ea typeface="+mn-lt"/>
+                <a:cs typeface="+mn-lt"/>
+              </a:rPr>
+              <a:t> ma </a:t>
+            </a:r>
+            <a:r>
+              <a:rPr lang="en-US" dirty="0" err="1">
+                <a:latin typeface="Times New Roman"/>
+                <a:ea typeface="+mn-lt"/>
+                <a:cs typeface="+mn-lt"/>
+              </a:rPr>
+              <a:t>trận</a:t>
+            </a:r>
+            <a:r>
+              <a:rPr lang="en-US" dirty="0">
+                <a:latin typeface="Times New Roman"/>
+                <a:ea typeface="+mn-lt"/>
+                <a:cs typeface="+mn-lt"/>
+              </a:rPr>
+              <a:t> </a:t>
+            </a:r>
+            <a:endParaRPr lang="en-US" dirty="0">
+              <a:latin typeface="Calibri" panose="020F0502020204030204"/>
+              <a:ea typeface="+mn-lt"/>
+              <a:cs typeface="+mn-lt"/>
+            </a:endParaRPr>
+          </a:p>
+          <a:p>
+            <a:pPr marL="0" indent="0">
+              <a:buNone/>
+            </a:pPr>
+            <a:r>
+              <a:rPr lang="en-US" dirty="0">
+                <a:latin typeface="Times New Roman"/>
+                <a:ea typeface="+mn-lt"/>
+                <a:cs typeface="+mn-lt"/>
+              </a:rPr>
+              <a:t>      </a:t>
+            </a:r>
+            <a:r>
+              <a:rPr lang="en-US" dirty="0" err="1">
+                <a:latin typeface="Times New Roman"/>
+                <a:ea typeface="+mn-lt"/>
+                <a:cs typeface="+mn-lt"/>
+              </a:rPr>
+              <a:t>Tần</a:t>
+            </a:r>
+            <a:r>
+              <a:rPr lang="en-US" dirty="0">
+                <a:latin typeface="Times New Roman"/>
+                <a:ea typeface="+mn-lt"/>
+                <a:cs typeface="+mn-lt"/>
+              </a:rPr>
+              <a:t> </a:t>
+            </a:r>
+            <a:r>
+              <a:rPr lang="en-US" dirty="0" err="1">
+                <a:latin typeface="Times New Roman"/>
+                <a:ea typeface="+mn-lt"/>
+                <a:cs typeface="+mn-lt"/>
+              </a:rPr>
+              <a:t>số</a:t>
+            </a:r>
+            <a:r>
+              <a:rPr lang="en-US" dirty="0">
+                <a:latin typeface="Times New Roman"/>
+                <a:ea typeface="+mn-lt"/>
+                <a:cs typeface="+mn-lt"/>
+              </a:rPr>
+              <a:t> </a:t>
+            </a:r>
+            <a:r>
+              <a:rPr lang="en-US" dirty="0" err="1">
+                <a:latin typeface="Times New Roman"/>
+                <a:ea typeface="+mn-lt"/>
+                <a:cs typeface="+mn-lt"/>
+              </a:rPr>
+              <a:t>cao</a:t>
+            </a:r>
+            <a:r>
+              <a:rPr lang="en-US" dirty="0">
+                <a:latin typeface="Times New Roman"/>
+                <a:ea typeface="+mn-lt"/>
+                <a:cs typeface="+mn-lt"/>
+              </a:rPr>
+              <a:t> ở </a:t>
+            </a:r>
+            <a:r>
+              <a:rPr lang="en-US" dirty="0" err="1">
+                <a:latin typeface="Times New Roman"/>
+                <a:ea typeface="+mn-lt"/>
+                <a:cs typeface="+mn-lt"/>
+              </a:rPr>
+              <a:t>xa</a:t>
+            </a:r>
+            <a:r>
+              <a:rPr lang="en-US" dirty="0">
+                <a:latin typeface="Times New Roman"/>
+                <a:ea typeface="+mn-lt"/>
+                <a:cs typeface="+mn-lt"/>
+              </a:rPr>
+              <a:t> </a:t>
+            </a:r>
+            <a:r>
+              <a:rPr lang="en-US" dirty="0" err="1">
+                <a:latin typeface="Times New Roman"/>
+                <a:ea typeface="+mn-lt"/>
+                <a:cs typeface="+mn-lt"/>
+              </a:rPr>
+              <a:t>tâm</a:t>
+            </a:r>
+            <a:r>
+              <a:rPr lang="en-US" dirty="0">
+                <a:latin typeface="Times New Roman"/>
+                <a:ea typeface="+mn-lt"/>
+                <a:cs typeface="+mn-lt"/>
+              </a:rPr>
+              <a:t>.</a:t>
+            </a:r>
+            <a:endParaRPr lang="en-US" dirty="0">
+              <a:latin typeface="Calibri" panose="020F0502020204030204"/>
+              <a:ea typeface="+mn-lt"/>
+              <a:cs typeface="+mn-lt"/>
+            </a:endParaRPr>
+          </a:p>
+          <a:p>
+            <a:pPr marL="0" indent="0">
+              <a:buNone/>
+            </a:pPr>
+            <a:r>
+              <a:rPr lang="en-US" dirty="0">
+                <a:latin typeface="Times New Roman"/>
+                <a:ea typeface="+mn-lt"/>
+                <a:cs typeface="+mn-lt"/>
+              </a:rPr>
+              <a:t>--&gt; Kích </a:t>
+            </a:r>
+            <a:r>
+              <a:rPr lang="en-US" dirty="0" err="1">
+                <a:latin typeface="Times New Roman"/>
+                <a:ea typeface="+mn-lt"/>
+                <a:cs typeface="+mn-lt"/>
+              </a:rPr>
+              <a:t>thước</a:t>
+            </a:r>
+            <a:r>
+              <a:rPr lang="en-US" dirty="0">
+                <a:latin typeface="Times New Roman"/>
+                <a:ea typeface="+mn-lt"/>
+                <a:cs typeface="+mn-lt"/>
+              </a:rPr>
+              <a:t> </a:t>
+            </a:r>
+            <a:r>
+              <a:rPr lang="en-US" dirty="0" err="1">
+                <a:latin typeface="Times New Roman"/>
+                <a:ea typeface="+mn-lt"/>
+                <a:cs typeface="+mn-lt"/>
+              </a:rPr>
+              <a:t>hình</a:t>
+            </a:r>
+            <a:r>
+              <a:rPr lang="en-US" dirty="0">
+                <a:latin typeface="Times New Roman"/>
+                <a:ea typeface="+mn-lt"/>
+                <a:cs typeface="+mn-lt"/>
+              </a:rPr>
+              <a:t> </a:t>
+            </a:r>
+            <a:r>
+              <a:rPr lang="en-US" dirty="0" err="1">
+                <a:latin typeface="Times New Roman"/>
+                <a:ea typeface="+mn-lt"/>
+                <a:cs typeface="+mn-lt"/>
+              </a:rPr>
+              <a:t>tròn</a:t>
+            </a:r>
+            <a:r>
+              <a:rPr lang="en-US" dirty="0">
+                <a:latin typeface="Times New Roman"/>
+                <a:ea typeface="+mn-lt"/>
+                <a:cs typeface="+mn-lt"/>
+              </a:rPr>
+              <a:t> </a:t>
+            </a:r>
+            <a:r>
+              <a:rPr lang="en-US" dirty="0" err="1">
+                <a:latin typeface="Times New Roman"/>
+                <a:ea typeface="+mn-lt"/>
+                <a:cs typeface="+mn-lt"/>
+              </a:rPr>
+              <a:t>càng</a:t>
+            </a:r>
+            <a:r>
+              <a:rPr lang="en-US" dirty="0">
+                <a:latin typeface="Times New Roman"/>
+                <a:ea typeface="+mn-lt"/>
+                <a:cs typeface="+mn-lt"/>
+              </a:rPr>
+              <a:t> </a:t>
+            </a:r>
+            <a:r>
+              <a:rPr lang="en-US" dirty="0" err="1">
+                <a:latin typeface="Times New Roman"/>
+                <a:ea typeface="+mn-lt"/>
+                <a:cs typeface="+mn-lt"/>
+              </a:rPr>
+              <a:t>lớn</a:t>
+            </a:r>
+            <a:r>
+              <a:rPr lang="en-US" dirty="0">
+                <a:latin typeface="Times New Roman"/>
+                <a:ea typeface="+mn-lt"/>
+                <a:cs typeface="+mn-lt"/>
+              </a:rPr>
+              <a:t> --&gt; </a:t>
+            </a:r>
+            <a:r>
+              <a:rPr lang="en-US" dirty="0" err="1">
+                <a:latin typeface="Times New Roman"/>
+                <a:ea typeface="+mn-lt"/>
+                <a:cs typeface="+mn-lt"/>
+              </a:rPr>
+              <a:t>biên</a:t>
+            </a:r>
+            <a:r>
+              <a:rPr lang="en-US" dirty="0">
+                <a:latin typeface="Times New Roman"/>
+                <a:ea typeface="+mn-lt"/>
+                <a:cs typeface="+mn-lt"/>
+              </a:rPr>
+              <a:t> </a:t>
+            </a:r>
+            <a:r>
+              <a:rPr lang="en-US" dirty="0" err="1">
+                <a:latin typeface="Times New Roman"/>
+                <a:ea typeface="+mn-lt"/>
+                <a:cs typeface="+mn-lt"/>
+              </a:rPr>
+              <a:t>của</a:t>
+            </a:r>
+            <a:r>
+              <a:rPr lang="en-US" dirty="0">
+                <a:latin typeface="Times New Roman"/>
+                <a:ea typeface="+mn-lt"/>
+                <a:cs typeface="+mn-lt"/>
+              </a:rPr>
+              <a:t> </a:t>
+            </a:r>
+            <a:r>
+              <a:rPr lang="en-US" dirty="0" err="1">
+                <a:latin typeface="Times New Roman"/>
+                <a:ea typeface="+mn-lt"/>
+                <a:cs typeface="+mn-lt"/>
+              </a:rPr>
+              <a:t>đối</a:t>
+            </a:r>
+            <a:r>
+              <a:rPr lang="en-US" dirty="0">
+                <a:latin typeface="Times New Roman"/>
+                <a:ea typeface="+mn-lt"/>
+                <a:cs typeface="+mn-lt"/>
+              </a:rPr>
+              <a:t> </a:t>
+            </a:r>
+            <a:r>
+              <a:rPr lang="en-US" dirty="0" err="1">
+                <a:latin typeface="Times New Roman"/>
+                <a:ea typeface="+mn-lt"/>
+                <a:cs typeface="+mn-lt"/>
+              </a:rPr>
+              <a:t>tượng</a:t>
+            </a:r>
+            <a:r>
+              <a:rPr lang="en-US" dirty="0">
+                <a:latin typeface="Times New Roman"/>
+                <a:ea typeface="+mn-lt"/>
+                <a:cs typeface="+mn-lt"/>
+              </a:rPr>
+              <a:t> </a:t>
+            </a:r>
+            <a:r>
+              <a:rPr lang="en-US" dirty="0" err="1">
+                <a:latin typeface="Times New Roman"/>
+                <a:ea typeface="+mn-lt"/>
+                <a:cs typeface="+mn-lt"/>
+              </a:rPr>
+              <a:t>trong</a:t>
+            </a:r>
+            <a:r>
+              <a:rPr lang="en-US" dirty="0">
+                <a:latin typeface="Times New Roman"/>
+                <a:ea typeface="+mn-lt"/>
+                <a:cs typeface="+mn-lt"/>
+              </a:rPr>
+              <a:t> </a:t>
+            </a:r>
+            <a:r>
+              <a:rPr lang="en-US" dirty="0" err="1">
+                <a:latin typeface="Times New Roman"/>
+                <a:ea typeface="+mn-lt"/>
+                <a:cs typeface="+mn-lt"/>
+              </a:rPr>
+              <a:t>ảnh</a:t>
+            </a:r>
+            <a:r>
+              <a:rPr lang="en-US" dirty="0">
+                <a:latin typeface="Times New Roman"/>
+                <a:ea typeface="+mn-lt"/>
+                <a:cs typeface="+mn-lt"/>
+              </a:rPr>
+              <a:t> </a:t>
+            </a:r>
+            <a:r>
+              <a:rPr lang="en-US" dirty="0" err="1">
+                <a:latin typeface="Times New Roman"/>
+                <a:ea typeface="+mn-lt"/>
+                <a:cs typeface="+mn-lt"/>
+              </a:rPr>
+              <a:t>càng</a:t>
+            </a:r>
+            <a:r>
+              <a:rPr lang="en-US" dirty="0">
+                <a:latin typeface="Times New Roman"/>
+                <a:ea typeface="+mn-lt"/>
+                <a:cs typeface="+mn-lt"/>
+              </a:rPr>
+              <a:t> </a:t>
+            </a:r>
+            <a:r>
+              <a:rPr lang="en-US" dirty="0" err="1">
+                <a:latin typeface="Times New Roman"/>
+                <a:ea typeface="+mn-lt"/>
+                <a:cs typeface="+mn-lt"/>
+              </a:rPr>
+              <a:t>hiện</a:t>
+            </a:r>
+            <a:r>
+              <a:rPr lang="en-US" dirty="0">
+                <a:latin typeface="Times New Roman"/>
+                <a:ea typeface="+mn-lt"/>
+                <a:cs typeface="+mn-lt"/>
+              </a:rPr>
+              <a:t> rõ</a:t>
+            </a:r>
+            <a:endParaRPr lang="en-US" dirty="0">
+              <a:latin typeface="Calibri" panose="020F0502020204030204"/>
+              <a:cs typeface="Calibri" panose="020F0502020204030204"/>
+            </a:endParaRPr>
+          </a:p>
+          <a:p>
+            <a:endParaRPr lang="en-US" dirty="0">
+              <a:cs typeface="Calibri"/>
+            </a:endParaRPr>
+          </a:p>
+        </p:txBody>
+      </p:sp>
+      <p:pic>
+        <p:nvPicPr>
+          <p:cNvPr id="6" name="Picture 5"/>
+          <p:cNvPicPr>
+            <a:picLocks noChangeAspect="1"/>
+          </p:cNvPicPr>
+          <p:nvPr/>
+        </p:nvPicPr>
+        <p:blipFill>
+          <a:blip r:embed="rId2"/>
+          <a:stretch>
+            <a:fillRect/>
+          </a:stretch>
+        </p:blipFill>
+        <p:spPr>
+          <a:xfrm>
+            <a:off x="6096000" y="900339"/>
+            <a:ext cx="4534195" cy="4514818"/>
+          </a:xfrm>
+          <a:prstGeom prst="rect">
+            <a:avLst/>
+          </a:prstGeom>
+        </p:spPr>
+      </p:pic>
+      <p:sp>
+        <p:nvSpPr>
+          <p:cNvPr id="7" name="TextBox 6"/>
+          <p:cNvSpPr txBox="1"/>
+          <p:nvPr/>
+        </p:nvSpPr>
+        <p:spPr>
+          <a:xfrm>
+            <a:off x="6693031" y="5613567"/>
+            <a:ext cx="4543720" cy="400110"/>
+          </a:xfrm>
+          <a:prstGeom prst="rect">
+            <a:avLst/>
+          </a:prstGeom>
+          <a:noFill/>
+        </p:spPr>
+        <p:txBody>
+          <a:bodyPr wrap="square" rtlCol="0">
+            <a:spAutoFit/>
+          </a:bodyPr>
+          <a:lstStyle/>
+          <a:p>
+            <a:r>
+              <a:rPr lang="en-US" sz="2000" b="1" dirty="0" err="1" smtClean="0">
+                <a:latin typeface="Times New Roman" panose="02020603050405020304" pitchFamily="18" charset="0"/>
+                <a:cs typeface="Times New Roman" panose="02020603050405020304" pitchFamily="18" charset="0"/>
+              </a:rPr>
+              <a:t>Kết</a:t>
+            </a:r>
+            <a:r>
+              <a:rPr lang="en-US" sz="2000" b="1" dirty="0" smtClean="0">
+                <a:latin typeface="Times New Roman" panose="02020603050405020304" pitchFamily="18" charset="0"/>
+                <a:cs typeface="Times New Roman" panose="02020603050405020304" pitchFamily="18" charset="0"/>
+              </a:rPr>
+              <a:t> </a:t>
+            </a:r>
+            <a:r>
+              <a:rPr lang="en-US" sz="2000" b="1" dirty="0" err="1" smtClean="0">
+                <a:latin typeface="Times New Roman" panose="02020603050405020304" pitchFamily="18" charset="0"/>
+                <a:cs typeface="Times New Roman" panose="02020603050405020304" pitchFamily="18" charset="0"/>
+              </a:rPr>
+              <a:t>quả</a:t>
+            </a:r>
+            <a:r>
+              <a:rPr lang="en-US" sz="2000" b="1" dirty="0">
+                <a:latin typeface="Times New Roman" panose="02020603050405020304" pitchFamily="18" charset="0"/>
+                <a:cs typeface="Times New Roman" panose="02020603050405020304" pitchFamily="18" charset="0"/>
+              </a:rPr>
+              <a:t> </a:t>
+            </a:r>
+            <a:r>
+              <a:rPr lang="en-US" sz="2000" b="1" dirty="0" err="1" smtClean="0">
+                <a:latin typeface="Times New Roman" panose="02020603050405020304" pitchFamily="18" charset="0"/>
+                <a:cs typeface="Times New Roman" panose="02020603050405020304" pitchFamily="18" charset="0"/>
+              </a:rPr>
+              <a:t>sau</a:t>
+            </a:r>
+            <a:r>
+              <a:rPr lang="en-US" sz="2000" b="1" dirty="0" smtClean="0">
+                <a:latin typeface="Times New Roman" panose="02020603050405020304" pitchFamily="18" charset="0"/>
+                <a:cs typeface="Times New Roman" panose="02020603050405020304" pitchFamily="18" charset="0"/>
+              </a:rPr>
+              <a:t> </a:t>
+            </a:r>
+            <a:r>
+              <a:rPr lang="en-US" sz="2000" b="1" dirty="0" err="1" smtClean="0">
+                <a:latin typeface="Times New Roman" panose="02020603050405020304" pitchFamily="18" charset="0"/>
+                <a:cs typeface="Times New Roman" panose="02020603050405020304" pitchFamily="18" charset="0"/>
+              </a:rPr>
+              <a:t>khi</a:t>
+            </a:r>
+            <a:r>
+              <a:rPr lang="en-US" sz="2000" b="1" dirty="0" smtClean="0">
+                <a:latin typeface="Times New Roman" panose="02020603050405020304" pitchFamily="18" charset="0"/>
+                <a:cs typeface="Times New Roman" panose="02020603050405020304" pitchFamily="18" charset="0"/>
+              </a:rPr>
+              <a:t> </a:t>
+            </a:r>
+            <a:r>
+              <a:rPr lang="en-US" sz="2000" b="1" dirty="0" err="1" smtClean="0">
+                <a:latin typeface="Times New Roman" panose="02020603050405020304" pitchFamily="18" charset="0"/>
+                <a:cs typeface="Times New Roman" panose="02020603050405020304" pitchFamily="18" charset="0"/>
+              </a:rPr>
+              <a:t>đi</a:t>
+            </a:r>
+            <a:r>
+              <a:rPr lang="en-US" sz="2000" b="1" dirty="0" smtClean="0">
+                <a:latin typeface="Times New Roman" panose="02020603050405020304" pitchFamily="18" charset="0"/>
+                <a:cs typeface="Times New Roman" panose="02020603050405020304" pitchFamily="18" charset="0"/>
+              </a:rPr>
+              <a:t> qua </a:t>
+            </a:r>
+            <a:r>
+              <a:rPr lang="en-US" sz="2000" b="1" dirty="0" err="1" smtClean="0">
+                <a:latin typeface="Times New Roman" panose="02020603050405020304" pitchFamily="18" charset="0"/>
+                <a:cs typeface="Times New Roman" panose="02020603050405020304" pitchFamily="18" charset="0"/>
+              </a:rPr>
+              <a:t>bộ</a:t>
+            </a:r>
+            <a:r>
+              <a:rPr lang="en-US" sz="2000" b="1" dirty="0" smtClean="0">
+                <a:latin typeface="Times New Roman" panose="02020603050405020304" pitchFamily="18" charset="0"/>
+                <a:cs typeface="Times New Roman" panose="02020603050405020304" pitchFamily="18" charset="0"/>
+              </a:rPr>
+              <a:t> </a:t>
+            </a:r>
+            <a:r>
+              <a:rPr lang="en-US" sz="2000" b="1" dirty="0" err="1" smtClean="0">
+                <a:latin typeface="Times New Roman" panose="02020603050405020304" pitchFamily="18" charset="0"/>
+                <a:cs typeface="Times New Roman" panose="02020603050405020304" pitchFamily="18" charset="0"/>
+              </a:rPr>
+              <a:t>lọc</a:t>
+            </a:r>
+            <a:r>
+              <a:rPr lang="en-US" sz="2000" b="1" dirty="0" smtClean="0">
+                <a:latin typeface="Times New Roman" panose="02020603050405020304" pitchFamily="18" charset="0"/>
+                <a:cs typeface="Times New Roman" panose="02020603050405020304" pitchFamily="18" charset="0"/>
+              </a:rPr>
+              <a:t> DFT</a:t>
+            </a:r>
+            <a:endParaRPr lang="en-US" sz="2000" b="1" dirty="0">
+              <a:latin typeface="Times New Roman" panose="02020603050405020304" pitchFamily="18" charset="0"/>
+              <a:cs typeface="Times New Roman" panose="02020603050405020304" pitchFamily="18" charset="0"/>
+            </a:endParaRPr>
+          </a:p>
+        </p:txBody>
+      </p:sp>
+    </p:spTree>
+    <p:extLst>
+      <p:ext uri="{BB962C8B-B14F-4D97-AF65-F5344CB8AC3E}">
+        <p14:creationId xmlns:p14="http://schemas.microsoft.com/office/powerpoint/2010/main" val="1317495577"/>
+      </p:ext>
+    </p:extLst>
+  </p:cSld>
+  <p:clrMapOvr>
+    <a:masterClrMapping/>
+  </p:clrMapOvr>
+  <p:timing>
+    <p:tnLst>
+      <p:par>
+        <p:cTn id="1" dur="indefinite" restart="never" nodeType="tmRoot"/>
+      </p:par>
+    </p:tnLst>
+  </p:timing>
+</p:sld>
+</file>
+
+<file path=ppt/slides/slide24.xml><?xml version="1.0" encoding="utf-8"?>
+<p:sld xmlns:a="http://schemas.openxmlformats.org/drawingml/2006/main" xmlns:r="http://schemas.openxmlformats.org/officeDocument/2006/relationships" xmlns:p="http://schemas.openxmlformats.org/presentationml/2006/main">
+  <p:cSld>
+    <p:spTree>
+      <p:nvGrpSpPr>
+        <p:cNvPr id="1" name=""/>
+        <p:cNvGrpSpPr/>
+        <p:nvPr/>
+      </p:nvGrpSpPr>
+      <p:grpSpPr>
+        <a:xfrm>
+          <a:off x="0" y="0"/>
+          <a:ext cx="0" cy="0"/>
+          <a:chOff x="0" y="0"/>
+          <a:chExt cx="0" cy="0"/>
+        </a:xfrm>
+      </p:grpSpPr>
+      <p:sp>
+        <p:nvSpPr>
+          <p:cNvPr id="2" name="Title 1">
+            <a:extLst>
+              <a:ext uri="{FF2B5EF4-FFF2-40B4-BE49-F238E27FC236}">
+                <a16:creationId xmlns:a16="http://schemas.microsoft.com/office/drawing/2014/main" id="{30593384-7DD1-E63D-43F9-4BD8EE39ACBD}"/>
+              </a:ext>
+            </a:extLst>
+          </p:cNvPr>
+          <p:cNvSpPr>
+            <a:spLocks noGrp="1"/>
+          </p:cNvSpPr>
+          <p:nvPr>
+            <p:ph type="title"/>
+          </p:nvPr>
+        </p:nvSpPr>
+        <p:spPr>
+          <a:xfrm>
+            <a:off x="997226" y="357809"/>
+            <a:ext cx="10515600" cy="806105"/>
+          </a:xfrm>
+        </p:spPr>
+        <p:txBody>
+          <a:bodyPr>
+            <a:normAutofit/>
+          </a:bodyPr>
+          <a:lstStyle/>
+          <a:p>
+            <a:pPr algn="ctr"/>
+            <a:r>
+              <a:rPr lang="en-US" sz="4000" b="1" dirty="0" smtClean="0">
+                <a:latin typeface="Times New Roman" panose="02020603050405020304" pitchFamily="18" charset="0"/>
+                <a:cs typeface="Times New Roman" panose="02020603050405020304" pitchFamily="18" charset="0"/>
+              </a:rPr>
+              <a:t>11. </a:t>
+            </a:r>
+            <a:r>
+              <a:rPr lang="en-US" sz="4000" b="1" dirty="0" err="1">
+                <a:latin typeface="Times New Roman" panose="02020603050405020304" pitchFamily="18" charset="0"/>
+                <a:cs typeface="Times New Roman" panose="02020603050405020304" pitchFamily="18" charset="0"/>
+              </a:rPr>
+              <a:t>Xây</a:t>
+            </a:r>
+            <a:r>
+              <a:rPr lang="en-US" sz="4000" b="1" dirty="0">
+                <a:latin typeface="Times New Roman" panose="02020603050405020304" pitchFamily="18" charset="0"/>
+                <a:cs typeface="Times New Roman" panose="02020603050405020304" pitchFamily="18" charset="0"/>
+              </a:rPr>
+              <a:t> </a:t>
+            </a:r>
+            <a:r>
+              <a:rPr lang="en-US" sz="4000" b="1" dirty="0" err="1">
+                <a:latin typeface="Times New Roman" panose="02020603050405020304" pitchFamily="18" charset="0"/>
+                <a:cs typeface="Times New Roman" panose="02020603050405020304" pitchFamily="18" charset="0"/>
+              </a:rPr>
+              <a:t>dựng</a:t>
+            </a:r>
+            <a:r>
+              <a:rPr lang="en-US" sz="4000" b="1" dirty="0">
+                <a:latin typeface="Times New Roman" panose="02020603050405020304" pitchFamily="18" charset="0"/>
+                <a:cs typeface="Times New Roman" panose="02020603050405020304" pitchFamily="18" charset="0"/>
+              </a:rPr>
+              <a:t> </a:t>
+            </a:r>
+            <a:r>
+              <a:rPr lang="en-US" sz="4000" b="1" dirty="0" err="1">
+                <a:latin typeface="Times New Roman" panose="02020603050405020304" pitchFamily="18" charset="0"/>
+                <a:cs typeface="Times New Roman" panose="02020603050405020304" pitchFamily="18" charset="0"/>
+              </a:rPr>
+              <a:t>hệ</a:t>
+            </a:r>
+            <a:r>
+              <a:rPr lang="en-US" sz="4000" b="1" dirty="0">
+                <a:latin typeface="Times New Roman" panose="02020603050405020304" pitchFamily="18" charset="0"/>
+                <a:cs typeface="Times New Roman" panose="02020603050405020304" pitchFamily="18" charset="0"/>
+              </a:rPr>
+              <a:t> </a:t>
+            </a:r>
+            <a:r>
+              <a:rPr lang="en-US" sz="4000" b="1" dirty="0" err="1">
+                <a:latin typeface="Times New Roman" panose="02020603050405020304" pitchFamily="18" charset="0"/>
+                <a:cs typeface="Times New Roman" panose="02020603050405020304" pitchFamily="18" charset="0"/>
+              </a:rPr>
+              <a:t>thống</a:t>
+            </a:r>
+            <a:r>
+              <a:rPr lang="en-US" sz="4000" b="1" dirty="0">
+                <a:latin typeface="Times New Roman" panose="02020603050405020304" pitchFamily="18" charset="0"/>
+                <a:cs typeface="Times New Roman" panose="02020603050405020304" pitchFamily="18" charset="0"/>
+              </a:rPr>
+              <a:t> </a:t>
+            </a:r>
+            <a:r>
+              <a:rPr lang="en-US" sz="4000" b="1" dirty="0" err="1">
+                <a:latin typeface="Times New Roman" panose="02020603050405020304" pitchFamily="18" charset="0"/>
+                <a:cs typeface="Times New Roman" panose="02020603050405020304" pitchFamily="18" charset="0"/>
+              </a:rPr>
+              <a:t>ứng</a:t>
+            </a:r>
+            <a:r>
+              <a:rPr lang="en-US" sz="4000" b="1" dirty="0">
+                <a:latin typeface="Times New Roman" panose="02020603050405020304" pitchFamily="18" charset="0"/>
+                <a:cs typeface="Times New Roman" panose="02020603050405020304" pitchFamily="18" charset="0"/>
+              </a:rPr>
+              <a:t> </a:t>
+            </a:r>
+            <a:r>
+              <a:rPr lang="en-US" sz="4000" b="1" dirty="0" err="1">
+                <a:latin typeface="Times New Roman" panose="02020603050405020304" pitchFamily="18" charset="0"/>
+                <a:cs typeface="Times New Roman" panose="02020603050405020304" pitchFamily="18" charset="0"/>
+              </a:rPr>
+              <a:t>dụng</a:t>
+            </a:r>
+            <a:endParaRPr lang="en-US" sz="4000" b="1" dirty="0">
+              <a:latin typeface="Times New Roman" panose="02020603050405020304" pitchFamily="18" charset="0"/>
+              <a:cs typeface="Times New Roman" panose="02020603050405020304" pitchFamily="18" charset="0"/>
+            </a:endParaRPr>
+          </a:p>
+        </p:txBody>
+      </p:sp>
+      <p:sp>
+        <p:nvSpPr>
+          <p:cNvPr id="3" name="Content Placeholder 2">
+            <a:extLst>
+              <a:ext uri="{FF2B5EF4-FFF2-40B4-BE49-F238E27FC236}">
+                <a16:creationId xmlns:a16="http://schemas.microsoft.com/office/drawing/2014/main" id="{2DA16B33-8598-160F-ADC2-F6E145E01E31}"/>
+              </a:ext>
+            </a:extLst>
+          </p:cNvPr>
+          <p:cNvSpPr>
+            <a:spLocks noGrp="1"/>
+          </p:cNvSpPr>
+          <p:nvPr>
+            <p:ph idx="1"/>
+          </p:nvPr>
+        </p:nvSpPr>
+        <p:spPr>
+          <a:xfrm>
+            <a:off x="838200" y="1163914"/>
+            <a:ext cx="10515600" cy="4845120"/>
+          </a:xfrm>
+        </p:spPr>
+        <p:txBody>
+          <a:bodyPr/>
+          <a:lstStyle/>
+          <a:p>
+            <a:pPr>
+              <a:lnSpc>
+                <a:spcPct val="150000"/>
+              </a:lnSpc>
+            </a:pPr>
+            <a:r>
+              <a:rPr lang="en-US" sz="2800" kern="100" dirty="0" err="1">
+                <a:effectLst/>
+                <a:latin typeface="Times New Roman" panose="02020603050405020304" pitchFamily="18" charset="0"/>
+                <a:ea typeface="Arial" panose="020B0604020202020204" pitchFamily="34" charset="0"/>
+                <a:cs typeface="Angsana New" panose="02020603050405020304" pitchFamily="18" charset="-34"/>
+              </a:rPr>
+              <a:t>Chức</a:t>
+            </a:r>
+            <a:r>
+              <a:rPr lang="en-US" sz="2800" kern="100" dirty="0">
+                <a:effectLst/>
+                <a:latin typeface="Times New Roman" panose="02020603050405020304" pitchFamily="18" charset="0"/>
+                <a:ea typeface="Arial" panose="020B0604020202020204" pitchFamily="34" charset="0"/>
+                <a:cs typeface="Angsana New" panose="02020603050405020304" pitchFamily="18" charset="-34"/>
+              </a:rPr>
+              <a:t> </a:t>
+            </a:r>
+            <a:r>
+              <a:rPr lang="en-US" sz="2800" kern="100" dirty="0" err="1">
+                <a:effectLst/>
+                <a:latin typeface="Times New Roman" panose="02020603050405020304" pitchFamily="18" charset="0"/>
+                <a:ea typeface="Arial" panose="020B0604020202020204" pitchFamily="34" charset="0"/>
+                <a:cs typeface="Angsana New" panose="02020603050405020304" pitchFamily="18" charset="-34"/>
+              </a:rPr>
+              <a:t>năng</a:t>
+            </a:r>
+            <a:r>
+              <a:rPr lang="en-US" sz="2800" kern="100" dirty="0">
+                <a:effectLst/>
+                <a:latin typeface="Times New Roman" panose="02020603050405020304" pitchFamily="18" charset="0"/>
+                <a:ea typeface="Arial" panose="020B0604020202020204" pitchFamily="34" charset="0"/>
+                <a:cs typeface="Angsana New" panose="02020603050405020304" pitchFamily="18" charset="-34"/>
+              </a:rPr>
+              <a:t> </a:t>
+            </a:r>
+            <a:r>
+              <a:rPr lang="en-US" sz="2800" kern="100" dirty="0" err="1">
+                <a:effectLst/>
+                <a:latin typeface="Times New Roman" panose="02020603050405020304" pitchFamily="18" charset="0"/>
+                <a:ea typeface="Arial" panose="020B0604020202020204" pitchFamily="34" charset="0"/>
+                <a:cs typeface="Angsana New" panose="02020603050405020304" pitchFamily="18" charset="-34"/>
+              </a:rPr>
+              <a:t>chính</a:t>
+            </a:r>
+            <a:r>
+              <a:rPr lang="en-US" sz="2800" kern="100" dirty="0">
+                <a:effectLst/>
+                <a:latin typeface="Times New Roman" panose="02020603050405020304" pitchFamily="18" charset="0"/>
+                <a:ea typeface="Arial" panose="020B0604020202020204" pitchFamily="34" charset="0"/>
+                <a:cs typeface="Angsana New" panose="02020603050405020304" pitchFamily="18" charset="-34"/>
+              </a:rPr>
+              <a:t>: </a:t>
+            </a:r>
+            <a:r>
+              <a:rPr lang="en-US" sz="2800" kern="100" dirty="0" err="1">
+                <a:effectLst/>
+                <a:latin typeface="Times New Roman" panose="02020603050405020304" pitchFamily="18" charset="0"/>
+                <a:ea typeface="Arial" panose="020B0604020202020204" pitchFamily="34" charset="0"/>
+                <a:cs typeface="Angsana New" panose="02020603050405020304" pitchFamily="18" charset="-34"/>
+              </a:rPr>
+              <a:t>Lấy</a:t>
+            </a:r>
+            <a:r>
+              <a:rPr lang="en-US" sz="2800" kern="100" dirty="0">
+                <a:effectLst/>
+                <a:latin typeface="Times New Roman" panose="02020603050405020304" pitchFamily="18" charset="0"/>
+                <a:ea typeface="Arial" panose="020B0604020202020204" pitchFamily="34" charset="0"/>
+                <a:cs typeface="Angsana New" panose="02020603050405020304" pitchFamily="18" charset="-34"/>
+              </a:rPr>
+              <a:t> </a:t>
+            </a:r>
+            <a:r>
+              <a:rPr lang="en-US" sz="2800" kern="100" dirty="0" err="1">
+                <a:effectLst/>
+                <a:latin typeface="Times New Roman" panose="02020603050405020304" pitchFamily="18" charset="0"/>
+                <a:ea typeface="Arial" panose="020B0604020202020204" pitchFamily="34" charset="0"/>
+                <a:cs typeface="Angsana New" panose="02020603050405020304" pitchFamily="18" charset="-34"/>
+              </a:rPr>
+              <a:t>ảnh</a:t>
+            </a:r>
+            <a:r>
+              <a:rPr lang="en-US" sz="2800" kern="100" dirty="0">
+                <a:effectLst/>
+                <a:latin typeface="Times New Roman" panose="02020603050405020304" pitchFamily="18" charset="0"/>
+                <a:ea typeface="Arial" panose="020B0604020202020204" pitchFamily="34" charset="0"/>
+                <a:cs typeface="Angsana New" panose="02020603050405020304" pitchFamily="18" charset="-34"/>
+              </a:rPr>
+              <a:t> </a:t>
+            </a:r>
+            <a:r>
+              <a:rPr lang="en-US" sz="2800" kern="100" dirty="0" err="1">
+                <a:effectLst/>
+                <a:latin typeface="Times New Roman" panose="02020603050405020304" pitchFamily="18" charset="0"/>
+                <a:ea typeface="Arial" panose="020B0604020202020204" pitchFamily="34" charset="0"/>
+                <a:cs typeface="Angsana New" panose="02020603050405020304" pitchFamily="18" charset="-34"/>
+              </a:rPr>
+              <a:t>từ</a:t>
+            </a:r>
+            <a:r>
+              <a:rPr lang="en-US" sz="2800" kern="100" dirty="0">
+                <a:effectLst/>
+                <a:latin typeface="Times New Roman" panose="02020603050405020304" pitchFamily="18" charset="0"/>
+                <a:ea typeface="Arial" panose="020B0604020202020204" pitchFamily="34" charset="0"/>
+                <a:cs typeface="Angsana New" panose="02020603050405020304" pitchFamily="18" charset="-34"/>
+              </a:rPr>
+              <a:t> </a:t>
+            </a:r>
+            <a:r>
+              <a:rPr lang="en-US" sz="2800" kern="100" dirty="0" err="1">
+                <a:effectLst/>
+                <a:latin typeface="Times New Roman" panose="02020603050405020304" pitchFamily="18" charset="0"/>
+                <a:ea typeface="Arial" panose="020B0604020202020204" pitchFamily="34" charset="0"/>
+                <a:cs typeface="Angsana New" panose="02020603050405020304" pitchFamily="18" charset="-34"/>
+              </a:rPr>
+              <a:t>thiết</a:t>
+            </a:r>
+            <a:r>
+              <a:rPr lang="en-US" sz="2800" kern="100" dirty="0">
+                <a:effectLst/>
+                <a:latin typeface="Times New Roman" panose="02020603050405020304" pitchFamily="18" charset="0"/>
+                <a:ea typeface="Arial" panose="020B0604020202020204" pitchFamily="34" charset="0"/>
+                <a:cs typeface="Angsana New" panose="02020603050405020304" pitchFamily="18" charset="-34"/>
+              </a:rPr>
+              <a:t> </a:t>
+            </a:r>
+            <a:r>
+              <a:rPr lang="en-US" sz="2800" kern="100" dirty="0" err="1">
+                <a:effectLst/>
+                <a:latin typeface="Times New Roman" panose="02020603050405020304" pitchFamily="18" charset="0"/>
+                <a:ea typeface="Arial" panose="020B0604020202020204" pitchFamily="34" charset="0"/>
+                <a:cs typeface="Angsana New" panose="02020603050405020304" pitchFamily="18" charset="-34"/>
+              </a:rPr>
+              <a:t>bị</a:t>
+            </a:r>
+            <a:r>
+              <a:rPr lang="en-US" sz="2800" kern="100" dirty="0">
+                <a:effectLst/>
+                <a:latin typeface="Times New Roman" panose="02020603050405020304" pitchFamily="18" charset="0"/>
+                <a:ea typeface="Arial" panose="020B0604020202020204" pitchFamily="34" charset="0"/>
+                <a:cs typeface="Angsana New" panose="02020603050405020304" pitchFamily="18" charset="-34"/>
+              </a:rPr>
+              <a:t>, </a:t>
+            </a:r>
+            <a:r>
+              <a:rPr lang="en-US" sz="2800" kern="100" dirty="0" err="1">
+                <a:effectLst/>
+                <a:latin typeface="Times New Roman" panose="02020603050405020304" pitchFamily="18" charset="0"/>
+                <a:ea typeface="Arial" panose="020B0604020202020204" pitchFamily="34" charset="0"/>
+                <a:cs typeface="Angsana New" panose="02020603050405020304" pitchFamily="18" charset="-34"/>
+              </a:rPr>
+              <a:t>hiên</a:t>
+            </a:r>
+            <a:r>
+              <a:rPr lang="en-US" sz="2800" kern="100" dirty="0">
+                <a:effectLst/>
+                <a:latin typeface="Times New Roman" panose="02020603050405020304" pitchFamily="18" charset="0"/>
+                <a:ea typeface="Arial" panose="020B0604020202020204" pitchFamily="34" charset="0"/>
+                <a:cs typeface="Angsana New" panose="02020603050405020304" pitchFamily="18" charset="-34"/>
+              </a:rPr>
+              <a:t> </a:t>
+            </a:r>
+            <a:r>
+              <a:rPr lang="en-US" sz="2800" kern="100" dirty="0" err="1">
+                <a:effectLst/>
+                <a:latin typeface="Times New Roman" panose="02020603050405020304" pitchFamily="18" charset="0"/>
+                <a:ea typeface="Arial" panose="020B0604020202020204" pitchFamily="34" charset="0"/>
+                <a:cs typeface="Angsana New" panose="02020603050405020304" pitchFamily="18" charset="-34"/>
+              </a:rPr>
+              <a:t>thị</a:t>
+            </a:r>
+            <a:r>
+              <a:rPr lang="en-US" sz="2800" kern="100" dirty="0">
+                <a:effectLst/>
+                <a:latin typeface="Times New Roman" panose="02020603050405020304" pitchFamily="18" charset="0"/>
+                <a:ea typeface="Arial" panose="020B0604020202020204" pitchFamily="34" charset="0"/>
+                <a:cs typeface="Angsana New" panose="02020603050405020304" pitchFamily="18" charset="-34"/>
+              </a:rPr>
+              <a:t> </a:t>
+            </a:r>
+            <a:r>
+              <a:rPr lang="en-US" sz="2800" kern="100" dirty="0" err="1">
+                <a:effectLst/>
+                <a:latin typeface="Times New Roman" panose="02020603050405020304" pitchFamily="18" charset="0"/>
+                <a:ea typeface="Arial" panose="020B0604020202020204" pitchFamily="34" charset="0"/>
+                <a:cs typeface="Angsana New" panose="02020603050405020304" pitchFamily="18" charset="-34"/>
+              </a:rPr>
+              <a:t>hình</a:t>
+            </a:r>
+            <a:r>
+              <a:rPr lang="en-US" sz="2800" kern="100" dirty="0">
+                <a:effectLst/>
+                <a:latin typeface="Times New Roman" panose="02020603050405020304" pitchFamily="18" charset="0"/>
+                <a:ea typeface="Arial" panose="020B0604020202020204" pitchFamily="34" charset="0"/>
+                <a:cs typeface="Angsana New" panose="02020603050405020304" pitchFamily="18" charset="-34"/>
+              </a:rPr>
+              <a:t> </a:t>
+            </a:r>
+            <a:r>
+              <a:rPr lang="en-US" sz="2800" kern="100" dirty="0" err="1">
+                <a:effectLst/>
+                <a:latin typeface="Times New Roman" panose="02020603050405020304" pitchFamily="18" charset="0"/>
+                <a:ea typeface="Arial" panose="020B0604020202020204" pitchFamily="34" charset="0"/>
+                <a:cs typeface="Angsana New" panose="02020603050405020304" pitchFamily="18" charset="-34"/>
+              </a:rPr>
+              <a:t>ảnh</a:t>
+            </a:r>
+            <a:r>
+              <a:rPr lang="en-US" sz="2800" kern="100" dirty="0">
+                <a:effectLst/>
+                <a:latin typeface="Times New Roman" panose="02020603050405020304" pitchFamily="18" charset="0"/>
+                <a:ea typeface="Arial" panose="020B0604020202020204" pitchFamily="34" charset="0"/>
+                <a:cs typeface="Angsana New" panose="02020603050405020304" pitchFamily="18" charset="-34"/>
+              </a:rPr>
+              <a:t>, </a:t>
+            </a:r>
+            <a:r>
+              <a:rPr lang="en-US" sz="2800" kern="100" dirty="0" err="1">
+                <a:effectLst/>
+                <a:latin typeface="Times New Roman" panose="02020603050405020304" pitchFamily="18" charset="0"/>
+                <a:ea typeface="Arial" panose="020B0604020202020204" pitchFamily="34" charset="0"/>
+                <a:cs typeface="Angsana New" panose="02020603050405020304" pitchFamily="18" charset="-34"/>
+              </a:rPr>
+              <a:t>các</a:t>
+            </a:r>
+            <a:r>
+              <a:rPr lang="en-US" sz="2800" kern="100" dirty="0">
+                <a:effectLst/>
+                <a:latin typeface="Times New Roman" panose="02020603050405020304" pitchFamily="18" charset="0"/>
+                <a:ea typeface="Arial" panose="020B0604020202020204" pitchFamily="34" charset="0"/>
+                <a:cs typeface="Angsana New" panose="02020603050405020304" pitchFamily="18" charset="-34"/>
+              </a:rPr>
+              <a:t> button </a:t>
+            </a:r>
+            <a:r>
+              <a:rPr lang="en-US" sz="2800" kern="100" dirty="0" err="1">
+                <a:effectLst/>
+                <a:latin typeface="Times New Roman" panose="02020603050405020304" pitchFamily="18" charset="0"/>
+                <a:ea typeface="Arial" panose="020B0604020202020204" pitchFamily="34" charset="0"/>
+                <a:cs typeface="Angsana New" panose="02020603050405020304" pitchFamily="18" charset="-34"/>
+              </a:rPr>
+              <a:t>chuyển</a:t>
+            </a:r>
+            <a:r>
+              <a:rPr lang="en-US" sz="2800" kern="100" dirty="0">
+                <a:effectLst/>
+                <a:latin typeface="Times New Roman" panose="02020603050405020304" pitchFamily="18" charset="0"/>
+                <a:ea typeface="Arial" panose="020B0604020202020204" pitchFamily="34" charset="0"/>
+                <a:cs typeface="Angsana New" panose="02020603050405020304" pitchFamily="18" charset="-34"/>
+              </a:rPr>
+              <a:t> </a:t>
+            </a:r>
+            <a:r>
+              <a:rPr lang="en-US" sz="2800" kern="100" dirty="0" err="1">
+                <a:effectLst/>
+                <a:latin typeface="Times New Roman" panose="02020603050405020304" pitchFamily="18" charset="0"/>
+                <a:ea typeface="Arial" panose="020B0604020202020204" pitchFamily="34" charset="0"/>
+                <a:cs typeface="Angsana New" panose="02020603050405020304" pitchFamily="18" charset="-34"/>
+              </a:rPr>
+              <a:t>đổi</a:t>
+            </a:r>
+            <a:r>
+              <a:rPr lang="en-US" sz="2800" kern="100" dirty="0">
+                <a:effectLst/>
+                <a:latin typeface="Times New Roman" panose="02020603050405020304" pitchFamily="18" charset="0"/>
+                <a:ea typeface="Arial" panose="020B0604020202020204" pitchFamily="34" charset="0"/>
+                <a:cs typeface="Angsana New" panose="02020603050405020304" pitchFamily="18" charset="-34"/>
+              </a:rPr>
+              <a:t> </a:t>
+            </a:r>
+            <a:r>
+              <a:rPr lang="en-US" sz="2800" kern="100" dirty="0" err="1">
+                <a:effectLst/>
+                <a:latin typeface="Times New Roman" panose="02020603050405020304" pitchFamily="18" charset="0"/>
+                <a:ea typeface="Arial" panose="020B0604020202020204" pitchFamily="34" charset="0"/>
+                <a:cs typeface="Angsana New" panose="02020603050405020304" pitchFamily="18" charset="-34"/>
+              </a:rPr>
+              <a:t>các</a:t>
+            </a:r>
+            <a:r>
+              <a:rPr lang="en-US" sz="2800" kern="100" dirty="0">
+                <a:effectLst/>
+                <a:latin typeface="Times New Roman" panose="02020603050405020304" pitchFamily="18" charset="0"/>
+                <a:ea typeface="Arial" panose="020B0604020202020204" pitchFamily="34" charset="0"/>
+                <a:cs typeface="Angsana New" panose="02020603050405020304" pitchFamily="18" charset="-34"/>
+              </a:rPr>
+              <a:t> </a:t>
+            </a:r>
+            <a:r>
+              <a:rPr lang="en-US" sz="2800" kern="100" dirty="0" err="1">
+                <a:effectLst/>
+                <a:latin typeface="Times New Roman" panose="02020603050405020304" pitchFamily="18" charset="0"/>
+                <a:ea typeface="Arial" panose="020B0604020202020204" pitchFamily="34" charset="0"/>
+                <a:cs typeface="Angsana New" panose="02020603050405020304" pitchFamily="18" charset="-34"/>
+              </a:rPr>
+              <a:t>bộ</a:t>
+            </a:r>
+            <a:r>
+              <a:rPr lang="en-US" sz="2800" kern="100" dirty="0">
+                <a:effectLst/>
+                <a:latin typeface="Times New Roman" panose="02020603050405020304" pitchFamily="18" charset="0"/>
+                <a:ea typeface="Arial" panose="020B0604020202020204" pitchFamily="34" charset="0"/>
+                <a:cs typeface="Angsana New" panose="02020603050405020304" pitchFamily="18" charset="-34"/>
+              </a:rPr>
+              <a:t> </a:t>
+            </a:r>
+            <a:r>
+              <a:rPr lang="en-US" sz="2800" kern="100" dirty="0" err="1">
+                <a:effectLst/>
+                <a:latin typeface="Times New Roman" panose="02020603050405020304" pitchFamily="18" charset="0"/>
+                <a:ea typeface="Arial" panose="020B0604020202020204" pitchFamily="34" charset="0"/>
+                <a:cs typeface="Angsana New" panose="02020603050405020304" pitchFamily="18" charset="-34"/>
+              </a:rPr>
+              <a:t>lọc</a:t>
+            </a:r>
+            <a:r>
+              <a:rPr lang="en-US" sz="2800" kern="100" dirty="0">
+                <a:effectLst/>
+                <a:latin typeface="Times New Roman" panose="02020603050405020304" pitchFamily="18" charset="0"/>
+                <a:ea typeface="Arial" panose="020B0604020202020204" pitchFamily="34" charset="0"/>
+                <a:cs typeface="Angsana New" panose="02020603050405020304" pitchFamily="18" charset="-34"/>
+              </a:rPr>
+              <a:t>, reset </a:t>
+            </a:r>
+            <a:r>
+              <a:rPr lang="en-US" sz="2800" kern="100" dirty="0" err="1">
+                <a:effectLst/>
+                <a:latin typeface="Times New Roman" panose="02020603050405020304" pitchFamily="18" charset="0"/>
+                <a:ea typeface="Arial" panose="020B0604020202020204" pitchFamily="34" charset="0"/>
+                <a:cs typeface="Angsana New" panose="02020603050405020304" pitchFamily="18" charset="-34"/>
+              </a:rPr>
+              <a:t>bộ</a:t>
+            </a:r>
+            <a:r>
+              <a:rPr lang="en-US" sz="2800" kern="100" dirty="0">
+                <a:effectLst/>
+                <a:latin typeface="Times New Roman" panose="02020603050405020304" pitchFamily="18" charset="0"/>
+                <a:ea typeface="Arial" panose="020B0604020202020204" pitchFamily="34" charset="0"/>
+                <a:cs typeface="Angsana New" panose="02020603050405020304" pitchFamily="18" charset="-34"/>
+              </a:rPr>
+              <a:t> </a:t>
+            </a:r>
+            <a:r>
+              <a:rPr lang="en-US" sz="2800" kern="100" dirty="0" err="1">
+                <a:effectLst/>
+                <a:latin typeface="Times New Roman" panose="02020603050405020304" pitchFamily="18" charset="0"/>
+                <a:ea typeface="Arial" panose="020B0604020202020204" pitchFamily="34" charset="0"/>
+                <a:cs typeface="Angsana New" panose="02020603050405020304" pitchFamily="18" charset="-34"/>
+              </a:rPr>
+              <a:t>lọc</a:t>
+            </a:r>
+            <a:r>
+              <a:rPr lang="en-US" sz="2800" kern="100" dirty="0">
+                <a:effectLst/>
+                <a:latin typeface="Times New Roman" panose="02020603050405020304" pitchFamily="18" charset="0"/>
+                <a:ea typeface="Arial" panose="020B0604020202020204" pitchFamily="34" charset="0"/>
+                <a:cs typeface="Angsana New" panose="02020603050405020304" pitchFamily="18" charset="-34"/>
+              </a:rPr>
+              <a:t>, </a:t>
+            </a:r>
+            <a:r>
+              <a:rPr lang="en-US" sz="2800" kern="100" dirty="0" err="1">
+                <a:effectLst/>
+                <a:latin typeface="Times New Roman" panose="02020603050405020304" pitchFamily="18" charset="0"/>
+                <a:ea typeface="Arial" panose="020B0604020202020204" pitchFamily="34" charset="0"/>
+                <a:cs typeface="Angsana New" panose="02020603050405020304" pitchFamily="18" charset="-34"/>
+              </a:rPr>
+              <a:t>lưu</a:t>
+            </a:r>
+            <a:r>
+              <a:rPr lang="en-US" sz="2800" kern="100" dirty="0">
+                <a:effectLst/>
+                <a:latin typeface="Times New Roman" panose="02020603050405020304" pitchFamily="18" charset="0"/>
+                <a:ea typeface="Arial" panose="020B0604020202020204" pitchFamily="34" charset="0"/>
+                <a:cs typeface="Angsana New" panose="02020603050405020304" pitchFamily="18" charset="-34"/>
+              </a:rPr>
+              <a:t> </a:t>
+            </a:r>
+            <a:r>
+              <a:rPr lang="en-US" sz="2800" kern="100" dirty="0" err="1">
+                <a:effectLst/>
+                <a:latin typeface="Times New Roman" panose="02020603050405020304" pitchFamily="18" charset="0"/>
+                <a:ea typeface="Arial" panose="020B0604020202020204" pitchFamily="34" charset="0"/>
+                <a:cs typeface="Angsana New" panose="02020603050405020304" pitchFamily="18" charset="-34"/>
+              </a:rPr>
+              <a:t>ảnh</a:t>
+            </a:r>
+            <a:endParaRPr lang="en-US" dirty="0"/>
+          </a:p>
+          <a:p>
+            <a:pPr marL="0" indent="0">
+              <a:buNone/>
+            </a:pPr>
+            <a:endParaRPr lang="en-US" dirty="0">
+              <a:latin typeface="Times New Roman" panose="02020603050405020304" pitchFamily="18" charset="0"/>
+              <a:cs typeface="Times New Roman" panose="02020603050405020304" pitchFamily="18" charset="0"/>
+            </a:endParaRPr>
+          </a:p>
+        </p:txBody>
+      </p:sp>
+      <p:sp>
+        <p:nvSpPr>
+          <p:cNvPr id="5" name="TextBox 4"/>
+          <p:cNvSpPr txBox="1"/>
+          <p:nvPr/>
+        </p:nvSpPr>
+        <p:spPr>
+          <a:xfrm>
+            <a:off x="7079530" y="4258167"/>
+            <a:ext cx="3120272" cy="400110"/>
+          </a:xfrm>
+          <a:prstGeom prst="rect">
+            <a:avLst/>
+          </a:prstGeom>
+          <a:noFill/>
+        </p:spPr>
+        <p:txBody>
+          <a:bodyPr wrap="square" rtlCol="0">
+            <a:spAutoFit/>
+          </a:bodyPr>
+          <a:lstStyle/>
+          <a:p>
+            <a:r>
+              <a:rPr lang="en-US" sz="2000" b="1" dirty="0" smtClean="0">
+                <a:latin typeface="Times New Roman" panose="02020603050405020304" pitchFamily="18" charset="0"/>
+                <a:cs typeface="Times New Roman" panose="02020603050405020304" pitchFamily="18" charset="0"/>
+              </a:rPr>
+              <a:t>GUI </a:t>
+            </a:r>
+            <a:r>
+              <a:rPr lang="en-US" sz="2000" b="1" dirty="0" err="1" smtClean="0">
+                <a:latin typeface="Times New Roman" panose="02020603050405020304" pitchFamily="18" charset="0"/>
+                <a:cs typeface="Times New Roman" panose="02020603050405020304" pitchFamily="18" charset="0"/>
+              </a:rPr>
+              <a:t>ứng</a:t>
+            </a:r>
+            <a:r>
+              <a:rPr lang="en-US" sz="2000" b="1" dirty="0" smtClean="0">
+                <a:latin typeface="Times New Roman" panose="02020603050405020304" pitchFamily="18" charset="0"/>
+                <a:cs typeface="Times New Roman" panose="02020603050405020304" pitchFamily="18" charset="0"/>
+              </a:rPr>
+              <a:t> </a:t>
+            </a:r>
+            <a:r>
+              <a:rPr lang="en-US" sz="2000" b="1" dirty="0" err="1" smtClean="0">
+                <a:latin typeface="Times New Roman" panose="02020603050405020304" pitchFamily="18" charset="0"/>
+                <a:cs typeface="Times New Roman" panose="02020603050405020304" pitchFamily="18" charset="0"/>
+              </a:rPr>
+              <a:t>dụng</a:t>
+            </a:r>
+            <a:r>
+              <a:rPr lang="en-US" sz="2000" b="1" dirty="0" smtClean="0">
+                <a:latin typeface="Times New Roman" panose="02020603050405020304" pitchFamily="18" charset="0"/>
+                <a:cs typeface="Times New Roman" panose="02020603050405020304" pitchFamily="18" charset="0"/>
+              </a:rPr>
+              <a:t> </a:t>
+            </a:r>
+            <a:r>
+              <a:rPr lang="en-US" sz="2000" b="1" dirty="0" err="1" smtClean="0">
+                <a:latin typeface="Times New Roman" panose="02020603050405020304" pitchFamily="18" charset="0"/>
+                <a:cs typeface="Times New Roman" panose="02020603050405020304" pitchFamily="18" charset="0"/>
+              </a:rPr>
+              <a:t>bộ</a:t>
+            </a:r>
+            <a:r>
+              <a:rPr lang="en-US" sz="2000" b="1" dirty="0" smtClean="0">
+                <a:latin typeface="Times New Roman" panose="02020603050405020304" pitchFamily="18" charset="0"/>
+                <a:cs typeface="Times New Roman" panose="02020603050405020304" pitchFamily="18" charset="0"/>
+              </a:rPr>
+              <a:t> </a:t>
+            </a:r>
+            <a:r>
+              <a:rPr lang="en-US" sz="2000" b="1" dirty="0" err="1" smtClean="0">
+                <a:latin typeface="Times New Roman" panose="02020603050405020304" pitchFamily="18" charset="0"/>
+                <a:cs typeface="Times New Roman" panose="02020603050405020304" pitchFamily="18" charset="0"/>
+              </a:rPr>
+              <a:t>lọc</a:t>
+            </a:r>
+            <a:r>
+              <a:rPr lang="en-US" sz="2000" b="1" dirty="0" smtClean="0">
+                <a:latin typeface="Times New Roman" panose="02020603050405020304" pitchFamily="18" charset="0"/>
+                <a:cs typeface="Times New Roman" panose="02020603050405020304" pitchFamily="18" charset="0"/>
+              </a:rPr>
+              <a:t> </a:t>
+            </a:r>
+            <a:r>
+              <a:rPr lang="en-US" sz="2000" b="1" dirty="0" err="1" smtClean="0">
+                <a:latin typeface="Times New Roman" panose="02020603050405020304" pitchFamily="18" charset="0"/>
+                <a:cs typeface="Times New Roman" panose="02020603050405020304" pitchFamily="18" charset="0"/>
+              </a:rPr>
+              <a:t>ảnh</a:t>
+            </a:r>
+            <a:endParaRPr lang="en-US" sz="2000" b="1" dirty="0">
+              <a:latin typeface="Times New Roman" panose="02020603050405020304" pitchFamily="18" charset="0"/>
+              <a:cs typeface="Times New Roman" panose="02020603050405020304" pitchFamily="18" charset="0"/>
+            </a:endParaRPr>
+          </a:p>
+        </p:txBody>
+      </p:sp>
+      <p:pic>
+        <p:nvPicPr>
+          <p:cNvPr id="7" name="Picture 6"/>
+          <p:cNvPicPr>
+            <a:picLocks noChangeAspect="1"/>
+          </p:cNvPicPr>
+          <p:nvPr/>
+        </p:nvPicPr>
+        <p:blipFill>
+          <a:blip r:embed="rId2"/>
+          <a:stretch>
+            <a:fillRect/>
+          </a:stretch>
+        </p:blipFill>
+        <p:spPr>
+          <a:xfrm>
+            <a:off x="1722622" y="2501797"/>
+            <a:ext cx="4722462" cy="3908430"/>
+          </a:xfrm>
+          <a:prstGeom prst="rect">
+            <a:avLst/>
+          </a:prstGeom>
+        </p:spPr>
+      </p:pic>
+    </p:spTree>
+    <p:extLst>
+      <p:ext uri="{BB962C8B-B14F-4D97-AF65-F5344CB8AC3E}">
+        <p14:creationId xmlns:p14="http://schemas.microsoft.com/office/powerpoint/2010/main" val="3969329454"/>
+      </p:ext>
+    </p:extLst>
+  </p:cSld>
+  <p:clrMapOvr>
+    <a:masterClrMapping/>
+  </p:clrMapOvr>
+  <p:transition spd="slow">
+    <p:wipe/>
+  </p:transition>
+  <p:timing>
+    <p:tnLst>
+      <p:par>
+        <p:cTn id="1" dur="indefinite" restart="never" nodeType="tmRoot"/>
+      </p:par>
+    </p:tnLst>
+  </p:timing>
+</p:sld>
+</file>
+
+<file path=ppt/slides/slide25.xml><?xml version="1.0" encoding="utf-8"?>
+<p:sld xmlns:a="http://schemas.openxmlformats.org/drawingml/2006/main" xmlns:r="http://schemas.openxmlformats.org/officeDocument/2006/relationships" xmlns:p="http://schemas.openxmlformats.org/presentationml/2006/main">
+  <p:cSld>
+    <p:spTree>
+      <p:nvGrpSpPr>
+        <p:cNvPr id="1" name=""/>
+        <p:cNvGrpSpPr/>
+        <p:nvPr/>
+      </p:nvGrpSpPr>
+      <p:grpSpPr>
+        <a:xfrm>
+          <a:off x="0" y="0"/>
+          <a:ext cx="0" cy="0"/>
+          <a:chOff x="0" y="0"/>
+          <a:chExt cx="0" cy="0"/>
+        </a:xfrm>
+      </p:grpSpPr>
+      <p:sp>
+        <p:nvSpPr>
+          <p:cNvPr id="2" name="Title 1">
+            <a:extLst>
+              <a:ext uri="{FF2B5EF4-FFF2-40B4-BE49-F238E27FC236}">
+                <a16:creationId xmlns:a16="http://schemas.microsoft.com/office/drawing/2014/main" id="{525282EB-D9B8-E7C0-3E43-C89010AC1170}"/>
+              </a:ext>
+            </a:extLst>
+          </p:cNvPr>
+          <p:cNvSpPr>
+            <a:spLocks noGrp="1"/>
+          </p:cNvSpPr>
+          <p:nvPr>
+            <p:ph type="title"/>
+          </p:nvPr>
+        </p:nvSpPr>
+        <p:spPr/>
+        <p:txBody>
+          <a:bodyPr>
+            <a:normAutofit/>
+          </a:bodyPr>
+          <a:lstStyle/>
+          <a:p>
+            <a:pPr algn="ctr"/>
+            <a:r>
+              <a:rPr lang="en-US" sz="4000" b="1" dirty="0" err="1">
+                <a:latin typeface="Times New Roman" panose="02020603050405020304" pitchFamily="18" charset="0"/>
+                <a:cs typeface="Times New Roman" panose="02020603050405020304" pitchFamily="18" charset="0"/>
+              </a:rPr>
+              <a:t>Tổng</a:t>
+            </a:r>
+            <a:r>
+              <a:rPr lang="en-US" sz="4000" b="1" dirty="0">
+                <a:latin typeface="Times New Roman" panose="02020603050405020304" pitchFamily="18" charset="0"/>
+                <a:cs typeface="Times New Roman" panose="02020603050405020304" pitchFamily="18" charset="0"/>
+              </a:rPr>
+              <a:t> </a:t>
+            </a:r>
+            <a:r>
+              <a:rPr lang="en-US" sz="4000" b="1" dirty="0" err="1">
+                <a:latin typeface="Times New Roman" panose="02020603050405020304" pitchFamily="18" charset="0"/>
+                <a:cs typeface="Times New Roman" panose="02020603050405020304" pitchFamily="18" charset="0"/>
+              </a:rPr>
+              <a:t>kết</a:t>
+            </a:r>
+            <a:endParaRPr lang="en-US" sz="4000" b="1" dirty="0">
+              <a:latin typeface="Times New Roman" panose="02020603050405020304" pitchFamily="18" charset="0"/>
+              <a:cs typeface="Times New Roman" panose="02020603050405020304" pitchFamily="18" charset="0"/>
+            </a:endParaRPr>
+          </a:p>
+        </p:txBody>
+      </p:sp>
+      <p:sp>
+        <p:nvSpPr>
+          <p:cNvPr id="3" name="Content Placeholder 2">
+            <a:extLst>
+              <a:ext uri="{FF2B5EF4-FFF2-40B4-BE49-F238E27FC236}">
+                <a16:creationId xmlns:a16="http://schemas.microsoft.com/office/drawing/2014/main" id="{AF9CF125-110E-FCA0-0012-A38C29028901}"/>
+              </a:ext>
+            </a:extLst>
+          </p:cNvPr>
+          <p:cNvSpPr>
+            <a:spLocks noGrp="1"/>
+          </p:cNvSpPr>
+          <p:nvPr>
+            <p:ph idx="1"/>
+          </p:nvPr>
+        </p:nvSpPr>
+        <p:spPr>
+          <a:xfrm>
+            <a:off x="1066800" y="1550504"/>
+            <a:ext cx="10515600" cy="4676154"/>
+          </a:xfrm>
+        </p:spPr>
+        <p:txBody>
+          <a:bodyPr/>
+          <a:lstStyle/>
+          <a:p>
+            <a:r>
+              <a:rPr lang="en-US" dirty="0" err="1" smtClean="0">
+                <a:latin typeface="Times New Roman" panose="02020603050405020304" pitchFamily="18" charset="0"/>
+                <a:cs typeface="Times New Roman" panose="02020603050405020304" pitchFamily="18" charset="0"/>
+              </a:rPr>
+              <a:t>Tìm</a:t>
+            </a:r>
+            <a:r>
+              <a:rPr lang="en-US" dirty="0" smtClean="0">
+                <a:latin typeface="Times New Roman" panose="02020603050405020304" pitchFamily="18" charset="0"/>
+                <a:cs typeface="Times New Roman" panose="02020603050405020304" pitchFamily="18" charset="0"/>
+              </a:rPr>
+              <a:t> </a:t>
+            </a:r>
+            <a:r>
+              <a:rPr lang="en-US" dirty="0" err="1" smtClean="0">
+                <a:latin typeface="Times New Roman" panose="02020603050405020304" pitchFamily="18" charset="0"/>
+                <a:cs typeface="Times New Roman" panose="02020603050405020304" pitchFamily="18" charset="0"/>
+              </a:rPr>
+              <a:t>hiểu</a:t>
+            </a:r>
+            <a:r>
+              <a:rPr lang="en-US" dirty="0" smtClean="0">
+                <a:latin typeface="Times New Roman" panose="02020603050405020304" pitchFamily="18" charset="0"/>
+                <a:cs typeface="Times New Roman" panose="02020603050405020304" pitchFamily="18" charset="0"/>
+              </a:rPr>
+              <a:t> </a:t>
+            </a:r>
+            <a:r>
+              <a:rPr lang="en-US" dirty="0" err="1" smtClean="0">
+                <a:latin typeface="Times New Roman" panose="02020603050405020304" pitchFamily="18" charset="0"/>
+                <a:cs typeface="Times New Roman" panose="02020603050405020304" pitchFamily="18" charset="0"/>
+              </a:rPr>
+              <a:t>cách</a:t>
+            </a:r>
+            <a:r>
+              <a:rPr lang="en-US" dirty="0" smtClean="0">
+                <a:latin typeface="Times New Roman" panose="02020603050405020304" pitchFamily="18" charset="0"/>
+                <a:cs typeface="Times New Roman" panose="02020603050405020304" pitchFamily="18" charset="0"/>
+              </a:rPr>
+              <a:t> </a:t>
+            </a:r>
+            <a:r>
+              <a:rPr lang="en-US" dirty="0" err="1" smtClean="0">
+                <a:latin typeface="Times New Roman" panose="02020603050405020304" pitchFamily="18" charset="0"/>
+                <a:cs typeface="Times New Roman" panose="02020603050405020304" pitchFamily="18" charset="0"/>
+              </a:rPr>
+              <a:t>tạo</a:t>
+            </a:r>
+            <a:r>
+              <a:rPr lang="en-US" dirty="0" smtClean="0">
+                <a:latin typeface="Times New Roman" panose="02020603050405020304" pitchFamily="18" charset="0"/>
+                <a:cs typeface="Times New Roman" panose="02020603050405020304" pitchFamily="18" charset="0"/>
+              </a:rPr>
+              <a:t> </a:t>
+            </a:r>
+            <a:r>
+              <a:rPr lang="en-US" dirty="0" err="1" smtClean="0">
+                <a:latin typeface="Times New Roman" panose="02020603050405020304" pitchFamily="18" charset="0"/>
+                <a:cs typeface="Times New Roman" panose="02020603050405020304" pitchFamily="18" charset="0"/>
+              </a:rPr>
+              <a:t>các</a:t>
+            </a:r>
+            <a:r>
+              <a:rPr lang="en-US" dirty="0" smtClean="0">
+                <a:latin typeface="Times New Roman" panose="02020603050405020304" pitchFamily="18" charset="0"/>
+                <a:cs typeface="Times New Roman" panose="02020603050405020304" pitchFamily="18" charset="0"/>
+              </a:rPr>
+              <a:t> </a:t>
+            </a:r>
+            <a:r>
+              <a:rPr lang="en-US" dirty="0" err="1" smtClean="0">
+                <a:latin typeface="Times New Roman" panose="02020603050405020304" pitchFamily="18" charset="0"/>
+                <a:cs typeface="Times New Roman" panose="02020603050405020304" pitchFamily="18" charset="0"/>
+              </a:rPr>
+              <a:t>bộ</a:t>
+            </a:r>
+            <a:r>
+              <a:rPr lang="en-US" dirty="0" smtClean="0">
+                <a:latin typeface="Times New Roman" panose="02020603050405020304" pitchFamily="18" charset="0"/>
+                <a:cs typeface="Times New Roman" panose="02020603050405020304" pitchFamily="18" charset="0"/>
+              </a:rPr>
+              <a:t> </a:t>
+            </a:r>
+            <a:r>
+              <a:rPr lang="en-US" dirty="0" err="1" smtClean="0">
+                <a:latin typeface="Times New Roman" panose="02020603050405020304" pitchFamily="18" charset="0"/>
+                <a:cs typeface="Times New Roman" panose="02020603050405020304" pitchFamily="18" charset="0"/>
+              </a:rPr>
+              <a:t>lọc</a:t>
+            </a:r>
+            <a:endParaRPr lang="en-US" dirty="0" smtClean="0">
+              <a:latin typeface="Times New Roman" panose="02020603050405020304" pitchFamily="18" charset="0"/>
+              <a:cs typeface="Times New Roman" panose="02020603050405020304" pitchFamily="18" charset="0"/>
+            </a:endParaRPr>
+          </a:p>
+          <a:p>
+            <a:r>
+              <a:rPr lang="en-US" dirty="0" err="1" smtClean="0">
+                <a:latin typeface="Times New Roman" panose="02020603050405020304" pitchFamily="18" charset="0"/>
+                <a:cs typeface="Times New Roman" panose="02020603050405020304" pitchFamily="18" charset="0"/>
+              </a:rPr>
+              <a:t>Xây</a:t>
+            </a:r>
+            <a:r>
+              <a:rPr lang="en-US" dirty="0" smtClean="0">
+                <a:latin typeface="Times New Roman" panose="02020603050405020304" pitchFamily="18" charset="0"/>
+                <a:cs typeface="Times New Roman" panose="02020603050405020304" pitchFamily="18" charset="0"/>
+              </a:rPr>
+              <a:t> </a:t>
+            </a:r>
+            <a:r>
+              <a:rPr lang="en-US" dirty="0" err="1">
+                <a:latin typeface="Times New Roman" panose="02020603050405020304" pitchFamily="18" charset="0"/>
+                <a:cs typeface="Times New Roman" panose="02020603050405020304" pitchFamily="18" charset="0"/>
+              </a:rPr>
+              <a:t>dựng</a:t>
+            </a:r>
+            <a:r>
+              <a:rPr lang="en-US" dirty="0">
+                <a:latin typeface="Times New Roman" panose="02020603050405020304" pitchFamily="18" charset="0"/>
+                <a:cs typeface="Times New Roman" panose="02020603050405020304" pitchFamily="18" charset="0"/>
+              </a:rPr>
+              <a:t> </a:t>
+            </a:r>
+            <a:r>
+              <a:rPr lang="en-US" dirty="0" err="1">
+                <a:latin typeface="Times New Roman" panose="02020603050405020304" pitchFamily="18" charset="0"/>
+                <a:cs typeface="Times New Roman" panose="02020603050405020304" pitchFamily="18" charset="0"/>
+              </a:rPr>
+              <a:t>được</a:t>
+            </a:r>
+            <a:r>
+              <a:rPr lang="en-US" dirty="0">
+                <a:latin typeface="Times New Roman" panose="02020603050405020304" pitchFamily="18" charset="0"/>
+                <a:cs typeface="Times New Roman" panose="02020603050405020304" pitchFamily="18" charset="0"/>
+              </a:rPr>
+              <a:t> </a:t>
+            </a:r>
+            <a:r>
+              <a:rPr lang="en-US" dirty="0" err="1">
+                <a:latin typeface="Times New Roman" panose="02020603050405020304" pitchFamily="18" charset="0"/>
+                <a:cs typeface="Times New Roman" panose="02020603050405020304" pitchFamily="18" charset="0"/>
+              </a:rPr>
+              <a:t>các</a:t>
+            </a:r>
+            <a:r>
+              <a:rPr lang="en-US" dirty="0">
+                <a:latin typeface="Times New Roman" panose="02020603050405020304" pitchFamily="18" charset="0"/>
+                <a:cs typeface="Times New Roman" panose="02020603050405020304" pitchFamily="18" charset="0"/>
+              </a:rPr>
+              <a:t> </a:t>
+            </a:r>
+            <a:r>
+              <a:rPr lang="en-US" dirty="0" err="1">
+                <a:latin typeface="Times New Roman" panose="02020603050405020304" pitchFamily="18" charset="0"/>
+                <a:cs typeface="Times New Roman" panose="02020603050405020304" pitchFamily="18" charset="0"/>
+              </a:rPr>
+              <a:t>bộ</a:t>
+            </a:r>
+            <a:r>
+              <a:rPr lang="en-US" dirty="0">
+                <a:latin typeface="Times New Roman" panose="02020603050405020304" pitchFamily="18" charset="0"/>
+                <a:cs typeface="Times New Roman" panose="02020603050405020304" pitchFamily="18" charset="0"/>
+              </a:rPr>
+              <a:t> </a:t>
+            </a:r>
+            <a:r>
+              <a:rPr lang="en-US" dirty="0" err="1">
+                <a:latin typeface="Times New Roman" panose="02020603050405020304" pitchFamily="18" charset="0"/>
+                <a:cs typeface="Times New Roman" panose="02020603050405020304" pitchFamily="18" charset="0"/>
+              </a:rPr>
+              <a:t>lọc</a:t>
+            </a:r>
+            <a:r>
+              <a:rPr lang="en-US" dirty="0">
+                <a:latin typeface="Times New Roman" panose="02020603050405020304" pitchFamily="18" charset="0"/>
+                <a:cs typeface="Times New Roman" panose="02020603050405020304" pitchFamily="18" charset="0"/>
+              </a:rPr>
+              <a:t> </a:t>
+            </a:r>
+            <a:r>
+              <a:rPr lang="en-US" dirty="0" err="1">
+                <a:latin typeface="Times New Roman" panose="02020603050405020304" pitchFamily="18" charset="0"/>
+                <a:cs typeface="Times New Roman" panose="02020603050405020304" pitchFamily="18" charset="0"/>
+              </a:rPr>
+              <a:t>đúng</a:t>
+            </a:r>
+            <a:r>
+              <a:rPr lang="en-US" dirty="0">
+                <a:latin typeface="Times New Roman" panose="02020603050405020304" pitchFamily="18" charset="0"/>
+                <a:cs typeface="Times New Roman" panose="02020603050405020304" pitchFamily="18" charset="0"/>
+              </a:rPr>
+              <a:t> </a:t>
+            </a:r>
+            <a:r>
+              <a:rPr lang="en-US" dirty="0" err="1">
+                <a:latin typeface="Times New Roman" panose="02020603050405020304" pitchFamily="18" charset="0"/>
+                <a:cs typeface="Times New Roman" panose="02020603050405020304" pitchFamily="18" charset="0"/>
+              </a:rPr>
+              <a:t>với</a:t>
+            </a:r>
+            <a:r>
+              <a:rPr lang="en-US" dirty="0">
+                <a:latin typeface="Times New Roman" panose="02020603050405020304" pitchFamily="18" charset="0"/>
+                <a:cs typeface="Times New Roman" panose="02020603050405020304" pitchFamily="18" charset="0"/>
+              </a:rPr>
+              <a:t> </a:t>
+            </a:r>
+            <a:r>
+              <a:rPr lang="en-US" dirty="0" err="1">
+                <a:latin typeface="Times New Roman" panose="02020603050405020304" pitchFamily="18" charset="0"/>
+                <a:cs typeface="Times New Roman" panose="02020603050405020304" pitchFamily="18" charset="0"/>
+              </a:rPr>
+              <a:t>yêu</a:t>
+            </a:r>
+            <a:r>
+              <a:rPr lang="en-US" dirty="0">
+                <a:latin typeface="Times New Roman" panose="02020603050405020304" pitchFamily="18" charset="0"/>
+                <a:cs typeface="Times New Roman" panose="02020603050405020304" pitchFamily="18" charset="0"/>
+              </a:rPr>
+              <a:t> </a:t>
+            </a:r>
+            <a:r>
+              <a:rPr lang="en-US" dirty="0" err="1">
+                <a:latin typeface="Times New Roman" panose="02020603050405020304" pitchFamily="18" charset="0"/>
+                <a:cs typeface="Times New Roman" panose="02020603050405020304" pitchFamily="18" charset="0"/>
+              </a:rPr>
+              <a:t>cầu</a:t>
+            </a:r>
+            <a:endParaRPr lang="en-US" dirty="0">
+              <a:latin typeface="Times New Roman" panose="02020603050405020304" pitchFamily="18" charset="0"/>
+              <a:cs typeface="Times New Roman" panose="02020603050405020304" pitchFamily="18" charset="0"/>
+            </a:endParaRPr>
+          </a:p>
+          <a:p>
+            <a:r>
+              <a:rPr lang="en-US" dirty="0" err="1">
+                <a:latin typeface="Times New Roman" panose="02020603050405020304" pitchFamily="18" charset="0"/>
+                <a:cs typeface="Times New Roman" panose="02020603050405020304" pitchFamily="18" charset="0"/>
+              </a:rPr>
+              <a:t>Thiết</a:t>
+            </a:r>
+            <a:r>
+              <a:rPr lang="en-US" dirty="0">
+                <a:latin typeface="Times New Roman" panose="02020603050405020304" pitchFamily="18" charset="0"/>
+                <a:cs typeface="Times New Roman" panose="02020603050405020304" pitchFamily="18" charset="0"/>
+              </a:rPr>
+              <a:t> </a:t>
+            </a:r>
+            <a:r>
+              <a:rPr lang="en-US" dirty="0" err="1">
+                <a:latin typeface="Times New Roman" panose="02020603050405020304" pitchFamily="18" charset="0"/>
+                <a:cs typeface="Times New Roman" panose="02020603050405020304" pitchFamily="18" charset="0"/>
+              </a:rPr>
+              <a:t>kế</a:t>
+            </a:r>
+            <a:r>
+              <a:rPr lang="en-US" dirty="0">
+                <a:latin typeface="Times New Roman" panose="02020603050405020304" pitchFamily="18" charset="0"/>
+                <a:cs typeface="Times New Roman" panose="02020603050405020304" pitchFamily="18" charset="0"/>
+              </a:rPr>
+              <a:t> </a:t>
+            </a:r>
+            <a:r>
+              <a:rPr lang="en-US" dirty="0" err="1">
+                <a:latin typeface="Times New Roman" panose="02020603050405020304" pitchFamily="18" charset="0"/>
+                <a:cs typeface="Times New Roman" panose="02020603050405020304" pitchFamily="18" charset="0"/>
+              </a:rPr>
+              <a:t>được</a:t>
+            </a:r>
+            <a:r>
+              <a:rPr lang="en-US" dirty="0">
+                <a:latin typeface="Times New Roman" panose="02020603050405020304" pitchFamily="18" charset="0"/>
+                <a:cs typeface="Times New Roman" panose="02020603050405020304" pitchFamily="18" charset="0"/>
+              </a:rPr>
+              <a:t> </a:t>
+            </a:r>
+            <a:r>
+              <a:rPr lang="en-US" dirty="0" err="1">
+                <a:latin typeface="Times New Roman" panose="02020603050405020304" pitchFamily="18" charset="0"/>
+                <a:cs typeface="Times New Roman" panose="02020603050405020304" pitchFamily="18" charset="0"/>
+              </a:rPr>
+              <a:t>hệ</a:t>
+            </a:r>
+            <a:r>
+              <a:rPr lang="en-US" dirty="0">
+                <a:latin typeface="Times New Roman" panose="02020603050405020304" pitchFamily="18" charset="0"/>
+                <a:cs typeface="Times New Roman" panose="02020603050405020304" pitchFamily="18" charset="0"/>
+              </a:rPr>
+              <a:t> </a:t>
+            </a:r>
+            <a:r>
+              <a:rPr lang="en-US" dirty="0" err="1">
+                <a:latin typeface="Times New Roman" panose="02020603050405020304" pitchFamily="18" charset="0"/>
+                <a:cs typeface="Times New Roman" panose="02020603050405020304" pitchFamily="18" charset="0"/>
+              </a:rPr>
+              <a:t>thống</a:t>
+            </a:r>
+            <a:r>
+              <a:rPr lang="en-US" dirty="0">
+                <a:latin typeface="Times New Roman" panose="02020603050405020304" pitchFamily="18" charset="0"/>
+                <a:cs typeface="Times New Roman" panose="02020603050405020304" pitchFamily="18" charset="0"/>
+              </a:rPr>
+              <a:t> </a:t>
+            </a:r>
+            <a:r>
+              <a:rPr lang="en-US" dirty="0" err="1">
+                <a:latin typeface="Times New Roman" panose="02020603050405020304" pitchFamily="18" charset="0"/>
+                <a:cs typeface="Times New Roman" panose="02020603050405020304" pitchFamily="18" charset="0"/>
+              </a:rPr>
+              <a:t>ứng</a:t>
+            </a:r>
+            <a:r>
+              <a:rPr lang="en-US" dirty="0">
+                <a:latin typeface="Times New Roman" panose="02020603050405020304" pitchFamily="18" charset="0"/>
+                <a:cs typeface="Times New Roman" panose="02020603050405020304" pitchFamily="18" charset="0"/>
+              </a:rPr>
+              <a:t> </a:t>
+            </a:r>
+            <a:r>
+              <a:rPr lang="en-US" dirty="0" err="1">
+                <a:latin typeface="Times New Roman" panose="02020603050405020304" pitchFamily="18" charset="0"/>
+                <a:cs typeface="Times New Roman" panose="02020603050405020304" pitchFamily="18" charset="0"/>
+              </a:rPr>
+              <a:t>dụng</a:t>
+            </a:r>
+            <a:r>
+              <a:rPr lang="en-US" dirty="0">
+                <a:latin typeface="Times New Roman" panose="02020603050405020304" pitchFamily="18" charset="0"/>
+                <a:cs typeface="Times New Roman" panose="02020603050405020304" pitchFamily="18" charset="0"/>
+              </a:rPr>
+              <a:t> </a:t>
+            </a:r>
+            <a:r>
+              <a:rPr lang="en-US" dirty="0" err="1" smtClean="0">
+                <a:latin typeface="Times New Roman" panose="02020603050405020304" pitchFamily="18" charset="0"/>
+                <a:cs typeface="Times New Roman" panose="02020603050405020304" pitchFamily="18" charset="0"/>
+              </a:rPr>
+              <a:t>với</a:t>
+            </a:r>
+            <a:r>
+              <a:rPr lang="en-US" dirty="0" smtClean="0">
+                <a:latin typeface="Times New Roman" panose="02020603050405020304" pitchFamily="18" charset="0"/>
+                <a:cs typeface="Times New Roman" panose="02020603050405020304" pitchFamily="18" charset="0"/>
+              </a:rPr>
+              <a:t> GUI </a:t>
+            </a:r>
+            <a:r>
+              <a:rPr lang="en-US" dirty="0" err="1" smtClean="0">
+                <a:latin typeface="Times New Roman" panose="02020603050405020304" pitchFamily="18" charset="0"/>
+                <a:cs typeface="Times New Roman" panose="02020603050405020304" pitchFamily="18" charset="0"/>
+              </a:rPr>
+              <a:t>trên</a:t>
+            </a:r>
+            <a:r>
+              <a:rPr lang="en-US" dirty="0" smtClean="0">
+                <a:latin typeface="Times New Roman" panose="02020603050405020304" pitchFamily="18" charset="0"/>
+                <a:cs typeface="Times New Roman" panose="02020603050405020304" pitchFamily="18" charset="0"/>
+              </a:rPr>
+              <a:t> desktop</a:t>
+            </a:r>
+            <a:endParaRPr lang="en-US" dirty="0">
+              <a:latin typeface="Times New Roman" panose="02020603050405020304" pitchFamily="18" charset="0"/>
+              <a:cs typeface="Times New Roman" panose="02020603050405020304" pitchFamily="18" charset="0"/>
+            </a:endParaRPr>
+          </a:p>
+          <a:p>
+            <a:pPr marL="0" indent="0">
+              <a:buNone/>
+            </a:pPr>
+            <a:endParaRPr lang="en-US" dirty="0">
+              <a:latin typeface="Times New Roman" panose="02020603050405020304" pitchFamily="18" charset="0"/>
+              <a:cs typeface="Times New Roman" panose="02020603050405020304" pitchFamily="18" charset="0"/>
+            </a:endParaRPr>
+          </a:p>
+          <a:p>
+            <a:pPr marL="0" indent="0">
+              <a:buNone/>
+            </a:pPr>
+            <a:endParaRPr lang="en-US" dirty="0">
+              <a:latin typeface="Times New Roman" panose="02020603050405020304" pitchFamily="18" charset="0"/>
+              <a:cs typeface="Times New Roman" panose="02020603050405020304" pitchFamily="18" charset="0"/>
+            </a:endParaRPr>
+          </a:p>
+          <a:p>
+            <a:endParaRPr lang="en-US" dirty="0"/>
+          </a:p>
+        </p:txBody>
+      </p:sp>
+    </p:spTree>
+    <p:extLst>
+      <p:ext uri="{BB962C8B-B14F-4D97-AF65-F5344CB8AC3E}">
+        <p14:creationId xmlns:p14="http://schemas.microsoft.com/office/powerpoint/2010/main" val="3007703067"/>
+      </p:ext>
+    </p:extLst>
+  </p:cSld>
+  <p:clrMapOvr>
+    <a:masterClrMapping/>
+  </p:clrMapOvr>
+  <p:transition spd="slow">
+    <p:wipe/>
+  </p:transition>
+  <p:timing>
+    <p:tnLst>
+      <p:par>
+        <p:cTn id="1" dur="indefinite" restart="never" nodeType="tmRoot"/>
+      </p:par>
+    </p:tnLst>
+  </p:timing>
+</p:sld>
+</file>
+
+<file path=ppt/slides/slide26.xml><?xml version="1.0" encoding="utf-8"?>
+<p:sld xmlns:a="http://schemas.openxmlformats.org/drawingml/2006/main" xmlns:r="http://schemas.openxmlformats.org/officeDocument/2006/relationships" xmlns:p="http://schemas.openxmlformats.org/presentationml/2006/main">
+  <p:cSld>
     <p:bg>
       <p:bgPr>
         <a:solidFill>
@@ -20052,7 +25268,7 @@
                 <a16:creationId xmlns:a16="http://schemas.microsoft.com/office/drawing/2014/main" id="{88294908-8B00-4F58-BBBA-20F71A40AA9E}"/>
               </a:ext>
               <a:ext uri="{C183D7F6-B498-43B3-948B-1728B52AA6E4}">
-                <adec:decorative xmlns:adec="http://schemas.microsoft.com/office/drawing/2017/decorative" xmlns="" val="1"/>
+                <adec:decorative xmlns="" xmlns:adec="http://schemas.microsoft.com/office/drawing/2017/decorative" val="1"/>
               </a:ext>
             </a:extLst>
           </p:cNvPr>
@@ -20115,7 +25331,7 @@
                 <a16:creationId xmlns:a16="http://schemas.microsoft.com/office/drawing/2014/main" id="{4364C879-1404-4203-8E9D-CC5DE0A621A2}"/>
               </a:ext>
               <a:ext uri="{C183D7F6-B498-43B3-948B-1728B52AA6E4}">
-                <adec:decorative xmlns:adec="http://schemas.microsoft.com/office/drawing/2017/decorative" xmlns="" val="1"/>
+                <adec:decorative xmlns="" xmlns:adec="http://schemas.microsoft.com/office/drawing/2017/decorative" val="1"/>
               </a:ext>
             </a:extLst>
           </p:cNvPr>
@@ -20225,7 +25441,7 @@
                 <a16:creationId xmlns:a16="http://schemas.microsoft.com/office/drawing/2014/main" id="{84617302-4B0D-4351-A6BB-6F0930D943AC}"/>
               </a:ext>
               <a:ext uri="{C183D7F6-B498-43B3-948B-1728B52AA6E4}">
-                <adec:decorative xmlns:adec="http://schemas.microsoft.com/office/drawing/2017/decorative" xmlns="" val="1"/>
+                <adec:decorative xmlns="" xmlns:adec="http://schemas.microsoft.com/office/drawing/2017/decorative" val="1"/>
               </a:ext>
             </a:extLst>
           </p:cNvPr>
@@ -20343,7 +25559,7 @@
                 <a16:creationId xmlns:a16="http://schemas.microsoft.com/office/drawing/2014/main" id="{DA2C7802-C2E0-4218-8F89-8DD7CCD2CD1C}"/>
               </a:ext>
               <a:ext uri="{C183D7F6-B498-43B3-948B-1728B52AA6E4}">
-                <adec:decorative xmlns:adec="http://schemas.microsoft.com/office/drawing/2017/decorative" xmlns="" val="1"/>
+                <adec:decorative xmlns="" xmlns:adec="http://schemas.microsoft.com/office/drawing/2017/decorative" val="1"/>
               </a:ext>
             </a:extLst>
           </p:cNvPr>
@@ -20453,7 +25669,7 @@
                 <a16:creationId xmlns:a16="http://schemas.microsoft.com/office/drawing/2014/main" id="{A6D7111A-21E5-4EE9-8A78-10E5530F0116}"/>
               </a:ext>
               <a:ext uri="{C183D7F6-B498-43B3-948B-1728B52AA6E4}">
-                <adec:decorative xmlns:adec="http://schemas.microsoft.com/office/drawing/2017/decorative" xmlns="" val="1"/>
+                <adec:decorative xmlns="" xmlns:adec="http://schemas.microsoft.com/office/drawing/2017/decorative" val="1"/>
               </a:ext>
             </a:extLst>
           </p:cNvPr>
@@ -20520,7 +25736,7 @@
                 <a16:creationId xmlns:a16="http://schemas.microsoft.com/office/drawing/2014/main" id="{A3969E80-A77B-49FC-9122-D89AFD5EE118}"/>
               </a:ext>
               <a:ext uri="{C183D7F6-B498-43B3-948B-1728B52AA6E4}">
-                <adec:decorative xmlns:adec="http://schemas.microsoft.com/office/drawing/2017/decorative" xmlns="" val="1"/>
+                <adec:decorative xmlns="" xmlns:adec="http://schemas.microsoft.com/office/drawing/2017/decorative" val="1"/>
               </a:ext>
             </a:extLst>
           </p:cNvPr>
@@ -20638,7 +25854,7 @@
                 <a16:creationId xmlns:a16="http://schemas.microsoft.com/office/drawing/2014/main" id="{1849CA57-76BD-4CF2-80BA-D7A46A01B7B1}"/>
               </a:ext>
               <a:ext uri="{C183D7F6-B498-43B3-948B-1728B52AA6E4}">
-                <adec:decorative xmlns:adec="http://schemas.microsoft.com/office/drawing/2017/decorative" xmlns="" val="1"/>
+                <adec:decorative xmlns="" xmlns:adec="http://schemas.microsoft.com/office/drawing/2017/decorative" val="1"/>
               </a:ext>
             </a:extLst>
           </p:cNvPr>
@@ -20716,7 +25932,7 @@
                 <a16:creationId xmlns:a16="http://schemas.microsoft.com/office/drawing/2014/main" id="{35E9085E-E730-4768-83D4-6CB7E9897153}"/>
               </a:ext>
               <a:ext uri="{C183D7F6-B498-43B3-948B-1728B52AA6E4}">
-                <adec:decorative xmlns:adec="http://schemas.microsoft.com/office/drawing/2017/decorative" xmlns="" val="1"/>
+                <adec:decorative xmlns="" xmlns:adec="http://schemas.microsoft.com/office/drawing/2017/decorative" val="1"/>
               </a:ext>
             </a:extLst>
           </p:cNvPr>
@@ -20840,7 +26056,7 @@
                 <a16:creationId xmlns:a16="http://schemas.microsoft.com/office/drawing/2014/main" id="{973272FE-A474-4CAE-8CA2-BCC8B476C3F4}"/>
               </a:ext>
               <a:ext uri="{C183D7F6-B498-43B3-948B-1728B52AA6E4}">
-                <adec:decorative xmlns:adec="http://schemas.microsoft.com/office/drawing/2017/decorative" xmlns="" val="1"/>
+                <adec:decorative xmlns="" xmlns:adec="http://schemas.microsoft.com/office/drawing/2017/decorative" val="1"/>
               </a:ext>
             </a:extLst>
           </p:cNvPr>
@@ -21275,7 +26491,7 @@
                 <a16:creationId xmlns:a16="http://schemas.microsoft.com/office/drawing/2014/main" id="{E07981EA-05A6-437C-88D7-B377B92B031D}"/>
               </a:ext>
               <a:ext uri="{C183D7F6-B498-43B3-948B-1728B52AA6E4}">
-                <adec:decorative xmlns:adec="http://schemas.microsoft.com/office/drawing/2017/decorative" xmlns="" val="1"/>
+                <adec:decorative xmlns="" xmlns:adec="http://schemas.microsoft.com/office/drawing/2017/decorative" val="1"/>
               </a:ext>
             </a:extLst>
           </p:cNvPr>
@@ -21385,7 +26601,7 @@
                 <a16:creationId xmlns:a16="http://schemas.microsoft.com/office/drawing/2014/main" id="{15E3C750-986E-4769-B1AE-49289FBEE757}"/>
               </a:ext>
               <a:ext uri="{C183D7F6-B498-43B3-948B-1728B52AA6E4}">
-                <adec:decorative xmlns:adec="http://schemas.microsoft.com/office/drawing/2017/decorative" xmlns="" val="1"/>
+                <adec:decorative xmlns="" xmlns:adec="http://schemas.microsoft.com/office/drawing/2017/decorative" val="1"/>
               </a:ext>
             </a:extLst>
           </p:cNvPr>
@@ -27233,56 +32449,6 @@
           </a:p>
         </p:txBody>
       </p:sp>
-      <p:pic>
-        <p:nvPicPr>
-          <p:cNvPr id="4" name="Content Placeholder 3"/>
-          <p:cNvPicPr>
-            <a:picLocks noGrp="1" noChangeAspect="1"/>
-          </p:cNvPicPr>
-          <p:nvPr>
-            <p:ph idx="1"/>
-          </p:nvPr>
-        </p:nvPicPr>
-        <p:blipFill>
-          <a:blip r:embed="rId2"/>
-          <a:stretch>
-            <a:fillRect/>
-          </a:stretch>
-        </p:blipFill>
-        <p:spPr>
-          <a:xfrm>
-            <a:off x="1246499" y="1320294"/>
-            <a:ext cx="3806268" cy="3909981"/>
-          </a:xfrm>
-          <a:prstGeom prst="rect">
-            <a:avLst/>
-          </a:prstGeom>
-        </p:spPr>
-      </p:pic>
-      <p:pic>
-        <p:nvPicPr>
-          <p:cNvPr id="5" name="Picture 4"/>
-          <p:cNvPicPr>
-            <a:picLocks noChangeAspect="1"/>
-          </p:cNvPicPr>
-          <p:nvPr/>
-        </p:nvPicPr>
-        <p:blipFill>
-          <a:blip r:embed="rId3"/>
-          <a:stretch>
-            <a:fillRect/>
-          </a:stretch>
-        </p:blipFill>
-        <p:spPr>
-          <a:xfrm>
-            <a:off x="6117997" y="1320293"/>
-            <a:ext cx="3984356" cy="3909981"/>
-          </a:xfrm>
-          <a:prstGeom prst="rect">
-            <a:avLst/>
-          </a:prstGeom>
-        </p:spPr>
-      </p:pic>
       <p:sp>
         <p:nvSpPr>
           <p:cNvPr id="6" name="TextBox 5"/>
@@ -27467,6 +32633,54 @@
           </a:p>
         </p:txBody>
       </p:sp>
+      <p:pic>
+        <p:nvPicPr>
+          <p:cNvPr id="8" name="Picture 7"/>
+          <p:cNvPicPr>
+            <a:picLocks noChangeAspect="1"/>
+          </p:cNvPicPr>
+          <p:nvPr/>
+        </p:nvPicPr>
+        <p:blipFill>
+          <a:blip r:embed="rId2"/>
+          <a:stretch>
+            <a:fillRect/>
+          </a:stretch>
+        </p:blipFill>
+        <p:spPr>
+          <a:xfrm>
+            <a:off x="1275322" y="1320293"/>
+            <a:ext cx="4182797" cy="3825028"/>
+          </a:xfrm>
+          <a:prstGeom prst="rect">
+            <a:avLst/>
+          </a:prstGeom>
+        </p:spPr>
+      </p:pic>
+      <p:pic>
+        <p:nvPicPr>
+          <p:cNvPr id="9" name="Picture 8"/>
+          <p:cNvPicPr>
+            <a:picLocks noChangeAspect="1"/>
+          </p:cNvPicPr>
+          <p:nvPr/>
+        </p:nvPicPr>
+        <p:blipFill>
+          <a:blip r:embed="rId3"/>
+          <a:stretch>
+            <a:fillRect/>
+          </a:stretch>
+        </p:blipFill>
+        <p:spPr>
+          <a:xfrm>
+            <a:off x="6191207" y="1320293"/>
+            <a:ext cx="4329746" cy="3668256"/>
+          </a:xfrm>
+          <a:prstGeom prst="rect">
+            <a:avLst/>
+          </a:prstGeom>
+        </p:spPr>
+      </p:pic>
     </p:spTree>
     <p:extLst>
       <p:ext uri="{BB962C8B-B14F-4D97-AF65-F5344CB8AC3E}">
@@ -28617,56 +33831,6 @@
           </a:p>
         </p:txBody>
       </p:sp>
-      <p:pic>
-        <p:nvPicPr>
-          <p:cNvPr id="4" name="Content Placeholder 3"/>
-          <p:cNvPicPr>
-            <a:picLocks noGrp="1" noChangeAspect="1"/>
-          </p:cNvPicPr>
-          <p:nvPr>
-            <p:ph idx="1"/>
-          </p:nvPr>
-        </p:nvPicPr>
-        <p:blipFill>
-          <a:blip r:embed="rId2"/>
-          <a:stretch>
-            <a:fillRect/>
-          </a:stretch>
-        </p:blipFill>
-        <p:spPr>
-          <a:xfrm>
-            <a:off x="985392" y="1401050"/>
-            <a:ext cx="3553321" cy="3429479"/>
-          </a:xfrm>
-          <a:prstGeom prst="rect">
-            <a:avLst/>
-          </a:prstGeom>
-        </p:spPr>
-      </p:pic>
-      <p:pic>
-        <p:nvPicPr>
-          <p:cNvPr id="5" name="Picture 4"/>
-          <p:cNvPicPr>
-            <a:picLocks noChangeAspect="1"/>
-          </p:cNvPicPr>
-          <p:nvPr/>
-        </p:nvPicPr>
-        <p:blipFill>
-          <a:blip r:embed="rId3"/>
-          <a:stretch>
-            <a:fillRect/>
-          </a:stretch>
-        </p:blipFill>
-        <p:spPr>
-          <a:xfrm>
-            <a:off x="6272875" y="1401049"/>
-            <a:ext cx="3466554" cy="3429479"/>
-          </a:xfrm>
-          <a:prstGeom prst="rect">
-            <a:avLst/>
-          </a:prstGeom>
-        </p:spPr>
-      </p:pic>
       <p:sp>
         <p:nvSpPr>
           <p:cNvPr id="7" name="TextBox 6"/>
@@ -28830,6 +33994,54 @@
           </a:p>
         </p:txBody>
       </p:sp>
+      <p:pic>
+        <p:nvPicPr>
+          <p:cNvPr id="6" name="Picture 5"/>
+          <p:cNvPicPr>
+            <a:picLocks noChangeAspect="1"/>
+          </p:cNvPicPr>
+          <p:nvPr/>
+        </p:nvPicPr>
+        <p:blipFill>
+          <a:blip r:embed="rId2"/>
+          <a:stretch>
+            <a:fillRect/>
+          </a:stretch>
+        </p:blipFill>
+        <p:spPr>
+          <a:xfrm>
+            <a:off x="1048337" y="1401049"/>
+            <a:ext cx="4534113" cy="3519743"/>
+          </a:xfrm>
+          <a:prstGeom prst="rect">
+            <a:avLst/>
+          </a:prstGeom>
+        </p:spPr>
+      </p:pic>
+      <p:pic>
+        <p:nvPicPr>
+          <p:cNvPr id="9" name="Picture 8"/>
+          <p:cNvPicPr>
+            <a:picLocks noChangeAspect="1"/>
+          </p:cNvPicPr>
+          <p:nvPr/>
+        </p:nvPicPr>
+        <p:blipFill>
+          <a:blip r:embed="rId3"/>
+          <a:stretch>
+            <a:fillRect/>
+          </a:stretch>
+        </p:blipFill>
+        <p:spPr>
+          <a:xfrm>
+            <a:off x="6096000" y="1401049"/>
+            <a:ext cx="4498112" cy="3519743"/>
+          </a:xfrm>
+          <a:prstGeom prst="rect">
+            <a:avLst/>
+          </a:prstGeom>
+        </p:spPr>
+      </p:pic>
     </p:spTree>
     <p:extLst>
       <p:ext uri="{BB962C8B-B14F-4D97-AF65-F5344CB8AC3E}">
@@ -29149,18 +34361,18 @@
 </file>
 
 <file path=customXml/item1.xml><?xml version="1.0" encoding="utf-8"?>
-<p:properties xmlns:p="http://schemas.microsoft.com/office/2006/metadata/properties" xmlns:xsi="http://www.w3.org/2001/XMLSchema-instance" xmlns:pc="http://schemas.microsoft.com/office/infopath/2007/PartnerControls">
-  <documentManagement/>
-</p:properties>
-</file>
-
-<file path=customXml/item2.xml><?xml version="1.0" encoding="utf-8"?>
 <?mso-contentType ?>
 <FormTemplates xmlns="http://schemas.microsoft.com/sharepoint/v3/contenttype/forms">
   <Display>DocumentLibraryForm</Display>
   <Edit>DocumentLibraryForm</Edit>
   <New>DocumentLibraryForm</New>
 </FormTemplates>
+</file>
+
+<file path=customXml/item2.xml><?xml version="1.0" encoding="utf-8"?>
+<p:properties xmlns:p="http://schemas.microsoft.com/office/2006/metadata/properties" xmlns:xsi="http://www.w3.org/2001/XMLSchema-instance" xmlns:pc="http://schemas.microsoft.com/office/infopath/2007/PartnerControls">
+  <documentManagement/>
+</p:properties>
 </file>
 
 <file path=customXml/item3.xml><?xml version="1.0" encoding="utf-8"?>
@@ -29381,6 +34593,14 @@
 </file>
 
 <file path=customXml/itemProps1.xml><?xml version="1.0" encoding="utf-8"?>
+<ds:datastoreItem xmlns:ds="http://schemas.openxmlformats.org/officeDocument/2006/customXml" ds:itemID="{CA7EF7B4-E42E-4079-ABC9-3E13F53C9442}">
+  <ds:schemaRefs>
+    <ds:schemaRef ds:uri="http://schemas.microsoft.com/sharepoint/v3/contenttype/forms"/>
+  </ds:schemaRefs>
+</ds:datastoreItem>
+</file>
+
+<file path=customXml/itemProps2.xml><?xml version="1.0" encoding="utf-8"?>
 <ds:datastoreItem xmlns:ds="http://schemas.openxmlformats.org/officeDocument/2006/customXml" ds:itemID="{944FA67C-C536-4041-A7BD-7326E68929D6}">
   <ds:schemaRefs>
     <ds:schemaRef ds:uri="http://schemas.microsoft.com/office/2006/metadata/properties"/>
@@ -29393,14 +34613,6 @@
     <ds:schemaRef ds:uri="http://schemas.microsoft.com/office/infopath/2007/PartnerControls"/>
     <ds:schemaRef ds:uri="http://schemas.openxmlformats.org/package/2006/metadata/core-properties"/>
     <ds:schemaRef ds:uri="http://purl.org/dc/terms/"/>
-  </ds:schemaRefs>
-</ds:datastoreItem>
-</file>
-
-<file path=customXml/itemProps2.xml><?xml version="1.0" encoding="utf-8"?>
-<ds:datastoreItem xmlns:ds="http://schemas.openxmlformats.org/officeDocument/2006/customXml" ds:itemID="{CA7EF7B4-E42E-4079-ABC9-3E13F53C9442}">
-  <ds:schemaRefs>
-    <ds:schemaRef ds:uri="http://schemas.microsoft.com/sharepoint/v3/contenttype/forms"/>
   </ds:schemaRefs>
 </ds:datastoreItem>
 </file>
